--- a/Manuscript/Figures/03_DATA_Annual_Average_Rainfall.pptx
+++ b/Manuscript/Figures/03_DATA_Annual_Average_Rainfall.pptx
@@ -2,12 +2,12 @@
 <file path=ppt/presentation.xml><?xml version="1.0" encoding="utf-8"?>
 <p:presentation xmlns:a="http://schemas.openxmlformats.org/drawingml/2006/main" xmlns:r="http://schemas.openxmlformats.org/officeDocument/2006/relationships" xmlns:p="http://schemas.openxmlformats.org/presentationml/2006/main" saveSubsetFonts="1">
   <p:sldMasterIdLst>
-    <p:sldMasterId id="2147483660" r:id="rId1"/>
+    <p:sldMasterId id="2147483672" r:id="rId1"/>
   </p:sldMasterIdLst>
   <p:sldIdLst>
     <p:sldId id="256" r:id="rId2"/>
   </p:sldIdLst>
-  <p:sldSz cx="6858000" cy="9906000" type="A4"/>
+  <p:sldSz cx="6480175" cy="5472113"/>
   <p:notesSz cx="6858000" cy="9144000"/>
   <p:defaultTextStyle>
     <a:defPPr>
@@ -104,12 +104,2438 @@
       </a:defRPr>
     </a:lvl9pPr>
   </p:defaultTextStyle>
+  <p:extLst>
+    <p:ext uri="{EFAFB233-063F-42B5-8137-9DF3F51BA10A}">
+      <p15:sldGuideLst xmlns:p15="http://schemas.microsoft.com/office/powerpoint/2012/main"/>
+    </p:ext>
+  </p:extLst>
 </p:presentation>
+</file>
+
+<file path=ppt/revisionInfo.xml><?xml version="1.0" encoding="utf-8"?>
+<p1510:revInfo xmlns:a="http://schemas.openxmlformats.org/drawingml/2006/main" xmlns:r="http://schemas.openxmlformats.org/officeDocument/2006/relationships" xmlns:p1510="http://schemas.microsoft.com/office/powerpoint/2015/10/main">
+  <p1510:revLst>
+    <p1510:client id="{E4EB9531-B35B-4F76-8762-A23C9D2F4928}" v="4" dt="2023-11-06T22:04:25.049"/>
+  </p1510:revLst>
+</p1510:revInfo>
+</file>
+
+<file path=ppt/changesInfos/changesInfo1.xml><?xml version="1.0" encoding="utf-8"?>
+<pc:chgInfo xmlns:a="http://schemas.openxmlformats.org/drawingml/2006/main" xmlns:r="http://schemas.openxmlformats.org/officeDocument/2006/relationships" xmlns:ac="http://schemas.microsoft.com/office/drawing/2013/main/command" xmlns:pc="http://schemas.microsoft.com/office/powerpoint/2013/main/command">
+  <pc:docChgLst>
+    <pc:chgData name="Fatima Pillosu" userId="a6295d4dc9e22643" providerId="LiveId" clId="{E4EB9531-B35B-4F76-8762-A23C9D2F4928}"/>
+    <pc:docChg chg="undo custSel modSld">
+      <pc:chgData name="Fatima Pillosu" userId="a6295d4dc9e22643" providerId="LiveId" clId="{E4EB9531-B35B-4F76-8762-A23C9D2F4928}" dt="2023-11-06T22:44:18.778" v="284"/>
+      <pc:docMkLst>
+        <pc:docMk/>
+      </pc:docMkLst>
+      <pc:sldChg chg="addSp delSp modSp mod">
+        <pc:chgData name="Fatima Pillosu" userId="a6295d4dc9e22643" providerId="LiveId" clId="{E4EB9531-B35B-4F76-8762-A23C9D2F4928}" dt="2023-11-06T22:44:18.778" v="284"/>
+        <pc:sldMkLst>
+          <pc:docMk/>
+          <pc:sldMk cId="1967199282" sldId="256"/>
+        </pc:sldMkLst>
+        <pc:spChg chg="add del">
+          <ac:chgData name="Fatima Pillosu" userId="a6295d4dc9e22643" providerId="LiveId" clId="{E4EB9531-B35B-4F76-8762-A23C9D2F4928}" dt="2023-11-06T21:57:06.505" v="153" actId="478"/>
+          <ac:spMkLst>
+            <pc:docMk/>
+            <pc:sldMk cId="1967199282" sldId="256"/>
+            <ac:spMk id="2" creationId="{A24728DB-E206-93DB-C465-72D4DD09D6F3}"/>
+          </ac:spMkLst>
+        </pc:spChg>
+        <pc:spChg chg="del mod">
+          <ac:chgData name="Fatima Pillosu" userId="a6295d4dc9e22643" providerId="LiveId" clId="{E4EB9531-B35B-4F76-8762-A23C9D2F4928}" dt="2023-11-06T21:57:08.574" v="154" actId="21"/>
+          <ac:spMkLst>
+            <pc:docMk/>
+            <pc:sldMk cId="1967199282" sldId="256"/>
+            <ac:spMk id="14" creationId="{AB54E720-C20E-8F3E-AF70-CB1FB43059F9}"/>
+          </ac:spMkLst>
+        </pc:spChg>
+        <pc:spChg chg="del mod">
+          <ac:chgData name="Fatima Pillosu" userId="a6295d4dc9e22643" providerId="LiveId" clId="{E4EB9531-B35B-4F76-8762-A23C9D2F4928}" dt="2023-11-06T21:57:08.574" v="154" actId="21"/>
+          <ac:spMkLst>
+            <pc:docMk/>
+            <pc:sldMk cId="1967199282" sldId="256"/>
+            <ac:spMk id="15" creationId="{801FB2DD-1A84-9CBE-B24D-8B9B69E702E1}"/>
+          </ac:spMkLst>
+        </pc:spChg>
+        <pc:spChg chg="del mod">
+          <ac:chgData name="Fatima Pillosu" userId="a6295d4dc9e22643" providerId="LiveId" clId="{E4EB9531-B35B-4F76-8762-A23C9D2F4928}" dt="2023-11-06T21:57:08.574" v="154" actId="21"/>
+          <ac:spMkLst>
+            <pc:docMk/>
+            <pc:sldMk cId="1967199282" sldId="256"/>
+            <ac:spMk id="16" creationId="{6A7CC62F-3A5C-4EC6-BA80-BCE5E0154747}"/>
+          </ac:spMkLst>
+        </pc:spChg>
+        <pc:spChg chg="del mod">
+          <ac:chgData name="Fatima Pillosu" userId="a6295d4dc9e22643" providerId="LiveId" clId="{E4EB9531-B35B-4F76-8762-A23C9D2F4928}" dt="2023-11-06T21:57:08.574" v="154" actId="21"/>
+          <ac:spMkLst>
+            <pc:docMk/>
+            <pc:sldMk cId="1967199282" sldId="256"/>
+            <ac:spMk id="17" creationId="{13F2EEF9-A30B-F4D0-E4C7-757A4A6534BD}"/>
+          </ac:spMkLst>
+        </pc:spChg>
+        <pc:spChg chg="del mod">
+          <ac:chgData name="Fatima Pillosu" userId="a6295d4dc9e22643" providerId="LiveId" clId="{E4EB9531-B35B-4F76-8762-A23C9D2F4928}" dt="2023-11-06T21:57:08.574" v="154" actId="21"/>
+          <ac:spMkLst>
+            <pc:docMk/>
+            <pc:sldMk cId="1967199282" sldId="256"/>
+            <ac:spMk id="18" creationId="{6C78F163-5F25-04A8-5D01-F3B77DD36EB6}"/>
+          </ac:spMkLst>
+        </pc:spChg>
+        <pc:spChg chg="del mod">
+          <ac:chgData name="Fatima Pillosu" userId="a6295d4dc9e22643" providerId="LiveId" clId="{E4EB9531-B35B-4F76-8762-A23C9D2F4928}" dt="2023-11-06T21:57:08.574" v="154" actId="21"/>
+          <ac:spMkLst>
+            <pc:docMk/>
+            <pc:sldMk cId="1967199282" sldId="256"/>
+            <ac:spMk id="19" creationId="{4ECCE176-1E03-BF5E-2F99-30243AE9EBDA}"/>
+          </ac:spMkLst>
+        </pc:spChg>
+        <pc:spChg chg="del mod">
+          <ac:chgData name="Fatima Pillosu" userId="a6295d4dc9e22643" providerId="LiveId" clId="{E4EB9531-B35B-4F76-8762-A23C9D2F4928}" dt="2023-11-06T21:57:08.574" v="154" actId="21"/>
+          <ac:spMkLst>
+            <pc:docMk/>
+            <pc:sldMk cId="1967199282" sldId="256"/>
+            <ac:spMk id="20" creationId="{091843D6-C832-6B75-55A3-D430B6B7D35F}"/>
+          </ac:spMkLst>
+        </pc:spChg>
+        <pc:spChg chg="del mod">
+          <ac:chgData name="Fatima Pillosu" userId="a6295d4dc9e22643" providerId="LiveId" clId="{E4EB9531-B35B-4F76-8762-A23C9D2F4928}" dt="2023-11-06T21:57:08.574" v="154" actId="21"/>
+          <ac:spMkLst>
+            <pc:docMk/>
+            <pc:sldMk cId="1967199282" sldId="256"/>
+            <ac:spMk id="21" creationId="{2DDD0243-2947-57EF-E689-E24D31D23DAC}"/>
+          </ac:spMkLst>
+        </pc:spChg>
+        <pc:spChg chg="del mod">
+          <ac:chgData name="Fatima Pillosu" userId="a6295d4dc9e22643" providerId="LiveId" clId="{E4EB9531-B35B-4F76-8762-A23C9D2F4928}" dt="2023-11-06T21:57:08.574" v="154" actId="21"/>
+          <ac:spMkLst>
+            <pc:docMk/>
+            <pc:sldMk cId="1967199282" sldId="256"/>
+            <ac:spMk id="22" creationId="{7937FF9A-EDCD-3A48-F1D9-763C94463B62}"/>
+          </ac:spMkLst>
+        </pc:spChg>
+        <pc:spChg chg="del mod">
+          <ac:chgData name="Fatima Pillosu" userId="a6295d4dc9e22643" providerId="LiveId" clId="{E4EB9531-B35B-4F76-8762-A23C9D2F4928}" dt="2023-11-06T21:57:08.574" v="154" actId="21"/>
+          <ac:spMkLst>
+            <pc:docMk/>
+            <pc:sldMk cId="1967199282" sldId="256"/>
+            <ac:spMk id="23" creationId="{4CD0479F-4DFE-2426-85FB-265889E97BD6}"/>
+          </ac:spMkLst>
+        </pc:spChg>
+        <pc:spChg chg="del mod">
+          <ac:chgData name="Fatima Pillosu" userId="a6295d4dc9e22643" providerId="LiveId" clId="{E4EB9531-B35B-4F76-8762-A23C9D2F4928}" dt="2023-11-06T21:57:08.574" v="154" actId="21"/>
+          <ac:spMkLst>
+            <pc:docMk/>
+            <pc:sldMk cId="1967199282" sldId="256"/>
+            <ac:spMk id="24" creationId="{56364ACC-A4F5-4CE2-DFDB-9C46BC9875F1}"/>
+          </ac:spMkLst>
+        </pc:spChg>
+        <pc:spChg chg="del mod">
+          <ac:chgData name="Fatima Pillosu" userId="a6295d4dc9e22643" providerId="LiveId" clId="{E4EB9531-B35B-4F76-8762-A23C9D2F4928}" dt="2023-11-06T21:57:08.574" v="154" actId="21"/>
+          <ac:spMkLst>
+            <pc:docMk/>
+            <pc:sldMk cId="1967199282" sldId="256"/>
+            <ac:spMk id="25" creationId="{91517E9D-4215-3181-DD54-3BA52607C64A}"/>
+          </ac:spMkLst>
+        </pc:spChg>
+        <pc:spChg chg="del mod">
+          <ac:chgData name="Fatima Pillosu" userId="a6295d4dc9e22643" providerId="LiveId" clId="{E4EB9531-B35B-4F76-8762-A23C9D2F4928}" dt="2023-11-06T21:57:08.574" v="154" actId="21"/>
+          <ac:spMkLst>
+            <pc:docMk/>
+            <pc:sldMk cId="1967199282" sldId="256"/>
+            <ac:spMk id="26" creationId="{C0BF91D0-F0D4-E369-E1DB-025FE660A3FD}"/>
+          </ac:spMkLst>
+        </pc:spChg>
+        <pc:spChg chg="del mod">
+          <ac:chgData name="Fatima Pillosu" userId="a6295d4dc9e22643" providerId="LiveId" clId="{E4EB9531-B35B-4F76-8762-A23C9D2F4928}" dt="2023-11-06T21:57:08.574" v="154" actId="21"/>
+          <ac:spMkLst>
+            <pc:docMk/>
+            <pc:sldMk cId="1967199282" sldId="256"/>
+            <ac:spMk id="27" creationId="{8A0B78F6-F1DD-4E0D-8095-E69124D49C4B}"/>
+          </ac:spMkLst>
+        </pc:spChg>
+        <pc:spChg chg="del mod">
+          <ac:chgData name="Fatima Pillosu" userId="a6295d4dc9e22643" providerId="LiveId" clId="{E4EB9531-B35B-4F76-8762-A23C9D2F4928}" dt="2023-11-06T21:57:08.574" v="154" actId="21"/>
+          <ac:spMkLst>
+            <pc:docMk/>
+            <pc:sldMk cId="1967199282" sldId="256"/>
+            <ac:spMk id="28" creationId="{61CDFFA3-72C0-5E18-405C-1EE21EAB7EA7}"/>
+          </ac:spMkLst>
+        </pc:spChg>
+        <pc:spChg chg="del mod">
+          <ac:chgData name="Fatima Pillosu" userId="a6295d4dc9e22643" providerId="LiveId" clId="{E4EB9531-B35B-4F76-8762-A23C9D2F4928}" dt="2023-11-06T21:57:08.574" v="154" actId="21"/>
+          <ac:spMkLst>
+            <pc:docMk/>
+            <pc:sldMk cId="1967199282" sldId="256"/>
+            <ac:spMk id="29" creationId="{EDBD6A72-9349-7B41-A7DF-31F065303B6C}"/>
+          </ac:spMkLst>
+        </pc:spChg>
+        <pc:spChg chg="del mod">
+          <ac:chgData name="Fatima Pillosu" userId="a6295d4dc9e22643" providerId="LiveId" clId="{E4EB9531-B35B-4F76-8762-A23C9D2F4928}" dt="2023-11-06T21:57:08.574" v="154" actId="21"/>
+          <ac:spMkLst>
+            <pc:docMk/>
+            <pc:sldMk cId="1967199282" sldId="256"/>
+            <ac:spMk id="30" creationId="{725BDCA4-7332-2C7E-DA72-66AA4947F90F}"/>
+          </ac:spMkLst>
+        </pc:spChg>
+        <pc:spChg chg="del mod">
+          <ac:chgData name="Fatima Pillosu" userId="a6295d4dc9e22643" providerId="LiveId" clId="{E4EB9531-B35B-4F76-8762-A23C9D2F4928}" dt="2023-11-06T21:57:08.574" v="154" actId="21"/>
+          <ac:spMkLst>
+            <pc:docMk/>
+            <pc:sldMk cId="1967199282" sldId="256"/>
+            <ac:spMk id="31" creationId="{49B94903-CE79-DE02-E85F-12707C044DFF}"/>
+          </ac:spMkLst>
+        </pc:spChg>
+        <pc:spChg chg="mod">
+          <ac:chgData name="Fatima Pillosu" userId="a6295d4dc9e22643" providerId="LiveId" clId="{E4EB9531-B35B-4F76-8762-A23C9D2F4928}" dt="2023-11-06T21:57:52.980" v="155"/>
+          <ac:spMkLst>
+            <pc:docMk/>
+            <pc:sldMk cId="1967199282" sldId="256"/>
+            <ac:spMk id="38" creationId="{0CCC6F76-7303-DB80-484E-75E6B20FC3E5}"/>
+          </ac:spMkLst>
+        </pc:spChg>
+        <pc:spChg chg="add mod">
+          <ac:chgData name="Fatima Pillosu" userId="a6295d4dc9e22643" providerId="LiveId" clId="{E4EB9531-B35B-4F76-8762-A23C9D2F4928}" dt="2023-11-06T22:21:24.114" v="282" actId="1036"/>
+          <ac:spMkLst>
+            <pc:docMk/>
+            <pc:sldMk cId="1967199282" sldId="256"/>
+            <ac:spMk id="39" creationId="{AED7CF04-5E94-8CE0-D68E-E33564E9C74B}"/>
+          </ac:spMkLst>
+        </pc:spChg>
+        <pc:spChg chg="add mod">
+          <ac:chgData name="Fatima Pillosu" userId="a6295d4dc9e22643" providerId="LiveId" clId="{E4EB9531-B35B-4F76-8762-A23C9D2F4928}" dt="2023-11-06T22:21:24.114" v="282" actId="1036"/>
+          <ac:spMkLst>
+            <pc:docMk/>
+            <pc:sldMk cId="1967199282" sldId="256"/>
+            <ac:spMk id="40" creationId="{1D22D9EB-084A-74B3-80B6-7B200298C863}"/>
+          </ac:spMkLst>
+        </pc:spChg>
+        <pc:spChg chg="add mod">
+          <ac:chgData name="Fatima Pillosu" userId="a6295d4dc9e22643" providerId="LiveId" clId="{E4EB9531-B35B-4F76-8762-A23C9D2F4928}" dt="2023-11-06T22:21:24.114" v="282" actId="1036"/>
+          <ac:spMkLst>
+            <pc:docMk/>
+            <pc:sldMk cId="1967199282" sldId="256"/>
+            <ac:spMk id="41" creationId="{83BFD281-C65A-9BF6-B827-7F14BBA947B6}"/>
+          </ac:spMkLst>
+        </pc:spChg>
+        <pc:spChg chg="add mod">
+          <ac:chgData name="Fatima Pillosu" userId="a6295d4dc9e22643" providerId="LiveId" clId="{E4EB9531-B35B-4F76-8762-A23C9D2F4928}" dt="2023-11-06T22:21:24.114" v="282" actId="1036"/>
+          <ac:spMkLst>
+            <pc:docMk/>
+            <pc:sldMk cId="1967199282" sldId="256"/>
+            <ac:spMk id="42" creationId="{B01B55BB-2F1C-A26B-DB2E-626ECD985BA4}"/>
+          </ac:spMkLst>
+        </pc:spChg>
+        <pc:spChg chg="add mod">
+          <ac:chgData name="Fatima Pillosu" userId="a6295d4dc9e22643" providerId="LiveId" clId="{E4EB9531-B35B-4F76-8762-A23C9D2F4928}" dt="2023-11-06T22:21:24.114" v="282" actId="1036"/>
+          <ac:spMkLst>
+            <pc:docMk/>
+            <pc:sldMk cId="1967199282" sldId="256"/>
+            <ac:spMk id="43" creationId="{9EE58432-78C4-6A7B-74E9-98645BB828F6}"/>
+          </ac:spMkLst>
+        </pc:spChg>
+        <pc:spChg chg="add mod">
+          <ac:chgData name="Fatima Pillosu" userId="a6295d4dc9e22643" providerId="LiveId" clId="{E4EB9531-B35B-4F76-8762-A23C9D2F4928}" dt="2023-11-06T22:21:24.114" v="282" actId="1036"/>
+          <ac:spMkLst>
+            <pc:docMk/>
+            <pc:sldMk cId="1967199282" sldId="256"/>
+            <ac:spMk id="44" creationId="{4087D7AB-9953-25B4-294E-4AFD47BAD7E3}"/>
+          </ac:spMkLst>
+        </pc:spChg>
+        <pc:spChg chg="add mod">
+          <ac:chgData name="Fatima Pillosu" userId="a6295d4dc9e22643" providerId="LiveId" clId="{E4EB9531-B35B-4F76-8762-A23C9D2F4928}" dt="2023-11-06T22:21:24.114" v="282" actId="1036"/>
+          <ac:spMkLst>
+            <pc:docMk/>
+            <pc:sldMk cId="1967199282" sldId="256"/>
+            <ac:spMk id="45" creationId="{93A695DE-30F0-04FB-CDDB-D5EA4BB1F2BB}"/>
+          </ac:spMkLst>
+        </pc:spChg>
+        <pc:spChg chg="add mod">
+          <ac:chgData name="Fatima Pillosu" userId="a6295d4dc9e22643" providerId="LiveId" clId="{E4EB9531-B35B-4F76-8762-A23C9D2F4928}" dt="2023-11-06T22:21:24.114" v="282" actId="1036"/>
+          <ac:spMkLst>
+            <pc:docMk/>
+            <pc:sldMk cId="1967199282" sldId="256"/>
+            <ac:spMk id="46" creationId="{7255404B-21E9-AD67-CD6F-54A240B8CFEB}"/>
+          </ac:spMkLst>
+        </pc:spChg>
+        <pc:spChg chg="add mod">
+          <ac:chgData name="Fatima Pillosu" userId="a6295d4dc9e22643" providerId="LiveId" clId="{E4EB9531-B35B-4F76-8762-A23C9D2F4928}" dt="2023-11-06T22:21:24.114" v="282" actId="1036"/>
+          <ac:spMkLst>
+            <pc:docMk/>
+            <pc:sldMk cId="1967199282" sldId="256"/>
+            <ac:spMk id="47" creationId="{6E1D5859-DFA1-839E-F0E7-38F8EA3AC7FB}"/>
+          </ac:spMkLst>
+        </pc:spChg>
+        <pc:spChg chg="add mod">
+          <ac:chgData name="Fatima Pillosu" userId="a6295d4dc9e22643" providerId="LiveId" clId="{E4EB9531-B35B-4F76-8762-A23C9D2F4928}" dt="2023-11-06T22:21:24.114" v="282" actId="1036"/>
+          <ac:spMkLst>
+            <pc:docMk/>
+            <pc:sldMk cId="1967199282" sldId="256"/>
+            <ac:spMk id="48" creationId="{8238DB04-5DC4-9929-1E2D-27B323EA4CD8}"/>
+          </ac:spMkLst>
+        </pc:spChg>
+        <pc:spChg chg="add mod">
+          <ac:chgData name="Fatima Pillosu" userId="a6295d4dc9e22643" providerId="LiveId" clId="{E4EB9531-B35B-4F76-8762-A23C9D2F4928}" dt="2023-11-06T22:21:24.114" v="282" actId="1036"/>
+          <ac:spMkLst>
+            <pc:docMk/>
+            <pc:sldMk cId="1967199282" sldId="256"/>
+            <ac:spMk id="49" creationId="{E9B2D522-EE77-835C-13F7-76A7C7368B86}"/>
+          </ac:spMkLst>
+        </pc:spChg>
+        <pc:spChg chg="add mod">
+          <ac:chgData name="Fatima Pillosu" userId="a6295d4dc9e22643" providerId="LiveId" clId="{E4EB9531-B35B-4F76-8762-A23C9D2F4928}" dt="2023-11-06T22:21:24.114" v="282" actId="1036"/>
+          <ac:spMkLst>
+            <pc:docMk/>
+            <pc:sldMk cId="1967199282" sldId="256"/>
+            <ac:spMk id="50" creationId="{6F020831-8BAA-1DF4-46D2-3D239C391980}"/>
+          </ac:spMkLst>
+        </pc:spChg>
+        <pc:spChg chg="add mod">
+          <ac:chgData name="Fatima Pillosu" userId="a6295d4dc9e22643" providerId="LiveId" clId="{E4EB9531-B35B-4F76-8762-A23C9D2F4928}" dt="2023-11-06T22:21:24.114" v="282" actId="1036"/>
+          <ac:spMkLst>
+            <pc:docMk/>
+            <pc:sldMk cId="1967199282" sldId="256"/>
+            <ac:spMk id="51" creationId="{81E23FBD-D109-3435-ECAC-4DDAF0D8690B}"/>
+          </ac:spMkLst>
+        </pc:spChg>
+        <pc:spChg chg="add mod">
+          <ac:chgData name="Fatima Pillosu" userId="a6295d4dc9e22643" providerId="LiveId" clId="{E4EB9531-B35B-4F76-8762-A23C9D2F4928}" dt="2023-11-06T22:21:24.114" v="282" actId="1036"/>
+          <ac:spMkLst>
+            <pc:docMk/>
+            <pc:sldMk cId="1967199282" sldId="256"/>
+            <ac:spMk id="52" creationId="{60CBA982-E96F-3B86-AE71-F79A6B65D58B}"/>
+          </ac:spMkLst>
+        </pc:spChg>
+        <pc:spChg chg="add mod">
+          <ac:chgData name="Fatima Pillosu" userId="a6295d4dc9e22643" providerId="LiveId" clId="{E4EB9531-B35B-4F76-8762-A23C9D2F4928}" dt="2023-11-06T22:21:24.114" v="282" actId="1036"/>
+          <ac:spMkLst>
+            <pc:docMk/>
+            <pc:sldMk cId="1967199282" sldId="256"/>
+            <ac:spMk id="53" creationId="{51755F31-F7EC-6708-5DF2-D6ADDDAC94C9}"/>
+          </ac:spMkLst>
+        </pc:spChg>
+        <pc:spChg chg="add mod">
+          <ac:chgData name="Fatima Pillosu" userId="a6295d4dc9e22643" providerId="LiveId" clId="{E4EB9531-B35B-4F76-8762-A23C9D2F4928}" dt="2023-11-06T22:21:24.114" v="282" actId="1036"/>
+          <ac:spMkLst>
+            <pc:docMk/>
+            <pc:sldMk cId="1967199282" sldId="256"/>
+            <ac:spMk id="54" creationId="{B75274CE-A7E9-88A6-AF30-A95E52F734B6}"/>
+          </ac:spMkLst>
+        </pc:spChg>
+        <pc:spChg chg="add mod">
+          <ac:chgData name="Fatima Pillosu" userId="a6295d4dc9e22643" providerId="LiveId" clId="{E4EB9531-B35B-4F76-8762-A23C9D2F4928}" dt="2023-11-06T22:21:24.114" v="282" actId="1036"/>
+          <ac:spMkLst>
+            <pc:docMk/>
+            <pc:sldMk cId="1967199282" sldId="256"/>
+            <ac:spMk id="55" creationId="{B2A05F15-9FF5-FD80-2D3F-B475AE66A9A9}"/>
+          </ac:spMkLst>
+        </pc:spChg>
+        <pc:spChg chg="add mod">
+          <ac:chgData name="Fatima Pillosu" userId="a6295d4dc9e22643" providerId="LiveId" clId="{E4EB9531-B35B-4F76-8762-A23C9D2F4928}" dt="2023-11-06T22:44:18.778" v="284"/>
+          <ac:spMkLst>
+            <pc:docMk/>
+            <pc:sldMk cId="1967199282" sldId="256"/>
+            <ac:spMk id="56" creationId="{FCEFBCE8-171D-E87B-DC81-E34F10A8238C}"/>
+          </ac:spMkLst>
+        </pc:spChg>
+        <pc:spChg chg="add mod">
+          <ac:chgData name="Fatima Pillosu" userId="a6295d4dc9e22643" providerId="LiveId" clId="{E4EB9531-B35B-4F76-8762-A23C9D2F4928}" dt="2023-11-06T21:57:52.980" v="155"/>
+          <ac:spMkLst>
+            <pc:docMk/>
+            <pc:sldMk cId="1967199282" sldId="256"/>
+            <ac:spMk id="57" creationId="{B3C5D16A-69B2-EBB4-E3C1-B0338C0DEB14}"/>
+          </ac:spMkLst>
+        </pc:spChg>
+        <pc:spChg chg="add mod">
+          <ac:chgData name="Fatima Pillosu" userId="a6295d4dc9e22643" providerId="LiveId" clId="{E4EB9531-B35B-4F76-8762-A23C9D2F4928}" dt="2023-11-06T21:57:52.980" v="155"/>
+          <ac:spMkLst>
+            <pc:docMk/>
+            <pc:sldMk cId="1967199282" sldId="256"/>
+            <ac:spMk id="58" creationId="{6270E89B-9A0D-FF30-2923-D60C075D97E3}"/>
+          </ac:spMkLst>
+        </pc:spChg>
+        <pc:spChg chg="add mod">
+          <ac:chgData name="Fatima Pillosu" userId="a6295d4dc9e22643" providerId="LiveId" clId="{E4EB9531-B35B-4F76-8762-A23C9D2F4928}" dt="2023-11-06T21:57:52.980" v="155"/>
+          <ac:spMkLst>
+            <pc:docMk/>
+            <pc:sldMk cId="1967199282" sldId="256"/>
+            <ac:spMk id="59" creationId="{6F6E8A47-50C0-10C3-5A4C-8FFBC04C0C80}"/>
+          </ac:spMkLst>
+        </pc:spChg>
+        <pc:spChg chg="add mod">
+          <ac:chgData name="Fatima Pillosu" userId="a6295d4dc9e22643" providerId="LiveId" clId="{E4EB9531-B35B-4F76-8762-A23C9D2F4928}" dt="2023-11-06T21:57:52.980" v="155"/>
+          <ac:spMkLst>
+            <pc:docMk/>
+            <pc:sldMk cId="1967199282" sldId="256"/>
+            <ac:spMk id="60" creationId="{2BD9F8D9-7EFB-F09A-DEB3-16C1EB4AD0E9}"/>
+          </ac:spMkLst>
+        </pc:spChg>
+        <pc:spChg chg="add mod">
+          <ac:chgData name="Fatima Pillosu" userId="a6295d4dc9e22643" providerId="LiveId" clId="{E4EB9531-B35B-4F76-8762-A23C9D2F4928}" dt="2023-11-06T21:57:52.980" v="155"/>
+          <ac:spMkLst>
+            <pc:docMk/>
+            <pc:sldMk cId="1967199282" sldId="256"/>
+            <ac:spMk id="61" creationId="{5DE907E0-2E7D-F254-7A71-02536F932026}"/>
+          </ac:spMkLst>
+        </pc:spChg>
+        <pc:spChg chg="add mod">
+          <ac:chgData name="Fatima Pillosu" userId="a6295d4dc9e22643" providerId="LiveId" clId="{E4EB9531-B35B-4F76-8762-A23C9D2F4928}" dt="2023-11-06T21:57:52.980" v="155"/>
+          <ac:spMkLst>
+            <pc:docMk/>
+            <pc:sldMk cId="1967199282" sldId="256"/>
+            <ac:spMk id="62" creationId="{DCA94E30-2414-60C6-7A94-A3D3DF02885F}"/>
+          </ac:spMkLst>
+        </pc:spChg>
+        <pc:spChg chg="add mod">
+          <ac:chgData name="Fatima Pillosu" userId="a6295d4dc9e22643" providerId="LiveId" clId="{E4EB9531-B35B-4F76-8762-A23C9D2F4928}" dt="2023-11-06T21:57:52.980" v="155"/>
+          <ac:spMkLst>
+            <pc:docMk/>
+            <pc:sldMk cId="1967199282" sldId="256"/>
+            <ac:spMk id="63" creationId="{B0CFE8AF-F51C-F98B-10C9-A6493561DA8E}"/>
+          </ac:spMkLst>
+        </pc:spChg>
+        <pc:spChg chg="add mod">
+          <ac:chgData name="Fatima Pillosu" userId="a6295d4dc9e22643" providerId="LiveId" clId="{E4EB9531-B35B-4F76-8762-A23C9D2F4928}" dt="2023-11-06T21:57:52.980" v="155"/>
+          <ac:spMkLst>
+            <pc:docMk/>
+            <pc:sldMk cId="1967199282" sldId="256"/>
+            <ac:spMk id="64" creationId="{A8369516-2E90-B5D5-FB1C-F861A0BD7D83}"/>
+          </ac:spMkLst>
+        </pc:spChg>
+        <pc:spChg chg="add mod">
+          <ac:chgData name="Fatima Pillosu" userId="a6295d4dc9e22643" providerId="LiveId" clId="{E4EB9531-B35B-4F76-8762-A23C9D2F4928}" dt="2023-11-06T21:57:52.980" v="155"/>
+          <ac:spMkLst>
+            <pc:docMk/>
+            <pc:sldMk cId="1967199282" sldId="256"/>
+            <ac:spMk id="65" creationId="{28341FD4-836F-9AD4-38E7-6CCDC5F89BAE}"/>
+          </ac:spMkLst>
+        </pc:spChg>
+        <pc:spChg chg="add mod">
+          <ac:chgData name="Fatima Pillosu" userId="a6295d4dc9e22643" providerId="LiveId" clId="{E4EB9531-B35B-4F76-8762-A23C9D2F4928}" dt="2023-11-06T21:57:52.980" v="155"/>
+          <ac:spMkLst>
+            <pc:docMk/>
+            <pc:sldMk cId="1967199282" sldId="256"/>
+            <ac:spMk id="66" creationId="{90CB108E-1435-6FF2-B188-01CD762CA688}"/>
+          </ac:spMkLst>
+        </pc:spChg>
+        <pc:spChg chg="add mod">
+          <ac:chgData name="Fatima Pillosu" userId="a6295d4dc9e22643" providerId="LiveId" clId="{E4EB9531-B35B-4F76-8762-A23C9D2F4928}" dt="2023-11-06T21:57:52.980" v="155"/>
+          <ac:spMkLst>
+            <pc:docMk/>
+            <pc:sldMk cId="1967199282" sldId="256"/>
+            <ac:spMk id="67" creationId="{272A4FA2-C945-F6F0-A887-696A80BA43EC}"/>
+          </ac:spMkLst>
+        </pc:spChg>
+        <pc:spChg chg="add mod">
+          <ac:chgData name="Fatima Pillosu" userId="a6295d4dc9e22643" providerId="LiveId" clId="{E4EB9531-B35B-4F76-8762-A23C9D2F4928}" dt="2023-11-06T21:57:52.980" v="155"/>
+          <ac:spMkLst>
+            <pc:docMk/>
+            <pc:sldMk cId="1967199282" sldId="256"/>
+            <ac:spMk id="68" creationId="{07746A39-36B2-B734-FBC5-4F09A0BA4B48}"/>
+          </ac:spMkLst>
+        </pc:spChg>
+        <pc:spChg chg="add mod">
+          <ac:chgData name="Fatima Pillosu" userId="a6295d4dc9e22643" providerId="LiveId" clId="{E4EB9531-B35B-4F76-8762-A23C9D2F4928}" dt="2023-11-06T21:57:52.980" v="155"/>
+          <ac:spMkLst>
+            <pc:docMk/>
+            <pc:sldMk cId="1967199282" sldId="256"/>
+            <ac:spMk id="69" creationId="{3EF69932-F9C1-80AB-6C96-F48BF69110CD}"/>
+          </ac:spMkLst>
+        </pc:spChg>
+        <pc:spChg chg="add mod">
+          <ac:chgData name="Fatima Pillosu" userId="a6295d4dc9e22643" providerId="LiveId" clId="{E4EB9531-B35B-4F76-8762-A23C9D2F4928}" dt="2023-11-06T21:57:52.980" v="155"/>
+          <ac:spMkLst>
+            <pc:docMk/>
+            <pc:sldMk cId="1967199282" sldId="256"/>
+            <ac:spMk id="70" creationId="{F9B3361C-9558-CBF8-5BD3-89CB01A5ABD3}"/>
+          </ac:spMkLst>
+        </pc:spChg>
+        <pc:spChg chg="add mod">
+          <ac:chgData name="Fatima Pillosu" userId="a6295d4dc9e22643" providerId="LiveId" clId="{E4EB9531-B35B-4F76-8762-A23C9D2F4928}" dt="2023-11-06T21:57:52.980" v="155"/>
+          <ac:spMkLst>
+            <pc:docMk/>
+            <pc:sldMk cId="1967199282" sldId="256"/>
+            <ac:spMk id="71" creationId="{B53B545D-11FF-E1C5-94DE-693A964757D9}"/>
+          </ac:spMkLst>
+        </pc:spChg>
+        <pc:spChg chg="add mod">
+          <ac:chgData name="Fatima Pillosu" userId="a6295d4dc9e22643" providerId="LiveId" clId="{E4EB9531-B35B-4F76-8762-A23C9D2F4928}" dt="2023-11-06T21:57:52.980" v="155"/>
+          <ac:spMkLst>
+            <pc:docMk/>
+            <pc:sldMk cId="1967199282" sldId="256"/>
+            <ac:spMk id="72" creationId="{F397E20A-A887-9C9D-E2F6-E1A8C617251D}"/>
+          </ac:spMkLst>
+        </pc:spChg>
+        <pc:spChg chg="add mod">
+          <ac:chgData name="Fatima Pillosu" userId="a6295d4dc9e22643" providerId="LiveId" clId="{E4EB9531-B35B-4F76-8762-A23C9D2F4928}" dt="2023-11-06T21:57:52.980" v="155"/>
+          <ac:spMkLst>
+            <pc:docMk/>
+            <pc:sldMk cId="1967199282" sldId="256"/>
+            <ac:spMk id="73" creationId="{EE34B42B-2D56-22EF-79B1-1A562FF72445}"/>
+          </ac:spMkLst>
+        </pc:spChg>
+        <pc:spChg chg="add mod">
+          <ac:chgData name="Fatima Pillosu" userId="a6295d4dc9e22643" providerId="LiveId" clId="{E4EB9531-B35B-4F76-8762-A23C9D2F4928}" dt="2023-11-06T21:57:52.980" v="155"/>
+          <ac:spMkLst>
+            <pc:docMk/>
+            <pc:sldMk cId="1967199282" sldId="256"/>
+            <ac:spMk id="74" creationId="{DE6A99FF-B6F9-C748-E0B8-6CF2C9DE5F9D}"/>
+          </ac:spMkLst>
+        </pc:spChg>
+        <pc:spChg chg="add mod">
+          <ac:chgData name="Fatima Pillosu" userId="a6295d4dc9e22643" providerId="LiveId" clId="{E4EB9531-B35B-4F76-8762-A23C9D2F4928}" dt="2023-11-06T21:57:52.980" v="155"/>
+          <ac:spMkLst>
+            <pc:docMk/>
+            <pc:sldMk cId="1967199282" sldId="256"/>
+            <ac:spMk id="75" creationId="{D6EECE64-8207-327E-4F37-D312D0EEF1C0}"/>
+          </ac:spMkLst>
+        </pc:spChg>
+        <pc:spChg chg="del mod">
+          <ac:chgData name="Fatima Pillosu" userId="a6295d4dc9e22643" providerId="LiveId" clId="{E4EB9531-B35B-4F76-8762-A23C9D2F4928}" dt="2023-11-06T21:57:08.574" v="154" actId="21"/>
+          <ac:spMkLst>
+            <pc:docMk/>
+            <pc:sldMk cId="1967199282" sldId="256"/>
+            <ac:spMk id="93" creationId="{8263B0FD-1EE4-CCF7-B341-E3F08B4BD3A0}"/>
+          </ac:spMkLst>
+        </pc:spChg>
+        <pc:spChg chg="del mod">
+          <ac:chgData name="Fatima Pillosu" userId="a6295d4dc9e22643" providerId="LiveId" clId="{E4EB9531-B35B-4F76-8762-A23C9D2F4928}" dt="2023-11-06T21:57:08.574" v="154" actId="21"/>
+          <ac:spMkLst>
+            <pc:docMk/>
+            <pc:sldMk cId="1967199282" sldId="256"/>
+            <ac:spMk id="94" creationId="{49EC1805-1EB3-B8DC-738C-2C704623B5E3}"/>
+          </ac:spMkLst>
+        </pc:spChg>
+        <pc:spChg chg="del mod">
+          <ac:chgData name="Fatima Pillosu" userId="a6295d4dc9e22643" providerId="LiveId" clId="{E4EB9531-B35B-4F76-8762-A23C9D2F4928}" dt="2023-11-06T21:57:08.574" v="154" actId="21"/>
+          <ac:spMkLst>
+            <pc:docMk/>
+            <pc:sldMk cId="1967199282" sldId="256"/>
+            <ac:spMk id="95" creationId="{54C0EC6E-3E82-8701-4D81-ED3D5C2668DB}"/>
+          </ac:spMkLst>
+        </pc:spChg>
+        <pc:spChg chg="del mod">
+          <ac:chgData name="Fatima Pillosu" userId="a6295d4dc9e22643" providerId="LiveId" clId="{E4EB9531-B35B-4F76-8762-A23C9D2F4928}" dt="2023-11-06T21:57:08.574" v="154" actId="21"/>
+          <ac:spMkLst>
+            <pc:docMk/>
+            <pc:sldMk cId="1967199282" sldId="256"/>
+            <ac:spMk id="96" creationId="{5524F565-F47D-5693-F09C-B874A38DE57B}"/>
+          </ac:spMkLst>
+        </pc:spChg>
+        <pc:spChg chg="del mod">
+          <ac:chgData name="Fatima Pillosu" userId="a6295d4dc9e22643" providerId="LiveId" clId="{E4EB9531-B35B-4F76-8762-A23C9D2F4928}" dt="2023-11-06T21:57:08.574" v="154" actId="21"/>
+          <ac:spMkLst>
+            <pc:docMk/>
+            <pc:sldMk cId="1967199282" sldId="256"/>
+            <ac:spMk id="97" creationId="{33822347-EDD1-1F4E-9C71-2C0CDFC83911}"/>
+          </ac:spMkLst>
+        </pc:spChg>
+        <pc:spChg chg="del mod">
+          <ac:chgData name="Fatima Pillosu" userId="a6295d4dc9e22643" providerId="LiveId" clId="{E4EB9531-B35B-4F76-8762-A23C9D2F4928}" dt="2023-11-06T21:57:08.574" v="154" actId="21"/>
+          <ac:spMkLst>
+            <pc:docMk/>
+            <pc:sldMk cId="1967199282" sldId="256"/>
+            <ac:spMk id="98" creationId="{95DC0993-DEE0-5843-201F-97EC0FBFB2CA}"/>
+          </ac:spMkLst>
+        </pc:spChg>
+        <pc:spChg chg="del mod">
+          <ac:chgData name="Fatima Pillosu" userId="a6295d4dc9e22643" providerId="LiveId" clId="{E4EB9531-B35B-4F76-8762-A23C9D2F4928}" dt="2023-11-06T21:57:08.574" v="154" actId="21"/>
+          <ac:spMkLst>
+            <pc:docMk/>
+            <pc:sldMk cId="1967199282" sldId="256"/>
+            <ac:spMk id="99" creationId="{A91C447A-93AE-DD7E-1442-A60004952D5B}"/>
+          </ac:spMkLst>
+        </pc:spChg>
+        <pc:spChg chg="del mod">
+          <ac:chgData name="Fatima Pillosu" userId="a6295d4dc9e22643" providerId="LiveId" clId="{E4EB9531-B35B-4F76-8762-A23C9D2F4928}" dt="2023-11-06T21:57:08.574" v="154" actId="21"/>
+          <ac:spMkLst>
+            <pc:docMk/>
+            <pc:sldMk cId="1967199282" sldId="256"/>
+            <ac:spMk id="100" creationId="{E1DB40E7-01C4-A5EF-DBC8-A397748074EE}"/>
+          </ac:spMkLst>
+        </pc:spChg>
+        <pc:spChg chg="del mod">
+          <ac:chgData name="Fatima Pillosu" userId="a6295d4dc9e22643" providerId="LiveId" clId="{E4EB9531-B35B-4F76-8762-A23C9D2F4928}" dt="2023-11-06T21:57:08.574" v="154" actId="21"/>
+          <ac:spMkLst>
+            <pc:docMk/>
+            <pc:sldMk cId="1967199282" sldId="256"/>
+            <ac:spMk id="101" creationId="{911C4AA7-6504-3BC2-1F10-D1A21A500619}"/>
+          </ac:spMkLst>
+        </pc:spChg>
+        <pc:spChg chg="del mod">
+          <ac:chgData name="Fatima Pillosu" userId="a6295d4dc9e22643" providerId="LiveId" clId="{E4EB9531-B35B-4F76-8762-A23C9D2F4928}" dt="2023-11-06T21:57:08.574" v="154" actId="21"/>
+          <ac:spMkLst>
+            <pc:docMk/>
+            <pc:sldMk cId="1967199282" sldId="256"/>
+            <ac:spMk id="102" creationId="{7765C689-CEDF-1AA0-AD0A-EF9203168ACA}"/>
+          </ac:spMkLst>
+        </pc:spChg>
+        <pc:spChg chg="del mod">
+          <ac:chgData name="Fatima Pillosu" userId="a6295d4dc9e22643" providerId="LiveId" clId="{E4EB9531-B35B-4F76-8762-A23C9D2F4928}" dt="2023-11-06T21:57:08.574" v="154" actId="21"/>
+          <ac:spMkLst>
+            <pc:docMk/>
+            <pc:sldMk cId="1967199282" sldId="256"/>
+            <ac:spMk id="103" creationId="{55B61C12-6DD8-2902-93F6-E35E2CB8B59A}"/>
+          </ac:spMkLst>
+        </pc:spChg>
+        <pc:spChg chg="del mod">
+          <ac:chgData name="Fatima Pillosu" userId="a6295d4dc9e22643" providerId="LiveId" clId="{E4EB9531-B35B-4F76-8762-A23C9D2F4928}" dt="2023-11-06T21:57:08.574" v="154" actId="21"/>
+          <ac:spMkLst>
+            <pc:docMk/>
+            <pc:sldMk cId="1967199282" sldId="256"/>
+            <ac:spMk id="104" creationId="{110313F3-7E9C-FDF5-BAC1-28D08DC5A772}"/>
+          </ac:spMkLst>
+        </pc:spChg>
+        <pc:spChg chg="del mod">
+          <ac:chgData name="Fatima Pillosu" userId="a6295d4dc9e22643" providerId="LiveId" clId="{E4EB9531-B35B-4F76-8762-A23C9D2F4928}" dt="2023-11-06T21:57:08.574" v="154" actId="21"/>
+          <ac:spMkLst>
+            <pc:docMk/>
+            <pc:sldMk cId="1967199282" sldId="256"/>
+            <ac:spMk id="105" creationId="{0E93BA1F-1A78-9E8E-80F3-573000063622}"/>
+          </ac:spMkLst>
+        </pc:spChg>
+        <pc:spChg chg="del mod">
+          <ac:chgData name="Fatima Pillosu" userId="a6295d4dc9e22643" providerId="LiveId" clId="{E4EB9531-B35B-4F76-8762-A23C9D2F4928}" dt="2023-11-06T21:57:08.574" v="154" actId="21"/>
+          <ac:spMkLst>
+            <pc:docMk/>
+            <pc:sldMk cId="1967199282" sldId="256"/>
+            <ac:spMk id="106" creationId="{DF63C1BB-6F21-6670-0081-D302CBE678CB}"/>
+          </ac:spMkLst>
+        </pc:spChg>
+        <pc:spChg chg="del mod">
+          <ac:chgData name="Fatima Pillosu" userId="a6295d4dc9e22643" providerId="LiveId" clId="{E4EB9531-B35B-4F76-8762-A23C9D2F4928}" dt="2023-11-06T21:57:08.574" v="154" actId="21"/>
+          <ac:spMkLst>
+            <pc:docMk/>
+            <pc:sldMk cId="1967199282" sldId="256"/>
+            <ac:spMk id="107" creationId="{417FC3B4-B779-69D3-105C-5686598F39E7}"/>
+          </ac:spMkLst>
+        </pc:spChg>
+        <pc:spChg chg="del mod">
+          <ac:chgData name="Fatima Pillosu" userId="a6295d4dc9e22643" providerId="LiveId" clId="{E4EB9531-B35B-4F76-8762-A23C9D2F4928}" dt="2023-11-06T21:57:08.574" v="154" actId="21"/>
+          <ac:spMkLst>
+            <pc:docMk/>
+            <pc:sldMk cId="1967199282" sldId="256"/>
+            <ac:spMk id="108" creationId="{5E6BFFBB-DA15-9C7F-F94F-74D3499D21B7}"/>
+          </ac:spMkLst>
+        </pc:spChg>
+        <pc:spChg chg="del mod">
+          <ac:chgData name="Fatima Pillosu" userId="a6295d4dc9e22643" providerId="LiveId" clId="{E4EB9531-B35B-4F76-8762-A23C9D2F4928}" dt="2023-11-06T21:57:08.574" v="154" actId="21"/>
+          <ac:spMkLst>
+            <pc:docMk/>
+            <pc:sldMk cId="1967199282" sldId="256"/>
+            <ac:spMk id="109" creationId="{FB58A34D-1AF4-C78B-46EB-E2599CD8ECBE}"/>
+          </ac:spMkLst>
+        </pc:spChg>
+        <pc:spChg chg="del mod">
+          <ac:chgData name="Fatima Pillosu" userId="a6295d4dc9e22643" providerId="LiveId" clId="{E4EB9531-B35B-4F76-8762-A23C9D2F4928}" dt="2023-11-06T21:57:08.574" v="154" actId="21"/>
+          <ac:spMkLst>
+            <pc:docMk/>
+            <pc:sldMk cId="1967199282" sldId="256"/>
+            <ac:spMk id="110" creationId="{FD8421BD-3A55-2BDB-5A74-EB445AB1190A}"/>
+          </ac:spMkLst>
+        </pc:spChg>
+        <pc:spChg chg="del mod">
+          <ac:chgData name="Fatima Pillosu" userId="a6295d4dc9e22643" providerId="LiveId" clId="{E4EB9531-B35B-4F76-8762-A23C9D2F4928}" dt="2023-11-06T21:57:08.574" v="154" actId="21"/>
+          <ac:spMkLst>
+            <pc:docMk/>
+            <pc:sldMk cId="1967199282" sldId="256"/>
+            <ac:spMk id="111" creationId="{12C0E96D-8DA0-A29B-4255-DFC2EC6353BB}"/>
+          </ac:spMkLst>
+        </pc:spChg>
+        <pc:spChg chg="add mod">
+          <ac:chgData name="Fatima Pillosu" userId="a6295d4dc9e22643" providerId="LiveId" clId="{E4EB9531-B35B-4F76-8762-A23C9D2F4928}" dt="2023-11-06T21:57:52.980" v="155"/>
+          <ac:spMkLst>
+            <pc:docMk/>
+            <pc:sldMk cId="1967199282" sldId="256"/>
+            <ac:spMk id="115" creationId="{23EEF225-A2AF-35B2-50D7-3265516E7B5F}"/>
+          </ac:spMkLst>
+        </pc:spChg>
+        <pc:spChg chg="add mod">
+          <ac:chgData name="Fatima Pillosu" userId="a6295d4dc9e22643" providerId="LiveId" clId="{E4EB9531-B35B-4F76-8762-A23C9D2F4928}" dt="2023-11-06T21:57:52.980" v="155"/>
+          <ac:spMkLst>
+            <pc:docMk/>
+            <pc:sldMk cId="1967199282" sldId="256"/>
+            <ac:spMk id="116" creationId="{5AE22584-4CB1-9A61-0BAB-C782A0766919}"/>
+          </ac:spMkLst>
+        </pc:spChg>
+        <pc:spChg chg="add mod">
+          <ac:chgData name="Fatima Pillosu" userId="a6295d4dc9e22643" providerId="LiveId" clId="{E4EB9531-B35B-4F76-8762-A23C9D2F4928}" dt="2023-11-06T22:01:53.204" v="170" actId="1038"/>
+          <ac:spMkLst>
+            <pc:docMk/>
+            <pc:sldMk cId="1967199282" sldId="256"/>
+            <ac:spMk id="117" creationId="{8D80B2B8-2264-E0C1-1519-569001ECE620}"/>
+          </ac:spMkLst>
+        </pc:spChg>
+        <pc:spChg chg="add mod">
+          <ac:chgData name="Fatima Pillosu" userId="a6295d4dc9e22643" providerId="LiveId" clId="{E4EB9531-B35B-4F76-8762-A23C9D2F4928}" dt="2023-11-06T21:57:52.980" v="155"/>
+          <ac:spMkLst>
+            <pc:docMk/>
+            <pc:sldMk cId="1967199282" sldId="256"/>
+            <ac:spMk id="118" creationId="{8362F97E-1CD9-B680-1D59-319EBC16C9F2}"/>
+          </ac:spMkLst>
+        </pc:spChg>
+        <pc:spChg chg="add mod">
+          <ac:chgData name="Fatima Pillosu" userId="a6295d4dc9e22643" providerId="LiveId" clId="{E4EB9531-B35B-4F76-8762-A23C9D2F4928}" dt="2023-11-06T21:57:52.980" v="155"/>
+          <ac:spMkLst>
+            <pc:docMk/>
+            <pc:sldMk cId="1967199282" sldId="256"/>
+            <ac:spMk id="119" creationId="{1AE9038A-D55C-833F-272D-F86D41D8EB54}"/>
+          </ac:spMkLst>
+        </pc:spChg>
+        <pc:spChg chg="add mod">
+          <ac:chgData name="Fatima Pillosu" userId="a6295d4dc9e22643" providerId="LiveId" clId="{E4EB9531-B35B-4F76-8762-A23C9D2F4928}" dt="2023-11-06T21:57:52.980" v="155"/>
+          <ac:spMkLst>
+            <pc:docMk/>
+            <pc:sldMk cId="1967199282" sldId="256"/>
+            <ac:spMk id="120" creationId="{CA4C8C09-4A58-F8E3-6ABB-C916C334841A}"/>
+          </ac:spMkLst>
+        </pc:spChg>
+        <pc:spChg chg="add mod">
+          <ac:chgData name="Fatima Pillosu" userId="a6295d4dc9e22643" providerId="LiveId" clId="{E4EB9531-B35B-4F76-8762-A23C9D2F4928}" dt="2023-11-06T21:57:52.980" v="155"/>
+          <ac:spMkLst>
+            <pc:docMk/>
+            <pc:sldMk cId="1967199282" sldId="256"/>
+            <ac:spMk id="121" creationId="{56C654D0-97EB-B642-A5D3-AF08C787696C}"/>
+          </ac:spMkLst>
+        </pc:spChg>
+        <pc:spChg chg="add mod">
+          <ac:chgData name="Fatima Pillosu" userId="a6295d4dc9e22643" providerId="LiveId" clId="{E4EB9531-B35B-4F76-8762-A23C9D2F4928}" dt="2023-11-06T21:57:52.980" v="155"/>
+          <ac:spMkLst>
+            <pc:docMk/>
+            <pc:sldMk cId="1967199282" sldId="256"/>
+            <ac:spMk id="122" creationId="{8498373F-7CBE-7C55-9C2A-04F493A2BDE8}"/>
+          </ac:spMkLst>
+        </pc:spChg>
+        <pc:spChg chg="add mod">
+          <ac:chgData name="Fatima Pillosu" userId="a6295d4dc9e22643" providerId="LiveId" clId="{E4EB9531-B35B-4F76-8762-A23C9D2F4928}" dt="2023-11-06T21:57:52.980" v="155"/>
+          <ac:spMkLst>
+            <pc:docMk/>
+            <pc:sldMk cId="1967199282" sldId="256"/>
+            <ac:spMk id="123" creationId="{CD693DA3-2BE6-1820-4325-7CCC031FF69A}"/>
+          </ac:spMkLst>
+        </pc:spChg>
+        <pc:spChg chg="add mod">
+          <ac:chgData name="Fatima Pillosu" userId="a6295d4dc9e22643" providerId="LiveId" clId="{E4EB9531-B35B-4F76-8762-A23C9D2F4928}" dt="2023-11-06T21:57:52.980" v="155"/>
+          <ac:spMkLst>
+            <pc:docMk/>
+            <pc:sldMk cId="1967199282" sldId="256"/>
+            <ac:spMk id="124" creationId="{2197173E-AF8F-9C8D-CB8E-E793207A2475}"/>
+          </ac:spMkLst>
+        </pc:spChg>
+        <pc:spChg chg="add mod">
+          <ac:chgData name="Fatima Pillosu" userId="a6295d4dc9e22643" providerId="LiveId" clId="{E4EB9531-B35B-4F76-8762-A23C9D2F4928}" dt="2023-11-06T21:57:52.980" v="155"/>
+          <ac:spMkLst>
+            <pc:docMk/>
+            <pc:sldMk cId="1967199282" sldId="256"/>
+            <ac:spMk id="125" creationId="{6D26EED1-8158-E6DB-2B2E-6777CEDE0FA3}"/>
+          </ac:spMkLst>
+        </pc:spChg>
+        <pc:spChg chg="add mod">
+          <ac:chgData name="Fatima Pillosu" userId="a6295d4dc9e22643" providerId="LiveId" clId="{E4EB9531-B35B-4F76-8762-A23C9D2F4928}" dt="2023-11-06T21:57:52.980" v="155"/>
+          <ac:spMkLst>
+            <pc:docMk/>
+            <pc:sldMk cId="1967199282" sldId="256"/>
+            <ac:spMk id="126" creationId="{75A9867B-D7D0-4997-AE6E-9DF0C7680671}"/>
+          </ac:spMkLst>
+        </pc:spChg>
+        <pc:spChg chg="add mod">
+          <ac:chgData name="Fatima Pillosu" userId="a6295d4dc9e22643" providerId="LiveId" clId="{E4EB9531-B35B-4F76-8762-A23C9D2F4928}" dt="2023-11-06T21:57:52.980" v="155"/>
+          <ac:spMkLst>
+            <pc:docMk/>
+            <pc:sldMk cId="1967199282" sldId="256"/>
+            <ac:spMk id="127" creationId="{85FAB9D5-E24D-E971-B1DD-E2E4C9A28C21}"/>
+          </ac:spMkLst>
+        </pc:spChg>
+        <pc:spChg chg="add mod">
+          <ac:chgData name="Fatima Pillosu" userId="a6295d4dc9e22643" providerId="LiveId" clId="{E4EB9531-B35B-4F76-8762-A23C9D2F4928}" dt="2023-11-06T21:57:52.980" v="155"/>
+          <ac:spMkLst>
+            <pc:docMk/>
+            <pc:sldMk cId="1967199282" sldId="256"/>
+            <ac:spMk id="137" creationId="{CC0E14E3-9E9E-1AF9-402F-D64C3751A3B5}"/>
+          </ac:spMkLst>
+        </pc:spChg>
+        <pc:spChg chg="add mod">
+          <ac:chgData name="Fatima Pillosu" userId="a6295d4dc9e22643" providerId="LiveId" clId="{E4EB9531-B35B-4F76-8762-A23C9D2F4928}" dt="2023-11-06T21:57:52.980" v="155"/>
+          <ac:spMkLst>
+            <pc:docMk/>
+            <pc:sldMk cId="1967199282" sldId="256"/>
+            <ac:spMk id="138" creationId="{7D790E9E-2495-9AC7-F513-295767E307E8}"/>
+          </ac:spMkLst>
+        </pc:spChg>
+        <pc:spChg chg="add mod">
+          <ac:chgData name="Fatima Pillosu" userId="a6295d4dc9e22643" providerId="LiveId" clId="{E4EB9531-B35B-4F76-8762-A23C9D2F4928}" dt="2023-11-06T21:57:52.980" v="155"/>
+          <ac:spMkLst>
+            <pc:docMk/>
+            <pc:sldMk cId="1967199282" sldId="256"/>
+            <ac:spMk id="139" creationId="{EC011EC1-D527-84CA-A5B0-9054E40BDEF0}"/>
+          </ac:spMkLst>
+        </pc:spChg>
+        <pc:spChg chg="add mod">
+          <ac:chgData name="Fatima Pillosu" userId="a6295d4dc9e22643" providerId="LiveId" clId="{E4EB9531-B35B-4F76-8762-A23C9D2F4928}" dt="2023-11-06T21:57:52.980" v="155"/>
+          <ac:spMkLst>
+            <pc:docMk/>
+            <pc:sldMk cId="1967199282" sldId="256"/>
+            <ac:spMk id="140" creationId="{D85F6A38-CC30-754D-DD84-8670518128A3}"/>
+          </ac:spMkLst>
+        </pc:spChg>
+        <pc:spChg chg="add mod">
+          <ac:chgData name="Fatima Pillosu" userId="a6295d4dc9e22643" providerId="LiveId" clId="{E4EB9531-B35B-4F76-8762-A23C9D2F4928}" dt="2023-11-06T21:57:52.980" v="155"/>
+          <ac:spMkLst>
+            <pc:docMk/>
+            <pc:sldMk cId="1967199282" sldId="256"/>
+            <ac:spMk id="141" creationId="{3DFEFE15-1D38-B9DE-AF2D-72684CCD70FB}"/>
+          </ac:spMkLst>
+        </pc:spChg>
+        <pc:spChg chg="add mod">
+          <ac:chgData name="Fatima Pillosu" userId="a6295d4dc9e22643" providerId="LiveId" clId="{E4EB9531-B35B-4F76-8762-A23C9D2F4928}" dt="2023-11-06T21:57:52.980" v="155"/>
+          <ac:spMkLst>
+            <pc:docMk/>
+            <pc:sldMk cId="1967199282" sldId="256"/>
+            <ac:spMk id="142" creationId="{7364D182-35F3-B30C-8E82-150304D41DD4}"/>
+          </ac:spMkLst>
+        </pc:spChg>
+        <pc:spChg chg="add mod">
+          <ac:chgData name="Fatima Pillosu" userId="a6295d4dc9e22643" providerId="LiveId" clId="{E4EB9531-B35B-4F76-8762-A23C9D2F4928}" dt="2023-11-06T21:57:52.980" v="155"/>
+          <ac:spMkLst>
+            <pc:docMk/>
+            <pc:sldMk cId="1967199282" sldId="256"/>
+            <ac:spMk id="143" creationId="{A1D609B1-AE65-D186-0F73-0DC46874394B}"/>
+          </ac:spMkLst>
+        </pc:spChg>
+        <pc:spChg chg="add mod">
+          <ac:chgData name="Fatima Pillosu" userId="a6295d4dc9e22643" providerId="LiveId" clId="{E4EB9531-B35B-4F76-8762-A23C9D2F4928}" dt="2023-11-06T21:57:52.980" v="155"/>
+          <ac:spMkLst>
+            <pc:docMk/>
+            <pc:sldMk cId="1967199282" sldId="256"/>
+            <ac:spMk id="144" creationId="{34C21D42-A207-042B-53E5-D711FDA16133}"/>
+          </ac:spMkLst>
+        </pc:spChg>
+        <pc:spChg chg="add mod">
+          <ac:chgData name="Fatima Pillosu" userId="a6295d4dc9e22643" providerId="LiveId" clId="{E4EB9531-B35B-4F76-8762-A23C9D2F4928}" dt="2023-11-06T22:05:14.691" v="191" actId="20577"/>
+          <ac:spMkLst>
+            <pc:docMk/>
+            <pc:sldMk cId="1967199282" sldId="256"/>
+            <ac:spMk id="145" creationId="{0FFA92DA-F947-4C14-01D2-B66E18AA2941}"/>
+          </ac:spMkLst>
+        </pc:spChg>
+        <pc:spChg chg="add mod">
+          <ac:chgData name="Fatima Pillosu" userId="a6295d4dc9e22643" providerId="LiveId" clId="{E4EB9531-B35B-4F76-8762-A23C9D2F4928}" dt="2023-11-06T22:05:18.262" v="192" actId="20577"/>
+          <ac:spMkLst>
+            <pc:docMk/>
+            <pc:sldMk cId="1967199282" sldId="256"/>
+            <ac:spMk id="146" creationId="{B52B7E78-B96D-34F8-DFE2-38DEC8D8B173}"/>
+          </ac:spMkLst>
+        </pc:spChg>
+        <pc:spChg chg="add mod">
+          <ac:chgData name="Fatima Pillosu" userId="a6295d4dc9e22643" providerId="LiveId" clId="{E4EB9531-B35B-4F76-8762-A23C9D2F4928}" dt="2023-11-06T22:05:04.914" v="189" actId="20577"/>
+          <ac:spMkLst>
+            <pc:docMk/>
+            <pc:sldMk cId="1967199282" sldId="256"/>
+            <ac:spMk id="147" creationId="{8C806E8A-AF7F-9FC3-AB2E-6E450502DF74}"/>
+          </ac:spMkLst>
+        </pc:spChg>
+        <pc:spChg chg="add mod">
+          <ac:chgData name="Fatima Pillosu" userId="a6295d4dc9e22643" providerId="LiveId" clId="{E4EB9531-B35B-4F76-8762-A23C9D2F4928}" dt="2023-11-06T22:05:08.806" v="190" actId="20577"/>
+          <ac:spMkLst>
+            <pc:docMk/>
+            <pc:sldMk cId="1967199282" sldId="256"/>
+            <ac:spMk id="148" creationId="{8F017204-CE2A-109A-7434-0D2418BCD89C}"/>
+          </ac:spMkLst>
+        </pc:spChg>
+        <pc:spChg chg="add mod">
+          <ac:chgData name="Fatima Pillosu" userId="a6295d4dc9e22643" providerId="LiveId" clId="{E4EB9531-B35B-4F76-8762-A23C9D2F4928}" dt="2023-11-06T21:57:52.980" v="155"/>
+          <ac:spMkLst>
+            <pc:docMk/>
+            <pc:sldMk cId="1967199282" sldId="256"/>
+            <ac:spMk id="149" creationId="{B2D9AE0E-D7BB-624F-E92F-9B8205F1044A}"/>
+          </ac:spMkLst>
+        </pc:spChg>
+        <pc:spChg chg="del mod">
+          <ac:chgData name="Fatima Pillosu" userId="a6295d4dc9e22643" providerId="LiveId" clId="{E4EB9531-B35B-4F76-8762-A23C9D2F4928}" dt="2023-11-06T21:57:08.574" v="154" actId="21"/>
+          <ac:spMkLst>
+            <pc:docMk/>
+            <pc:sldMk cId="1967199282" sldId="256"/>
+            <ac:spMk id="170" creationId="{65D39ED4-F8A3-C14B-22AF-0DEE9CA3AFE3}"/>
+          </ac:spMkLst>
+        </pc:spChg>
+        <pc:spChg chg="add mod">
+          <ac:chgData name="Fatima Pillosu" userId="a6295d4dc9e22643" providerId="LiveId" clId="{E4EB9531-B35B-4F76-8762-A23C9D2F4928}" dt="2023-11-06T21:57:52.980" v="155"/>
+          <ac:spMkLst>
+            <pc:docMk/>
+            <pc:sldMk cId="1967199282" sldId="256"/>
+            <ac:spMk id="171" creationId="{D25BDD5B-14E5-0149-483D-A4306A0EC11C}"/>
+          </ac:spMkLst>
+        </pc:spChg>
+        <pc:spChg chg="del mod">
+          <ac:chgData name="Fatima Pillosu" userId="a6295d4dc9e22643" providerId="LiveId" clId="{E4EB9531-B35B-4F76-8762-A23C9D2F4928}" dt="2023-11-06T21:57:08.574" v="154" actId="21"/>
+          <ac:spMkLst>
+            <pc:docMk/>
+            <pc:sldMk cId="1967199282" sldId="256"/>
+            <ac:spMk id="172" creationId="{42716142-9967-2203-97F0-06AE13E4D758}"/>
+          </ac:spMkLst>
+        </pc:spChg>
+        <pc:spChg chg="del mod">
+          <ac:chgData name="Fatima Pillosu" userId="a6295d4dc9e22643" providerId="LiveId" clId="{E4EB9531-B35B-4F76-8762-A23C9D2F4928}" dt="2023-11-06T21:57:08.574" v="154" actId="21"/>
+          <ac:spMkLst>
+            <pc:docMk/>
+            <pc:sldMk cId="1967199282" sldId="256"/>
+            <ac:spMk id="173" creationId="{966A2799-3AB0-A0F4-8A9F-EC06112BD077}"/>
+          </ac:spMkLst>
+        </pc:spChg>
+        <pc:spChg chg="del mod">
+          <ac:chgData name="Fatima Pillosu" userId="a6295d4dc9e22643" providerId="LiveId" clId="{E4EB9531-B35B-4F76-8762-A23C9D2F4928}" dt="2023-11-06T21:57:08.574" v="154" actId="21"/>
+          <ac:spMkLst>
+            <pc:docMk/>
+            <pc:sldMk cId="1967199282" sldId="256"/>
+            <ac:spMk id="174" creationId="{14B2776F-0E30-2844-68CE-22C634A38F19}"/>
+          </ac:spMkLst>
+        </pc:spChg>
+        <pc:spChg chg="del mod">
+          <ac:chgData name="Fatima Pillosu" userId="a6295d4dc9e22643" providerId="LiveId" clId="{E4EB9531-B35B-4F76-8762-A23C9D2F4928}" dt="2023-11-06T21:57:08.574" v="154" actId="21"/>
+          <ac:spMkLst>
+            <pc:docMk/>
+            <pc:sldMk cId="1967199282" sldId="256"/>
+            <ac:spMk id="175" creationId="{ADFD0149-00D7-F2A5-3219-78AC3D4BE54F}"/>
+          </ac:spMkLst>
+        </pc:spChg>
+        <pc:spChg chg="del mod">
+          <ac:chgData name="Fatima Pillosu" userId="a6295d4dc9e22643" providerId="LiveId" clId="{E4EB9531-B35B-4F76-8762-A23C9D2F4928}" dt="2023-11-06T21:57:08.574" v="154" actId="21"/>
+          <ac:spMkLst>
+            <pc:docMk/>
+            <pc:sldMk cId="1967199282" sldId="256"/>
+            <ac:spMk id="176" creationId="{4CF3F799-3D8C-B40D-F644-A0D1052D25A0}"/>
+          </ac:spMkLst>
+        </pc:spChg>
+        <pc:spChg chg="del mod">
+          <ac:chgData name="Fatima Pillosu" userId="a6295d4dc9e22643" providerId="LiveId" clId="{E4EB9531-B35B-4F76-8762-A23C9D2F4928}" dt="2023-11-06T21:57:08.574" v="154" actId="21"/>
+          <ac:spMkLst>
+            <pc:docMk/>
+            <pc:sldMk cId="1967199282" sldId="256"/>
+            <ac:spMk id="177" creationId="{DA2FB7CB-64EB-FDD2-DC71-4AFE78BC8F2C}"/>
+          </ac:spMkLst>
+        </pc:spChg>
+        <pc:spChg chg="del mod">
+          <ac:chgData name="Fatima Pillosu" userId="a6295d4dc9e22643" providerId="LiveId" clId="{E4EB9531-B35B-4F76-8762-A23C9D2F4928}" dt="2023-11-06T21:57:08.574" v="154" actId="21"/>
+          <ac:spMkLst>
+            <pc:docMk/>
+            <pc:sldMk cId="1967199282" sldId="256"/>
+            <ac:spMk id="178" creationId="{2E2099F7-8694-FB42-8E9F-1D7A8F5F2226}"/>
+          </ac:spMkLst>
+        </pc:spChg>
+        <pc:spChg chg="del mod">
+          <ac:chgData name="Fatima Pillosu" userId="a6295d4dc9e22643" providerId="LiveId" clId="{E4EB9531-B35B-4F76-8762-A23C9D2F4928}" dt="2023-11-06T21:57:08.574" v="154" actId="21"/>
+          <ac:spMkLst>
+            <pc:docMk/>
+            <pc:sldMk cId="1967199282" sldId="256"/>
+            <ac:spMk id="179" creationId="{A0F38D58-1F24-6403-C793-6F1E1C076B7C}"/>
+          </ac:spMkLst>
+        </pc:spChg>
+        <pc:spChg chg="del mod">
+          <ac:chgData name="Fatima Pillosu" userId="a6295d4dc9e22643" providerId="LiveId" clId="{E4EB9531-B35B-4F76-8762-A23C9D2F4928}" dt="2023-11-06T21:57:08.574" v="154" actId="21"/>
+          <ac:spMkLst>
+            <pc:docMk/>
+            <pc:sldMk cId="1967199282" sldId="256"/>
+            <ac:spMk id="180" creationId="{FDA3EB20-4384-32BB-1F98-B88E5C9BB97F}"/>
+          </ac:spMkLst>
+        </pc:spChg>
+        <pc:spChg chg="del mod">
+          <ac:chgData name="Fatima Pillosu" userId="a6295d4dc9e22643" providerId="LiveId" clId="{E4EB9531-B35B-4F76-8762-A23C9D2F4928}" dt="2023-11-06T21:57:08.574" v="154" actId="21"/>
+          <ac:spMkLst>
+            <pc:docMk/>
+            <pc:sldMk cId="1967199282" sldId="256"/>
+            <ac:spMk id="181" creationId="{38EFEFFA-B1E5-1114-AFE3-FE71DA6934CA}"/>
+          </ac:spMkLst>
+        </pc:spChg>
+        <pc:spChg chg="del mod">
+          <ac:chgData name="Fatima Pillosu" userId="a6295d4dc9e22643" providerId="LiveId" clId="{E4EB9531-B35B-4F76-8762-A23C9D2F4928}" dt="2023-11-06T21:57:08.574" v="154" actId="21"/>
+          <ac:spMkLst>
+            <pc:docMk/>
+            <pc:sldMk cId="1967199282" sldId="256"/>
+            <ac:spMk id="182" creationId="{76895109-08D7-4A0D-BFF4-50D998E1BD5C}"/>
+          </ac:spMkLst>
+        </pc:spChg>
+        <pc:spChg chg="add mod">
+          <ac:chgData name="Fatima Pillosu" userId="a6295d4dc9e22643" providerId="LiveId" clId="{E4EB9531-B35B-4F76-8762-A23C9D2F4928}" dt="2023-11-06T21:57:52.980" v="155"/>
+          <ac:spMkLst>
+            <pc:docMk/>
+            <pc:sldMk cId="1967199282" sldId="256"/>
+            <ac:spMk id="183" creationId="{A453E47F-3351-19E4-61A6-33A31FA0DB01}"/>
+          </ac:spMkLst>
+        </pc:spChg>
+        <pc:spChg chg="add mod">
+          <ac:chgData name="Fatima Pillosu" userId="a6295d4dc9e22643" providerId="LiveId" clId="{E4EB9531-B35B-4F76-8762-A23C9D2F4928}" dt="2023-11-06T21:57:52.980" v="155"/>
+          <ac:spMkLst>
+            <pc:docMk/>
+            <pc:sldMk cId="1967199282" sldId="256"/>
+            <ac:spMk id="184" creationId="{06B4CEE1-3430-9BA3-6998-16C2EBB3D9B0}"/>
+          </ac:spMkLst>
+        </pc:spChg>
+        <pc:spChg chg="add mod">
+          <ac:chgData name="Fatima Pillosu" userId="a6295d4dc9e22643" providerId="LiveId" clId="{E4EB9531-B35B-4F76-8762-A23C9D2F4928}" dt="2023-11-06T22:05:26.143" v="193" actId="20577"/>
+          <ac:spMkLst>
+            <pc:docMk/>
+            <pc:sldMk cId="1967199282" sldId="256"/>
+            <ac:spMk id="185" creationId="{B5948A02-D18B-5E23-304A-5AB957798DB1}"/>
+          </ac:spMkLst>
+        </pc:spChg>
+        <pc:spChg chg="add mod">
+          <ac:chgData name="Fatima Pillosu" userId="a6295d4dc9e22643" providerId="LiveId" clId="{E4EB9531-B35B-4F76-8762-A23C9D2F4928}" dt="2023-11-06T22:05:35.324" v="195" actId="20577"/>
+          <ac:spMkLst>
+            <pc:docMk/>
+            <pc:sldMk cId="1967199282" sldId="256"/>
+            <ac:spMk id="186" creationId="{18AFC9C9-ED8B-D886-DAC0-623CF8736934}"/>
+          </ac:spMkLst>
+        </pc:spChg>
+        <pc:spChg chg="add mod">
+          <ac:chgData name="Fatima Pillosu" userId="a6295d4dc9e22643" providerId="LiveId" clId="{E4EB9531-B35B-4F76-8762-A23C9D2F4928}" dt="2023-11-06T22:05:30.841" v="194" actId="20577"/>
+          <ac:spMkLst>
+            <pc:docMk/>
+            <pc:sldMk cId="1967199282" sldId="256"/>
+            <ac:spMk id="187" creationId="{35202108-D28B-BD0D-CB90-3B190EAE4087}"/>
+          </ac:spMkLst>
+        </pc:spChg>
+        <pc:spChg chg="add mod">
+          <ac:chgData name="Fatima Pillosu" userId="a6295d4dc9e22643" providerId="LiveId" clId="{E4EB9531-B35B-4F76-8762-A23C9D2F4928}" dt="2023-11-06T22:05:41.502" v="197" actId="6549"/>
+          <ac:spMkLst>
+            <pc:docMk/>
+            <pc:sldMk cId="1967199282" sldId="256"/>
+            <ac:spMk id="188" creationId="{16140944-A7C1-A32B-8390-D386B3C88A3C}"/>
+          </ac:spMkLst>
+        </pc:spChg>
+        <pc:spChg chg="add mod">
+          <ac:chgData name="Fatima Pillosu" userId="a6295d4dc9e22643" providerId="LiveId" clId="{E4EB9531-B35B-4F76-8762-A23C9D2F4928}" dt="2023-11-06T21:57:52.980" v="155"/>
+          <ac:spMkLst>
+            <pc:docMk/>
+            <pc:sldMk cId="1967199282" sldId="256"/>
+            <ac:spMk id="189" creationId="{1D92883C-F747-A861-D0CF-F992EF569F00}"/>
+          </ac:spMkLst>
+        </pc:spChg>
+        <pc:spChg chg="add mod">
+          <ac:chgData name="Fatima Pillosu" userId="a6295d4dc9e22643" providerId="LiveId" clId="{E4EB9531-B35B-4F76-8762-A23C9D2F4928}" dt="2023-11-06T21:57:52.980" v="155"/>
+          <ac:spMkLst>
+            <pc:docMk/>
+            <pc:sldMk cId="1967199282" sldId="256"/>
+            <ac:spMk id="190" creationId="{1350C275-A6B7-25AF-80F7-AA1FB58163C2}"/>
+          </ac:spMkLst>
+        </pc:spChg>
+        <pc:spChg chg="add mod">
+          <ac:chgData name="Fatima Pillosu" userId="a6295d4dc9e22643" providerId="LiveId" clId="{E4EB9531-B35B-4F76-8762-A23C9D2F4928}" dt="2023-11-06T22:04:55.583" v="187" actId="20577"/>
+          <ac:spMkLst>
+            <pc:docMk/>
+            <pc:sldMk cId="1967199282" sldId="256"/>
+            <ac:spMk id="191" creationId="{C343795A-D142-7780-E8FD-873226AF1498}"/>
+          </ac:spMkLst>
+        </pc:spChg>
+        <pc:spChg chg="add mod">
+          <ac:chgData name="Fatima Pillosu" userId="a6295d4dc9e22643" providerId="LiveId" clId="{E4EB9531-B35B-4F76-8762-A23C9D2F4928}" dt="2023-11-06T22:04:58.798" v="188" actId="20577"/>
+          <ac:spMkLst>
+            <pc:docMk/>
+            <pc:sldMk cId="1967199282" sldId="256"/>
+            <ac:spMk id="192" creationId="{334701FB-F37F-59D7-16A5-C3FCEDD6EFE9}"/>
+          </ac:spMkLst>
+        </pc:spChg>
+        <pc:spChg chg="del mod">
+          <ac:chgData name="Fatima Pillosu" userId="a6295d4dc9e22643" providerId="LiveId" clId="{E4EB9531-B35B-4F76-8762-A23C9D2F4928}" dt="2023-11-06T21:57:08.574" v="154" actId="21"/>
+          <ac:spMkLst>
+            <pc:docMk/>
+            <pc:sldMk cId="1967199282" sldId="256"/>
+            <ac:spMk id="193" creationId="{9F3980BC-F57E-5B04-DFE2-10D351524428}"/>
+          </ac:spMkLst>
+        </pc:spChg>
+        <pc:spChg chg="add mod">
+          <ac:chgData name="Fatima Pillosu" userId="a6295d4dc9e22643" providerId="LiveId" clId="{E4EB9531-B35B-4F76-8762-A23C9D2F4928}" dt="2023-11-06T22:04:44.097" v="185" actId="20577"/>
+          <ac:spMkLst>
+            <pc:docMk/>
+            <pc:sldMk cId="1967199282" sldId="256"/>
+            <ac:spMk id="194" creationId="{605DDB0C-3D44-64B2-C042-AEE20DB4992A}"/>
+          </ac:spMkLst>
+        </pc:spChg>
+        <pc:spChg chg="add mod">
+          <ac:chgData name="Fatima Pillosu" userId="a6295d4dc9e22643" providerId="LiveId" clId="{E4EB9531-B35B-4F76-8762-A23C9D2F4928}" dt="2023-11-06T22:04:51.281" v="186" actId="20577"/>
+          <ac:spMkLst>
+            <pc:docMk/>
+            <pc:sldMk cId="1967199282" sldId="256"/>
+            <ac:spMk id="195" creationId="{1F31019E-E1EA-0DC9-13A6-01B9B6FC23B3}"/>
+          </ac:spMkLst>
+        </pc:spChg>
+        <pc:spChg chg="add mod">
+          <ac:chgData name="Fatima Pillosu" userId="a6295d4dc9e22643" providerId="LiveId" clId="{E4EB9531-B35B-4F76-8762-A23C9D2F4928}" dt="2023-11-06T21:57:52.980" v="155"/>
+          <ac:spMkLst>
+            <pc:docMk/>
+            <pc:sldMk cId="1967199282" sldId="256"/>
+            <ac:spMk id="196" creationId="{904A04A7-F9EC-3E5F-6FDA-6ADE37B3AEBF}"/>
+          </ac:spMkLst>
+        </pc:spChg>
+        <pc:spChg chg="add mod">
+          <ac:chgData name="Fatima Pillosu" userId="a6295d4dc9e22643" providerId="LiveId" clId="{E4EB9531-B35B-4F76-8762-A23C9D2F4928}" dt="2023-11-06T21:57:52.980" v="155"/>
+          <ac:spMkLst>
+            <pc:docMk/>
+            <pc:sldMk cId="1967199282" sldId="256"/>
+            <ac:spMk id="197" creationId="{EC01617F-732E-9D71-9CD0-9D2A18EEA276}"/>
+          </ac:spMkLst>
+        </pc:spChg>
+        <pc:spChg chg="add mod">
+          <ac:chgData name="Fatima Pillosu" userId="a6295d4dc9e22643" providerId="LiveId" clId="{E4EB9531-B35B-4F76-8762-A23C9D2F4928}" dt="2023-11-06T21:57:52.980" v="155"/>
+          <ac:spMkLst>
+            <pc:docMk/>
+            <pc:sldMk cId="1967199282" sldId="256"/>
+            <ac:spMk id="202" creationId="{0908367B-CB7D-DE33-34B0-FCF15457A03E}"/>
+          </ac:spMkLst>
+        </pc:spChg>
+        <pc:spChg chg="add mod">
+          <ac:chgData name="Fatima Pillosu" userId="a6295d4dc9e22643" providerId="LiveId" clId="{E4EB9531-B35B-4F76-8762-A23C9D2F4928}" dt="2023-11-06T21:57:52.980" v="155"/>
+          <ac:spMkLst>
+            <pc:docMk/>
+            <pc:sldMk cId="1967199282" sldId="256"/>
+            <ac:spMk id="204" creationId="{9D45E2E3-73F2-F901-120B-64DF112945F0}"/>
+          </ac:spMkLst>
+        </pc:spChg>
+        <pc:spChg chg="add mod">
+          <ac:chgData name="Fatima Pillosu" userId="a6295d4dc9e22643" providerId="LiveId" clId="{E4EB9531-B35B-4F76-8762-A23C9D2F4928}" dt="2023-11-06T21:57:52.980" v="155"/>
+          <ac:spMkLst>
+            <pc:docMk/>
+            <pc:sldMk cId="1967199282" sldId="256"/>
+            <ac:spMk id="206" creationId="{1347BA48-9623-DC3B-5B6A-0F7557D8D0D1}"/>
+          </ac:spMkLst>
+        </pc:spChg>
+        <pc:spChg chg="add mod">
+          <ac:chgData name="Fatima Pillosu" userId="a6295d4dc9e22643" providerId="LiveId" clId="{E4EB9531-B35B-4F76-8762-A23C9D2F4928}" dt="2023-11-06T21:57:52.980" v="155"/>
+          <ac:spMkLst>
+            <pc:docMk/>
+            <pc:sldMk cId="1967199282" sldId="256"/>
+            <ac:spMk id="207" creationId="{8166618B-EE67-66F3-B5C2-4AC765456585}"/>
+          </ac:spMkLst>
+        </pc:spChg>
+        <pc:spChg chg="add mod">
+          <ac:chgData name="Fatima Pillosu" userId="a6295d4dc9e22643" providerId="LiveId" clId="{E4EB9531-B35B-4F76-8762-A23C9D2F4928}" dt="2023-11-06T21:57:52.980" v="155"/>
+          <ac:spMkLst>
+            <pc:docMk/>
+            <pc:sldMk cId="1967199282" sldId="256"/>
+            <ac:spMk id="209" creationId="{5CAA5678-E621-66FD-4C54-1823DEDAE08A}"/>
+          </ac:spMkLst>
+        </pc:spChg>
+        <pc:spChg chg="add mod">
+          <ac:chgData name="Fatima Pillosu" userId="a6295d4dc9e22643" providerId="LiveId" clId="{E4EB9531-B35B-4F76-8762-A23C9D2F4928}" dt="2023-11-06T21:57:52.980" v="155"/>
+          <ac:spMkLst>
+            <pc:docMk/>
+            <pc:sldMk cId="1967199282" sldId="256"/>
+            <ac:spMk id="211" creationId="{AA4F8BC5-6199-927C-AFCF-194F3EE87B56}"/>
+          </ac:spMkLst>
+        </pc:spChg>
+        <pc:spChg chg="add mod">
+          <ac:chgData name="Fatima Pillosu" userId="a6295d4dc9e22643" providerId="LiveId" clId="{E4EB9531-B35B-4F76-8762-A23C9D2F4928}" dt="2023-11-06T22:19:50.996" v="252" actId="20577"/>
+          <ac:spMkLst>
+            <pc:docMk/>
+            <pc:sldMk cId="1967199282" sldId="256"/>
+            <ac:spMk id="213" creationId="{96819079-C410-571A-23BA-1255B3406EBA}"/>
+          </ac:spMkLst>
+        </pc:spChg>
+        <pc:spChg chg="add mod">
+          <ac:chgData name="Fatima Pillosu" userId="a6295d4dc9e22643" providerId="LiveId" clId="{E4EB9531-B35B-4F76-8762-A23C9D2F4928}" dt="2023-11-06T21:57:52.980" v="155"/>
+          <ac:spMkLst>
+            <pc:docMk/>
+            <pc:sldMk cId="1967199282" sldId="256"/>
+            <ac:spMk id="214" creationId="{FD660FE0-B155-ECEE-F878-158B3D176F9E}"/>
+          </ac:spMkLst>
+        </pc:spChg>
+        <pc:spChg chg="del mod">
+          <ac:chgData name="Fatima Pillosu" userId="a6295d4dc9e22643" providerId="LiveId" clId="{E4EB9531-B35B-4F76-8762-A23C9D2F4928}" dt="2023-11-06T21:57:08.574" v="154" actId="21"/>
+          <ac:spMkLst>
+            <pc:docMk/>
+            <pc:sldMk cId="1967199282" sldId="256"/>
+            <ac:spMk id="215" creationId="{F1687572-8FDF-FBEB-C6E2-2C57F38769A6}"/>
+          </ac:spMkLst>
+        </pc:spChg>
+        <pc:spChg chg="del mod">
+          <ac:chgData name="Fatima Pillosu" userId="a6295d4dc9e22643" providerId="LiveId" clId="{E4EB9531-B35B-4F76-8762-A23C9D2F4928}" dt="2023-11-06T21:57:08.574" v="154" actId="21"/>
+          <ac:spMkLst>
+            <pc:docMk/>
+            <pc:sldMk cId="1967199282" sldId="256"/>
+            <ac:spMk id="216" creationId="{817DBE9C-B6CF-7BA8-69A2-0D67D16B1299}"/>
+          </ac:spMkLst>
+        </pc:spChg>
+        <pc:spChg chg="add mod">
+          <ac:chgData name="Fatima Pillosu" userId="a6295d4dc9e22643" providerId="LiveId" clId="{E4EB9531-B35B-4F76-8762-A23C9D2F4928}" dt="2023-11-06T21:57:52.980" v="155"/>
+          <ac:spMkLst>
+            <pc:docMk/>
+            <pc:sldMk cId="1967199282" sldId="256"/>
+            <ac:spMk id="217" creationId="{D985EC4B-FCC1-B499-0272-A088EDDF0EE3}"/>
+          </ac:spMkLst>
+        </pc:spChg>
+        <pc:spChg chg="add mod">
+          <ac:chgData name="Fatima Pillosu" userId="a6295d4dc9e22643" providerId="LiveId" clId="{E4EB9531-B35B-4F76-8762-A23C9D2F4928}" dt="2023-11-06T21:57:52.980" v="155"/>
+          <ac:spMkLst>
+            <pc:docMk/>
+            <pc:sldMk cId="1967199282" sldId="256"/>
+            <ac:spMk id="218" creationId="{5E2CF87B-B8C7-EF73-D1CB-3C34E6D53E90}"/>
+          </ac:spMkLst>
+        </pc:spChg>
+        <pc:spChg chg="del mod">
+          <ac:chgData name="Fatima Pillosu" userId="a6295d4dc9e22643" providerId="LiveId" clId="{E4EB9531-B35B-4F76-8762-A23C9D2F4928}" dt="2023-11-06T21:57:08.574" v="154" actId="21"/>
+          <ac:spMkLst>
+            <pc:docMk/>
+            <pc:sldMk cId="1967199282" sldId="256"/>
+            <ac:spMk id="219" creationId="{FEFC8D04-5FEE-9018-3257-E2DE5461EB23}"/>
+          </ac:spMkLst>
+        </pc:spChg>
+        <pc:spChg chg="del mod">
+          <ac:chgData name="Fatima Pillosu" userId="a6295d4dc9e22643" providerId="LiveId" clId="{E4EB9531-B35B-4F76-8762-A23C9D2F4928}" dt="2023-11-06T21:57:08.574" v="154" actId="21"/>
+          <ac:spMkLst>
+            <pc:docMk/>
+            <pc:sldMk cId="1967199282" sldId="256"/>
+            <ac:spMk id="220" creationId="{33610B7E-7EE0-B4D2-16CF-A3F1836646C6}"/>
+          </ac:spMkLst>
+        </pc:spChg>
+        <pc:spChg chg="add mod">
+          <ac:chgData name="Fatima Pillosu" userId="a6295d4dc9e22643" providerId="LiveId" clId="{E4EB9531-B35B-4F76-8762-A23C9D2F4928}" dt="2023-11-06T21:57:52.980" v="155"/>
+          <ac:spMkLst>
+            <pc:docMk/>
+            <pc:sldMk cId="1967199282" sldId="256"/>
+            <ac:spMk id="221" creationId="{12A06669-7737-8D97-FFB9-B5874BF3C186}"/>
+          </ac:spMkLst>
+        </pc:spChg>
+        <pc:spChg chg="del mod">
+          <ac:chgData name="Fatima Pillosu" userId="a6295d4dc9e22643" providerId="LiveId" clId="{E4EB9531-B35B-4F76-8762-A23C9D2F4928}" dt="2023-11-06T21:57:08.574" v="154" actId="21"/>
+          <ac:spMkLst>
+            <pc:docMk/>
+            <pc:sldMk cId="1967199282" sldId="256"/>
+            <ac:spMk id="222" creationId="{A3696A1C-06D1-5092-425F-68C6DDCD3E34}"/>
+          </ac:spMkLst>
+        </pc:spChg>
+        <pc:spChg chg="add mod">
+          <ac:chgData name="Fatima Pillosu" userId="a6295d4dc9e22643" providerId="LiveId" clId="{E4EB9531-B35B-4F76-8762-A23C9D2F4928}" dt="2023-11-06T21:57:52.980" v="155"/>
+          <ac:spMkLst>
+            <pc:docMk/>
+            <pc:sldMk cId="1967199282" sldId="256"/>
+            <ac:spMk id="223" creationId="{994F977A-166E-9A29-550B-9F1CF9C2AE92}"/>
+          </ac:spMkLst>
+        </pc:spChg>
+        <pc:spChg chg="add mod">
+          <ac:chgData name="Fatima Pillosu" userId="a6295d4dc9e22643" providerId="LiveId" clId="{E4EB9531-B35B-4F76-8762-A23C9D2F4928}" dt="2023-11-06T21:57:52.980" v="155"/>
+          <ac:spMkLst>
+            <pc:docMk/>
+            <pc:sldMk cId="1967199282" sldId="256"/>
+            <ac:spMk id="224" creationId="{26A7E600-A472-B544-4700-8FF9F440A6D2}"/>
+          </ac:spMkLst>
+        </pc:spChg>
+        <pc:spChg chg="add mod">
+          <ac:chgData name="Fatima Pillosu" userId="a6295d4dc9e22643" providerId="LiveId" clId="{E4EB9531-B35B-4F76-8762-A23C9D2F4928}" dt="2023-11-06T21:57:52.980" v="155"/>
+          <ac:spMkLst>
+            <pc:docMk/>
+            <pc:sldMk cId="1967199282" sldId="256"/>
+            <ac:spMk id="225" creationId="{A8AF641A-60E5-74F6-20E7-21D72FBC0C4B}"/>
+          </ac:spMkLst>
+        </pc:spChg>
+        <pc:spChg chg="del mod">
+          <ac:chgData name="Fatima Pillosu" userId="a6295d4dc9e22643" providerId="LiveId" clId="{E4EB9531-B35B-4F76-8762-A23C9D2F4928}" dt="2023-11-06T21:57:08.574" v="154" actId="21"/>
+          <ac:spMkLst>
+            <pc:docMk/>
+            <pc:sldMk cId="1967199282" sldId="256"/>
+            <ac:spMk id="226" creationId="{919BDD2A-6741-BEB2-50F7-9F66A79E73F6}"/>
+          </ac:spMkLst>
+        </pc:spChg>
+        <pc:spChg chg="del mod">
+          <ac:chgData name="Fatima Pillosu" userId="a6295d4dc9e22643" providerId="LiveId" clId="{E4EB9531-B35B-4F76-8762-A23C9D2F4928}" dt="2023-11-06T21:57:08.574" v="154" actId="21"/>
+          <ac:spMkLst>
+            <pc:docMk/>
+            <pc:sldMk cId="1967199282" sldId="256"/>
+            <ac:spMk id="227" creationId="{F87B32F0-10BB-7906-E66D-6DC50C8A69FE}"/>
+          </ac:spMkLst>
+        </pc:spChg>
+        <pc:spChg chg="del mod">
+          <ac:chgData name="Fatima Pillosu" userId="a6295d4dc9e22643" providerId="LiveId" clId="{E4EB9531-B35B-4F76-8762-A23C9D2F4928}" dt="2023-11-06T21:57:08.574" v="154" actId="21"/>
+          <ac:spMkLst>
+            <pc:docMk/>
+            <pc:sldMk cId="1967199282" sldId="256"/>
+            <ac:spMk id="228" creationId="{C377B023-BE74-E4B3-668D-910593D85F13}"/>
+          </ac:spMkLst>
+        </pc:spChg>
+        <pc:spChg chg="add mod">
+          <ac:chgData name="Fatima Pillosu" userId="a6295d4dc9e22643" providerId="LiveId" clId="{E4EB9531-B35B-4F76-8762-A23C9D2F4928}" dt="2023-11-06T21:57:52.980" v="155"/>
+          <ac:spMkLst>
+            <pc:docMk/>
+            <pc:sldMk cId="1967199282" sldId="256"/>
+            <ac:spMk id="229" creationId="{724968AA-6C60-4DF7-759A-CFFE6B1FAB0C}"/>
+          </ac:spMkLst>
+        </pc:spChg>
+        <pc:spChg chg="del mod">
+          <ac:chgData name="Fatima Pillosu" userId="a6295d4dc9e22643" providerId="LiveId" clId="{E4EB9531-B35B-4F76-8762-A23C9D2F4928}" dt="2023-11-06T21:57:08.574" v="154" actId="21"/>
+          <ac:spMkLst>
+            <pc:docMk/>
+            <pc:sldMk cId="1967199282" sldId="256"/>
+            <ac:spMk id="230" creationId="{976CB684-B768-9BA2-A408-45760BF62D6C}"/>
+          </ac:spMkLst>
+        </pc:spChg>
+        <pc:spChg chg="del mod">
+          <ac:chgData name="Fatima Pillosu" userId="a6295d4dc9e22643" providerId="LiveId" clId="{E4EB9531-B35B-4F76-8762-A23C9D2F4928}" dt="2023-11-06T21:57:08.574" v="154" actId="21"/>
+          <ac:spMkLst>
+            <pc:docMk/>
+            <pc:sldMk cId="1967199282" sldId="256"/>
+            <ac:spMk id="231" creationId="{1579A008-2D87-8C02-8C25-8FDAC31C16DE}"/>
+          </ac:spMkLst>
+        </pc:spChg>
+        <pc:spChg chg="del mod">
+          <ac:chgData name="Fatima Pillosu" userId="a6295d4dc9e22643" providerId="LiveId" clId="{E4EB9531-B35B-4F76-8762-A23C9D2F4928}" dt="2023-11-06T21:57:08.574" v="154" actId="21"/>
+          <ac:spMkLst>
+            <pc:docMk/>
+            <pc:sldMk cId="1967199282" sldId="256"/>
+            <ac:spMk id="232" creationId="{8BFC2C92-09A6-4D86-210D-61C0B1A8EB99}"/>
+          </ac:spMkLst>
+        </pc:spChg>
+        <pc:spChg chg="del mod">
+          <ac:chgData name="Fatima Pillosu" userId="a6295d4dc9e22643" providerId="LiveId" clId="{E4EB9531-B35B-4F76-8762-A23C9D2F4928}" dt="2023-11-06T21:57:08.574" v="154" actId="21"/>
+          <ac:spMkLst>
+            <pc:docMk/>
+            <pc:sldMk cId="1967199282" sldId="256"/>
+            <ac:spMk id="233" creationId="{16F53EE7-4241-43C5-8227-15E653609E1B}"/>
+          </ac:spMkLst>
+        </pc:spChg>
+        <pc:spChg chg="del mod">
+          <ac:chgData name="Fatima Pillosu" userId="a6295d4dc9e22643" providerId="LiveId" clId="{E4EB9531-B35B-4F76-8762-A23C9D2F4928}" dt="2023-11-06T21:57:08.574" v="154" actId="21"/>
+          <ac:spMkLst>
+            <pc:docMk/>
+            <pc:sldMk cId="1967199282" sldId="256"/>
+            <ac:spMk id="234" creationId="{0B45ACD5-E320-98D7-0149-BCBD90B505BD}"/>
+          </ac:spMkLst>
+        </pc:spChg>
+        <pc:spChg chg="del mod">
+          <ac:chgData name="Fatima Pillosu" userId="a6295d4dc9e22643" providerId="LiveId" clId="{E4EB9531-B35B-4F76-8762-A23C9D2F4928}" dt="2023-11-06T21:57:08.574" v="154" actId="21"/>
+          <ac:spMkLst>
+            <pc:docMk/>
+            <pc:sldMk cId="1967199282" sldId="256"/>
+            <ac:spMk id="235" creationId="{39BF293F-DF52-61BA-416A-5195AA32E4A5}"/>
+          </ac:spMkLst>
+        </pc:spChg>
+        <pc:spChg chg="del mod">
+          <ac:chgData name="Fatima Pillosu" userId="a6295d4dc9e22643" providerId="LiveId" clId="{E4EB9531-B35B-4F76-8762-A23C9D2F4928}" dt="2023-11-06T21:57:08.574" v="154" actId="21"/>
+          <ac:spMkLst>
+            <pc:docMk/>
+            <pc:sldMk cId="1967199282" sldId="256"/>
+            <ac:spMk id="236" creationId="{DF56D9EA-9DD1-FD36-96FB-4CC4F503381D}"/>
+          </ac:spMkLst>
+        </pc:spChg>
+        <pc:spChg chg="del mod">
+          <ac:chgData name="Fatima Pillosu" userId="a6295d4dc9e22643" providerId="LiveId" clId="{E4EB9531-B35B-4F76-8762-A23C9D2F4928}" dt="2023-11-06T21:57:08.574" v="154" actId="21"/>
+          <ac:spMkLst>
+            <pc:docMk/>
+            <pc:sldMk cId="1967199282" sldId="256"/>
+            <ac:spMk id="237" creationId="{618BABE2-380F-6EEC-A58A-9E5757536952}"/>
+          </ac:spMkLst>
+        </pc:spChg>
+        <pc:spChg chg="add mod">
+          <ac:chgData name="Fatima Pillosu" userId="a6295d4dc9e22643" providerId="LiveId" clId="{E4EB9531-B35B-4F76-8762-A23C9D2F4928}" dt="2023-11-06T22:20:01.082" v="270" actId="20577"/>
+          <ac:spMkLst>
+            <pc:docMk/>
+            <pc:sldMk cId="1967199282" sldId="256"/>
+            <ac:spMk id="238" creationId="{B5C86E7B-F2E1-8CC8-71D1-1660F634D915}"/>
+          </ac:spMkLst>
+        </pc:spChg>
+        <pc:spChg chg="del mod">
+          <ac:chgData name="Fatima Pillosu" userId="a6295d4dc9e22643" providerId="LiveId" clId="{E4EB9531-B35B-4F76-8762-A23C9D2F4928}" dt="2023-11-06T21:57:08.574" v="154" actId="21"/>
+          <ac:spMkLst>
+            <pc:docMk/>
+            <pc:sldMk cId="1967199282" sldId="256"/>
+            <ac:spMk id="239" creationId="{E6ECB808-CE47-1B2E-936A-3C8126CACE63}"/>
+          </ac:spMkLst>
+        </pc:spChg>
+        <pc:spChg chg="del mod">
+          <ac:chgData name="Fatima Pillosu" userId="a6295d4dc9e22643" providerId="LiveId" clId="{E4EB9531-B35B-4F76-8762-A23C9D2F4928}" dt="2023-11-06T21:57:08.574" v="154" actId="21"/>
+          <ac:spMkLst>
+            <pc:docMk/>
+            <pc:sldMk cId="1967199282" sldId="256"/>
+            <ac:spMk id="240" creationId="{54C69D8F-D08D-94E2-573D-B33990C5F556}"/>
+          </ac:spMkLst>
+        </pc:spChg>
+        <pc:spChg chg="del mod">
+          <ac:chgData name="Fatima Pillosu" userId="a6295d4dc9e22643" providerId="LiveId" clId="{E4EB9531-B35B-4F76-8762-A23C9D2F4928}" dt="2023-11-06T21:57:08.574" v="154" actId="21"/>
+          <ac:spMkLst>
+            <pc:docMk/>
+            <pc:sldMk cId="1967199282" sldId="256"/>
+            <ac:spMk id="241" creationId="{E14407A9-E0C0-14C7-4127-548017D2C936}"/>
+          </ac:spMkLst>
+        </pc:spChg>
+        <pc:spChg chg="del mod">
+          <ac:chgData name="Fatima Pillosu" userId="a6295d4dc9e22643" providerId="LiveId" clId="{E4EB9531-B35B-4F76-8762-A23C9D2F4928}" dt="2023-11-06T21:57:08.574" v="154" actId="21"/>
+          <ac:spMkLst>
+            <pc:docMk/>
+            <pc:sldMk cId="1967199282" sldId="256"/>
+            <ac:spMk id="242" creationId="{F6BD6F39-4FDD-6BA4-1949-37ACBAF2F220}"/>
+          </ac:spMkLst>
+        </pc:spChg>
+        <pc:spChg chg="del mod">
+          <ac:chgData name="Fatima Pillosu" userId="a6295d4dc9e22643" providerId="LiveId" clId="{E4EB9531-B35B-4F76-8762-A23C9D2F4928}" dt="2023-11-06T21:57:08.574" v="154" actId="21"/>
+          <ac:spMkLst>
+            <pc:docMk/>
+            <pc:sldMk cId="1967199282" sldId="256"/>
+            <ac:spMk id="243" creationId="{09EAFF7B-6826-C5E9-2AD1-DD484098C5AA}"/>
+          </ac:spMkLst>
+        </pc:spChg>
+        <pc:spChg chg="del mod">
+          <ac:chgData name="Fatima Pillosu" userId="a6295d4dc9e22643" providerId="LiveId" clId="{E4EB9531-B35B-4F76-8762-A23C9D2F4928}" dt="2023-11-06T21:57:08.574" v="154" actId="21"/>
+          <ac:spMkLst>
+            <pc:docMk/>
+            <pc:sldMk cId="1967199282" sldId="256"/>
+            <ac:spMk id="244" creationId="{739AADE5-A6E7-4E30-1EEF-EF3297E17387}"/>
+          </ac:spMkLst>
+        </pc:spChg>
+        <pc:spChg chg="del mod">
+          <ac:chgData name="Fatima Pillosu" userId="a6295d4dc9e22643" providerId="LiveId" clId="{E4EB9531-B35B-4F76-8762-A23C9D2F4928}" dt="2023-11-06T21:57:08.574" v="154" actId="21"/>
+          <ac:spMkLst>
+            <pc:docMk/>
+            <pc:sldMk cId="1967199282" sldId="256"/>
+            <ac:spMk id="245" creationId="{227BDC41-DAB0-F94F-5357-D9310BADDE43}"/>
+          </ac:spMkLst>
+        </pc:spChg>
+        <pc:spChg chg="del mod">
+          <ac:chgData name="Fatima Pillosu" userId="a6295d4dc9e22643" providerId="LiveId" clId="{E4EB9531-B35B-4F76-8762-A23C9D2F4928}" dt="2023-11-06T21:57:08.574" v="154" actId="21"/>
+          <ac:spMkLst>
+            <pc:docMk/>
+            <pc:sldMk cId="1967199282" sldId="256"/>
+            <ac:spMk id="246" creationId="{776F067F-81D1-BD8F-3DE6-C4AED0D10471}"/>
+          </ac:spMkLst>
+        </pc:spChg>
+        <pc:spChg chg="del mod">
+          <ac:chgData name="Fatima Pillosu" userId="a6295d4dc9e22643" providerId="LiveId" clId="{E4EB9531-B35B-4F76-8762-A23C9D2F4928}" dt="2023-11-06T21:57:08.574" v="154" actId="21"/>
+          <ac:spMkLst>
+            <pc:docMk/>
+            <pc:sldMk cId="1967199282" sldId="256"/>
+            <ac:spMk id="247" creationId="{C35FBDE3-802C-2914-538A-241070C9B5E7}"/>
+          </ac:spMkLst>
+        </pc:spChg>
+        <pc:spChg chg="del mod">
+          <ac:chgData name="Fatima Pillosu" userId="a6295d4dc9e22643" providerId="LiveId" clId="{E4EB9531-B35B-4F76-8762-A23C9D2F4928}" dt="2023-11-06T21:57:08.574" v="154" actId="21"/>
+          <ac:spMkLst>
+            <pc:docMk/>
+            <pc:sldMk cId="1967199282" sldId="256"/>
+            <ac:spMk id="248" creationId="{890A47F5-3735-EEBF-2B6B-CAD901900997}"/>
+          </ac:spMkLst>
+        </pc:spChg>
+        <pc:spChg chg="del mod">
+          <ac:chgData name="Fatima Pillosu" userId="a6295d4dc9e22643" providerId="LiveId" clId="{E4EB9531-B35B-4F76-8762-A23C9D2F4928}" dt="2023-11-06T21:57:08.574" v="154" actId="21"/>
+          <ac:spMkLst>
+            <pc:docMk/>
+            <pc:sldMk cId="1967199282" sldId="256"/>
+            <ac:spMk id="249" creationId="{9CAEA0B3-C65A-CCFA-0F76-97F2D3B3E47A}"/>
+          </ac:spMkLst>
+        </pc:spChg>
+        <pc:spChg chg="del mod">
+          <ac:chgData name="Fatima Pillosu" userId="a6295d4dc9e22643" providerId="LiveId" clId="{E4EB9531-B35B-4F76-8762-A23C9D2F4928}" dt="2023-11-06T21:57:08.574" v="154" actId="21"/>
+          <ac:spMkLst>
+            <pc:docMk/>
+            <pc:sldMk cId="1967199282" sldId="256"/>
+            <ac:spMk id="250" creationId="{D078396E-A377-5A71-73C8-936698F4CD19}"/>
+          </ac:spMkLst>
+        </pc:spChg>
+        <pc:spChg chg="del mod">
+          <ac:chgData name="Fatima Pillosu" userId="a6295d4dc9e22643" providerId="LiveId" clId="{E4EB9531-B35B-4F76-8762-A23C9D2F4928}" dt="2023-11-06T21:57:08.574" v="154" actId="21"/>
+          <ac:spMkLst>
+            <pc:docMk/>
+            <pc:sldMk cId="1967199282" sldId="256"/>
+            <ac:spMk id="251" creationId="{D5C22EE7-D54B-CF9B-E085-D69C02A05A13}"/>
+          </ac:spMkLst>
+        </pc:spChg>
+        <pc:spChg chg="del mod">
+          <ac:chgData name="Fatima Pillosu" userId="a6295d4dc9e22643" providerId="LiveId" clId="{E4EB9531-B35B-4F76-8762-A23C9D2F4928}" dt="2023-11-06T21:57:08.574" v="154" actId="21"/>
+          <ac:spMkLst>
+            <pc:docMk/>
+            <pc:sldMk cId="1967199282" sldId="256"/>
+            <ac:spMk id="252" creationId="{374D5227-B8F4-57B7-8B84-3E3E74E48970}"/>
+          </ac:spMkLst>
+        </pc:spChg>
+        <pc:spChg chg="del mod">
+          <ac:chgData name="Fatima Pillosu" userId="a6295d4dc9e22643" providerId="LiveId" clId="{E4EB9531-B35B-4F76-8762-A23C9D2F4928}" dt="2023-11-06T21:57:08.574" v="154" actId="21"/>
+          <ac:spMkLst>
+            <pc:docMk/>
+            <pc:sldMk cId="1967199282" sldId="256"/>
+            <ac:spMk id="253" creationId="{0BE0D2A8-C151-4A2C-B3EF-8C81AFF0BA36}"/>
+          </ac:spMkLst>
+        </pc:spChg>
+        <pc:spChg chg="del mod">
+          <ac:chgData name="Fatima Pillosu" userId="a6295d4dc9e22643" providerId="LiveId" clId="{E4EB9531-B35B-4F76-8762-A23C9D2F4928}" dt="2023-11-06T21:57:08.574" v="154" actId="21"/>
+          <ac:spMkLst>
+            <pc:docMk/>
+            <pc:sldMk cId="1967199282" sldId="256"/>
+            <ac:spMk id="254" creationId="{0E48E4EC-C16D-86BA-6B5F-5BE870A5F89F}"/>
+          </ac:spMkLst>
+        </pc:spChg>
+        <pc:spChg chg="del mod">
+          <ac:chgData name="Fatima Pillosu" userId="a6295d4dc9e22643" providerId="LiveId" clId="{E4EB9531-B35B-4F76-8762-A23C9D2F4928}" dt="2023-11-06T21:57:08.574" v="154" actId="21"/>
+          <ac:spMkLst>
+            <pc:docMk/>
+            <pc:sldMk cId="1967199282" sldId="256"/>
+            <ac:spMk id="255" creationId="{EB567113-64AD-A75E-82C3-AC8DCF388F3D}"/>
+          </ac:spMkLst>
+        </pc:spChg>
+        <pc:spChg chg="del mod">
+          <ac:chgData name="Fatima Pillosu" userId="a6295d4dc9e22643" providerId="LiveId" clId="{E4EB9531-B35B-4F76-8762-A23C9D2F4928}" dt="2023-11-06T21:57:08.574" v="154" actId="21"/>
+          <ac:spMkLst>
+            <pc:docMk/>
+            <pc:sldMk cId="1967199282" sldId="256"/>
+            <ac:spMk id="256" creationId="{B62BEE55-838F-0DEE-4C9C-9A043DAF50DB}"/>
+          </ac:spMkLst>
+        </pc:spChg>
+        <pc:spChg chg="del mod">
+          <ac:chgData name="Fatima Pillosu" userId="a6295d4dc9e22643" providerId="LiveId" clId="{E4EB9531-B35B-4F76-8762-A23C9D2F4928}" dt="2023-11-06T21:57:08.574" v="154" actId="21"/>
+          <ac:spMkLst>
+            <pc:docMk/>
+            <pc:sldMk cId="1967199282" sldId="256"/>
+            <ac:spMk id="257" creationId="{D5201F61-8DC6-DC55-555C-2AA6472F2DF3}"/>
+          </ac:spMkLst>
+        </pc:spChg>
+        <pc:spChg chg="add mod">
+          <ac:chgData name="Fatima Pillosu" userId="a6295d4dc9e22643" providerId="LiveId" clId="{E4EB9531-B35B-4F76-8762-A23C9D2F4928}" dt="2023-11-06T21:57:52.980" v="155"/>
+          <ac:spMkLst>
+            <pc:docMk/>
+            <pc:sldMk cId="1967199282" sldId="256"/>
+            <ac:spMk id="260" creationId="{1E5BA1C2-2028-5318-7810-4B48EA78FEEA}"/>
+          </ac:spMkLst>
+        </pc:spChg>
+        <pc:spChg chg="add mod">
+          <ac:chgData name="Fatima Pillosu" userId="a6295d4dc9e22643" providerId="LiveId" clId="{E4EB9531-B35B-4F76-8762-A23C9D2F4928}" dt="2023-11-06T21:57:52.980" v="155"/>
+          <ac:spMkLst>
+            <pc:docMk/>
+            <pc:sldMk cId="1967199282" sldId="256"/>
+            <ac:spMk id="261" creationId="{2451CFC0-DC5E-FEDA-C5D0-8DD328643A73}"/>
+          </ac:spMkLst>
+        </pc:spChg>
+        <pc:spChg chg="add mod">
+          <ac:chgData name="Fatima Pillosu" userId="a6295d4dc9e22643" providerId="LiveId" clId="{E4EB9531-B35B-4F76-8762-A23C9D2F4928}" dt="2023-11-06T21:57:52.980" v="155"/>
+          <ac:spMkLst>
+            <pc:docMk/>
+            <pc:sldMk cId="1967199282" sldId="256"/>
+            <ac:spMk id="262" creationId="{21FE2E6D-5E01-4F48-E3E9-740DAA4C7A43}"/>
+          </ac:spMkLst>
+        </pc:spChg>
+        <pc:spChg chg="add mod">
+          <ac:chgData name="Fatima Pillosu" userId="a6295d4dc9e22643" providerId="LiveId" clId="{E4EB9531-B35B-4F76-8762-A23C9D2F4928}" dt="2023-11-06T21:57:52.980" v="155"/>
+          <ac:spMkLst>
+            <pc:docMk/>
+            <pc:sldMk cId="1967199282" sldId="256"/>
+            <ac:spMk id="264" creationId="{78F31C95-F3D0-6ADA-D4CF-AC0BA5D58FC8}"/>
+          </ac:spMkLst>
+        </pc:spChg>
+        <pc:spChg chg="del mod">
+          <ac:chgData name="Fatima Pillosu" userId="a6295d4dc9e22643" providerId="LiveId" clId="{E4EB9531-B35B-4F76-8762-A23C9D2F4928}" dt="2023-11-06T21:57:08.574" v="154" actId="21"/>
+          <ac:spMkLst>
+            <pc:docMk/>
+            <pc:sldMk cId="1967199282" sldId="256"/>
+            <ac:spMk id="267" creationId="{A528C180-F9E4-ADA5-CB22-0F1DDAC74562}"/>
+          </ac:spMkLst>
+        </pc:spChg>
+        <pc:spChg chg="del mod">
+          <ac:chgData name="Fatima Pillosu" userId="a6295d4dc9e22643" providerId="LiveId" clId="{E4EB9531-B35B-4F76-8762-A23C9D2F4928}" dt="2023-11-06T21:57:08.574" v="154" actId="21"/>
+          <ac:spMkLst>
+            <pc:docMk/>
+            <pc:sldMk cId="1967199282" sldId="256"/>
+            <ac:spMk id="268" creationId="{DA892BFD-0AF2-8478-BD33-1ED7E8FD0460}"/>
+          </ac:spMkLst>
+        </pc:spChg>
+        <pc:spChg chg="del mod">
+          <ac:chgData name="Fatima Pillosu" userId="a6295d4dc9e22643" providerId="LiveId" clId="{E4EB9531-B35B-4F76-8762-A23C9D2F4928}" dt="2023-11-06T21:57:08.574" v="154" actId="21"/>
+          <ac:spMkLst>
+            <pc:docMk/>
+            <pc:sldMk cId="1967199282" sldId="256"/>
+            <ac:spMk id="269" creationId="{BFAEBAF0-FCD8-5141-B043-736D20F16E41}"/>
+          </ac:spMkLst>
+        </pc:spChg>
+        <pc:spChg chg="del mod">
+          <ac:chgData name="Fatima Pillosu" userId="a6295d4dc9e22643" providerId="LiveId" clId="{E4EB9531-B35B-4F76-8762-A23C9D2F4928}" dt="2023-11-06T21:57:08.574" v="154" actId="21"/>
+          <ac:spMkLst>
+            <pc:docMk/>
+            <pc:sldMk cId="1967199282" sldId="256"/>
+            <ac:spMk id="270" creationId="{A8786CD5-04A2-817C-19B6-DEBC50A16D07}"/>
+          </ac:spMkLst>
+        </pc:spChg>
+        <pc:spChg chg="del mod">
+          <ac:chgData name="Fatima Pillosu" userId="a6295d4dc9e22643" providerId="LiveId" clId="{E4EB9531-B35B-4F76-8762-A23C9D2F4928}" dt="2023-11-06T21:57:08.574" v="154" actId="21"/>
+          <ac:spMkLst>
+            <pc:docMk/>
+            <pc:sldMk cId="1967199282" sldId="256"/>
+            <ac:spMk id="271" creationId="{5AC9C89B-BA5A-E6D0-9B29-C896DCBCED67}"/>
+          </ac:spMkLst>
+        </pc:spChg>
+        <pc:spChg chg="del mod">
+          <ac:chgData name="Fatima Pillosu" userId="a6295d4dc9e22643" providerId="LiveId" clId="{E4EB9531-B35B-4F76-8762-A23C9D2F4928}" dt="2023-11-06T21:57:08.574" v="154" actId="21"/>
+          <ac:spMkLst>
+            <pc:docMk/>
+            <pc:sldMk cId="1967199282" sldId="256"/>
+            <ac:spMk id="272" creationId="{E351EFDD-3FE1-F190-8AB6-624E250C6ED1}"/>
+          </ac:spMkLst>
+        </pc:spChg>
+        <pc:spChg chg="del mod">
+          <ac:chgData name="Fatima Pillosu" userId="a6295d4dc9e22643" providerId="LiveId" clId="{E4EB9531-B35B-4F76-8762-A23C9D2F4928}" dt="2023-11-06T21:57:08.574" v="154" actId="21"/>
+          <ac:spMkLst>
+            <pc:docMk/>
+            <pc:sldMk cId="1967199282" sldId="256"/>
+            <ac:spMk id="273" creationId="{D654CA22-146C-71EB-0731-8DC06B7AEE31}"/>
+          </ac:spMkLst>
+        </pc:spChg>
+        <pc:spChg chg="del mod">
+          <ac:chgData name="Fatima Pillosu" userId="a6295d4dc9e22643" providerId="LiveId" clId="{E4EB9531-B35B-4F76-8762-A23C9D2F4928}" dt="2023-11-06T21:57:08.574" v="154" actId="21"/>
+          <ac:spMkLst>
+            <pc:docMk/>
+            <pc:sldMk cId="1967199282" sldId="256"/>
+            <ac:spMk id="274" creationId="{7EE71E49-043F-82D8-2A0C-B76C1DA664F1}"/>
+          </ac:spMkLst>
+        </pc:spChg>
+        <pc:spChg chg="del mod">
+          <ac:chgData name="Fatima Pillosu" userId="a6295d4dc9e22643" providerId="LiveId" clId="{E4EB9531-B35B-4F76-8762-A23C9D2F4928}" dt="2023-11-06T21:57:08.574" v="154" actId="21"/>
+          <ac:spMkLst>
+            <pc:docMk/>
+            <pc:sldMk cId="1967199282" sldId="256"/>
+            <ac:spMk id="275" creationId="{48767C8C-3E90-3188-FD4F-E142AB62976E}"/>
+          </ac:spMkLst>
+        </pc:spChg>
+        <pc:spChg chg="add mod">
+          <ac:chgData name="Fatima Pillosu" userId="a6295d4dc9e22643" providerId="LiveId" clId="{E4EB9531-B35B-4F76-8762-A23C9D2F4928}" dt="2023-11-06T22:19:36.932" v="234" actId="20577"/>
+          <ac:spMkLst>
+            <pc:docMk/>
+            <pc:sldMk cId="1967199282" sldId="256"/>
+            <ac:spMk id="276" creationId="{9C07D085-9018-45D7-4E21-4213FB6AD6E4}"/>
+          </ac:spMkLst>
+        </pc:spChg>
+        <pc:spChg chg="add mod">
+          <ac:chgData name="Fatima Pillosu" userId="a6295d4dc9e22643" providerId="LiveId" clId="{E4EB9531-B35B-4F76-8762-A23C9D2F4928}" dt="2023-11-06T21:57:52.980" v="155"/>
+          <ac:spMkLst>
+            <pc:docMk/>
+            <pc:sldMk cId="1967199282" sldId="256"/>
+            <ac:spMk id="278" creationId="{134F1432-58E2-3A01-EC87-C158ECC7EA92}"/>
+          </ac:spMkLst>
+        </pc:spChg>
+        <pc:spChg chg="add mod">
+          <ac:chgData name="Fatima Pillosu" userId="a6295d4dc9e22643" providerId="LiveId" clId="{E4EB9531-B35B-4F76-8762-A23C9D2F4928}" dt="2023-11-06T22:20:43.534" v="273" actId="1036"/>
+          <ac:spMkLst>
+            <pc:docMk/>
+            <pc:sldMk cId="1967199282" sldId="256"/>
+            <ac:spMk id="279" creationId="{2C76209A-2D0C-968F-F97E-6580D4415058}"/>
+          </ac:spMkLst>
+        </pc:spChg>
+        <pc:spChg chg="add mod">
+          <ac:chgData name="Fatima Pillosu" userId="a6295d4dc9e22643" providerId="LiveId" clId="{E4EB9531-B35B-4F76-8762-A23C9D2F4928}" dt="2023-11-06T22:04:16.191" v="180" actId="1037"/>
+          <ac:spMkLst>
+            <pc:docMk/>
+            <pc:sldMk cId="1967199282" sldId="256"/>
+            <ac:spMk id="280" creationId="{8256DB2A-21F0-E6FC-329B-1CC83DEC0508}"/>
+          </ac:spMkLst>
+        </pc:spChg>
+        <pc:spChg chg="add mod">
+          <ac:chgData name="Fatima Pillosu" userId="a6295d4dc9e22643" providerId="LiveId" clId="{E4EB9531-B35B-4F76-8762-A23C9D2F4928}" dt="2023-11-06T22:04:37.850" v="184" actId="20577"/>
+          <ac:spMkLst>
+            <pc:docMk/>
+            <pc:sldMk cId="1967199282" sldId="256"/>
+            <ac:spMk id="281" creationId="{776A0576-D1DD-B5FC-C124-C607C10464CA}"/>
+          </ac:spMkLst>
+        </pc:spChg>
+        <pc:spChg chg="del mod">
+          <ac:chgData name="Fatima Pillosu" userId="a6295d4dc9e22643" providerId="LiveId" clId="{E4EB9531-B35B-4F76-8762-A23C9D2F4928}" dt="2023-11-06T21:57:08.574" v="154" actId="21"/>
+          <ac:spMkLst>
+            <pc:docMk/>
+            <pc:sldMk cId="1967199282" sldId="256"/>
+            <ac:spMk id="287" creationId="{893DD166-FCFE-99BD-8354-D51EDB4A5B55}"/>
+          </ac:spMkLst>
+        </pc:spChg>
+        <pc:spChg chg="del mod">
+          <ac:chgData name="Fatima Pillosu" userId="a6295d4dc9e22643" providerId="LiveId" clId="{E4EB9531-B35B-4F76-8762-A23C9D2F4928}" dt="2023-11-06T21:57:08.574" v="154" actId="21"/>
+          <ac:spMkLst>
+            <pc:docMk/>
+            <pc:sldMk cId="1967199282" sldId="256"/>
+            <ac:spMk id="288" creationId="{FF6D6E54-4578-1F15-26A8-1CDF8CA71926}"/>
+          </ac:spMkLst>
+        </pc:spChg>
+        <pc:spChg chg="del mod">
+          <ac:chgData name="Fatima Pillosu" userId="a6295d4dc9e22643" providerId="LiveId" clId="{E4EB9531-B35B-4F76-8762-A23C9D2F4928}" dt="2023-11-06T21:57:08.574" v="154" actId="21"/>
+          <ac:spMkLst>
+            <pc:docMk/>
+            <pc:sldMk cId="1967199282" sldId="256"/>
+            <ac:spMk id="291" creationId="{B3EF9DB2-0589-D352-144E-CBAA69BF8047}"/>
+          </ac:spMkLst>
+        </pc:spChg>
+        <pc:spChg chg="del mod">
+          <ac:chgData name="Fatima Pillosu" userId="a6295d4dc9e22643" providerId="LiveId" clId="{E4EB9531-B35B-4F76-8762-A23C9D2F4928}" dt="2023-11-06T21:57:08.574" v="154" actId="21"/>
+          <ac:spMkLst>
+            <pc:docMk/>
+            <pc:sldMk cId="1967199282" sldId="256"/>
+            <ac:spMk id="294" creationId="{C2567B5D-3244-B285-30F0-3B70682554A0}"/>
+          </ac:spMkLst>
+        </pc:spChg>
+        <pc:spChg chg="del mod">
+          <ac:chgData name="Fatima Pillosu" userId="a6295d4dc9e22643" providerId="LiveId" clId="{E4EB9531-B35B-4F76-8762-A23C9D2F4928}" dt="2023-11-06T21:57:08.574" v="154" actId="21"/>
+          <ac:spMkLst>
+            <pc:docMk/>
+            <pc:sldMk cId="1967199282" sldId="256"/>
+            <ac:spMk id="297" creationId="{240E4601-DB99-B41F-5308-F22C11FE9449}"/>
+          </ac:spMkLst>
+        </pc:spChg>
+        <pc:spChg chg="del mod">
+          <ac:chgData name="Fatima Pillosu" userId="a6295d4dc9e22643" providerId="LiveId" clId="{E4EB9531-B35B-4F76-8762-A23C9D2F4928}" dt="2023-11-06T21:57:08.574" v="154" actId="21"/>
+          <ac:spMkLst>
+            <pc:docMk/>
+            <pc:sldMk cId="1967199282" sldId="256"/>
+            <ac:spMk id="302" creationId="{6131505F-AEF5-29D5-04BE-5CAE1DB075CA}"/>
+          </ac:spMkLst>
+        </pc:spChg>
+        <pc:spChg chg="del mod">
+          <ac:chgData name="Fatima Pillosu" userId="a6295d4dc9e22643" providerId="LiveId" clId="{E4EB9531-B35B-4F76-8762-A23C9D2F4928}" dt="2023-11-06T21:57:08.574" v="154" actId="21"/>
+          <ac:spMkLst>
+            <pc:docMk/>
+            <pc:sldMk cId="1967199282" sldId="256"/>
+            <ac:spMk id="303" creationId="{60A688CF-971B-C719-8CF4-526FA6A77A5D}"/>
+          </ac:spMkLst>
+        </pc:spChg>
+        <pc:spChg chg="del">
+          <ac:chgData name="Fatima Pillosu" userId="a6295d4dc9e22643" providerId="LiveId" clId="{E4EB9531-B35B-4F76-8762-A23C9D2F4928}" dt="2023-11-06T21:49:33.776" v="0" actId="478"/>
+          <ac:spMkLst>
+            <pc:docMk/>
+            <pc:sldMk cId="1967199282" sldId="256"/>
+            <ac:spMk id="326" creationId="{79991183-304F-0CCB-7960-046363D541DC}"/>
+          </ac:spMkLst>
+        </pc:spChg>
+        <pc:grpChg chg="del mod">
+          <ac:chgData name="Fatima Pillosu" userId="a6295d4dc9e22643" providerId="LiveId" clId="{E4EB9531-B35B-4F76-8762-A23C9D2F4928}" dt="2023-11-06T21:57:08.574" v="154" actId="21"/>
+          <ac:grpSpMkLst>
+            <pc:docMk/>
+            <pc:sldMk cId="1967199282" sldId="256"/>
+            <ac:grpSpMk id="13" creationId="{4EA91131-6739-FE6C-A89E-78D0B0076B4D}"/>
+          </ac:grpSpMkLst>
+        </pc:grpChg>
+        <pc:grpChg chg="add mod">
+          <ac:chgData name="Fatima Pillosu" userId="a6295d4dc9e22643" providerId="LiveId" clId="{E4EB9531-B35B-4F76-8762-A23C9D2F4928}" dt="2023-11-06T22:21:24.114" v="282" actId="1036"/>
+          <ac:grpSpMkLst>
+            <pc:docMk/>
+            <pc:sldMk cId="1967199282" sldId="256"/>
+            <ac:grpSpMk id="36" creationId="{1914378B-984F-B5A3-9E2B-31FD458CFA2A}"/>
+          </ac:grpSpMkLst>
+        </pc:grpChg>
+        <pc:picChg chg="add mod">
+          <ac:chgData name="Fatima Pillosu" userId="a6295d4dc9e22643" providerId="LiveId" clId="{E4EB9531-B35B-4F76-8762-A23C9D2F4928}" dt="2023-11-06T21:57:52.980" v="155"/>
+          <ac:picMkLst>
+            <pc:docMk/>
+            <pc:sldMk cId="1967199282" sldId="256"/>
+            <ac:picMk id="3" creationId="{392F3036-B83B-30C1-790B-85F8A21BF8DE}"/>
+          </ac:picMkLst>
+        </pc:picChg>
+        <pc:picChg chg="add mod">
+          <ac:chgData name="Fatima Pillosu" userId="a6295d4dc9e22643" providerId="LiveId" clId="{E4EB9531-B35B-4F76-8762-A23C9D2F4928}" dt="2023-11-06T21:57:52.980" v="155"/>
+          <ac:picMkLst>
+            <pc:docMk/>
+            <pc:sldMk cId="1967199282" sldId="256"/>
+            <ac:picMk id="4" creationId="{69C24990-49AE-B502-DF36-C3E900726EAD}"/>
+          </ac:picMkLst>
+        </pc:picChg>
+        <pc:picChg chg="del mod">
+          <ac:chgData name="Fatima Pillosu" userId="a6295d4dc9e22643" providerId="LiveId" clId="{E4EB9531-B35B-4F76-8762-A23C9D2F4928}" dt="2023-11-06T21:57:08.574" v="154" actId="21"/>
+          <ac:picMkLst>
+            <pc:docMk/>
+            <pc:sldMk cId="1967199282" sldId="256"/>
+            <ac:picMk id="5" creationId="{2EBCC8F8-83E3-FC50-6ABC-02508DAE2C9F}"/>
+          </ac:picMkLst>
+        </pc:picChg>
+        <pc:picChg chg="add mod">
+          <ac:chgData name="Fatima Pillosu" userId="a6295d4dc9e22643" providerId="LiveId" clId="{E4EB9531-B35B-4F76-8762-A23C9D2F4928}" dt="2023-11-06T21:57:52.980" v="155"/>
+          <ac:picMkLst>
+            <pc:docMk/>
+            <pc:sldMk cId="1967199282" sldId="256"/>
+            <ac:picMk id="6" creationId="{BF1C67DD-E253-D4B6-4E28-390727A5F0B0}"/>
+          </ac:picMkLst>
+        </pc:picChg>
+        <pc:picChg chg="del mod">
+          <ac:chgData name="Fatima Pillosu" userId="a6295d4dc9e22643" providerId="LiveId" clId="{E4EB9531-B35B-4F76-8762-A23C9D2F4928}" dt="2023-11-06T21:57:08.574" v="154" actId="21"/>
+          <ac:picMkLst>
+            <pc:docMk/>
+            <pc:sldMk cId="1967199282" sldId="256"/>
+            <ac:picMk id="7" creationId="{664FF87C-EBE5-8CA0-010F-2B96C7F680F8}"/>
+          </ac:picMkLst>
+        </pc:picChg>
+        <pc:picChg chg="del mod">
+          <ac:chgData name="Fatima Pillosu" userId="a6295d4dc9e22643" providerId="LiveId" clId="{E4EB9531-B35B-4F76-8762-A23C9D2F4928}" dt="2023-11-06T21:57:08.574" v="154" actId="21"/>
+          <ac:picMkLst>
+            <pc:docMk/>
+            <pc:sldMk cId="1967199282" sldId="256"/>
+            <ac:picMk id="8" creationId="{14F90887-92B1-B98F-4D64-0130213747FA}"/>
+          </ac:picMkLst>
+        </pc:picChg>
+        <pc:picChg chg="del mod">
+          <ac:chgData name="Fatima Pillosu" userId="a6295d4dc9e22643" providerId="LiveId" clId="{E4EB9531-B35B-4F76-8762-A23C9D2F4928}" dt="2023-11-06T21:57:08.574" v="154" actId="21"/>
+          <ac:picMkLst>
+            <pc:docMk/>
+            <pc:sldMk cId="1967199282" sldId="256"/>
+            <ac:picMk id="9" creationId="{F8DE1550-3CE6-1126-AD15-6AC1EF0C3312}"/>
+          </ac:picMkLst>
+        </pc:picChg>
+        <pc:picChg chg="del mod">
+          <ac:chgData name="Fatima Pillosu" userId="a6295d4dc9e22643" providerId="LiveId" clId="{E4EB9531-B35B-4F76-8762-A23C9D2F4928}" dt="2023-11-06T21:57:08.574" v="154" actId="21"/>
+          <ac:picMkLst>
+            <pc:docMk/>
+            <pc:sldMk cId="1967199282" sldId="256"/>
+            <ac:picMk id="10" creationId="{45133C27-89CB-ED5A-D656-80B5BCC403F2}"/>
+          </ac:picMkLst>
+        </pc:picChg>
+        <pc:picChg chg="del mod">
+          <ac:chgData name="Fatima Pillosu" userId="a6295d4dc9e22643" providerId="LiveId" clId="{E4EB9531-B35B-4F76-8762-A23C9D2F4928}" dt="2023-11-06T21:57:08.574" v="154" actId="21"/>
+          <ac:picMkLst>
+            <pc:docMk/>
+            <pc:sldMk cId="1967199282" sldId="256"/>
+            <ac:picMk id="11" creationId="{1D03567F-3B79-9E74-21E1-8169A8EE17D1}"/>
+          </ac:picMkLst>
+        </pc:picChg>
+        <pc:picChg chg="add mod">
+          <ac:chgData name="Fatima Pillosu" userId="a6295d4dc9e22643" providerId="LiveId" clId="{E4EB9531-B35B-4F76-8762-A23C9D2F4928}" dt="2023-11-06T21:57:52.980" v="155"/>
+          <ac:picMkLst>
+            <pc:docMk/>
+            <pc:sldMk cId="1967199282" sldId="256"/>
+            <ac:picMk id="12" creationId="{DE7B9C16-A990-D9C3-F1B4-1D0E9D40B09B}"/>
+          </ac:picMkLst>
+        </pc:picChg>
+        <pc:picChg chg="add mod">
+          <ac:chgData name="Fatima Pillosu" userId="a6295d4dc9e22643" providerId="LiveId" clId="{E4EB9531-B35B-4F76-8762-A23C9D2F4928}" dt="2023-11-06T21:57:52.980" v="155"/>
+          <ac:picMkLst>
+            <pc:docMk/>
+            <pc:sldMk cId="1967199282" sldId="256"/>
+            <ac:picMk id="34" creationId="{74F9DAF7-BF60-D8FC-9548-B6928E06E782}"/>
+          </ac:picMkLst>
+        </pc:picChg>
+        <pc:picChg chg="add mod">
+          <ac:chgData name="Fatima Pillosu" userId="a6295d4dc9e22643" providerId="LiveId" clId="{E4EB9531-B35B-4F76-8762-A23C9D2F4928}" dt="2023-11-06T21:57:52.980" v="155"/>
+          <ac:picMkLst>
+            <pc:docMk/>
+            <pc:sldMk cId="1967199282" sldId="256"/>
+            <ac:picMk id="35" creationId="{70AA2EBD-7C91-2DF7-3629-C8114A7C2ACE}"/>
+          </ac:picMkLst>
+        </pc:picChg>
+        <pc:picChg chg="mod">
+          <ac:chgData name="Fatima Pillosu" userId="a6295d4dc9e22643" providerId="LiveId" clId="{E4EB9531-B35B-4F76-8762-A23C9D2F4928}" dt="2023-11-06T21:57:52.980" v="155"/>
+          <ac:picMkLst>
+            <pc:docMk/>
+            <pc:sldMk cId="1967199282" sldId="256"/>
+            <ac:picMk id="37" creationId="{8B810B99-165C-5E3A-D95C-CBED81A44613}"/>
+          </ac:picMkLst>
+        </pc:picChg>
+        <pc:picChg chg="del">
+          <ac:chgData name="Fatima Pillosu" userId="a6295d4dc9e22643" providerId="LiveId" clId="{E4EB9531-B35B-4F76-8762-A23C9D2F4928}" dt="2023-11-06T21:49:33.776" v="0" actId="478"/>
+          <ac:picMkLst>
+            <pc:docMk/>
+            <pc:sldMk cId="1967199282" sldId="256"/>
+            <ac:picMk id="317" creationId="{04E02EA6-D283-B849-B55E-0B0E9A7D7D1B}"/>
+          </ac:picMkLst>
+        </pc:picChg>
+        <pc:picChg chg="del">
+          <ac:chgData name="Fatima Pillosu" userId="a6295d4dc9e22643" providerId="LiveId" clId="{E4EB9531-B35B-4F76-8762-A23C9D2F4928}" dt="2023-11-06T21:49:33.776" v="0" actId="478"/>
+          <ac:picMkLst>
+            <pc:docMk/>
+            <pc:sldMk cId="1967199282" sldId="256"/>
+            <ac:picMk id="319" creationId="{E8622614-3FE2-2407-1897-F0B84918C976}"/>
+          </ac:picMkLst>
+        </pc:picChg>
+        <pc:picChg chg="del">
+          <ac:chgData name="Fatima Pillosu" userId="a6295d4dc9e22643" providerId="LiveId" clId="{E4EB9531-B35B-4F76-8762-A23C9D2F4928}" dt="2023-11-06T21:49:33.776" v="0" actId="478"/>
+          <ac:picMkLst>
+            <pc:docMk/>
+            <pc:sldMk cId="1967199282" sldId="256"/>
+            <ac:picMk id="321" creationId="{9ADDB7B3-1014-83BC-4027-577A59C7BE12}"/>
+          </ac:picMkLst>
+        </pc:picChg>
+        <pc:picChg chg="del">
+          <ac:chgData name="Fatima Pillosu" userId="a6295d4dc9e22643" providerId="LiveId" clId="{E4EB9531-B35B-4F76-8762-A23C9D2F4928}" dt="2023-11-06T21:49:33.776" v="0" actId="478"/>
+          <ac:picMkLst>
+            <pc:docMk/>
+            <pc:sldMk cId="1967199282" sldId="256"/>
+            <ac:picMk id="323" creationId="{2CF121BF-87E5-CF7B-CDFE-0D17B3DCC4E9}"/>
+          </ac:picMkLst>
+        </pc:picChg>
+        <pc:picChg chg="del">
+          <ac:chgData name="Fatima Pillosu" userId="a6295d4dc9e22643" providerId="LiveId" clId="{E4EB9531-B35B-4F76-8762-A23C9D2F4928}" dt="2023-11-06T21:49:33.776" v="0" actId="478"/>
+          <ac:picMkLst>
+            <pc:docMk/>
+            <pc:sldMk cId="1967199282" sldId="256"/>
+            <ac:picMk id="325" creationId="{89B20BA6-3D9D-F3B9-007E-41C0057B08A5}"/>
+          </ac:picMkLst>
+        </pc:picChg>
+        <pc:cxnChg chg="add mod">
+          <ac:chgData name="Fatima Pillosu" userId="a6295d4dc9e22643" providerId="LiveId" clId="{E4EB9531-B35B-4F76-8762-A23C9D2F4928}" dt="2023-11-06T21:57:52.980" v="155"/>
+          <ac:cxnSpMkLst>
+            <pc:docMk/>
+            <pc:sldMk cId="1967199282" sldId="256"/>
+            <ac:cxnSpMk id="76" creationId="{197FE2B6-46A1-91F8-BF78-0DB6D62DDC12}"/>
+          </ac:cxnSpMkLst>
+        </pc:cxnChg>
+        <pc:cxnChg chg="add mod">
+          <ac:chgData name="Fatima Pillosu" userId="a6295d4dc9e22643" providerId="LiveId" clId="{E4EB9531-B35B-4F76-8762-A23C9D2F4928}" dt="2023-11-06T21:57:52.980" v="155"/>
+          <ac:cxnSpMkLst>
+            <pc:docMk/>
+            <pc:sldMk cId="1967199282" sldId="256"/>
+            <ac:cxnSpMk id="77" creationId="{D4F244F2-637E-B121-D5F8-D09087705F3D}"/>
+          </ac:cxnSpMkLst>
+        </pc:cxnChg>
+        <pc:cxnChg chg="add mod">
+          <ac:chgData name="Fatima Pillosu" userId="a6295d4dc9e22643" providerId="LiveId" clId="{E4EB9531-B35B-4F76-8762-A23C9D2F4928}" dt="2023-11-06T21:57:52.980" v="155"/>
+          <ac:cxnSpMkLst>
+            <pc:docMk/>
+            <pc:sldMk cId="1967199282" sldId="256"/>
+            <ac:cxnSpMk id="78" creationId="{6DF9FC94-8F33-9183-83FF-56D421BF1774}"/>
+          </ac:cxnSpMkLst>
+        </pc:cxnChg>
+        <pc:cxnChg chg="add mod">
+          <ac:chgData name="Fatima Pillosu" userId="a6295d4dc9e22643" providerId="LiveId" clId="{E4EB9531-B35B-4F76-8762-A23C9D2F4928}" dt="2023-11-06T21:57:52.980" v="155"/>
+          <ac:cxnSpMkLst>
+            <pc:docMk/>
+            <pc:sldMk cId="1967199282" sldId="256"/>
+            <ac:cxnSpMk id="79" creationId="{63C1E6DB-C2D5-D30E-01C8-3DEA0CCA4DAA}"/>
+          </ac:cxnSpMkLst>
+        </pc:cxnChg>
+        <pc:cxnChg chg="add mod">
+          <ac:chgData name="Fatima Pillosu" userId="a6295d4dc9e22643" providerId="LiveId" clId="{E4EB9531-B35B-4F76-8762-A23C9D2F4928}" dt="2023-11-06T21:57:52.980" v="155"/>
+          <ac:cxnSpMkLst>
+            <pc:docMk/>
+            <pc:sldMk cId="1967199282" sldId="256"/>
+            <ac:cxnSpMk id="80" creationId="{8EA9759A-15A0-1D65-7BB2-389C12637D38}"/>
+          </ac:cxnSpMkLst>
+        </pc:cxnChg>
+        <pc:cxnChg chg="add mod">
+          <ac:chgData name="Fatima Pillosu" userId="a6295d4dc9e22643" providerId="LiveId" clId="{E4EB9531-B35B-4F76-8762-A23C9D2F4928}" dt="2023-11-06T21:57:52.980" v="155"/>
+          <ac:cxnSpMkLst>
+            <pc:docMk/>
+            <pc:sldMk cId="1967199282" sldId="256"/>
+            <ac:cxnSpMk id="81" creationId="{EC01B7EE-054E-9408-10F2-645407E8B16C}"/>
+          </ac:cxnSpMkLst>
+        </pc:cxnChg>
+        <pc:cxnChg chg="add mod">
+          <ac:chgData name="Fatima Pillosu" userId="a6295d4dc9e22643" providerId="LiveId" clId="{E4EB9531-B35B-4F76-8762-A23C9D2F4928}" dt="2023-11-06T21:57:52.980" v="155"/>
+          <ac:cxnSpMkLst>
+            <pc:docMk/>
+            <pc:sldMk cId="1967199282" sldId="256"/>
+            <ac:cxnSpMk id="82" creationId="{A3E6D702-E39C-6A53-BF69-EE4C154D5A35}"/>
+          </ac:cxnSpMkLst>
+        </pc:cxnChg>
+        <pc:cxnChg chg="add mod">
+          <ac:chgData name="Fatima Pillosu" userId="a6295d4dc9e22643" providerId="LiveId" clId="{E4EB9531-B35B-4F76-8762-A23C9D2F4928}" dt="2023-11-06T21:57:52.980" v="155"/>
+          <ac:cxnSpMkLst>
+            <pc:docMk/>
+            <pc:sldMk cId="1967199282" sldId="256"/>
+            <ac:cxnSpMk id="83" creationId="{52BDDD38-E8E1-AEB6-15A6-22B70CE86415}"/>
+          </ac:cxnSpMkLst>
+        </pc:cxnChg>
+        <pc:cxnChg chg="add mod">
+          <ac:chgData name="Fatima Pillosu" userId="a6295d4dc9e22643" providerId="LiveId" clId="{E4EB9531-B35B-4F76-8762-A23C9D2F4928}" dt="2023-11-06T21:57:52.980" v="155"/>
+          <ac:cxnSpMkLst>
+            <pc:docMk/>
+            <pc:sldMk cId="1967199282" sldId="256"/>
+            <ac:cxnSpMk id="84" creationId="{80223BD6-2997-D2AA-B41D-3909B8AD871D}"/>
+          </ac:cxnSpMkLst>
+        </pc:cxnChg>
+        <pc:cxnChg chg="add mod">
+          <ac:chgData name="Fatima Pillosu" userId="a6295d4dc9e22643" providerId="LiveId" clId="{E4EB9531-B35B-4F76-8762-A23C9D2F4928}" dt="2023-11-06T21:57:52.980" v="155"/>
+          <ac:cxnSpMkLst>
+            <pc:docMk/>
+            <pc:sldMk cId="1967199282" sldId="256"/>
+            <ac:cxnSpMk id="85" creationId="{73390D3F-4891-7C89-546E-44B138C88A01}"/>
+          </ac:cxnSpMkLst>
+        </pc:cxnChg>
+        <pc:cxnChg chg="add mod">
+          <ac:chgData name="Fatima Pillosu" userId="a6295d4dc9e22643" providerId="LiveId" clId="{E4EB9531-B35B-4F76-8762-A23C9D2F4928}" dt="2023-11-06T21:57:52.980" v="155"/>
+          <ac:cxnSpMkLst>
+            <pc:docMk/>
+            <pc:sldMk cId="1967199282" sldId="256"/>
+            <ac:cxnSpMk id="86" creationId="{FF395ECC-066C-C792-972E-69754C71004E}"/>
+          </ac:cxnSpMkLst>
+        </pc:cxnChg>
+        <pc:cxnChg chg="add mod">
+          <ac:chgData name="Fatima Pillosu" userId="a6295d4dc9e22643" providerId="LiveId" clId="{E4EB9531-B35B-4F76-8762-A23C9D2F4928}" dt="2023-11-06T21:57:52.980" v="155"/>
+          <ac:cxnSpMkLst>
+            <pc:docMk/>
+            <pc:sldMk cId="1967199282" sldId="256"/>
+            <ac:cxnSpMk id="87" creationId="{A813C4DB-5CF0-D250-3FAE-9F2B1670E434}"/>
+          </ac:cxnSpMkLst>
+        </pc:cxnChg>
+        <pc:cxnChg chg="add mod">
+          <ac:chgData name="Fatima Pillosu" userId="a6295d4dc9e22643" providerId="LiveId" clId="{E4EB9531-B35B-4F76-8762-A23C9D2F4928}" dt="2023-11-06T21:57:52.980" v="155"/>
+          <ac:cxnSpMkLst>
+            <pc:docMk/>
+            <pc:sldMk cId="1967199282" sldId="256"/>
+            <ac:cxnSpMk id="88" creationId="{84B7045D-879F-82BE-7E86-4A20318A0851}"/>
+          </ac:cxnSpMkLst>
+        </pc:cxnChg>
+        <pc:cxnChg chg="add mod">
+          <ac:chgData name="Fatima Pillosu" userId="a6295d4dc9e22643" providerId="LiveId" clId="{E4EB9531-B35B-4F76-8762-A23C9D2F4928}" dt="2023-11-06T21:57:52.980" v="155"/>
+          <ac:cxnSpMkLst>
+            <pc:docMk/>
+            <pc:sldMk cId="1967199282" sldId="256"/>
+            <ac:cxnSpMk id="89" creationId="{0F000D72-EA49-7F2A-782D-1A6D87793BE7}"/>
+          </ac:cxnSpMkLst>
+        </pc:cxnChg>
+        <pc:cxnChg chg="add mod">
+          <ac:chgData name="Fatima Pillosu" userId="a6295d4dc9e22643" providerId="LiveId" clId="{E4EB9531-B35B-4F76-8762-A23C9D2F4928}" dt="2023-11-06T21:57:52.980" v="155"/>
+          <ac:cxnSpMkLst>
+            <pc:docMk/>
+            <pc:sldMk cId="1967199282" sldId="256"/>
+            <ac:cxnSpMk id="90" creationId="{E0CE495E-73AE-568B-FD30-90C607FD5C36}"/>
+          </ac:cxnSpMkLst>
+        </pc:cxnChg>
+        <pc:cxnChg chg="add mod">
+          <ac:chgData name="Fatima Pillosu" userId="a6295d4dc9e22643" providerId="LiveId" clId="{E4EB9531-B35B-4F76-8762-A23C9D2F4928}" dt="2023-11-06T21:57:52.980" v="155"/>
+          <ac:cxnSpMkLst>
+            <pc:docMk/>
+            <pc:sldMk cId="1967199282" sldId="256"/>
+            <ac:cxnSpMk id="91" creationId="{F214E99E-1106-954B-4649-C30A0F0B168E}"/>
+          </ac:cxnSpMkLst>
+        </pc:cxnChg>
+        <pc:cxnChg chg="add mod">
+          <ac:chgData name="Fatima Pillosu" userId="a6295d4dc9e22643" providerId="LiveId" clId="{E4EB9531-B35B-4F76-8762-A23C9D2F4928}" dt="2023-11-06T21:57:52.980" v="155"/>
+          <ac:cxnSpMkLst>
+            <pc:docMk/>
+            <pc:sldMk cId="1967199282" sldId="256"/>
+            <ac:cxnSpMk id="92" creationId="{917936B5-9A27-8460-AF20-24FB521B0429}"/>
+          </ac:cxnSpMkLst>
+        </pc:cxnChg>
+        <pc:cxnChg chg="add mod">
+          <ac:chgData name="Fatima Pillosu" userId="a6295d4dc9e22643" providerId="LiveId" clId="{E4EB9531-B35B-4F76-8762-A23C9D2F4928}" dt="2023-11-06T21:57:52.980" v="155"/>
+          <ac:cxnSpMkLst>
+            <pc:docMk/>
+            <pc:sldMk cId="1967199282" sldId="256"/>
+            <ac:cxnSpMk id="112" creationId="{FC3B35EB-6498-EC15-3E2E-18D8563D09B1}"/>
+          </ac:cxnSpMkLst>
+        </pc:cxnChg>
+        <pc:cxnChg chg="add mod">
+          <ac:chgData name="Fatima Pillosu" userId="a6295d4dc9e22643" providerId="LiveId" clId="{E4EB9531-B35B-4F76-8762-A23C9D2F4928}" dt="2023-11-06T21:57:52.980" v="155"/>
+          <ac:cxnSpMkLst>
+            <pc:docMk/>
+            <pc:sldMk cId="1967199282" sldId="256"/>
+            <ac:cxnSpMk id="113" creationId="{AEC006DC-8CD0-7326-DF2C-9AACE0602883}"/>
+          </ac:cxnSpMkLst>
+        </pc:cxnChg>
+        <pc:cxnChg chg="add mod">
+          <ac:chgData name="Fatima Pillosu" userId="a6295d4dc9e22643" providerId="LiveId" clId="{E4EB9531-B35B-4F76-8762-A23C9D2F4928}" dt="2023-11-06T21:57:52.980" v="155"/>
+          <ac:cxnSpMkLst>
+            <pc:docMk/>
+            <pc:sldMk cId="1967199282" sldId="256"/>
+            <ac:cxnSpMk id="114" creationId="{2642BFB2-F8BA-DE1A-AFCF-147A3224373F}"/>
+          </ac:cxnSpMkLst>
+        </pc:cxnChg>
+        <pc:cxnChg chg="add mod">
+          <ac:chgData name="Fatima Pillosu" userId="a6295d4dc9e22643" providerId="LiveId" clId="{E4EB9531-B35B-4F76-8762-A23C9D2F4928}" dt="2023-11-06T21:57:52.980" v="155"/>
+          <ac:cxnSpMkLst>
+            <pc:docMk/>
+            <pc:sldMk cId="1967199282" sldId="256"/>
+            <ac:cxnSpMk id="128" creationId="{0F1CF7E1-FC17-E3B0-6E5F-4AB12AC00213}"/>
+          </ac:cxnSpMkLst>
+        </pc:cxnChg>
+        <pc:cxnChg chg="add mod">
+          <ac:chgData name="Fatima Pillosu" userId="a6295d4dc9e22643" providerId="LiveId" clId="{E4EB9531-B35B-4F76-8762-A23C9D2F4928}" dt="2023-11-06T21:57:52.980" v="155"/>
+          <ac:cxnSpMkLst>
+            <pc:docMk/>
+            <pc:sldMk cId="1967199282" sldId="256"/>
+            <ac:cxnSpMk id="129" creationId="{C28E1058-113E-AADD-D3F8-BF8879AC209A}"/>
+          </ac:cxnSpMkLst>
+        </pc:cxnChg>
+        <pc:cxnChg chg="add mod">
+          <ac:chgData name="Fatima Pillosu" userId="a6295d4dc9e22643" providerId="LiveId" clId="{E4EB9531-B35B-4F76-8762-A23C9D2F4928}" dt="2023-11-06T21:57:52.980" v="155"/>
+          <ac:cxnSpMkLst>
+            <pc:docMk/>
+            <pc:sldMk cId="1967199282" sldId="256"/>
+            <ac:cxnSpMk id="130" creationId="{BFC519B1-AFB3-15E2-35F7-3E2F9FC12B74}"/>
+          </ac:cxnSpMkLst>
+        </pc:cxnChg>
+        <pc:cxnChg chg="add mod">
+          <ac:chgData name="Fatima Pillosu" userId="a6295d4dc9e22643" providerId="LiveId" clId="{E4EB9531-B35B-4F76-8762-A23C9D2F4928}" dt="2023-11-06T21:57:52.980" v="155"/>
+          <ac:cxnSpMkLst>
+            <pc:docMk/>
+            <pc:sldMk cId="1967199282" sldId="256"/>
+            <ac:cxnSpMk id="131" creationId="{F3620F06-1C67-576F-03C0-F1AC8E711CF7}"/>
+          </ac:cxnSpMkLst>
+        </pc:cxnChg>
+        <pc:cxnChg chg="add mod">
+          <ac:chgData name="Fatima Pillosu" userId="a6295d4dc9e22643" providerId="LiveId" clId="{E4EB9531-B35B-4F76-8762-A23C9D2F4928}" dt="2023-11-06T21:57:52.980" v="155"/>
+          <ac:cxnSpMkLst>
+            <pc:docMk/>
+            <pc:sldMk cId="1967199282" sldId="256"/>
+            <ac:cxnSpMk id="132" creationId="{76037F9D-F5FF-E56A-DE6B-795EB7C64110}"/>
+          </ac:cxnSpMkLst>
+        </pc:cxnChg>
+        <pc:cxnChg chg="add mod">
+          <ac:chgData name="Fatima Pillosu" userId="a6295d4dc9e22643" providerId="LiveId" clId="{E4EB9531-B35B-4F76-8762-A23C9D2F4928}" dt="2023-11-06T21:57:52.980" v="155"/>
+          <ac:cxnSpMkLst>
+            <pc:docMk/>
+            <pc:sldMk cId="1967199282" sldId="256"/>
+            <ac:cxnSpMk id="133" creationId="{3178DCA1-619C-7A7B-AE74-316F7DDAFCA7}"/>
+          </ac:cxnSpMkLst>
+        </pc:cxnChg>
+        <pc:cxnChg chg="add mod">
+          <ac:chgData name="Fatima Pillosu" userId="a6295d4dc9e22643" providerId="LiveId" clId="{E4EB9531-B35B-4F76-8762-A23C9D2F4928}" dt="2023-11-06T21:57:52.980" v="155"/>
+          <ac:cxnSpMkLst>
+            <pc:docMk/>
+            <pc:sldMk cId="1967199282" sldId="256"/>
+            <ac:cxnSpMk id="134" creationId="{AB2105C0-BC6E-AB2D-82B5-53C12D611035}"/>
+          </ac:cxnSpMkLst>
+        </pc:cxnChg>
+        <pc:cxnChg chg="add mod">
+          <ac:chgData name="Fatima Pillosu" userId="a6295d4dc9e22643" providerId="LiveId" clId="{E4EB9531-B35B-4F76-8762-A23C9D2F4928}" dt="2023-11-06T21:57:52.980" v="155"/>
+          <ac:cxnSpMkLst>
+            <pc:docMk/>
+            <pc:sldMk cId="1967199282" sldId="256"/>
+            <ac:cxnSpMk id="135" creationId="{E8FA2846-8F29-BFAE-3FA0-AE41FE1C180D}"/>
+          </ac:cxnSpMkLst>
+        </pc:cxnChg>
+        <pc:cxnChg chg="add mod">
+          <ac:chgData name="Fatima Pillosu" userId="a6295d4dc9e22643" providerId="LiveId" clId="{E4EB9531-B35B-4F76-8762-A23C9D2F4928}" dt="2023-11-06T21:57:52.980" v="155"/>
+          <ac:cxnSpMkLst>
+            <pc:docMk/>
+            <pc:sldMk cId="1967199282" sldId="256"/>
+            <ac:cxnSpMk id="136" creationId="{0A500DF4-D33D-6ED9-1EEB-42DAB73C832A}"/>
+          </ac:cxnSpMkLst>
+        </pc:cxnChg>
+        <pc:cxnChg chg="del mod">
+          <ac:chgData name="Fatima Pillosu" userId="a6295d4dc9e22643" providerId="LiveId" clId="{E4EB9531-B35B-4F76-8762-A23C9D2F4928}" dt="2023-11-06T21:57:08.574" v="154" actId="21"/>
+          <ac:cxnSpMkLst>
+            <pc:docMk/>
+            <pc:sldMk cId="1967199282" sldId="256"/>
+            <ac:cxnSpMk id="150" creationId="{515CFBCA-207F-9F0C-6EB7-75ECA84FEC64}"/>
+          </ac:cxnSpMkLst>
+        </pc:cxnChg>
+        <pc:cxnChg chg="del mod">
+          <ac:chgData name="Fatima Pillosu" userId="a6295d4dc9e22643" providerId="LiveId" clId="{E4EB9531-B35B-4F76-8762-A23C9D2F4928}" dt="2023-11-06T21:57:08.574" v="154" actId="21"/>
+          <ac:cxnSpMkLst>
+            <pc:docMk/>
+            <pc:sldMk cId="1967199282" sldId="256"/>
+            <ac:cxnSpMk id="151" creationId="{841F56C5-13F5-C261-0918-4BDEB11FB433}"/>
+          </ac:cxnSpMkLst>
+        </pc:cxnChg>
+        <pc:cxnChg chg="del mod">
+          <ac:chgData name="Fatima Pillosu" userId="a6295d4dc9e22643" providerId="LiveId" clId="{E4EB9531-B35B-4F76-8762-A23C9D2F4928}" dt="2023-11-06T21:57:08.574" v="154" actId="21"/>
+          <ac:cxnSpMkLst>
+            <pc:docMk/>
+            <pc:sldMk cId="1967199282" sldId="256"/>
+            <ac:cxnSpMk id="152" creationId="{7E0E0813-D1C1-D0D6-61C6-ADE26442CE7A}"/>
+          </ac:cxnSpMkLst>
+        </pc:cxnChg>
+        <pc:cxnChg chg="del mod">
+          <ac:chgData name="Fatima Pillosu" userId="a6295d4dc9e22643" providerId="LiveId" clId="{E4EB9531-B35B-4F76-8762-A23C9D2F4928}" dt="2023-11-06T21:57:08.574" v="154" actId="21"/>
+          <ac:cxnSpMkLst>
+            <pc:docMk/>
+            <pc:sldMk cId="1967199282" sldId="256"/>
+            <ac:cxnSpMk id="153" creationId="{55F802B7-F228-9C16-40B0-62C9B93128DE}"/>
+          </ac:cxnSpMkLst>
+        </pc:cxnChg>
+        <pc:cxnChg chg="del mod">
+          <ac:chgData name="Fatima Pillosu" userId="a6295d4dc9e22643" providerId="LiveId" clId="{E4EB9531-B35B-4F76-8762-A23C9D2F4928}" dt="2023-11-06T21:57:08.574" v="154" actId="21"/>
+          <ac:cxnSpMkLst>
+            <pc:docMk/>
+            <pc:sldMk cId="1967199282" sldId="256"/>
+            <ac:cxnSpMk id="154" creationId="{BE18ACC6-901C-E609-BE43-F2967650D66E}"/>
+          </ac:cxnSpMkLst>
+        </pc:cxnChg>
+        <pc:cxnChg chg="del mod">
+          <ac:chgData name="Fatima Pillosu" userId="a6295d4dc9e22643" providerId="LiveId" clId="{E4EB9531-B35B-4F76-8762-A23C9D2F4928}" dt="2023-11-06T21:57:08.574" v="154" actId="21"/>
+          <ac:cxnSpMkLst>
+            <pc:docMk/>
+            <pc:sldMk cId="1967199282" sldId="256"/>
+            <ac:cxnSpMk id="155" creationId="{33948D3E-FB75-03B0-B1B3-B3278D69B270}"/>
+          </ac:cxnSpMkLst>
+        </pc:cxnChg>
+        <pc:cxnChg chg="del mod">
+          <ac:chgData name="Fatima Pillosu" userId="a6295d4dc9e22643" providerId="LiveId" clId="{E4EB9531-B35B-4F76-8762-A23C9D2F4928}" dt="2023-11-06T21:57:08.574" v="154" actId="21"/>
+          <ac:cxnSpMkLst>
+            <pc:docMk/>
+            <pc:sldMk cId="1967199282" sldId="256"/>
+            <ac:cxnSpMk id="156" creationId="{9B661557-E3F2-88B4-4873-EA2A23F70570}"/>
+          </ac:cxnSpMkLst>
+        </pc:cxnChg>
+        <pc:cxnChg chg="del mod">
+          <ac:chgData name="Fatima Pillosu" userId="a6295d4dc9e22643" providerId="LiveId" clId="{E4EB9531-B35B-4F76-8762-A23C9D2F4928}" dt="2023-11-06T21:57:08.574" v="154" actId="21"/>
+          <ac:cxnSpMkLst>
+            <pc:docMk/>
+            <pc:sldMk cId="1967199282" sldId="256"/>
+            <ac:cxnSpMk id="157" creationId="{8EE70893-1041-3402-4524-AD56E2569672}"/>
+          </ac:cxnSpMkLst>
+        </pc:cxnChg>
+        <pc:cxnChg chg="del mod">
+          <ac:chgData name="Fatima Pillosu" userId="a6295d4dc9e22643" providerId="LiveId" clId="{E4EB9531-B35B-4F76-8762-A23C9D2F4928}" dt="2023-11-06T21:57:08.574" v="154" actId="21"/>
+          <ac:cxnSpMkLst>
+            <pc:docMk/>
+            <pc:sldMk cId="1967199282" sldId="256"/>
+            <ac:cxnSpMk id="158" creationId="{EAC5F9E1-F7E7-DE6C-6BA4-66C389DC78D0}"/>
+          </ac:cxnSpMkLst>
+        </pc:cxnChg>
+        <pc:cxnChg chg="del mod">
+          <ac:chgData name="Fatima Pillosu" userId="a6295d4dc9e22643" providerId="LiveId" clId="{E4EB9531-B35B-4F76-8762-A23C9D2F4928}" dt="2023-11-06T21:57:08.574" v="154" actId="21"/>
+          <ac:cxnSpMkLst>
+            <pc:docMk/>
+            <pc:sldMk cId="1967199282" sldId="256"/>
+            <ac:cxnSpMk id="159" creationId="{87FC4C6C-82D9-9EFE-80E0-45E48733A6B0}"/>
+          </ac:cxnSpMkLst>
+        </pc:cxnChg>
+        <pc:cxnChg chg="del mod">
+          <ac:chgData name="Fatima Pillosu" userId="a6295d4dc9e22643" providerId="LiveId" clId="{E4EB9531-B35B-4F76-8762-A23C9D2F4928}" dt="2023-11-06T21:57:08.574" v="154" actId="21"/>
+          <ac:cxnSpMkLst>
+            <pc:docMk/>
+            <pc:sldMk cId="1967199282" sldId="256"/>
+            <ac:cxnSpMk id="160" creationId="{D35F77B4-B029-8A62-99C5-362F3B85E87D}"/>
+          </ac:cxnSpMkLst>
+        </pc:cxnChg>
+        <pc:cxnChg chg="del mod">
+          <ac:chgData name="Fatima Pillosu" userId="a6295d4dc9e22643" providerId="LiveId" clId="{E4EB9531-B35B-4F76-8762-A23C9D2F4928}" dt="2023-11-06T21:57:08.574" v="154" actId="21"/>
+          <ac:cxnSpMkLst>
+            <pc:docMk/>
+            <pc:sldMk cId="1967199282" sldId="256"/>
+            <ac:cxnSpMk id="161" creationId="{18E4DBD7-8268-3DE2-850C-AC36CA06EF89}"/>
+          </ac:cxnSpMkLst>
+        </pc:cxnChg>
+        <pc:cxnChg chg="del mod">
+          <ac:chgData name="Fatima Pillosu" userId="a6295d4dc9e22643" providerId="LiveId" clId="{E4EB9531-B35B-4F76-8762-A23C9D2F4928}" dt="2023-11-06T21:57:08.574" v="154" actId="21"/>
+          <ac:cxnSpMkLst>
+            <pc:docMk/>
+            <pc:sldMk cId="1967199282" sldId="256"/>
+            <ac:cxnSpMk id="162" creationId="{F4840A12-D4ED-A87F-697C-0C8F84AC1794}"/>
+          </ac:cxnSpMkLst>
+        </pc:cxnChg>
+        <pc:cxnChg chg="del mod">
+          <ac:chgData name="Fatima Pillosu" userId="a6295d4dc9e22643" providerId="LiveId" clId="{E4EB9531-B35B-4F76-8762-A23C9D2F4928}" dt="2023-11-06T21:57:08.574" v="154" actId="21"/>
+          <ac:cxnSpMkLst>
+            <pc:docMk/>
+            <pc:sldMk cId="1967199282" sldId="256"/>
+            <ac:cxnSpMk id="163" creationId="{6E933951-D185-D579-A55C-DC2B0C8D57E2}"/>
+          </ac:cxnSpMkLst>
+        </pc:cxnChg>
+        <pc:cxnChg chg="del mod">
+          <ac:chgData name="Fatima Pillosu" userId="a6295d4dc9e22643" providerId="LiveId" clId="{E4EB9531-B35B-4F76-8762-A23C9D2F4928}" dt="2023-11-06T21:57:08.574" v="154" actId="21"/>
+          <ac:cxnSpMkLst>
+            <pc:docMk/>
+            <pc:sldMk cId="1967199282" sldId="256"/>
+            <ac:cxnSpMk id="164" creationId="{0C469482-B381-E870-48CB-72F5AA5C784E}"/>
+          </ac:cxnSpMkLst>
+        </pc:cxnChg>
+        <pc:cxnChg chg="del mod">
+          <ac:chgData name="Fatima Pillosu" userId="a6295d4dc9e22643" providerId="LiveId" clId="{E4EB9531-B35B-4F76-8762-A23C9D2F4928}" dt="2023-11-06T21:57:08.574" v="154" actId="21"/>
+          <ac:cxnSpMkLst>
+            <pc:docMk/>
+            <pc:sldMk cId="1967199282" sldId="256"/>
+            <ac:cxnSpMk id="165" creationId="{68C25F11-19AD-533A-0736-9CA4B228B1B5}"/>
+          </ac:cxnSpMkLst>
+        </pc:cxnChg>
+        <pc:cxnChg chg="del mod">
+          <ac:chgData name="Fatima Pillosu" userId="a6295d4dc9e22643" providerId="LiveId" clId="{E4EB9531-B35B-4F76-8762-A23C9D2F4928}" dt="2023-11-06T21:57:08.574" v="154" actId="21"/>
+          <ac:cxnSpMkLst>
+            <pc:docMk/>
+            <pc:sldMk cId="1967199282" sldId="256"/>
+            <ac:cxnSpMk id="166" creationId="{B7AAFBBB-EFF7-78C6-9978-8D3ED63C3975}"/>
+          </ac:cxnSpMkLst>
+        </pc:cxnChg>
+        <pc:cxnChg chg="del mod">
+          <ac:chgData name="Fatima Pillosu" userId="a6295d4dc9e22643" providerId="LiveId" clId="{E4EB9531-B35B-4F76-8762-A23C9D2F4928}" dt="2023-11-06T21:57:08.574" v="154" actId="21"/>
+          <ac:cxnSpMkLst>
+            <pc:docMk/>
+            <pc:sldMk cId="1967199282" sldId="256"/>
+            <ac:cxnSpMk id="167" creationId="{65744D60-8211-3719-71C7-B7A49BF464DF}"/>
+          </ac:cxnSpMkLst>
+        </pc:cxnChg>
+        <pc:cxnChg chg="del mod">
+          <ac:chgData name="Fatima Pillosu" userId="a6295d4dc9e22643" providerId="LiveId" clId="{E4EB9531-B35B-4F76-8762-A23C9D2F4928}" dt="2023-11-06T21:57:08.574" v="154" actId="21"/>
+          <ac:cxnSpMkLst>
+            <pc:docMk/>
+            <pc:sldMk cId="1967199282" sldId="256"/>
+            <ac:cxnSpMk id="168" creationId="{1C82B52A-B8B1-36EB-7DFC-8FC7B86CC33D}"/>
+          </ac:cxnSpMkLst>
+        </pc:cxnChg>
+        <pc:cxnChg chg="del mod">
+          <ac:chgData name="Fatima Pillosu" userId="a6295d4dc9e22643" providerId="LiveId" clId="{E4EB9531-B35B-4F76-8762-A23C9D2F4928}" dt="2023-11-06T21:57:08.574" v="154" actId="21"/>
+          <ac:cxnSpMkLst>
+            <pc:docMk/>
+            <pc:sldMk cId="1967199282" sldId="256"/>
+            <ac:cxnSpMk id="169" creationId="{2BC1E51E-8090-8392-CE11-C58F2F34DBDF}"/>
+          </ac:cxnSpMkLst>
+        </pc:cxnChg>
+        <pc:cxnChg chg="del mod">
+          <ac:chgData name="Fatima Pillosu" userId="a6295d4dc9e22643" providerId="LiveId" clId="{E4EB9531-B35B-4F76-8762-A23C9D2F4928}" dt="2023-11-06T21:57:08.574" v="154" actId="21"/>
+          <ac:cxnSpMkLst>
+            <pc:docMk/>
+            <pc:sldMk cId="1967199282" sldId="256"/>
+            <ac:cxnSpMk id="198" creationId="{3F788C23-4752-7128-E6AF-9F604B32606A}"/>
+          </ac:cxnSpMkLst>
+        </pc:cxnChg>
+        <pc:cxnChg chg="del mod">
+          <ac:chgData name="Fatima Pillosu" userId="a6295d4dc9e22643" providerId="LiveId" clId="{E4EB9531-B35B-4F76-8762-A23C9D2F4928}" dt="2023-11-06T21:57:08.574" v="154" actId="21"/>
+          <ac:cxnSpMkLst>
+            <pc:docMk/>
+            <pc:sldMk cId="1967199282" sldId="256"/>
+            <ac:cxnSpMk id="199" creationId="{0BECD341-2852-2754-0BC9-89DFFA644CF4}"/>
+          </ac:cxnSpMkLst>
+        </pc:cxnChg>
+        <pc:cxnChg chg="del mod">
+          <ac:chgData name="Fatima Pillosu" userId="a6295d4dc9e22643" providerId="LiveId" clId="{E4EB9531-B35B-4F76-8762-A23C9D2F4928}" dt="2023-11-06T21:57:08.574" v="154" actId="21"/>
+          <ac:cxnSpMkLst>
+            <pc:docMk/>
+            <pc:sldMk cId="1967199282" sldId="256"/>
+            <ac:cxnSpMk id="200" creationId="{AE811453-AAC3-51AD-E825-C62B6CCD2F74}"/>
+          </ac:cxnSpMkLst>
+        </pc:cxnChg>
+        <pc:cxnChg chg="del mod">
+          <ac:chgData name="Fatima Pillosu" userId="a6295d4dc9e22643" providerId="LiveId" clId="{E4EB9531-B35B-4F76-8762-A23C9D2F4928}" dt="2023-11-06T21:57:08.574" v="154" actId="21"/>
+          <ac:cxnSpMkLst>
+            <pc:docMk/>
+            <pc:sldMk cId="1967199282" sldId="256"/>
+            <ac:cxnSpMk id="201" creationId="{D6F5427E-D27A-677B-3DD2-D9B5E81E413B}"/>
+          </ac:cxnSpMkLst>
+        </pc:cxnChg>
+        <pc:cxnChg chg="del mod">
+          <ac:chgData name="Fatima Pillosu" userId="a6295d4dc9e22643" providerId="LiveId" clId="{E4EB9531-B35B-4F76-8762-A23C9D2F4928}" dt="2023-11-06T21:57:08.574" v="154" actId="21"/>
+          <ac:cxnSpMkLst>
+            <pc:docMk/>
+            <pc:sldMk cId="1967199282" sldId="256"/>
+            <ac:cxnSpMk id="203" creationId="{A86519DB-D77C-5640-9F52-AB02F9FC0006}"/>
+          </ac:cxnSpMkLst>
+        </pc:cxnChg>
+        <pc:cxnChg chg="del mod">
+          <ac:chgData name="Fatima Pillosu" userId="a6295d4dc9e22643" providerId="LiveId" clId="{E4EB9531-B35B-4F76-8762-A23C9D2F4928}" dt="2023-11-06T21:57:08.574" v="154" actId="21"/>
+          <ac:cxnSpMkLst>
+            <pc:docMk/>
+            <pc:sldMk cId="1967199282" sldId="256"/>
+            <ac:cxnSpMk id="205" creationId="{44AD264B-C55D-E82C-8356-6C3BEEECF730}"/>
+          </ac:cxnSpMkLst>
+        </pc:cxnChg>
+        <pc:cxnChg chg="del mod">
+          <ac:chgData name="Fatima Pillosu" userId="a6295d4dc9e22643" providerId="LiveId" clId="{E4EB9531-B35B-4F76-8762-A23C9D2F4928}" dt="2023-11-06T21:57:08.574" v="154" actId="21"/>
+          <ac:cxnSpMkLst>
+            <pc:docMk/>
+            <pc:sldMk cId="1967199282" sldId="256"/>
+            <ac:cxnSpMk id="208" creationId="{C2A49612-1D79-D211-9548-427494F97A5F}"/>
+          </ac:cxnSpMkLst>
+        </pc:cxnChg>
+        <pc:cxnChg chg="del mod">
+          <ac:chgData name="Fatima Pillosu" userId="a6295d4dc9e22643" providerId="LiveId" clId="{E4EB9531-B35B-4F76-8762-A23C9D2F4928}" dt="2023-11-06T21:57:08.574" v="154" actId="21"/>
+          <ac:cxnSpMkLst>
+            <pc:docMk/>
+            <pc:sldMk cId="1967199282" sldId="256"/>
+            <ac:cxnSpMk id="210" creationId="{480B1FEE-2769-26D0-99E2-65689C15105C}"/>
+          </ac:cxnSpMkLst>
+        </pc:cxnChg>
+        <pc:cxnChg chg="del mod">
+          <ac:chgData name="Fatima Pillosu" userId="a6295d4dc9e22643" providerId="LiveId" clId="{E4EB9531-B35B-4F76-8762-A23C9D2F4928}" dt="2023-11-06T21:57:08.574" v="154" actId="21"/>
+          <ac:cxnSpMkLst>
+            <pc:docMk/>
+            <pc:sldMk cId="1967199282" sldId="256"/>
+            <ac:cxnSpMk id="212" creationId="{D5A81AD4-B30B-A14E-AFFC-B2114305ED3B}"/>
+          </ac:cxnSpMkLst>
+        </pc:cxnChg>
+        <pc:cxnChg chg="add mod">
+          <ac:chgData name="Fatima Pillosu" userId="a6295d4dc9e22643" providerId="LiveId" clId="{E4EB9531-B35B-4F76-8762-A23C9D2F4928}" dt="2023-11-06T21:57:52.980" v="155"/>
+          <ac:cxnSpMkLst>
+            <pc:docMk/>
+            <pc:sldMk cId="1967199282" sldId="256"/>
+            <ac:cxnSpMk id="258" creationId="{AA6AD609-13E8-03BB-3654-2F6E1F4323BD}"/>
+          </ac:cxnSpMkLst>
+        </pc:cxnChg>
+        <pc:cxnChg chg="add mod">
+          <ac:chgData name="Fatima Pillosu" userId="a6295d4dc9e22643" providerId="LiveId" clId="{E4EB9531-B35B-4F76-8762-A23C9D2F4928}" dt="2023-11-06T21:57:52.980" v="155"/>
+          <ac:cxnSpMkLst>
+            <pc:docMk/>
+            <pc:sldMk cId="1967199282" sldId="256"/>
+            <ac:cxnSpMk id="259" creationId="{9271386F-23FF-689C-D69A-8FB14EDD051F}"/>
+          </ac:cxnSpMkLst>
+        </pc:cxnChg>
+        <pc:cxnChg chg="add mod">
+          <ac:chgData name="Fatima Pillosu" userId="a6295d4dc9e22643" providerId="LiveId" clId="{E4EB9531-B35B-4F76-8762-A23C9D2F4928}" dt="2023-11-06T21:57:52.980" v="155"/>
+          <ac:cxnSpMkLst>
+            <pc:docMk/>
+            <pc:sldMk cId="1967199282" sldId="256"/>
+            <ac:cxnSpMk id="263" creationId="{73F0C8A4-0F6C-F2B4-8D2A-C140A8A7FBD4}"/>
+          </ac:cxnSpMkLst>
+        </pc:cxnChg>
+        <pc:cxnChg chg="add mod">
+          <ac:chgData name="Fatima Pillosu" userId="a6295d4dc9e22643" providerId="LiveId" clId="{E4EB9531-B35B-4F76-8762-A23C9D2F4928}" dt="2023-11-06T21:57:52.980" v="155"/>
+          <ac:cxnSpMkLst>
+            <pc:docMk/>
+            <pc:sldMk cId="1967199282" sldId="256"/>
+            <ac:cxnSpMk id="265" creationId="{EB797FB9-9E91-DEF7-A08E-FA88FB2FB6AE}"/>
+          </ac:cxnSpMkLst>
+        </pc:cxnChg>
+        <pc:cxnChg chg="add mod">
+          <ac:chgData name="Fatima Pillosu" userId="a6295d4dc9e22643" providerId="LiveId" clId="{E4EB9531-B35B-4F76-8762-A23C9D2F4928}" dt="2023-11-06T21:57:52.980" v="155"/>
+          <ac:cxnSpMkLst>
+            <pc:docMk/>
+            <pc:sldMk cId="1967199282" sldId="256"/>
+            <ac:cxnSpMk id="266" creationId="{13F88A7A-BF8C-D0ED-3193-74DC0EB590C8}"/>
+          </ac:cxnSpMkLst>
+        </pc:cxnChg>
+        <pc:cxnChg chg="add mod">
+          <ac:chgData name="Fatima Pillosu" userId="a6295d4dc9e22643" providerId="LiveId" clId="{E4EB9531-B35B-4F76-8762-A23C9D2F4928}" dt="2023-11-06T21:57:52.980" v="155"/>
+          <ac:cxnSpMkLst>
+            <pc:docMk/>
+            <pc:sldMk cId="1967199282" sldId="256"/>
+            <ac:cxnSpMk id="277" creationId="{A0305E98-A962-40A3-43CD-5E5B6C300D44}"/>
+          </ac:cxnSpMkLst>
+        </pc:cxnChg>
+        <pc:cxnChg chg="del mod">
+          <ac:chgData name="Fatima Pillosu" userId="a6295d4dc9e22643" providerId="LiveId" clId="{E4EB9531-B35B-4F76-8762-A23C9D2F4928}" dt="2023-11-06T21:57:08.574" v="154" actId="21"/>
+          <ac:cxnSpMkLst>
+            <pc:docMk/>
+            <pc:sldMk cId="1967199282" sldId="256"/>
+            <ac:cxnSpMk id="285" creationId="{3A585870-BB03-01D0-56B0-F20BFF6F417B}"/>
+          </ac:cxnSpMkLst>
+        </pc:cxnChg>
+        <pc:cxnChg chg="del mod">
+          <ac:chgData name="Fatima Pillosu" userId="a6295d4dc9e22643" providerId="LiveId" clId="{E4EB9531-B35B-4F76-8762-A23C9D2F4928}" dt="2023-11-06T21:57:08.574" v="154" actId="21"/>
+          <ac:cxnSpMkLst>
+            <pc:docMk/>
+            <pc:sldMk cId="1967199282" sldId="256"/>
+            <ac:cxnSpMk id="286" creationId="{4E255F5B-61B9-30DB-8B31-30C92C7E8D1E}"/>
+          </ac:cxnSpMkLst>
+        </pc:cxnChg>
+        <pc:cxnChg chg="del mod">
+          <ac:chgData name="Fatima Pillosu" userId="a6295d4dc9e22643" providerId="LiveId" clId="{E4EB9531-B35B-4F76-8762-A23C9D2F4928}" dt="2023-11-06T21:57:08.574" v="154" actId="21"/>
+          <ac:cxnSpMkLst>
+            <pc:docMk/>
+            <pc:sldMk cId="1967199282" sldId="256"/>
+            <ac:cxnSpMk id="293" creationId="{9573DD8E-7D9E-0CBE-E383-E894071EEAC1}"/>
+          </ac:cxnSpMkLst>
+        </pc:cxnChg>
+        <pc:cxnChg chg="del mod">
+          <ac:chgData name="Fatima Pillosu" userId="a6295d4dc9e22643" providerId="LiveId" clId="{E4EB9531-B35B-4F76-8762-A23C9D2F4928}" dt="2023-11-06T21:57:08.574" v="154" actId="21"/>
+          <ac:cxnSpMkLst>
+            <pc:docMk/>
+            <pc:sldMk cId="1967199282" sldId="256"/>
+            <ac:cxnSpMk id="295" creationId="{953E5247-F4F3-07F6-F884-32A04ADF3E38}"/>
+          </ac:cxnSpMkLst>
+        </pc:cxnChg>
+        <pc:cxnChg chg="del mod">
+          <ac:chgData name="Fatima Pillosu" userId="a6295d4dc9e22643" providerId="LiveId" clId="{E4EB9531-B35B-4F76-8762-A23C9D2F4928}" dt="2023-11-06T21:57:08.574" v="154" actId="21"/>
+          <ac:cxnSpMkLst>
+            <pc:docMk/>
+            <pc:sldMk cId="1967199282" sldId="256"/>
+            <ac:cxnSpMk id="296" creationId="{9D32E49C-399C-696C-5F7F-6DA5E6DAD301}"/>
+          </ac:cxnSpMkLst>
+        </pc:cxnChg>
+        <pc:cxnChg chg="del mod">
+          <ac:chgData name="Fatima Pillosu" userId="a6295d4dc9e22643" providerId="LiveId" clId="{E4EB9531-B35B-4F76-8762-A23C9D2F4928}" dt="2023-11-06T21:57:08.574" v="154" actId="21"/>
+          <ac:cxnSpMkLst>
+            <pc:docMk/>
+            <pc:sldMk cId="1967199282" sldId="256"/>
+            <ac:cxnSpMk id="298" creationId="{F85B95E0-6CBE-BF1D-2F81-B710A8E93A58}"/>
+          </ac:cxnSpMkLst>
+        </pc:cxnChg>
+        <pc:cxnChg chg="del mod">
+          <ac:chgData name="Fatima Pillosu" userId="a6295d4dc9e22643" providerId="LiveId" clId="{E4EB9531-B35B-4F76-8762-A23C9D2F4928}" dt="2023-11-06T21:49:33.776" v="0" actId="478"/>
+          <ac:cxnSpMkLst>
+            <pc:docMk/>
+            <pc:sldMk cId="1967199282" sldId="256"/>
+            <ac:cxnSpMk id="328" creationId="{D48924F0-86E5-3F9A-C2E6-FCE9E0124033}"/>
+          </ac:cxnSpMkLst>
+        </pc:cxnChg>
+        <pc:cxnChg chg="del mod">
+          <ac:chgData name="Fatima Pillosu" userId="a6295d4dc9e22643" providerId="LiveId" clId="{E4EB9531-B35B-4F76-8762-A23C9D2F4928}" dt="2023-11-06T21:49:33.776" v="0" actId="478"/>
+          <ac:cxnSpMkLst>
+            <pc:docMk/>
+            <pc:sldMk cId="1967199282" sldId="256"/>
+            <ac:cxnSpMk id="329" creationId="{9024DCD9-76A5-1567-680D-BD80318DD9D9}"/>
+          </ac:cxnSpMkLst>
+        </pc:cxnChg>
+      </pc:sldChg>
+    </pc:docChg>
+  </pc:docChgLst>
+</pc:chgInfo>
 </file>
 
 <file path=ppt/slideLayouts/slideLayout1.xml><?xml version="1.0" encoding="utf-8"?>
 <p:sldLayout xmlns:a="http://schemas.openxmlformats.org/drawingml/2006/main" xmlns:r="http://schemas.openxmlformats.org/officeDocument/2006/relationships" xmlns:p="http://schemas.openxmlformats.org/presentationml/2006/main" type="title" preserve="1">
-  <p:cSld name="Title Slide">
+  <p:cSld name="Diapositiva titolo">
     <p:spTree>
       <p:nvGrpSpPr>
         <p:cNvPr id="1" name=""/>
@@ -136,21 +2562,21 @@
         </p:nvSpPr>
         <p:spPr>
           <a:xfrm>
-            <a:off x="514350" y="1621191"/>
-            <a:ext cx="5829300" cy="3448756"/>
+            <a:off x="486013" y="895552"/>
+            <a:ext cx="5508149" cy="1905106"/>
           </a:xfrm>
         </p:spPr>
         <p:txBody>
           <a:bodyPr anchor="b"/>
           <a:lstStyle>
             <a:lvl1pPr algn="ctr">
-              <a:defRPr sz="4500"/>
+              <a:defRPr sz="4252"/>
             </a:lvl1pPr>
           </a:lstStyle>
           <a:p>
             <a:r>
-              <a:rPr lang="en-US"/>
-              <a:t>Click to edit Master title style</a:t>
+              <a:rPr lang="it-IT"/>
+              <a:t>Fare clic per modificare lo stile del titolo dello schema</a:t>
             </a:r>
             <a:endParaRPr lang="en-US" dirty="0"/>
           </a:p>
@@ -168,8 +2594,8 @@
         </p:nvSpPr>
         <p:spPr>
           <a:xfrm>
-            <a:off x="857250" y="5202944"/>
-            <a:ext cx="5143500" cy="2391656"/>
+            <a:off x="810022" y="2874127"/>
+            <a:ext cx="4860131" cy="1321160"/>
           </a:xfrm>
         </p:spPr>
         <p:txBody>
@@ -177,45 +2603,45 @@
           <a:lstStyle>
             <a:lvl1pPr marL="0" indent="0" algn="ctr">
               <a:buNone/>
-              <a:defRPr sz="1800"/>
+              <a:defRPr sz="1701"/>
             </a:lvl1pPr>
-            <a:lvl2pPr marL="342900" indent="0" algn="ctr">
+            <a:lvl2pPr marL="324018" indent="0" algn="ctr">
               <a:buNone/>
-              <a:defRPr sz="1500"/>
+              <a:defRPr sz="1417"/>
             </a:lvl2pPr>
-            <a:lvl3pPr marL="685800" indent="0" algn="ctr">
+            <a:lvl3pPr marL="648035" indent="0" algn="ctr">
               <a:buNone/>
-              <a:defRPr sz="1350"/>
+              <a:defRPr sz="1276"/>
             </a:lvl3pPr>
-            <a:lvl4pPr marL="1028700" indent="0" algn="ctr">
+            <a:lvl4pPr marL="972053" indent="0" algn="ctr">
               <a:buNone/>
-              <a:defRPr sz="1200"/>
+              <a:defRPr sz="1134"/>
             </a:lvl4pPr>
-            <a:lvl5pPr marL="1371600" indent="0" algn="ctr">
+            <a:lvl5pPr marL="1296071" indent="0" algn="ctr">
               <a:buNone/>
-              <a:defRPr sz="1200"/>
+              <a:defRPr sz="1134"/>
             </a:lvl5pPr>
-            <a:lvl6pPr marL="1714500" indent="0" algn="ctr">
+            <a:lvl6pPr marL="1620088" indent="0" algn="ctr">
               <a:buNone/>
-              <a:defRPr sz="1200"/>
+              <a:defRPr sz="1134"/>
             </a:lvl6pPr>
-            <a:lvl7pPr marL="2057400" indent="0" algn="ctr">
+            <a:lvl7pPr marL="1944106" indent="0" algn="ctr">
               <a:buNone/>
-              <a:defRPr sz="1200"/>
+              <a:defRPr sz="1134"/>
             </a:lvl7pPr>
-            <a:lvl8pPr marL="2400300" indent="0" algn="ctr">
+            <a:lvl8pPr marL="2268123" indent="0" algn="ctr">
               <a:buNone/>
-              <a:defRPr sz="1200"/>
+              <a:defRPr sz="1134"/>
             </a:lvl8pPr>
-            <a:lvl9pPr marL="2743200" indent="0" algn="ctr">
+            <a:lvl9pPr marL="2592141" indent="0" algn="ctr">
               <a:buNone/>
-              <a:defRPr sz="1200"/>
+              <a:defRPr sz="1134"/>
             </a:lvl9pPr>
           </a:lstStyle>
           <a:p>
             <a:r>
-              <a:rPr lang="en-US"/>
-              <a:t>Click to edit Master subtitle style</a:t>
+              <a:rPr lang="it-IT"/>
+              <a:t>Fare clic per modificare lo stile del sottotitolo dello schema</a:t>
             </a:r>
             <a:endParaRPr lang="en-US" dirty="0"/>
           </a:p>
@@ -280,7 +2706,7 @@
           <a:p>
             <a:fld id="{1E6CF2F7-5522-4E23-9E94-4259330F5173}" type="slidenum">
               <a:rPr lang="en-GB" smtClean="0"/>
-              <a:t>‹#›</a:t>
+              <a:t>‹N›</a:t>
             </a:fld>
             <a:endParaRPr lang="en-GB"/>
           </a:p>
@@ -289,7 +2715,7 @@
     </p:spTree>
     <p:extLst>
       <p:ext uri="{BB962C8B-B14F-4D97-AF65-F5344CB8AC3E}">
-        <p14:creationId xmlns:p14="http://schemas.microsoft.com/office/powerpoint/2010/main" val="1195200074"/>
+        <p14:creationId xmlns:p14="http://schemas.microsoft.com/office/powerpoint/2010/main" val="528354935"/>
       </p:ext>
     </p:extLst>
   </p:cSld>
@@ -301,7 +2727,7 @@
 
 <file path=ppt/slideLayouts/slideLayout10.xml><?xml version="1.0" encoding="utf-8"?>
 <p:sldLayout xmlns:a="http://schemas.openxmlformats.org/drawingml/2006/main" xmlns:r="http://schemas.openxmlformats.org/officeDocument/2006/relationships" xmlns:p="http://schemas.openxmlformats.org/presentationml/2006/main" type="vertTx" preserve="1">
-  <p:cSld name="Title and Vertical Text">
+  <p:cSld name="Titolo e testo verticale">
     <p:spTree>
       <p:nvGrpSpPr>
         <p:cNvPr id="1" name=""/>
@@ -332,8 +2758,8 @@
           <a:lstStyle/>
           <a:p>
             <a:r>
-              <a:rPr lang="en-US"/>
-              <a:t>Click to edit Master title style</a:t>
+              <a:rPr lang="it-IT"/>
+              <a:t>Fare clic per modificare lo stile del titolo dello schema</a:t>
             </a:r>
             <a:endParaRPr lang="en-US" dirty="0"/>
           </a:p>
@@ -356,36 +2782,36 @@
           <a:p>
             <a:pPr lvl="0"/>
             <a:r>
-              <a:rPr lang="en-US"/>
-              <a:t>Click to edit Master text styles</a:t>
+              <a:rPr lang="it-IT"/>
+              <a:t>Fare clic per modificare gli stili del testo dello schema</a:t>
             </a:r>
           </a:p>
           <a:p>
             <a:pPr lvl="1"/>
             <a:r>
-              <a:rPr lang="en-US"/>
-              <a:t>Second level</a:t>
+              <a:rPr lang="it-IT"/>
+              <a:t>Secondo livello</a:t>
             </a:r>
           </a:p>
           <a:p>
             <a:pPr lvl="2"/>
             <a:r>
-              <a:rPr lang="en-US"/>
-              <a:t>Third level</a:t>
+              <a:rPr lang="it-IT"/>
+              <a:t>Terzo livello</a:t>
             </a:r>
           </a:p>
           <a:p>
             <a:pPr lvl="3"/>
             <a:r>
-              <a:rPr lang="en-US"/>
-              <a:t>Fourth level</a:t>
+              <a:rPr lang="it-IT"/>
+              <a:t>Quarto livello</a:t>
             </a:r>
           </a:p>
           <a:p>
             <a:pPr lvl="4"/>
             <a:r>
-              <a:rPr lang="en-US"/>
-              <a:t>Fifth level</a:t>
+              <a:rPr lang="it-IT"/>
+              <a:t>Quinto livello</a:t>
             </a:r>
             <a:endParaRPr lang="en-US" dirty="0"/>
           </a:p>
@@ -450,7 +2876,7 @@
           <a:p>
             <a:fld id="{1E6CF2F7-5522-4E23-9E94-4259330F5173}" type="slidenum">
               <a:rPr lang="en-GB" smtClean="0"/>
-              <a:t>‹#›</a:t>
+              <a:t>‹N›</a:t>
             </a:fld>
             <a:endParaRPr lang="en-GB"/>
           </a:p>
@@ -459,7 +2885,7 @@
     </p:spTree>
     <p:extLst>
       <p:ext uri="{BB962C8B-B14F-4D97-AF65-F5344CB8AC3E}">
-        <p14:creationId xmlns:p14="http://schemas.microsoft.com/office/powerpoint/2010/main" val="207290049"/>
+        <p14:creationId xmlns:p14="http://schemas.microsoft.com/office/powerpoint/2010/main" val="3304885926"/>
       </p:ext>
     </p:extLst>
   </p:cSld>
@@ -471,7 +2897,7 @@
 
 <file path=ppt/slideLayouts/slideLayout11.xml><?xml version="1.0" encoding="utf-8"?>
 <p:sldLayout xmlns:a="http://schemas.openxmlformats.org/drawingml/2006/main" xmlns:r="http://schemas.openxmlformats.org/officeDocument/2006/relationships" xmlns:p="http://schemas.openxmlformats.org/presentationml/2006/main" type="vertTitleAndTx" preserve="1">
-  <p:cSld name="Vertical Title and Text">
+  <p:cSld name="1_Titolo e testo verticale">
     <p:spTree>
       <p:nvGrpSpPr>
         <p:cNvPr id="1" name=""/>
@@ -498,8 +2924,8 @@
         </p:nvSpPr>
         <p:spPr>
           <a:xfrm>
-            <a:off x="4907757" y="527403"/>
-            <a:ext cx="1478756" cy="8394877"/>
+            <a:off x="4637375" y="291339"/>
+            <a:ext cx="1397288" cy="4637363"/>
           </a:xfrm>
         </p:spPr>
         <p:txBody>
@@ -507,8 +2933,8 @@
           <a:lstStyle/>
           <a:p>
             <a:r>
-              <a:rPr lang="en-US"/>
-              <a:t>Click to edit Master title style</a:t>
+              <a:rPr lang="it-IT"/>
+              <a:t>Fare clic per modificare lo stile del titolo dello schema</a:t>
             </a:r>
             <a:endParaRPr lang="en-US" dirty="0"/>
           </a:p>
@@ -526,8 +2952,8 @@
         </p:nvSpPr>
         <p:spPr>
           <a:xfrm>
-            <a:off x="471488" y="527403"/>
-            <a:ext cx="4350544" cy="8394877"/>
+            <a:off x="445512" y="291339"/>
+            <a:ext cx="4110861" cy="4637363"/>
           </a:xfrm>
         </p:spPr>
         <p:txBody>
@@ -536,36 +2962,36 @@
           <a:p>
             <a:pPr lvl="0"/>
             <a:r>
-              <a:rPr lang="en-US"/>
-              <a:t>Click to edit Master text styles</a:t>
+              <a:rPr lang="it-IT"/>
+              <a:t>Fare clic per modificare gli stili del testo dello schema</a:t>
             </a:r>
           </a:p>
           <a:p>
             <a:pPr lvl="1"/>
             <a:r>
-              <a:rPr lang="en-US"/>
-              <a:t>Second level</a:t>
+              <a:rPr lang="it-IT"/>
+              <a:t>Secondo livello</a:t>
             </a:r>
           </a:p>
           <a:p>
             <a:pPr lvl="2"/>
             <a:r>
-              <a:rPr lang="en-US"/>
-              <a:t>Third level</a:t>
+              <a:rPr lang="it-IT"/>
+              <a:t>Terzo livello</a:t>
             </a:r>
           </a:p>
           <a:p>
             <a:pPr lvl="3"/>
             <a:r>
-              <a:rPr lang="en-US"/>
-              <a:t>Fourth level</a:t>
+              <a:rPr lang="it-IT"/>
+              <a:t>Quarto livello</a:t>
             </a:r>
           </a:p>
           <a:p>
             <a:pPr lvl="4"/>
             <a:r>
-              <a:rPr lang="en-US"/>
-              <a:t>Fifth level</a:t>
+              <a:rPr lang="it-IT"/>
+              <a:t>Quinto livello</a:t>
             </a:r>
             <a:endParaRPr lang="en-US" dirty="0"/>
           </a:p>
@@ -630,7 +3056,7 @@
           <a:p>
             <a:fld id="{1E6CF2F7-5522-4E23-9E94-4259330F5173}" type="slidenum">
               <a:rPr lang="en-GB" smtClean="0"/>
-              <a:t>‹#›</a:t>
+              <a:t>‹N›</a:t>
             </a:fld>
             <a:endParaRPr lang="en-GB"/>
           </a:p>
@@ -639,7 +3065,7 @@
     </p:spTree>
     <p:extLst>
       <p:ext uri="{BB962C8B-B14F-4D97-AF65-F5344CB8AC3E}">
-        <p14:creationId xmlns:p14="http://schemas.microsoft.com/office/powerpoint/2010/main" val="4060939329"/>
+        <p14:creationId xmlns:p14="http://schemas.microsoft.com/office/powerpoint/2010/main" val="3070418353"/>
       </p:ext>
     </p:extLst>
   </p:cSld>
@@ -651,7 +3077,7 @@
 
 <file path=ppt/slideLayouts/slideLayout2.xml><?xml version="1.0" encoding="utf-8"?>
 <p:sldLayout xmlns:a="http://schemas.openxmlformats.org/drawingml/2006/main" xmlns:r="http://schemas.openxmlformats.org/officeDocument/2006/relationships" xmlns:p="http://schemas.openxmlformats.org/presentationml/2006/main" type="obj" preserve="1">
-  <p:cSld name="Title and Content">
+  <p:cSld name="Titolo e contenuto">
     <p:spTree>
       <p:nvGrpSpPr>
         <p:cNvPr id="1" name=""/>
@@ -682,8 +3108,8 @@
           <a:lstStyle/>
           <a:p>
             <a:r>
-              <a:rPr lang="en-US"/>
-              <a:t>Click to edit Master title style</a:t>
+              <a:rPr lang="it-IT"/>
+              <a:t>Fare clic per modificare lo stile del titolo dello schema</a:t>
             </a:r>
             <a:endParaRPr lang="en-US" dirty="0"/>
           </a:p>
@@ -706,36 +3132,36 @@
           <a:p>
             <a:pPr lvl="0"/>
             <a:r>
-              <a:rPr lang="en-US"/>
-              <a:t>Click to edit Master text styles</a:t>
+              <a:rPr lang="it-IT"/>
+              <a:t>Fare clic per modificare gli stili del testo dello schema</a:t>
             </a:r>
           </a:p>
           <a:p>
             <a:pPr lvl="1"/>
             <a:r>
-              <a:rPr lang="en-US"/>
-              <a:t>Second level</a:t>
+              <a:rPr lang="it-IT"/>
+              <a:t>Secondo livello</a:t>
             </a:r>
           </a:p>
           <a:p>
             <a:pPr lvl="2"/>
             <a:r>
-              <a:rPr lang="en-US"/>
-              <a:t>Third level</a:t>
+              <a:rPr lang="it-IT"/>
+              <a:t>Terzo livello</a:t>
             </a:r>
           </a:p>
           <a:p>
             <a:pPr lvl="3"/>
             <a:r>
-              <a:rPr lang="en-US"/>
-              <a:t>Fourth level</a:t>
+              <a:rPr lang="it-IT"/>
+              <a:t>Quarto livello</a:t>
             </a:r>
           </a:p>
           <a:p>
             <a:pPr lvl="4"/>
             <a:r>
-              <a:rPr lang="en-US"/>
-              <a:t>Fifth level</a:t>
+              <a:rPr lang="it-IT"/>
+              <a:t>Quinto livello</a:t>
             </a:r>
             <a:endParaRPr lang="en-US" dirty="0"/>
           </a:p>
@@ -800,7 +3226,7 @@
           <a:p>
             <a:fld id="{1E6CF2F7-5522-4E23-9E94-4259330F5173}" type="slidenum">
               <a:rPr lang="en-GB" smtClean="0"/>
-              <a:t>‹#›</a:t>
+              <a:t>‹N›</a:t>
             </a:fld>
             <a:endParaRPr lang="en-GB"/>
           </a:p>
@@ -809,7 +3235,7 @@
     </p:spTree>
     <p:extLst>
       <p:ext uri="{BB962C8B-B14F-4D97-AF65-F5344CB8AC3E}">
-        <p14:creationId xmlns:p14="http://schemas.microsoft.com/office/powerpoint/2010/main" val="3316394976"/>
+        <p14:creationId xmlns:p14="http://schemas.microsoft.com/office/powerpoint/2010/main" val="1463854186"/>
       </p:ext>
     </p:extLst>
   </p:cSld>
@@ -821,7 +3247,7 @@
 
 <file path=ppt/slideLayouts/slideLayout3.xml><?xml version="1.0" encoding="utf-8"?>
 <p:sldLayout xmlns:a="http://schemas.openxmlformats.org/drawingml/2006/main" xmlns:r="http://schemas.openxmlformats.org/officeDocument/2006/relationships" xmlns:p="http://schemas.openxmlformats.org/presentationml/2006/main" type="secHead" preserve="1">
-  <p:cSld name="Section Header">
+  <p:cSld name="Intestazione sezione">
     <p:spTree>
       <p:nvGrpSpPr>
         <p:cNvPr id="1" name=""/>
@@ -848,21 +3274,21 @@
         </p:nvSpPr>
         <p:spPr>
           <a:xfrm>
-            <a:off x="467916" y="2469624"/>
-            <a:ext cx="5915025" cy="4120620"/>
+            <a:off x="442137" y="1364230"/>
+            <a:ext cx="5589151" cy="2276247"/>
           </a:xfrm>
         </p:spPr>
         <p:txBody>
           <a:bodyPr anchor="b"/>
           <a:lstStyle>
             <a:lvl1pPr>
-              <a:defRPr sz="4500"/>
+              <a:defRPr sz="4252"/>
             </a:lvl1pPr>
           </a:lstStyle>
           <a:p>
             <a:r>
-              <a:rPr lang="en-US"/>
-              <a:t>Click to edit Master title style</a:t>
+              <a:rPr lang="it-IT"/>
+              <a:t>Fare clic per modificare lo stile del titolo dello schema</a:t>
             </a:r>
             <a:endParaRPr lang="en-US" dirty="0"/>
           </a:p>
@@ -880,8 +3306,8 @@
         </p:nvSpPr>
         <p:spPr>
           <a:xfrm>
-            <a:off x="467916" y="6629226"/>
-            <a:ext cx="5915025" cy="2166937"/>
+            <a:off x="442137" y="3662011"/>
+            <a:ext cx="5589151" cy="1197024"/>
           </a:xfrm>
         </p:spPr>
         <p:txBody>
@@ -889,15 +3315,15 @@
           <a:lstStyle>
             <a:lvl1pPr marL="0" indent="0">
               <a:buNone/>
-              <a:defRPr sz="1800">
+              <a:defRPr sz="1701">
                 <a:solidFill>
                   <a:schemeClr val="tx1"/>
                 </a:solidFill>
               </a:defRPr>
             </a:lvl1pPr>
-            <a:lvl2pPr marL="342900" indent="0">
+            <a:lvl2pPr marL="324018" indent="0">
               <a:buNone/>
-              <a:defRPr sz="1500">
+              <a:defRPr sz="1417">
                 <a:solidFill>
                   <a:schemeClr val="tx1">
                     <a:tint val="75000"/>
@@ -905,9 +3331,9 @@
                 </a:solidFill>
               </a:defRPr>
             </a:lvl2pPr>
-            <a:lvl3pPr marL="685800" indent="0">
+            <a:lvl3pPr marL="648035" indent="0">
               <a:buNone/>
-              <a:defRPr sz="1350">
+              <a:defRPr sz="1276">
                 <a:solidFill>
                   <a:schemeClr val="tx1">
                     <a:tint val="75000"/>
@@ -915,9 +3341,9 @@
                 </a:solidFill>
               </a:defRPr>
             </a:lvl3pPr>
-            <a:lvl4pPr marL="1028700" indent="0">
+            <a:lvl4pPr marL="972053" indent="0">
               <a:buNone/>
-              <a:defRPr sz="1200">
+              <a:defRPr sz="1134">
                 <a:solidFill>
                   <a:schemeClr val="tx1">
                     <a:tint val="75000"/>
@@ -925,9 +3351,9 @@
                 </a:solidFill>
               </a:defRPr>
             </a:lvl4pPr>
-            <a:lvl5pPr marL="1371600" indent="0">
+            <a:lvl5pPr marL="1296071" indent="0">
               <a:buNone/>
-              <a:defRPr sz="1200">
+              <a:defRPr sz="1134">
                 <a:solidFill>
                   <a:schemeClr val="tx1">
                     <a:tint val="75000"/>
@@ -935,9 +3361,9 @@
                 </a:solidFill>
               </a:defRPr>
             </a:lvl5pPr>
-            <a:lvl6pPr marL="1714500" indent="0">
+            <a:lvl6pPr marL="1620088" indent="0">
               <a:buNone/>
-              <a:defRPr sz="1200">
+              <a:defRPr sz="1134">
                 <a:solidFill>
                   <a:schemeClr val="tx1">
                     <a:tint val="75000"/>
@@ -945,9 +3371,9 @@
                 </a:solidFill>
               </a:defRPr>
             </a:lvl6pPr>
-            <a:lvl7pPr marL="2057400" indent="0">
+            <a:lvl7pPr marL="1944106" indent="0">
               <a:buNone/>
-              <a:defRPr sz="1200">
+              <a:defRPr sz="1134">
                 <a:solidFill>
                   <a:schemeClr val="tx1">
                     <a:tint val="75000"/>
@@ -955,9 +3381,9 @@
                 </a:solidFill>
               </a:defRPr>
             </a:lvl7pPr>
-            <a:lvl8pPr marL="2400300" indent="0">
+            <a:lvl8pPr marL="2268123" indent="0">
               <a:buNone/>
-              <a:defRPr sz="1200">
+              <a:defRPr sz="1134">
                 <a:solidFill>
                   <a:schemeClr val="tx1">
                     <a:tint val="75000"/>
@@ -965,9 +3391,9 @@
                 </a:solidFill>
               </a:defRPr>
             </a:lvl8pPr>
-            <a:lvl9pPr marL="2743200" indent="0">
+            <a:lvl9pPr marL="2592141" indent="0">
               <a:buNone/>
-              <a:defRPr sz="1200">
+              <a:defRPr sz="1134">
                 <a:solidFill>
                   <a:schemeClr val="tx1">
                     <a:tint val="75000"/>
@@ -979,8 +3405,8 @@
           <a:p>
             <a:pPr lvl="0"/>
             <a:r>
-              <a:rPr lang="en-US"/>
-              <a:t>Click to edit Master text styles</a:t>
+              <a:rPr lang="it-IT"/>
+              <a:t>Fare clic per modificare gli stili del testo dello schema</a:t>
             </a:r>
           </a:p>
         </p:txBody>
@@ -1044,7 +3470,7 @@
           <a:p>
             <a:fld id="{1E6CF2F7-5522-4E23-9E94-4259330F5173}" type="slidenum">
               <a:rPr lang="en-GB" smtClean="0"/>
-              <a:t>‹#›</a:t>
+              <a:t>‹N›</a:t>
             </a:fld>
             <a:endParaRPr lang="en-GB"/>
           </a:p>
@@ -1053,7 +3479,7 @@
     </p:spTree>
     <p:extLst>
       <p:ext uri="{BB962C8B-B14F-4D97-AF65-F5344CB8AC3E}">
-        <p14:creationId xmlns:p14="http://schemas.microsoft.com/office/powerpoint/2010/main" val="826817091"/>
+        <p14:creationId xmlns:p14="http://schemas.microsoft.com/office/powerpoint/2010/main" val="1276763924"/>
       </p:ext>
     </p:extLst>
   </p:cSld>
@@ -1065,7 +3491,7 @@
 
 <file path=ppt/slideLayouts/slideLayout4.xml><?xml version="1.0" encoding="utf-8"?>
 <p:sldLayout xmlns:a="http://schemas.openxmlformats.org/drawingml/2006/main" xmlns:r="http://schemas.openxmlformats.org/officeDocument/2006/relationships" xmlns:p="http://schemas.openxmlformats.org/presentationml/2006/main" type="twoObj" preserve="1">
-  <p:cSld name="Two Content">
+  <p:cSld name="Due contenuti">
     <p:spTree>
       <p:nvGrpSpPr>
         <p:cNvPr id="1" name=""/>
@@ -1096,8 +3522,8 @@
           <a:lstStyle/>
           <a:p>
             <a:r>
-              <a:rPr lang="en-US"/>
-              <a:t>Click to edit Master title style</a:t>
+              <a:rPr lang="it-IT"/>
+              <a:t>Fare clic per modificare lo stile del titolo dello schema</a:t>
             </a:r>
             <a:endParaRPr lang="en-US" dirty="0"/>
           </a:p>
@@ -1115,8 +3541,8 @@
         </p:nvSpPr>
         <p:spPr>
           <a:xfrm>
-            <a:off x="471488" y="2637014"/>
-            <a:ext cx="2914650" cy="6285266"/>
+            <a:off x="445512" y="1456697"/>
+            <a:ext cx="2754074" cy="3472005"/>
           </a:xfrm>
         </p:spPr>
         <p:txBody>
@@ -1125,36 +3551,36 @@
           <a:p>
             <a:pPr lvl="0"/>
             <a:r>
-              <a:rPr lang="en-US"/>
-              <a:t>Click to edit Master text styles</a:t>
+              <a:rPr lang="it-IT"/>
+              <a:t>Fare clic per modificare gli stili del testo dello schema</a:t>
             </a:r>
           </a:p>
           <a:p>
             <a:pPr lvl="1"/>
             <a:r>
-              <a:rPr lang="en-US"/>
-              <a:t>Second level</a:t>
+              <a:rPr lang="it-IT"/>
+              <a:t>Secondo livello</a:t>
             </a:r>
           </a:p>
           <a:p>
             <a:pPr lvl="2"/>
             <a:r>
-              <a:rPr lang="en-US"/>
-              <a:t>Third level</a:t>
+              <a:rPr lang="it-IT"/>
+              <a:t>Terzo livello</a:t>
             </a:r>
           </a:p>
           <a:p>
             <a:pPr lvl="3"/>
             <a:r>
-              <a:rPr lang="en-US"/>
-              <a:t>Fourth level</a:t>
+              <a:rPr lang="it-IT"/>
+              <a:t>Quarto livello</a:t>
             </a:r>
           </a:p>
           <a:p>
             <a:pPr lvl="4"/>
             <a:r>
-              <a:rPr lang="en-US"/>
-              <a:t>Fifth level</a:t>
+              <a:rPr lang="it-IT"/>
+              <a:t>Quinto livello</a:t>
             </a:r>
             <a:endParaRPr lang="en-US" dirty="0"/>
           </a:p>
@@ -1172,8 +3598,8 @@
         </p:nvSpPr>
         <p:spPr>
           <a:xfrm>
-            <a:off x="3471863" y="2637014"/>
-            <a:ext cx="2914650" cy="6285266"/>
+            <a:off x="3280589" y="1456697"/>
+            <a:ext cx="2754074" cy="3472005"/>
           </a:xfrm>
         </p:spPr>
         <p:txBody>
@@ -1182,36 +3608,36 @@
           <a:p>
             <a:pPr lvl="0"/>
             <a:r>
-              <a:rPr lang="en-US"/>
-              <a:t>Click to edit Master text styles</a:t>
+              <a:rPr lang="it-IT"/>
+              <a:t>Fare clic per modificare gli stili del testo dello schema</a:t>
             </a:r>
           </a:p>
           <a:p>
             <a:pPr lvl="1"/>
             <a:r>
-              <a:rPr lang="en-US"/>
-              <a:t>Second level</a:t>
+              <a:rPr lang="it-IT"/>
+              <a:t>Secondo livello</a:t>
             </a:r>
           </a:p>
           <a:p>
             <a:pPr lvl="2"/>
             <a:r>
-              <a:rPr lang="en-US"/>
-              <a:t>Third level</a:t>
+              <a:rPr lang="it-IT"/>
+              <a:t>Terzo livello</a:t>
             </a:r>
           </a:p>
           <a:p>
             <a:pPr lvl="3"/>
             <a:r>
-              <a:rPr lang="en-US"/>
-              <a:t>Fourth level</a:t>
+              <a:rPr lang="it-IT"/>
+              <a:t>Quarto livello</a:t>
             </a:r>
           </a:p>
           <a:p>
             <a:pPr lvl="4"/>
             <a:r>
-              <a:rPr lang="en-US"/>
-              <a:t>Fifth level</a:t>
+              <a:rPr lang="it-IT"/>
+              <a:t>Quinto livello</a:t>
             </a:r>
             <a:endParaRPr lang="en-US" dirty="0"/>
           </a:p>
@@ -1276,7 +3702,7 @@
           <a:p>
             <a:fld id="{1E6CF2F7-5522-4E23-9E94-4259330F5173}" type="slidenum">
               <a:rPr lang="en-GB" smtClean="0"/>
-              <a:t>‹#›</a:t>
+              <a:t>‹N›</a:t>
             </a:fld>
             <a:endParaRPr lang="en-GB"/>
           </a:p>
@@ -1285,7 +3711,7 @@
     </p:spTree>
     <p:extLst>
       <p:ext uri="{BB962C8B-B14F-4D97-AF65-F5344CB8AC3E}">
-        <p14:creationId xmlns:p14="http://schemas.microsoft.com/office/powerpoint/2010/main" val="2002325986"/>
+        <p14:creationId xmlns:p14="http://schemas.microsoft.com/office/powerpoint/2010/main" val="775830137"/>
       </p:ext>
     </p:extLst>
   </p:cSld>
@@ -1297,7 +3723,7 @@
 
 <file path=ppt/slideLayouts/slideLayout5.xml><?xml version="1.0" encoding="utf-8"?>
 <p:sldLayout xmlns:a="http://schemas.openxmlformats.org/drawingml/2006/main" xmlns:r="http://schemas.openxmlformats.org/officeDocument/2006/relationships" xmlns:p="http://schemas.openxmlformats.org/presentationml/2006/main" type="twoTxTwoObj" preserve="1">
-  <p:cSld name="Comparison">
+  <p:cSld name="Confronto">
     <p:spTree>
       <p:nvGrpSpPr>
         <p:cNvPr id="1" name=""/>
@@ -1324,8 +3750,8 @@
         </p:nvSpPr>
         <p:spPr>
           <a:xfrm>
-            <a:off x="472381" y="527405"/>
-            <a:ext cx="5915025" cy="1914702"/>
+            <a:off x="446356" y="291340"/>
+            <a:ext cx="5589151" cy="1057689"/>
           </a:xfrm>
         </p:spPr>
         <p:txBody>
@@ -1333,8 +3759,8 @@
           <a:lstStyle/>
           <a:p>
             <a:r>
-              <a:rPr lang="en-US"/>
-              <a:t>Click to edit Master title style</a:t>
+              <a:rPr lang="it-IT"/>
+              <a:t>Fare clic per modificare lo stile del titolo dello schema</a:t>
             </a:r>
             <a:endParaRPr lang="en-US" dirty="0"/>
           </a:p>
@@ -1352,8 +3778,8 @@
         </p:nvSpPr>
         <p:spPr>
           <a:xfrm>
-            <a:off x="472381" y="2428347"/>
-            <a:ext cx="2901255" cy="1190095"/>
+            <a:off x="446357" y="1341428"/>
+            <a:ext cx="2741417" cy="657413"/>
           </a:xfrm>
         </p:spPr>
         <p:txBody>
@@ -1361,46 +3787,46 @@
           <a:lstStyle>
             <a:lvl1pPr marL="0" indent="0">
               <a:buNone/>
-              <a:defRPr sz="1800" b="1"/>
+              <a:defRPr sz="1701" b="1"/>
             </a:lvl1pPr>
-            <a:lvl2pPr marL="342900" indent="0">
+            <a:lvl2pPr marL="324018" indent="0">
               <a:buNone/>
-              <a:defRPr sz="1500" b="1"/>
+              <a:defRPr sz="1417" b="1"/>
             </a:lvl2pPr>
-            <a:lvl3pPr marL="685800" indent="0">
+            <a:lvl3pPr marL="648035" indent="0">
               <a:buNone/>
-              <a:defRPr sz="1350" b="1"/>
+              <a:defRPr sz="1276" b="1"/>
             </a:lvl3pPr>
-            <a:lvl4pPr marL="1028700" indent="0">
+            <a:lvl4pPr marL="972053" indent="0">
               <a:buNone/>
-              <a:defRPr sz="1200" b="1"/>
+              <a:defRPr sz="1134" b="1"/>
             </a:lvl4pPr>
-            <a:lvl5pPr marL="1371600" indent="0">
+            <a:lvl5pPr marL="1296071" indent="0">
               <a:buNone/>
-              <a:defRPr sz="1200" b="1"/>
+              <a:defRPr sz="1134" b="1"/>
             </a:lvl5pPr>
-            <a:lvl6pPr marL="1714500" indent="0">
+            <a:lvl6pPr marL="1620088" indent="0">
               <a:buNone/>
-              <a:defRPr sz="1200" b="1"/>
+              <a:defRPr sz="1134" b="1"/>
             </a:lvl6pPr>
-            <a:lvl7pPr marL="2057400" indent="0">
+            <a:lvl7pPr marL="1944106" indent="0">
               <a:buNone/>
-              <a:defRPr sz="1200" b="1"/>
+              <a:defRPr sz="1134" b="1"/>
             </a:lvl7pPr>
-            <a:lvl8pPr marL="2400300" indent="0">
+            <a:lvl8pPr marL="2268123" indent="0">
               <a:buNone/>
-              <a:defRPr sz="1200" b="1"/>
+              <a:defRPr sz="1134" b="1"/>
             </a:lvl8pPr>
-            <a:lvl9pPr marL="2743200" indent="0">
+            <a:lvl9pPr marL="2592141" indent="0">
               <a:buNone/>
-              <a:defRPr sz="1200" b="1"/>
+              <a:defRPr sz="1134" b="1"/>
             </a:lvl9pPr>
           </a:lstStyle>
           <a:p>
             <a:pPr lvl="0"/>
             <a:r>
-              <a:rPr lang="en-US"/>
-              <a:t>Click to edit Master text styles</a:t>
+              <a:rPr lang="it-IT"/>
+              <a:t>Fare clic per modificare gli stili del testo dello schema</a:t>
             </a:r>
           </a:p>
         </p:txBody>
@@ -1417,8 +3843,8 @@
         </p:nvSpPr>
         <p:spPr>
           <a:xfrm>
-            <a:off x="472381" y="3618442"/>
-            <a:ext cx="2901255" cy="5322183"/>
+            <a:off x="446357" y="1998841"/>
+            <a:ext cx="2741417" cy="2939994"/>
           </a:xfrm>
         </p:spPr>
         <p:txBody>
@@ -1427,36 +3853,36 @@
           <a:p>
             <a:pPr lvl="0"/>
             <a:r>
-              <a:rPr lang="en-US"/>
-              <a:t>Click to edit Master text styles</a:t>
+              <a:rPr lang="it-IT"/>
+              <a:t>Fare clic per modificare gli stili del testo dello schema</a:t>
             </a:r>
           </a:p>
           <a:p>
             <a:pPr lvl="1"/>
             <a:r>
-              <a:rPr lang="en-US"/>
-              <a:t>Second level</a:t>
+              <a:rPr lang="it-IT"/>
+              <a:t>Secondo livello</a:t>
             </a:r>
           </a:p>
           <a:p>
             <a:pPr lvl="2"/>
             <a:r>
-              <a:rPr lang="en-US"/>
-              <a:t>Third level</a:t>
+              <a:rPr lang="it-IT"/>
+              <a:t>Terzo livello</a:t>
             </a:r>
           </a:p>
           <a:p>
             <a:pPr lvl="3"/>
             <a:r>
-              <a:rPr lang="en-US"/>
-              <a:t>Fourth level</a:t>
+              <a:rPr lang="it-IT"/>
+              <a:t>Quarto livello</a:t>
             </a:r>
           </a:p>
           <a:p>
             <a:pPr lvl="4"/>
             <a:r>
-              <a:rPr lang="en-US"/>
-              <a:t>Fifth level</a:t>
+              <a:rPr lang="it-IT"/>
+              <a:t>Quinto livello</a:t>
             </a:r>
             <a:endParaRPr lang="en-US" dirty="0"/>
           </a:p>
@@ -1474,8 +3900,8 @@
         </p:nvSpPr>
         <p:spPr>
           <a:xfrm>
-            <a:off x="3471863" y="2428347"/>
-            <a:ext cx="2915543" cy="1190095"/>
+            <a:off x="3280589" y="1341428"/>
+            <a:ext cx="2754918" cy="657413"/>
           </a:xfrm>
         </p:spPr>
         <p:txBody>
@@ -1483,46 +3909,46 @@
           <a:lstStyle>
             <a:lvl1pPr marL="0" indent="0">
               <a:buNone/>
-              <a:defRPr sz="1800" b="1"/>
+              <a:defRPr sz="1701" b="1"/>
             </a:lvl1pPr>
-            <a:lvl2pPr marL="342900" indent="0">
+            <a:lvl2pPr marL="324018" indent="0">
               <a:buNone/>
-              <a:defRPr sz="1500" b="1"/>
+              <a:defRPr sz="1417" b="1"/>
             </a:lvl2pPr>
-            <a:lvl3pPr marL="685800" indent="0">
+            <a:lvl3pPr marL="648035" indent="0">
               <a:buNone/>
-              <a:defRPr sz="1350" b="1"/>
+              <a:defRPr sz="1276" b="1"/>
             </a:lvl3pPr>
-            <a:lvl4pPr marL="1028700" indent="0">
+            <a:lvl4pPr marL="972053" indent="0">
               <a:buNone/>
-              <a:defRPr sz="1200" b="1"/>
+              <a:defRPr sz="1134" b="1"/>
             </a:lvl4pPr>
-            <a:lvl5pPr marL="1371600" indent="0">
+            <a:lvl5pPr marL="1296071" indent="0">
               <a:buNone/>
-              <a:defRPr sz="1200" b="1"/>
+              <a:defRPr sz="1134" b="1"/>
             </a:lvl5pPr>
-            <a:lvl6pPr marL="1714500" indent="0">
+            <a:lvl6pPr marL="1620088" indent="0">
               <a:buNone/>
-              <a:defRPr sz="1200" b="1"/>
+              <a:defRPr sz="1134" b="1"/>
             </a:lvl6pPr>
-            <a:lvl7pPr marL="2057400" indent="0">
+            <a:lvl7pPr marL="1944106" indent="0">
               <a:buNone/>
-              <a:defRPr sz="1200" b="1"/>
+              <a:defRPr sz="1134" b="1"/>
             </a:lvl7pPr>
-            <a:lvl8pPr marL="2400300" indent="0">
+            <a:lvl8pPr marL="2268123" indent="0">
               <a:buNone/>
-              <a:defRPr sz="1200" b="1"/>
+              <a:defRPr sz="1134" b="1"/>
             </a:lvl8pPr>
-            <a:lvl9pPr marL="2743200" indent="0">
+            <a:lvl9pPr marL="2592141" indent="0">
               <a:buNone/>
-              <a:defRPr sz="1200" b="1"/>
+              <a:defRPr sz="1134" b="1"/>
             </a:lvl9pPr>
           </a:lstStyle>
           <a:p>
             <a:pPr lvl="0"/>
             <a:r>
-              <a:rPr lang="en-US"/>
-              <a:t>Click to edit Master text styles</a:t>
+              <a:rPr lang="it-IT"/>
+              <a:t>Fare clic per modificare gli stili del testo dello schema</a:t>
             </a:r>
           </a:p>
         </p:txBody>
@@ -1539,8 +3965,8 @@
         </p:nvSpPr>
         <p:spPr>
           <a:xfrm>
-            <a:off x="3471863" y="3618442"/>
-            <a:ext cx="2915543" cy="5322183"/>
+            <a:off x="3280589" y="1998841"/>
+            <a:ext cx="2754918" cy="2939994"/>
           </a:xfrm>
         </p:spPr>
         <p:txBody>
@@ -1549,36 +3975,36 @@
           <a:p>
             <a:pPr lvl="0"/>
             <a:r>
-              <a:rPr lang="en-US"/>
-              <a:t>Click to edit Master text styles</a:t>
+              <a:rPr lang="it-IT"/>
+              <a:t>Fare clic per modificare gli stili del testo dello schema</a:t>
             </a:r>
           </a:p>
           <a:p>
             <a:pPr lvl="1"/>
             <a:r>
-              <a:rPr lang="en-US"/>
-              <a:t>Second level</a:t>
+              <a:rPr lang="it-IT"/>
+              <a:t>Secondo livello</a:t>
             </a:r>
           </a:p>
           <a:p>
             <a:pPr lvl="2"/>
             <a:r>
-              <a:rPr lang="en-US"/>
-              <a:t>Third level</a:t>
+              <a:rPr lang="it-IT"/>
+              <a:t>Terzo livello</a:t>
             </a:r>
           </a:p>
           <a:p>
             <a:pPr lvl="3"/>
             <a:r>
-              <a:rPr lang="en-US"/>
-              <a:t>Fourth level</a:t>
+              <a:rPr lang="it-IT"/>
+              <a:t>Quarto livello</a:t>
             </a:r>
           </a:p>
           <a:p>
             <a:pPr lvl="4"/>
             <a:r>
-              <a:rPr lang="en-US"/>
-              <a:t>Fifth level</a:t>
+              <a:rPr lang="it-IT"/>
+              <a:t>Quinto livello</a:t>
             </a:r>
             <a:endParaRPr lang="en-US" dirty="0"/>
           </a:p>
@@ -1643,7 +4069,7 @@
           <a:p>
             <a:fld id="{1E6CF2F7-5522-4E23-9E94-4259330F5173}" type="slidenum">
               <a:rPr lang="en-GB" smtClean="0"/>
-              <a:t>‹#›</a:t>
+              <a:t>‹N›</a:t>
             </a:fld>
             <a:endParaRPr lang="en-GB"/>
           </a:p>
@@ -1652,7 +4078,7 @@
     </p:spTree>
     <p:extLst>
       <p:ext uri="{BB962C8B-B14F-4D97-AF65-F5344CB8AC3E}">
-        <p14:creationId xmlns:p14="http://schemas.microsoft.com/office/powerpoint/2010/main" val="278252406"/>
+        <p14:creationId xmlns:p14="http://schemas.microsoft.com/office/powerpoint/2010/main" val="789954033"/>
       </p:ext>
     </p:extLst>
   </p:cSld>
@@ -1664,7 +4090,7 @@
 
 <file path=ppt/slideLayouts/slideLayout6.xml><?xml version="1.0" encoding="utf-8"?>
 <p:sldLayout xmlns:a="http://schemas.openxmlformats.org/drawingml/2006/main" xmlns:r="http://schemas.openxmlformats.org/officeDocument/2006/relationships" xmlns:p="http://schemas.openxmlformats.org/presentationml/2006/main" type="titleOnly" preserve="1">
-  <p:cSld name="Title Only">
+  <p:cSld name="Solo titolo">
     <p:spTree>
       <p:nvGrpSpPr>
         <p:cNvPr id="1" name=""/>
@@ -1695,8 +4121,8 @@
           <a:lstStyle/>
           <a:p>
             <a:r>
-              <a:rPr lang="en-US"/>
-              <a:t>Click to edit Master title style</a:t>
+              <a:rPr lang="it-IT"/>
+              <a:t>Fare clic per modificare lo stile del titolo dello schema</a:t>
             </a:r>
             <a:endParaRPr lang="en-US" dirty="0"/>
           </a:p>
@@ -1761,7 +4187,7 @@
           <a:p>
             <a:fld id="{1E6CF2F7-5522-4E23-9E94-4259330F5173}" type="slidenum">
               <a:rPr lang="en-GB" smtClean="0"/>
-              <a:t>‹#›</a:t>
+              <a:t>‹N›</a:t>
             </a:fld>
             <a:endParaRPr lang="en-GB"/>
           </a:p>
@@ -1770,7 +4196,7 @@
     </p:spTree>
     <p:extLst>
       <p:ext uri="{BB962C8B-B14F-4D97-AF65-F5344CB8AC3E}">
-        <p14:creationId xmlns:p14="http://schemas.microsoft.com/office/powerpoint/2010/main" val="157123737"/>
+        <p14:creationId xmlns:p14="http://schemas.microsoft.com/office/powerpoint/2010/main" val="3516167078"/>
       </p:ext>
     </p:extLst>
   </p:cSld>
@@ -1782,7 +4208,7 @@
 
 <file path=ppt/slideLayouts/slideLayout7.xml><?xml version="1.0" encoding="utf-8"?>
 <p:sldLayout xmlns:a="http://schemas.openxmlformats.org/drawingml/2006/main" xmlns:r="http://schemas.openxmlformats.org/officeDocument/2006/relationships" xmlns:p="http://schemas.openxmlformats.org/presentationml/2006/main" type="blank" preserve="1">
-  <p:cSld name="Blank">
+  <p:cSld name="Vuota">
     <p:spTree>
       <p:nvGrpSpPr>
         <p:cNvPr id="1" name=""/>
@@ -1856,7 +4282,7 @@
           <a:p>
             <a:fld id="{1E6CF2F7-5522-4E23-9E94-4259330F5173}" type="slidenum">
               <a:rPr lang="en-GB" smtClean="0"/>
-              <a:t>‹#›</a:t>
+              <a:t>‹N›</a:t>
             </a:fld>
             <a:endParaRPr lang="en-GB"/>
           </a:p>
@@ -1865,7 +4291,7 @@
     </p:spTree>
     <p:extLst>
       <p:ext uri="{BB962C8B-B14F-4D97-AF65-F5344CB8AC3E}">
-        <p14:creationId xmlns:p14="http://schemas.microsoft.com/office/powerpoint/2010/main" val="111627122"/>
+        <p14:creationId xmlns:p14="http://schemas.microsoft.com/office/powerpoint/2010/main" val="1733553198"/>
       </p:ext>
     </p:extLst>
   </p:cSld>
@@ -1877,7 +4303,7 @@
 
 <file path=ppt/slideLayouts/slideLayout8.xml><?xml version="1.0" encoding="utf-8"?>
 <p:sldLayout xmlns:a="http://schemas.openxmlformats.org/drawingml/2006/main" xmlns:r="http://schemas.openxmlformats.org/officeDocument/2006/relationships" xmlns:p="http://schemas.openxmlformats.org/presentationml/2006/main" type="objTx" preserve="1">
-  <p:cSld name="Content with Caption">
+  <p:cSld name="Contenuto con didascalia">
     <p:spTree>
       <p:nvGrpSpPr>
         <p:cNvPr id="1" name=""/>
@@ -1904,21 +4330,21 @@
         </p:nvSpPr>
         <p:spPr>
           <a:xfrm>
-            <a:off x="472381" y="660400"/>
-            <a:ext cx="2211884" cy="2311400"/>
+            <a:off x="446356" y="364808"/>
+            <a:ext cx="2090025" cy="1276826"/>
           </a:xfrm>
         </p:spPr>
         <p:txBody>
           <a:bodyPr anchor="b"/>
           <a:lstStyle>
             <a:lvl1pPr>
-              <a:defRPr sz="2400"/>
+              <a:defRPr sz="2268"/>
             </a:lvl1pPr>
           </a:lstStyle>
           <a:p>
             <a:r>
-              <a:rPr lang="en-US"/>
-              <a:t>Click to edit Master title style</a:t>
+              <a:rPr lang="it-IT"/>
+              <a:t>Fare clic per modificare lo stile del titolo dello schema</a:t>
             </a:r>
             <a:endParaRPr lang="en-US" dirty="0"/>
           </a:p>
@@ -1936,74 +4362,74 @@
         </p:nvSpPr>
         <p:spPr>
           <a:xfrm>
-            <a:off x="2915543" y="1426283"/>
-            <a:ext cx="3471863" cy="7039681"/>
+            <a:off x="2754918" y="787884"/>
+            <a:ext cx="3280589" cy="3888747"/>
           </a:xfrm>
         </p:spPr>
         <p:txBody>
           <a:bodyPr/>
           <a:lstStyle>
             <a:lvl1pPr>
-              <a:defRPr sz="2400"/>
+              <a:defRPr sz="2268"/>
             </a:lvl1pPr>
             <a:lvl2pPr>
-              <a:defRPr sz="2100"/>
+              <a:defRPr sz="1984"/>
             </a:lvl2pPr>
             <a:lvl3pPr>
-              <a:defRPr sz="1800"/>
+              <a:defRPr sz="1701"/>
             </a:lvl3pPr>
             <a:lvl4pPr>
-              <a:defRPr sz="1500"/>
+              <a:defRPr sz="1417"/>
             </a:lvl4pPr>
             <a:lvl5pPr>
-              <a:defRPr sz="1500"/>
+              <a:defRPr sz="1417"/>
             </a:lvl5pPr>
             <a:lvl6pPr>
-              <a:defRPr sz="1500"/>
+              <a:defRPr sz="1417"/>
             </a:lvl6pPr>
             <a:lvl7pPr>
-              <a:defRPr sz="1500"/>
+              <a:defRPr sz="1417"/>
             </a:lvl7pPr>
             <a:lvl8pPr>
-              <a:defRPr sz="1500"/>
+              <a:defRPr sz="1417"/>
             </a:lvl8pPr>
             <a:lvl9pPr>
-              <a:defRPr sz="1500"/>
+              <a:defRPr sz="1417"/>
             </a:lvl9pPr>
           </a:lstStyle>
           <a:p>
             <a:pPr lvl="0"/>
             <a:r>
-              <a:rPr lang="en-US"/>
-              <a:t>Click to edit Master text styles</a:t>
+              <a:rPr lang="it-IT"/>
+              <a:t>Fare clic per modificare gli stili del testo dello schema</a:t>
             </a:r>
           </a:p>
           <a:p>
             <a:pPr lvl="1"/>
             <a:r>
-              <a:rPr lang="en-US"/>
-              <a:t>Second level</a:t>
+              <a:rPr lang="it-IT"/>
+              <a:t>Secondo livello</a:t>
             </a:r>
           </a:p>
           <a:p>
             <a:pPr lvl="2"/>
             <a:r>
-              <a:rPr lang="en-US"/>
-              <a:t>Third level</a:t>
+              <a:rPr lang="it-IT"/>
+              <a:t>Terzo livello</a:t>
             </a:r>
           </a:p>
           <a:p>
             <a:pPr lvl="3"/>
             <a:r>
-              <a:rPr lang="en-US"/>
-              <a:t>Fourth level</a:t>
+              <a:rPr lang="it-IT"/>
+              <a:t>Quarto livello</a:t>
             </a:r>
           </a:p>
           <a:p>
             <a:pPr lvl="4"/>
             <a:r>
-              <a:rPr lang="en-US"/>
-              <a:t>Fifth level</a:t>
+              <a:rPr lang="it-IT"/>
+              <a:t>Quinto livello</a:t>
             </a:r>
             <a:endParaRPr lang="en-US" dirty="0"/>
           </a:p>
@@ -2021,8 +4447,8 @@
         </p:nvSpPr>
         <p:spPr>
           <a:xfrm>
-            <a:off x="472381" y="2971800"/>
-            <a:ext cx="2211884" cy="5505627"/>
+            <a:off x="446356" y="1641634"/>
+            <a:ext cx="2090025" cy="3041330"/>
           </a:xfrm>
         </p:spPr>
         <p:txBody>
@@ -2030,46 +4456,46 @@
           <a:lstStyle>
             <a:lvl1pPr marL="0" indent="0">
               <a:buNone/>
-              <a:defRPr sz="1200"/>
+              <a:defRPr sz="1134"/>
             </a:lvl1pPr>
-            <a:lvl2pPr marL="342900" indent="0">
+            <a:lvl2pPr marL="324018" indent="0">
               <a:buNone/>
-              <a:defRPr sz="1050"/>
+              <a:defRPr sz="992"/>
             </a:lvl2pPr>
-            <a:lvl3pPr marL="685800" indent="0">
+            <a:lvl3pPr marL="648035" indent="0">
               <a:buNone/>
-              <a:defRPr sz="900"/>
+              <a:defRPr sz="850"/>
             </a:lvl3pPr>
-            <a:lvl4pPr marL="1028700" indent="0">
+            <a:lvl4pPr marL="972053" indent="0">
               <a:buNone/>
-              <a:defRPr sz="750"/>
+              <a:defRPr sz="709"/>
             </a:lvl4pPr>
-            <a:lvl5pPr marL="1371600" indent="0">
+            <a:lvl5pPr marL="1296071" indent="0">
               <a:buNone/>
-              <a:defRPr sz="750"/>
+              <a:defRPr sz="709"/>
             </a:lvl5pPr>
-            <a:lvl6pPr marL="1714500" indent="0">
+            <a:lvl6pPr marL="1620088" indent="0">
               <a:buNone/>
-              <a:defRPr sz="750"/>
+              <a:defRPr sz="709"/>
             </a:lvl6pPr>
-            <a:lvl7pPr marL="2057400" indent="0">
+            <a:lvl7pPr marL="1944106" indent="0">
               <a:buNone/>
-              <a:defRPr sz="750"/>
+              <a:defRPr sz="709"/>
             </a:lvl7pPr>
-            <a:lvl8pPr marL="2400300" indent="0">
+            <a:lvl8pPr marL="2268123" indent="0">
               <a:buNone/>
-              <a:defRPr sz="750"/>
+              <a:defRPr sz="709"/>
             </a:lvl8pPr>
-            <a:lvl9pPr marL="2743200" indent="0">
+            <a:lvl9pPr marL="2592141" indent="0">
               <a:buNone/>
-              <a:defRPr sz="750"/>
+              <a:defRPr sz="709"/>
             </a:lvl9pPr>
           </a:lstStyle>
           <a:p>
             <a:pPr lvl="0"/>
             <a:r>
-              <a:rPr lang="en-US"/>
-              <a:t>Click to edit Master text styles</a:t>
+              <a:rPr lang="it-IT"/>
+              <a:t>Fare clic per modificare gli stili del testo dello schema</a:t>
             </a:r>
           </a:p>
         </p:txBody>
@@ -2133,7 +4559,7 @@
           <a:p>
             <a:fld id="{1E6CF2F7-5522-4E23-9E94-4259330F5173}" type="slidenum">
               <a:rPr lang="en-GB" smtClean="0"/>
-              <a:t>‹#›</a:t>
+              <a:t>‹N›</a:t>
             </a:fld>
             <a:endParaRPr lang="en-GB"/>
           </a:p>
@@ -2142,7 +4568,7 @@
     </p:spTree>
     <p:extLst>
       <p:ext uri="{BB962C8B-B14F-4D97-AF65-F5344CB8AC3E}">
-        <p14:creationId xmlns:p14="http://schemas.microsoft.com/office/powerpoint/2010/main" val="2180067704"/>
+        <p14:creationId xmlns:p14="http://schemas.microsoft.com/office/powerpoint/2010/main" val="3843948836"/>
       </p:ext>
     </p:extLst>
   </p:cSld>
@@ -2154,7 +4580,7 @@
 
 <file path=ppt/slideLayouts/slideLayout9.xml><?xml version="1.0" encoding="utf-8"?>
 <p:sldLayout xmlns:a="http://schemas.openxmlformats.org/drawingml/2006/main" xmlns:r="http://schemas.openxmlformats.org/officeDocument/2006/relationships" xmlns:p="http://schemas.openxmlformats.org/presentationml/2006/main" type="picTx" preserve="1">
-  <p:cSld name="Picture with Caption">
+  <p:cSld name="Immagine con didascalia">
     <p:spTree>
       <p:nvGrpSpPr>
         <p:cNvPr id="1" name=""/>
@@ -2181,21 +4607,21 @@
         </p:nvSpPr>
         <p:spPr>
           <a:xfrm>
-            <a:off x="472381" y="660400"/>
-            <a:ext cx="2211884" cy="2311400"/>
+            <a:off x="446356" y="364808"/>
+            <a:ext cx="2090025" cy="1276826"/>
           </a:xfrm>
         </p:spPr>
         <p:txBody>
           <a:bodyPr anchor="b"/>
           <a:lstStyle>
             <a:lvl1pPr>
-              <a:defRPr sz="2400"/>
+              <a:defRPr sz="2268"/>
             </a:lvl1pPr>
           </a:lstStyle>
           <a:p>
             <a:r>
-              <a:rPr lang="en-US"/>
-              <a:t>Click to edit Master title style</a:t>
+              <a:rPr lang="it-IT"/>
+              <a:t>Fare clic per modificare lo stile del titolo dello schema</a:t>
             </a:r>
             <a:endParaRPr lang="en-US" dirty="0"/>
           </a:p>
@@ -2213,8 +4639,8 @@
         </p:nvSpPr>
         <p:spPr>
           <a:xfrm>
-            <a:off x="2915543" y="1426283"/>
-            <a:ext cx="3471863" cy="7039681"/>
+            <a:off x="2754918" y="787884"/>
+            <a:ext cx="3280589" cy="3888747"/>
           </a:xfrm>
         </p:spPr>
         <p:txBody>
@@ -2222,45 +4648,45 @@
           <a:lstStyle>
             <a:lvl1pPr marL="0" indent="0">
               <a:buNone/>
-              <a:defRPr sz="2400"/>
+              <a:defRPr sz="2268"/>
             </a:lvl1pPr>
-            <a:lvl2pPr marL="342900" indent="0">
+            <a:lvl2pPr marL="324018" indent="0">
               <a:buNone/>
-              <a:defRPr sz="2100"/>
+              <a:defRPr sz="1984"/>
             </a:lvl2pPr>
-            <a:lvl3pPr marL="685800" indent="0">
+            <a:lvl3pPr marL="648035" indent="0">
               <a:buNone/>
-              <a:defRPr sz="1800"/>
+              <a:defRPr sz="1701"/>
             </a:lvl3pPr>
-            <a:lvl4pPr marL="1028700" indent="0">
+            <a:lvl4pPr marL="972053" indent="0">
               <a:buNone/>
-              <a:defRPr sz="1500"/>
+              <a:defRPr sz="1417"/>
             </a:lvl4pPr>
-            <a:lvl5pPr marL="1371600" indent="0">
+            <a:lvl5pPr marL="1296071" indent="0">
               <a:buNone/>
-              <a:defRPr sz="1500"/>
+              <a:defRPr sz="1417"/>
             </a:lvl5pPr>
-            <a:lvl6pPr marL="1714500" indent="0">
+            <a:lvl6pPr marL="1620088" indent="0">
               <a:buNone/>
-              <a:defRPr sz="1500"/>
+              <a:defRPr sz="1417"/>
             </a:lvl6pPr>
-            <a:lvl7pPr marL="2057400" indent="0">
+            <a:lvl7pPr marL="1944106" indent="0">
               <a:buNone/>
-              <a:defRPr sz="1500"/>
+              <a:defRPr sz="1417"/>
             </a:lvl7pPr>
-            <a:lvl8pPr marL="2400300" indent="0">
+            <a:lvl8pPr marL="2268123" indent="0">
               <a:buNone/>
-              <a:defRPr sz="1500"/>
+              <a:defRPr sz="1417"/>
             </a:lvl8pPr>
-            <a:lvl9pPr marL="2743200" indent="0">
+            <a:lvl9pPr marL="2592141" indent="0">
               <a:buNone/>
-              <a:defRPr sz="1500"/>
+              <a:defRPr sz="1417"/>
             </a:lvl9pPr>
           </a:lstStyle>
           <a:p>
             <a:r>
-              <a:rPr lang="en-US"/>
-              <a:t>Click icon to add picture</a:t>
+              <a:rPr lang="it-IT"/>
+              <a:t>Fare clic sull'icona per inserire un'immagine</a:t>
             </a:r>
             <a:endParaRPr lang="en-US" dirty="0"/>
           </a:p>
@@ -2278,8 +4704,8 @@
         </p:nvSpPr>
         <p:spPr>
           <a:xfrm>
-            <a:off x="472381" y="2971800"/>
-            <a:ext cx="2211884" cy="5505627"/>
+            <a:off x="446356" y="1641634"/>
+            <a:ext cx="2090025" cy="3041330"/>
           </a:xfrm>
         </p:spPr>
         <p:txBody>
@@ -2287,46 +4713,46 @@
           <a:lstStyle>
             <a:lvl1pPr marL="0" indent="0">
               <a:buNone/>
-              <a:defRPr sz="1200"/>
+              <a:defRPr sz="1134"/>
             </a:lvl1pPr>
-            <a:lvl2pPr marL="342900" indent="0">
+            <a:lvl2pPr marL="324018" indent="0">
               <a:buNone/>
-              <a:defRPr sz="1050"/>
+              <a:defRPr sz="992"/>
             </a:lvl2pPr>
-            <a:lvl3pPr marL="685800" indent="0">
+            <a:lvl3pPr marL="648035" indent="0">
               <a:buNone/>
-              <a:defRPr sz="900"/>
+              <a:defRPr sz="850"/>
             </a:lvl3pPr>
-            <a:lvl4pPr marL="1028700" indent="0">
+            <a:lvl4pPr marL="972053" indent="0">
               <a:buNone/>
-              <a:defRPr sz="750"/>
+              <a:defRPr sz="709"/>
             </a:lvl4pPr>
-            <a:lvl5pPr marL="1371600" indent="0">
+            <a:lvl5pPr marL="1296071" indent="0">
               <a:buNone/>
-              <a:defRPr sz="750"/>
+              <a:defRPr sz="709"/>
             </a:lvl5pPr>
-            <a:lvl6pPr marL="1714500" indent="0">
+            <a:lvl6pPr marL="1620088" indent="0">
               <a:buNone/>
-              <a:defRPr sz="750"/>
+              <a:defRPr sz="709"/>
             </a:lvl6pPr>
-            <a:lvl7pPr marL="2057400" indent="0">
+            <a:lvl7pPr marL="1944106" indent="0">
               <a:buNone/>
-              <a:defRPr sz="750"/>
+              <a:defRPr sz="709"/>
             </a:lvl7pPr>
-            <a:lvl8pPr marL="2400300" indent="0">
+            <a:lvl8pPr marL="2268123" indent="0">
               <a:buNone/>
-              <a:defRPr sz="750"/>
+              <a:defRPr sz="709"/>
             </a:lvl8pPr>
-            <a:lvl9pPr marL="2743200" indent="0">
+            <a:lvl9pPr marL="2592141" indent="0">
               <a:buNone/>
-              <a:defRPr sz="750"/>
+              <a:defRPr sz="709"/>
             </a:lvl9pPr>
           </a:lstStyle>
           <a:p>
             <a:pPr lvl="0"/>
             <a:r>
-              <a:rPr lang="en-US"/>
-              <a:t>Click to edit Master text styles</a:t>
+              <a:rPr lang="it-IT"/>
+              <a:t>Fare clic per modificare gli stili del testo dello schema</a:t>
             </a:r>
           </a:p>
         </p:txBody>
@@ -2390,7 +4816,7 @@
           <a:p>
             <a:fld id="{1E6CF2F7-5522-4E23-9E94-4259330F5173}" type="slidenum">
               <a:rPr lang="en-GB" smtClean="0"/>
-              <a:t>‹#›</a:t>
+              <a:t>‹N›</a:t>
             </a:fld>
             <a:endParaRPr lang="en-GB"/>
           </a:p>
@@ -2399,7 +4825,7 @@
     </p:spTree>
     <p:extLst>
       <p:ext uri="{BB962C8B-B14F-4D97-AF65-F5344CB8AC3E}">
-        <p14:creationId xmlns:p14="http://schemas.microsoft.com/office/powerpoint/2010/main" val="2495119613"/>
+        <p14:creationId xmlns:p14="http://schemas.microsoft.com/office/powerpoint/2010/main" val="888895283"/>
       </p:ext>
     </p:extLst>
   </p:cSld>
@@ -2443,8 +4869,8 @@
         </p:nvSpPr>
         <p:spPr>
           <a:xfrm>
-            <a:off x="471488" y="527405"/>
-            <a:ext cx="5915025" cy="1914702"/>
+            <a:off x="445512" y="291340"/>
+            <a:ext cx="5589151" cy="1057689"/>
           </a:xfrm>
           <a:prstGeom prst="rect">
             <a:avLst/>
@@ -2457,8 +4883,8 @@
           <a:lstStyle/>
           <a:p>
             <a:r>
-              <a:rPr lang="en-US"/>
-              <a:t>Click to edit Master title style</a:t>
+              <a:rPr lang="it-IT"/>
+              <a:t>Fare clic per modificare lo stile del titolo dello schema</a:t>
             </a:r>
             <a:endParaRPr lang="en-US" dirty="0"/>
           </a:p>
@@ -2476,8 +4902,8 @@
         </p:nvSpPr>
         <p:spPr>
           <a:xfrm>
-            <a:off x="471488" y="2637014"/>
-            <a:ext cx="5915025" cy="6285266"/>
+            <a:off x="445512" y="1456697"/>
+            <a:ext cx="5589151" cy="3472005"/>
           </a:xfrm>
           <a:prstGeom prst="rect">
             <a:avLst/>
@@ -2491,36 +4917,36 @@
           <a:p>
             <a:pPr lvl="0"/>
             <a:r>
-              <a:rPr lang="en-US"/>
-              <a:t>Click to edit Master text styles</a:t>
+              <a:rPr lang="it-IT"/>
+              <a:t>Fare clic per modificare gli stili del testo dello schema</a:t>
             </a:r>
           </a:p>
           <a:p>
             <a:pPr lvl="1"/>
             <a:r>
-              <a:rPr lang="en-US"/>
-              <a:t>Second level</a:t>
+              <a:rPr lang="it-IT"/>
+              <a:t>Secondo livello</a:t>
             </a:r>
           </a:p>
           <a:p>
             <a:pPr lvl="2"/>
             <a:r>
-              <a:rPr lang="en-US"/>
-              <a:t>Third level</a:t>
+              <a:rPr lang="it-IT"/>
+              <a:t>Terzo livello</a:t>
             </a:r>
           </a:p>
           <a:p>
             <a:pPr lvl="3"/>
             <a:r>
-              <a:rPr lang="en-US"/>
-              <a:t>Fourth level</a:t>
+              <a:rPr lang="it-IT"/>
+              <a:t>Quarto livello</a:t>
             </a:r>
           </a:p>
           <a:p>
             <a:pPr lvl="4"/>
             <a:r>
-              <a:rPr lang="en-US"/>
-              <a:t>Fifth level</a:t>
+              <a:rPr lang="it-IT"/>
+              <a:t>Quinto livello</a:t>
             </a:r>
             <a:endParaRPr lang="en-US" dirty="0"/>
           </a:p>
@@ -2538,8 +4964,8 @@
         </p:nvSpPr>
         <p:spPr>
           <a:xfrm>
-            <a:off x="471488" y="9181397"/>
-            <a:ext cx="1543050" cy="527403"/>
+            <a:off x="445512" y="5071839"/>
+            <a:ext cx="1458039" cy="291339"/>
           </a:xfrm>
           <a:prstGeom prst="rect">
             <a:avLst/>
@@ -2549,7 +4975,7 @@
           <a:bodyPr vert="horz" lIns="91440" tIns="45720" rIns="91440" bIns="45720" rtlCol="0" anchor="ctr"/>
           <a:lstStyle>
             <a:lvl1pPr algn="l">
-              <a:defRPr sz="900">
+              <a:defRPr sz="850">
                 <a:solidFill>
                   <a:schemeClr val="tx1">
                     <a:tint val="75000"/>
@@ -2579,8 +5005,8 @@
         </p:nvSpPr>
         <p:spPr>
           <a:xfrm>
-            <a:off x="2271713" y="9181397"/>
-            <a:ext cx="2314575" cy="527403"/>
+            <a:off x="2146558" y="5071839"/>
+            <a:ext cx="2187059" cy="291339"/>
           </a:xfrm>
           <a:prstGeom prst="rect">
             <a:avLst/>
@@ -2590,7 +5016,7 @@
           <a:bodyPr vert="horz" lIns="91440" tIns="45720" rIns="91440" bIns="45720" rtlCol="0" anchor="ctr"/>
           <a:lstStyle>
             <a:lvl1pPr algn="ctr">
-              <a:defRPr sz="900">
+              <a:defRPr sz="850">
                 <a:solidFill>
                   <a:schemeClr val="tx1">
                     <a:tint val="75000"/>
@@ -2616,8 +5042,8 @@
         </p:nvSpPr>
         <p:spPr>
           <a:xfrm>
-            <a:off x="4843463" y="9181397"/>
-            <a:ext cx="1543050" cy="527403"/>
+            <a:off x="4576624" y="5071839"/>
+            <a:ext cx="1458039" cy="291339"/>
           </a:xfrm>
           <a:prstGeom prst="rect">
             <a:avLst/>
@@ -2627,7 +5053,7 @@
           <a:bodyPr vert="horz" lIns="91440" tIns="45720" rIns="91440" bIns="45720" rtlCol="0" anchor="ctr"/>
           <a:lstStyle>
             <a:lvl1pPr algn="r">
-              <a:defRPr sz="900">
+              <a:defRPr sz="850">
                 <a:solidFill>
                   <a:schemeClr val="tx1">
                     <a:tint val="75000"/>
@@ -2639,7 +5065,7 @@
           <a:p>
             <a:fld id="{1E6CF2F7-5522-4E23-9E94-4259330F5173}" type="slidenum">
               <a:rPr lang="en-GB" smtClean="0"/>
-              <a:t>‹#›</a:t>
+              <a:t>‹N›</a:t>
             </a:fld>
             <a:endParaRPr lang="en-GB"/>
           </a:p>
@@ -2648,27 +5074,27 @@
     </p:spTree>
     <p:extLst>
       <p:ext uri="{BB962C8B-B14F-4D97-AF65-F5344CB8AC3E}">
-        <p14:creationId xmlns:p14="http://schemas.microsoft.com/office/powerpoint/2010/main" val="3608519696"/>
+        <p14:creationId xmlns:p14="http://schemas.microsoft.com/office/powerpoint/2010/main" val="1946324531"/>
       </p:ext>
     </p:extLst>
   </p:cSld>
   <p:clrMap bg1="lt1" tx1="dk1" bg2="lt2" tx2="dk2" accent1="accent1" accent2="accent2" accent3="accent3" accent4="accent4" accent5="accent5" accent6="accent6" hlink="hlink" folHlink="folHlink"/>
   <p:sldLayoutIdLst>
-    <p:sldLayoutId id="2147483661" r:id="rId1"/>
-    <p:sldLayoutId id="2147483662" r:id="rId2"/>
-    <p:sldLayoutId id="2147483663" r:id="rId3"/>
-    <p:sldLayoutId id="2147483664" r:id="rId4"/>
-    <p:sldLayoutId id="2147483665" r:id="rId5"/>
-    <p:sldLayoutId id="2147483666" r:id="rId6"/>
-    <p:sldLayoutId id="2147483667" r:id="rId7"/>
-    <p:sldLayoutId id="2147483668" r:id="rId8"/>
-    <p:sldLayoutId id="2147483669" r:id="rId9"/>
-    <p:sldLayoutId id="2147483670" r:id="rId10"/>
-    <p:sldLayoutId id="2147483671" r:id="rId11"/>
+    <p:sldLayoutId id="2147483673" r:id="rId1"/>
+    <p:sldLayoutId id="2147483674" r:id="rId2"/>
+    <p:sldLayoutId id="2147483675" r:id="rId3"/>
+    <p:sldLayoutId id="2147483676" r:id="rId4"/>
+    <p:sldLayoutId id="2147483677" r:id="rId5"/>
+    <p:sldLayoutId id="2147483678" r:id="rId6"/>
+    <p:sldLayoutId id="2147483679" r:id="rId7"/>
+    <p:sldLayoutId id="2147483680" r:id="rId8"/>
+    <p:sldLayoutId id="2147483681" r:id="rId9"/>
+    <p:sldLayoutId id="2147483682" r:id="rId10"/>
+    <p:sldLayoutId id="2147483683" r:id="rId11"/>
   </p:sldLayoutIdLst>
   <p:txStyles>
     <p:titleStyle>
-      <a:lvl1pPr algn="l" defTabSz="685800" rtl="0" eaLnBrk="1" latinLnBrk="0" hangingPunct="1">
+      <a:lvl1pPr algn="l" defTabSz="648035" rtl="0" eaLnBrk="1" latinLnBrk="0" hangingPunct="1">
         <a:lnSpc>
           <a:spcPct val="90000"/>
         </a:lnSpc>
@@ -2676,7 +5102,7 @@
           <a:spcPct val="0"/>
         </a:spcBef>
         <a:buNone/>
-        <a:defRPr sz="3300" kern="1200">
+        <a:defRPr sz="3118" kern="1200">
           <a:solidFill>
             <a:schemeClr val="tx1"/>
           </a:solidFill>
@@ -2687,16 +5113,16 @@
       </a:lvl1pPr>
     </p:titleStyle>
     <p:bodyStyle>
-      <a:lvl1pPr marL="171450" indent="-171450" algn="l" defTabSz="685800" rtl="0" eaLnBrk="1" latinLnBrk="0" hangingPunct="1">
+      <a:lvl1pPr marL="162009" indent="-162009" algn="l" defTabSz="648035" rtl="0" eaLnBrk="1" latinLnBrk="0" hangingPunct="1">
         <a:lnSpc>
           <a:spcPct val="90000"/>
         </a:lnSpc>
         <a:spcBef>
-          <a:spcPts val="750"/>
+          <a:spcPts val="709"/>
         </a:spcBef>
         <a:buFont typeface="Arial" panose="020B0604020202020204" pitchFamily="34" charset="0"/>
         <a:buChar char="•"/>
-        <a:defRPr sz="2100" kern="1200">
+        <a:defRPr sz="1984" kern="1200">
           <a:solidFill>
             <a:schemeClr val="tx1"/>
           </a:solidFill>
@@ -2705,16 +5131,16 @@
           <a:cs typeface="+mn-cs"/>
         </a:defRPr>
       </a:lvl1pPr>
-      <a:lvl2pPr marL="514350" indent="-171450" algn="l" defTabSz="685800" rtl="0" eaLnBrk="1" latinLnBrk="0" hangingPunct="1">
+      <a:lvl2pPr marL="486026" indent="-162009" algn="l" defTabSz="648035" rtl="0" eaLnBrk="1" latinLnBrk="0" hangingPunct="1">
         <a:lnSpc>
           <a:spcPct val="90000"/>
         </a:lnSpc>
         <a:spcBef>
-          <a:spcPts val="375"/>
+          <a:spcPts val="354"/>
         </a:spcBef>
         <a:buFont typeface="Arial" panose="020B0604020202020204" pitchFamily="34" charset="0"/>
         <a:buChar char="•"/>
-        <a:defRPr sz="1800" kern="1200">
+        <a:defRPr sz="1701" kern="1200">
           <a:solidFill>
             <a:schemeClr val="tx1"/>
           </a:solidFill>
@@ -2723,16 +5149,16 @@
           <a:cs typeface="+mn-cs"/>
         </a:defRPr>
       </a:lvl2pPr>
-      <a:lvl3pPr marL="857250" indent="-171450" algn="l" defTabSz="685800" rtl="0" eaLnBrk="1" latinLnBrk="0" hangingPunct="1">
+      <a:lvl3pPr marL="810044" indent="-162009" algn="l" defTabSz="648035" rtl="0" eaLnBrk="1" latinLnBrk="0" hangingPunct="1">
         <a:lnSpc>
           <a:spcPct val="90000"/>
         </a:lnSpc>
         <a:spcBef>
-          <a:spcPts val="375"/>
+          <a:spcPts val="354"/>
         </a:spcBef>
         <a:buFont typeface="Arial" panose="020B0604020202020204" pitchFamily="34" charset="0"/>
         <a:buChar char="•"/>
-        <a:defRPr sz="1500" kern="1200">
+        <a:defRPr sz="1417" kern="1200">
           <a:solidFill>
             <a:schemeClr val="tx1"/>
           </a:solidFill>
@@ -2741,16 +5167,16 @@
           <a:cs typeface="+mn-cs"/>
         </a:defRPr>
       </a:lvl3pPr>
-      <a:lvl4pPr marL="1200150" indent="-171450" algn="l" defTabSz="685800" rtl="0" eaLnBrk="1" latinLnBrk="0" hangingPunct="1">
+      <a:lvl4pPr marL="1134062" indent="-162009" algn="l" defTabSz="648035" rtl="0" eaLnBrk="1" latinLnBrk="0" hangingPunct="1">
         <a:lnSpc>
           <a:spcPct val="90000"/>
         </a:lnSpc>
         <a:spcBef>
-          <a:spcPts val="375"/>
+          <a:spcPts val="354"/>
         </a:spcBef>
         <a:buFont typeface="Arial" panose="020B0604020202020204" pitchFamily="34" charset="0"/>
         <a:buChar char="•"/>
-        <a:defRPr sz="1350" kern="1200">
+        <a:defRPr sz="1276" kern="1200">
           <a:solidFill>
             <a:schemeClr val="tx1"/>
           </a:solidFill>
@@ -2759,16 +5185,16 @@
           <a:cs typeface="+mn-cs"/>
         </a:defRPr>
       </a:lvl4pPr>
-      <a:lvl5pPr marL="1543050" indent="-171450" algn="l" defTabSz="685800" rtl="0" eaLnBrk="1" latinLnBrk="0" hangingPunct="1">
+      <a:lvl5pPr marL="1458079" indent="-162009" algn="l" defTabSz="648035" rtl="0" eaLnBrk="1" latinLnBrk="0" hangingPunct="1">
         <a:lnSpc>
           <a:spcPct val="90000"/>
         </a:lnSpc>
         <a:spcBef>
-          <a:spcPts val="375"/>
+          <a:spcPts val="354"/>
         </a:spcBef>
         <a:buFont typeface="Arial" panose="020B0604020202020204" pitchFamily="34" charset="0"/>
         <a:buChar char="•"/>
-        <a:defRPr sz="1350" kern="1200">
+        <a:defRPr sz="1276" kern="1200">
           <a:solidFill>
             <a:schemeClr val="tx1"/>
           </a:solidFill>
@@ -2777,16 +5203,16 @@
           <a:cs typeface="+mn-cs"/>
         </a:defRPr>
       </a:lvl5pPr>
-      <a:lvl6pPr marL="1885950" indent="-171450" algn="l" defTabSz="685800" rtl="0" eaLnBrk="1" latinLnBrk="0" hangingPunct="1">
+      <a:lvl6pPr marL="1782097" indent="-162009" algn="l" defTabSz="648035" rtl="0" eaLnBrk="1" latinLnBrk="0" hangingPunct="1">
         <a:lnSpc>
           <a:spcPct val="90000"/>
         </a:lnSpc>
         <a:spcBef>
-          <a:spcPts val="375"/>
+          <a:spcPts val="354"/>
         </a:spcBef>
         <a:buFont typeface="Arial" panose="020B0604020202020204" pitchFamily="34" charset="0"/>
         <a:buChar char="•"/>
-        <a:defRPr sz="1350" kern="1200">
+        <a:defRPr sz="1276" kern="1200">
           <a:solidFill>
             <a:schemeClr val="tx1"/>
           </a:solidFill>
@@ -2795,16 +5221,16 @@
           <a:cs typeface="+mn-cs"/>
         </a:defRPr>
       </a:lvl6pPr>
-      <a:lvl7pPr marL="2228850" indent="-171450" algn="l" defTabSz="685800" rtl="0" eaLnBrk="1" latinLnBrk="0" hangingPunct="1">
+      <a:lvl7pPr marL="2106115" indent="-162009" algn="l" defTabSz="648035" rtl="0" eaLnBrk="1" latinLnBrk="0" hangingPunct="1">
         <a:lnSpc>
           <a:spcPct val="90000"/>
         </a:lnSpc>
         <a:spcBef>
-          <a:spcPts val="375"/>
+          <a:spcPts val="354"/>
         </a:spcBef>
         <a:buFont typeface="Arial" panose="020B0604020202020204" pitchFamily="34" charset="0"/>
         <a:buChar char="•"/>
-        <a:defRPr sz="1350" kern="1200">
+        <a:defRPr sz="1276" kern="1200">
           <a:solidFill>
             <a:schemeClr val="tx1"/>
           </a:solidFill>
@@ -2813,16 +5239,16 @@
           <a:cs typeface="+mn-cs"/>
         </a:defRPr>
       </a:lvl7pPr>
-      <a:lvl8pPr marL="2571750" indent="-171450" algn="l" defTabSz="685800" rtl="0" eaLnBrk="1" latinLnBrk="0" hangingPunct="1">
+      <a:lvl8pPr marL="2430132" indent="-162009" algn="l" defTabSz="648035" rtl="0" eaLnBrk="1" latinLnBrk="0" hangingPunct="1">
         <a:lnSpc>
           <a:spcPct val="90000"/>
         </a:lnSpc>
         <a:spcBef>
-          <a:spcPts val="375"/>
+          <a:spcPts val="354"/>
         </a:spcBef>
         <a:buFont typeface="Arial" panose="020B0604020202020204" pitchFamily="34" charset="0"/>
         <a:buChar char="•"/>
-        <a:defRPr sz="1350" kern="1200">
+        <a:defRPr sz="1276" kern="1200">
           <a:solidFill>
             <a:schemeClr val="tx1"/>
           </a:solidFill>
@@ -2831,16 +5257,16 @@
           <a:cs typeface="+mn-cs"/>
         </a:defRPr>
       </a:lvl8pPr>
-      <a:lvl9pPr marL="2914650" indent="-171450" algn="l" defTabSz="685800" rtl="0" eaLnBrk="1" latinLnBrk="0" hangingPunct="1">
+      <a:lvl9pPr marL="2754150" indent="-162009" algn="l" defTabSz="648035" rtl="0" eaLnBrk="1" latinLnBrk="0" hangingPunct="1">
         <a:lnSpc>
           <a:spcPct val="90000"/>
         </a:lnSpc>
         <a:spcBef>
-          <a:spcPts val="375"/>
+          <a:spcPts val="354"/>
         </a:spcBef>
         <a:buFont typeface="Arial" panose="020B0604020202020204" pitchFamily="34" charset="0"/>
         <a:buChar char="•"/>
-        <a:defRPr sz="1350" kern="1200">
+        <a:defRPr sz="1276" kern="1200">
           <a:solidFill>
             <a:schemeClr val="tx1"/>
           </a:solidFill>
@@ -2854,8 +5280,8 @@
       <a:defPPr>
         <a:defRPr lang="en-US"/>
       </a:defPPr>
-      <a:lvl1pPr marL="0" algn="l" defTabSz="685800" rtl="0" eaLnBrk="1" latinLnBrk="0" hangingPunct="1">
-        <a:defRPr sz="1350" kern="1200">
+      <a:lvl1pPr marL="0" algn="l" defTabSz="648035" rtl="0" eaLnBrk="1" latinLnBrk="0" hangingPunct="1">
+        <a:defRPr sz="1276" kern="1200">
           <a:solidFill>
             <a:schemeClr val="tx1"/>
           </a:solidFill>
@@ -2864,8 +5290,8 @@
           <a:cs typeface="+mn-cs"/>
         </a:defRPr>
       </a:lvl1pPr>
-      <a:lvl2pPr marL="342900" algn="l" defTabSz="685800" rtl="0" eaLnBrk="1" latinLnBrk="0" hangingPunct="1">
-        <a:defRPr sz="1350" kern="1200">
+      <a:lvl2pPr marL="324018" algn="l" defTabSz="648035" rtl="0" eaLnBrk="1" latinLnBrk="0" hangingPunct="1">
+        <a:defRPr sz="1276" kern="1200">
           <a:solidFill>
             <a:schemeClr val="tx1"/>
           </a:solidFill>
@@ -2874,8 +5300,8 @@
           <a:cs typeface="+mn-cs"/>
         </a:defRPr>
       </a:lvl2pPr>
-      <a:lvl3pPr marL="685800" algn="l" defTabSz="685800" rtl="0" eaLnBrk="1" latinLnBrk="0" hangingPunct="1">
-        <a:defRPr sz="1350" kern="1200">
+      <a:lvl3pPr marL="648035" algn="l" defTabSz="648035" rtl="0" eaLnBrk="1" latinLnBrk="0" hangingPunct="1">
+        <a:defRPr sz="1276" kern="1200">
           <a:solidFill>
             <a:schemeClr val="tx1"/>
           </a:solidFill>
@@ -2884,8 +5310,8 @@
           <a:cs typeface="+mn-cs"/>
         </a:defRPr>
       </a:lvl3pPr>
-      <a:lvl4pPr marL="1028700" algn="l" defTabSz="685800" rtl="0" eaLnBrk="1" latinLnBrk="0" hangingPunct="1">
-        <a:defRPr sz="1350" kern="1200">
+      <a:lvl4pPr marL="972053" algn="l" defTabSz="648035" rtl="0" eaLnBrk="1" latinLnBrk="0" hangingPunct="1">
+        <a:defRPr sz="1276" kern="1200">
           <a:solidFill>
             <a:schemeClr val="tx1"/>
           </a:solidFill>
@@ -2894,8 +5320,8 @@
           <a:cs typeface="+mn-cs"/>
         </a:defRPr>
       </a:lvl4pPr>
-      <a:lvl5pPr marL="1371600" algn="l" defTabSz="685800" rtl="0" eaLnBrk="1" latinLnBrk="0" hangingPunct="1">
-        <a:defRPr sz="1350" kern="1200">
+      <a:lvl5pPr marL="1296071" algn="l" defTabSz="648035" rtl="0" eaLnBrk="1" latinLnBrk="0" hangingPunct="1">
+        <a:defRPr sz="1276" kern="1200">
           <a:solidFill>
             <a:schemeClr val="tx1"/>
           </a:solidFill>
@@ -2904,8 +5330,8 @@
           <a:cs typeface="+mn-cs"/>
         </a:defRPr>
       </a:lvl5pPr>
-      <a:lvl6pPr marL="1714500" algn="l" defTabSz="685800" rtl="0" eaLnBrk="1" latinLnBrk="0" hangingPunct="1">
-        <a:defRPr sz="1350" kern="1200">
+      <a:lvl6pPr marL="1620088" algn="l" defTabSz="648035" rtl="0" eaLnBrk="1" latinLnBrk="0" hangingPunct="1">
+        <a:defRPr sz="1276" kern="1200">
           <a:solidFill>
             <a:schemeClr val="tx1"/>
           </a:solidFill>
@@ -2914,8 +5340,8 @@
           <a:cs typeface="+mn-cs"/>
         </a:defRPr>
       </a:lvl6pPr>
-      <a:lvl7pPr marL="2057400" algn="l" defTabSz="685800" rtl="0" eaLnBrk="1" latinLnBrk="0" hangingPunct="1">
-        <a:defRPr sz="1350" kern="1200">
+      <a:lvl7pPr marL="1944106" algn="l" defTabSz="648035" rtl="0" eaLnBrk="1" latinLnBrk="0" hangingPunct="1">
+        <a:defRPr sz="1276" kern="1200">
           <a:solidFill>
             <a:schemeClr val="tx1"/>
           </a:solidFill>
@@ -2924,8 +5350,8 @@
           <a:cs typeface="+mn-cs"/>
         </a:defRPr>
       </a:lvl7pPr>
-      <a:lvl8pPr marL="2400300" algn="l" defTabSz="685800" rtl="0" eaLnBrk="1" latinLnBrk="0" hangingPunct="1">
-        <a:defRPr sz="1350" kern="1200">
+      <a:lvl8pPr marL="2268123" algn="l" defTabSz="648035" rtl="0" eaLnBrk="1" latinLnBrk="0" hangingPunct="1">
+        <a:defRPr sz="1276" kern="1200">
           <a:solidFill>
             <a:schemeClr val="tx1"/>
           </a:solidFill>
@@ -2934,8 +5360,8 @@
           <a:cs typeface="+mn-cs"/>
         </a:defRPr>
       </a:lvl8pPr>
-      <a:lvl9pPr marL="2743200" algn="l" defTabSz="685800" rtl="0" eaLnBrk="1" latinLnBrk="0" hangingPunct="1">
-        <a:defRPr sz="1350" kern="1200">
+      <a:lvl9pPr marL="2592141" algn="l" defTabSz="648035" rtl="0" eaLnBrk="1" latinLnBrk="0" hangingPunct="1">
+        <a:defRPr sz="1276" kern="1200">
           <a:solidFill>
             <a:schemeClr val="tx1"/>
           </a:solidFill>
@@ -2968,10 +5394,10 @@
       </p:grpSpPr>
       <p:pic>
         <p:nvPicPr>
-          <p:cNvPr id="5" name="Picture 4" descr="A graph showing the number of numbers and the number of the number of objects&#10;&#10;Description automatically generated with medium confidence">
-            <a:extLst>
-              <a:ext uri="{FF2B5EF4-FFF2-40B4-BE49-F238E27FC236}">
-                <a16:creationId xmlns:a16="http://schemas.microsoft.com/office/drawing/2014/main" id="{2EBCC8F8-83E3-FC50-6ABC-02508DAE2C9F}"/>
+          <p:cNvPr id="3" name="Picture 4" descr="A graph showing the number of numbers and the number of the number of objects&#10;&#10;Description automatically generated with medium confidence">
+            <a:extLst>
+              <a:ext uri="{FF2B5EF4-FFF2-40B4-BE49-F238E27FC236}">
+                <a16:creationId xmlns:a16="http://schemas.microsoft.com/office/drawing/2014/main" id="{392F3036-B83B-30C1-790B-85F8A21BF8DE}"/>
               </a:ext>
             </a:extLst>
           </p:cNvPr>
@@ -2993,7 +5419,7 @@
         </p:blipFill>
         <p:spPr>
           <a:xfrm>
-            <a:off x="657912" y="908315"/>
+            <a:off x="431486" y="858027"/>
             <a:ext cx="2821968" cy="1800000"/>
           </a:xfrm>
           <a:prstGeom prst="rect">
@@ -3003,10 +5429,10 @@
       </p:pic>
       <p:pic>
         <p:nvPicPr>
-          <p:cNvPr id="7" name="Picture 6" descr="A graph showing the average of a number of individuals&#10;&#10;Description automatically generated with medium confidence">
-            <a:extLst>
-              <a:ext uri="{FF2B5EF4-FFF2-40B4-BE49-F238E27FC236}">
-                <a16:creationId xmlns:a16="http://schemas.microsoft.com/office/drawing/2014/main" id="{664FF87C-EBE5-8CA0-010F-2B96C7F680F8}"/>
+          <p:cNvPr id="4" name="Picture 6" descr="A graph showing the average of a number of individuals&#10;&#10;Description automatically generated with medium confidence">
+            <a:extLst>
+              <a:ext uri="{FF2B5EF4-FFF2-40B4-BE49-F238E27FC236}">
+                <a16:creationId xmlns:a16="http://schemas.microsoft.com/office/drawing/2014/main" id="{69C24990-49AE-B502-DF36-C3E900726EAD}"/>
               </a:ext>
             </a:extLst>
           </p:cNvPr>
@@ -3028,7 +5454,7 @@
         </p:blipFill>
         <p:spPr>
           <a:xfrm>
-            <a:off x="647405" y="2766310"/>
+            <a:off x="420979" y="2716022"/>
             <a:ext cx="2832475" cy="1800000"/>
           </a:xfrm>
           <a:prstGeom prst="rect">
@@ -3038,10 +5464,10 @@
       </p:pic>
       <p:pic>
         <p:nvPicPr>
-          <p:cNvPr id="8" name="Picture 7" descr="A map of the weather&#10;&#10;Description automatically generated">
-            <a:extLst>
-              <a:ext uri="{FF2B5EF4-FFF2-40B4-BE49-F238E27FC236}">
-                <a16:creationId xmlns:a16="http://schemas.microsoft.com/office/drawing/2014/main" id="{14F90887-92B1-B98F-4D64-0130213747FA}"/>
+          <p:cNvPr id="6" name="Picture 7" descr="A map of the weather&#10;&#10;Description automatically generated">
+            <a:extLst>
+              <a:ext uri="{FF2B5EF4-FFF2-40B4-BE49-F238E27FC236}">
+                <a16:creationId xmlns:a16="http://schemas.microsoft.com/office/drawing/2014/main" id="{BF1C67DD-E253-D4B6-4E28-390727A5F0B0}"/>
               </a:ext>
             </a:extLst>
           </p:cNvPr>
@@ -3063,7 +5489,7 @@
         </p:blipFill>
         <p:spPr>
           <a:xfrm>
-            <a:off x="5348056" y="1270286"/>
+            <a:off x="5096596" y="1808529"/>
             <a:ext cx="1353680" cy="1421947"/>
           </a:xfrm>
           <a:prstGeom prst="rect">
@@ -3073,10 +5499,10 @@
       </p:pic>
       <p:pic>
         <p:nvPicPr>
-          <p:cNvPr id="9" name="Picture 8" descr="A map of the weather&#10;&#10;Description automatically generated">
-            <a:extLst>
-              <a:ext uri="{FF2B5EF4-FFF2-40B4-BE49-F238E27FC236}">
-                <a16:creationId xmlns:a16="http://schemas.microsoft.com/office/drawing/2014/main" id="{F8DE1550-3CE6-1126-AD15-6AC1EF0C3312}"/>
+          <p:cNvPr id="12" name="Picture 8" descr="A map of the weather&#10;&#10;Description automatically generated">
+            <a:extLst>
+              <a:ext uri="{FF2B5EF4-FFF2-40B4-BE49-F238E27FC236}">
+                <a16:creationId xmlns:a16="http://schemas.microsoft.com/office/drawing/2014/main" id="{DE7B9C16-A990-D9C3-F1B4-1D0E9D40B09B}"/>
               </a:ext>
             </a:extLst>
           </p:cNvPr>
@@ -3098,7 +5524,7 @@
         </p:blipFill>
         <p:spPr>
           <a:xfrm>
-            <a:off x="5348055" y="2704043"/>
+            <a:off x="5096595" y="3242286"/>
             <a:ext cx="1353680" cy="1421948"/>
           </a:xfrm>
           <a:prstGeom prst="rect">
@@ -3108,10 +5534,10 @@
       </p:pic>
       <p:pic>
         <p:nvPicPr>
-          <p:cNvPr id="10" name="Picture 9" descr="A map of the weather&#10;&#10;Description automatically generated with medium confidence">
-            <a:extLst>
-              <a:ext uri="{FF2B5EF4-FFF2-40B4-BE49-F238E27FC236}">
-                <a16:creationId xmlns:a16="http://schemas.microsoft.com/office/drawing/2014/main" id="{45133C27-89CB-ED5A-D656-80B5BCC403F2}"/>
+          <p:cNvPr id="34" name="Picture 9" descr="A map of the weather&#10;&#10;Description automatically generated with medium confidence">
+            <a:extLst>
+              <a:ext uri="{FF2B5EF4-FFF2-40B4-BE49-F238E27FC236}">
+                <a16:creationId xmlns:a16="http://schemas.microsoft.com/office/drawing/2014/main" id="{74F9DAF7-BF60-D8FC-9548-B6928E06E782}"/>
               </a:ext>
             </a:extLst>
           </p:cNvPr>
@@ -3133,7 +5559,7 @@
         </p:blipFill>
         <p:spPr>
           <a:xfrm>
-            <a:off x="3977870" y="1270286"/>
+            <a:off x="3726410" y="1808529"/>
             <a:ext cx="1363558" cy="1421947"/>
           </a:xfrm>
           <a:prstGeom prst="rect">
@@ -3143,10 +5569,10 @@
       </p:pic>
       <p:pic>
         <p:nvPicPr>
-          <p:cNvPr id="11" name="Picture 10" descr="A map of a weather forecast&#10;&#10;Description automatically generated">
-            <a:extLst>
-              <a:ext uri="{FF2B5EF4-FFF2-40B4-BE49-F238E27FC236}">
-                <a16:creationId xmlns:a16="http://schemas.microsoft.com/office/drawing/2014/main" id="{1D03567F-3B79-9E74-21E1-8169A8EE17D1}"/>
+          <p:cNvPr id="35" name="Picture 10" descr="A map of a weather forecast&#10;&#10;Description automatically generated">
+            <a:extLst>
+              <a:ext uri="{FF2B5EF4-FFF2-40B4-BE49-F238E27FC236}">
+                <a16:creationId xmlns:a16="http://schemas.microsoft.com/office/drawing/2014/main" id="{70AA2EBD-7C91-2DF7-3629-C8114A7C2ACE}"/>
               </a:ext>
             </a:extLst>
           </p:cNvPr>
@@ -3168,7 +5594,7 @@
         </p:blipFill>
         <p:spPr>
           <a:xfrm>
-            <a:off x="3977870" y="2704043"/>
+            <a:off x="3726410" y="3242286"/>
             <a:ext cx="1363558" cy="1421947"/>
           </a:xfrm>
           <a:prstGeom prst="rect">
@@ -3178,10 +5604,10 @@
       </p:pic>
       <p:grpSp>
         <p:nvGrpSpPr>
-          <p:cNvPr id="13" name="Group 126">
-            <a:extLst>
-              <a:ext uri="{FF2B5EF4-FFF2-40B4-BE49-F238E27FC236}">
-                <a16:creationId xmlns:a16="http://schemas.microsoft.com/office/drawing/2014/main" id="{4EA91131-6739-FE6C-A89E-78D0B0076B4D}"/>
+          <p:cNvPr id="36" name="Group 126">
+            <a:extLst>
+              <a:ext uri="{FF2B5EF4-FFF2-40B4-BE49-F238E27FC236}">
+                <a16:creationId xmlns:a16="http://schemas.microsoft.com/office/drawing/2014/main" id="{1914378B-984F-B5A3-9E2B-31FD458CFA2A}"/>
               </a:ext>
             </a:extLst>
           </p:cNvPr>
@@ -3190,7 +5616,7 @@
         </p:nvGrpSpPr>
         <p:grpSpPr>
           <a:xfrm>
-            <a:off x="3977790" y="856860"/>
+            <a:off x="3646448" y="1382626"/>
             <a:ext cx="2717492" cy="86981"/>
             <a:chOff x="537274" y="1310350"/>
             <a:chExt cx="6120000" cy="202441"/>
@@ -3198,10 +5624,10 @@
         </p:grpSpPr>
         <p:pic>
           <p:nvPicPr>
-            <p:cNvPr id="32" name="Graphic 145">
+            <p:cNvPr id="37" name="Graphic 145">
               <a:extLst>
                 <a:ext uri="{FF2B5EF4-FFF2-40B4-BE49-F238E27FC236}">
-                  <a16:creationId xmlns:a16="http://schemas.microsoft.com/office/drawing/2014/main" id="{987417F7-6B13-1117-1B08-6316DDB3DC18}"/>
+                  <a16:creationId xmlns:a16="http://schemas.microsoft.com/office/drawing/2014/main" id="{8B810B99-165C-5E3A-D95C-CBED81A44613}"/>
                 </a:ext>
               </a:extLst>
             </p:cNvPr>
@@ -3236,10 +5662,10 @@
         </p:pic>
         <p:sp>
           <p:nvSpPr>
-            <p:cNvPr id="33" name="Rectangle 146">
+            <p:cNvPr id="38" name="Rectangle 146">
               <a:extLst>
                 <a:ext uri="{FF2B5EF4-FFF2-40B4-BE49-F238E27FC236}">
-                  <a16:creationId xmlns:a16="http://schemas.microsoft.com/office/drawing/2014/main" id="{097B4E02-BF1B-56CD-C735-60DEBE8EC7E3}"/>
+                  <a16:creationId xmlns:a16="http://schemas.microsoft.com/office/drawing/2014/main" id="{0CCC6F76-7303-DB80-484E-75E6B20FC3E5}"/>
                 </a:ext>
               </a:extLst>
             </p:cNvPr>
@@ -3296,10 +5722,10 @@
       </p:grpSp>
       <p:sp>
         <p:nvSpPr>
-          <p:cNvPr id="14" name="TextBox 127">
-            <a:extLst>
-              <a:ext uri="{FF2B5EF4-FFF2-40B4-BE49-F238E27FC236}">
-                <a16:creationId xmlns:a16="http://schemas.microsoft.com/office/drawing/2014/main" id="{AB54E720-C20E-8F3E-AF70-CB1FB43059F9}"/>
+          <p:cNvPr id="39" name="TextBox 127">
+            <a:extLst>
+              <a:ext uri="{FF2B5EF4-FFF2-40B4-BE49-F238E27FC236}">
+                <a16:creationId xmlns:a16="http://schemas.microsoft.com/office/drawing/2014/main" id="{AED7CF04-5E94-8CE0-D68E-E33564E9C74B}"/>
               </a:ext>
             </a:extLst>
           </p:cNvPr>
@@ -3308,7 +5734,7 @@
         </p:nvSpPr>
         <p:spPr>
           <a:xfrm rot="16200000">
-            <a:off x="6489108" y="594196"/>
+            <a:off x="6157766" y="1152617"/>
             <a:ext cx="360000" cy="215444"/>
           </a:xfrm>
           <a:prstGeom prst="rect">
@@ -3338,10 +5764,10 @@
       </p:sp>
       <p:sp>
         <p:nvSpPr>
-          <p:cNvPr id="15" name="TextBox 128">
-            <a:extLst>
-              <a:ext uri="{FF2B5EF4-FFF2-40B4-BE49-F238E27FC236}">
-                <a16:creationId xmlns:a16="http://schemas.microsoft.com/office/drawing/2014/main" id="{801FB2DD-1A84-9CBE-B24D-8B9B69E702E1}"/>
+          <p:cNvPr id="40" name="TextBox 128">
+            <a:extLst>
+              <a:ext uri="{FF2B5EF4-FFF2-40B4-BE49-F238E27FC236}">
+                <a16:creationId xmlns:a16="http://schemas.microsoft.com/office/drawing/2014/main" id="{1D22D9EB-084A-74B3-80B6-7B200298C863}"/>
               </a:ext>
             </a:extLst>
           </p:cNvPr>
@@ -3350,7 +5776,7 @@
         </p:nvSpPr>
         <p:spPr>
           <a:xfrm rot="16200000">
-            <a:off x="6354613" y="594196"/>
+            <a:off x="6023271" y="1152617"/>
             <a:ext cx="360000" cy="215444"/>
           </a:xfrm>
           <a:prstGeom prst="rect">
@@ -3380,10 +5806,10 @@
       </p:sp>
       <p:sp>
         <p:nvSpPr>
-          <p:cNvPr id="16" name="TextBox 129">
-            <a:extLst>
-              <a:ext uri="{FF2B5EF4-FFF2-40B4-BE49-F238E27FC236}">
-                <a16:creationId xmlns:a16="http://schemas.microsoft.com/office/drawing/2014/main" id="{6A7CC62F-3A5C-4EC6-BA80-BCE5E0154747}"/>
+          <p:cNvPr id="41" name="TextBox 129">
+            <a:extLst>
+              <a:ext uri="{FF2B5EF4-FFF2-40B4-BE49-F238E27FC236}">
+                <a16:creationId xmlns:a16="http://schemas.microsoft.com/office/drawing/2014/main" id="{83BFD281-C65A-9BF6-B827-7F14BBA947B6}"/>
               </a:ext>
             </a:extLst>
           </p:cNvPr>
@@ -3392,7 +5818,7 @@
         </p:nvSpPr>
         <p:spPr>
           <a:xfrm rot="16200000">
-            <a:off x="6184159" y="594196"/>
+            <a:off x="5852817" y="1152617"/>
             <a:ext cx="360000" cy="215444"/>
           </a:xfrm>
           <a:prstGeom prst="rect">
@@ -3422,10 +5848,10 @@
       </p:sp>
       <p:sp>
         <p:nvSpPr>
-          <p:cNvPr id="17" name="TextBox 130">
-            <a:extLst>
-              <a:ext uri="{FF2B5EF4-FFF2-40B4-BE49-F238E27FC236}">
-                <a16:creationId xmlns:a16="http://schemas.microsoft.com/office/drawing/2014/main" id="{13F2EEF9-A30B-F4D0-E4C7-757A4A6534BD}"/>
+          <p:cNvPr id="42" name="TextBox 130">
+            <a:extLst>
+              <a:ext uri="{FF2B5EF4-FFF2-40B4-BE49-F238E27FC236}">
+                <a16:creationId xmlns:a16="http://schemas.microsoft.com/office/drawing/2014/main" id="{B01B55BB-2F1C-A26B-DB2E-626ECD985BA4}"/>
               </a:ext>
             </a:extLst>
           </p:cNvPr>
@@ -3434,7 +5860,7 @@
         </p:nvSpPr>
         <p:spPr>
           <a:xfrm rot="16200000">
-            <a:off x="4138698" y="594196"/>
+            <a:off x="3807356" y="1152617"/>
             <a:ext cx="360000" cy="215444"/>
           </a:xfrm>
           <a:prstGeom prst="rect">
@@ -3464,10 +5890,10 @@
       </p:sp>
       <p:sp>
         <p:nvSpPr>
-          <p:cNvPr id="18" name="TextBox 131">
-            <a:extLst>
-              <a:ext uri="{FF2B5EF4-FFF2-40B4-BE49-F238E27FC236}">
-                <a16:creationId xmlns:a16="http://schemas.microsoft.com/office/drawing/2014/main" id="{6C78F163-5F25-04A8-5D01-F3B77DD36EB6}"/>
+          <p:cNvPr id="43" name="TextBox 131">
+            <a:extLst>
+              <a:ext uri="{FF2B5EF4-FFF2-40B4-BE49-F238E27FC236}">
+                <a16:creationId xmlns:a16="http://schemas.microsoft.com/office/drawing/2014/main" id="{9EE58432-78C4-6A7B-74E9-98645BB828F6}"/>
               </a:ext>
             </a:extLst>
           </p:cNvPr>
@@ -3476,7 +5902,7 @@
         </p:nvSpPr>
         <p:spPr>
           <a:xfrm rot="16200000">
-            <a:off x="3968243" y="594196"/>
+            <a:off x="3636901" y="1152617"/>
             <a:ext cx="360000" cy="215444"/>
           </a:xfrm>
           <a:prstGeom prst="rect">
@@ -3506,10 +5932,10 @@
       </p:sp>
       <p:sp>
         <p:nvSpPr>
-          <p:cNvPr id="19" name="TextBox 132">
-            <a:extLst>
-              <a:ext uri="{FF2B5EF4-FFF2-40B4-BE49-F238E27FC236}">
-                <a16:creationId xmlns:a16="http://schemas.microsoft.com/office/drawing/2014/main" id="{4ECCE176-1E03-BF5E-2F99-30243AE9EBDA}"/>
+          <p:cNvPr id="44" name="TextBox 132">
+            <a:extLst>
+              <a:ext uri="{FF2B5EF4-FFF2-40B4-BE49-F238E27FC236}">
+                <a16:creationId xmlns:a16="http://schemas.microsoft.com/office/drawing/2014/main" id="{4087D7AB-9953-25B4-294E-4AFD47BAD7E3}"/>
               </a:ext>
             </a:extLst>
           </p:cNvPr>
@@ -3518,7 +5944,7 @@
         </p:nvSpPr>
         <p:spPr>
           <a:xfrm rot="16200000">
-            <a:off x="5331883" y="594196"/>
+            <a:off x="5000541" y="1152617"/>
             <a:ext cx="360000" cy="215444"/>
           </a:xfrm>
           <a:prstGeom prst="rect">
@@ -3548,10 +5974,10 @@
       </p:sp>
       <p:sp>
         <p:nvSpPr>
-          <p:cNvPr id="20" name="TextBox 133">
-            <a:extLst>
-              <a:ext uri="{FF2B5EF4-FFF2-40B4-BE49-F238E27FC236}">
-                <a16:creationId xmlns:a16="http://schemas.microsoft.com/office/drawing/2014/main" id="{091843D6-C832-6B75-55A3-D430B6B7D35F}"/>
+          <p:cNvPr id="45" name="TextBox 133">
+            <a:extLst>
+              <a:ext uri="{FF2B5EF4-FFF2-40B4-BE49-F238E27FC236}">
+                <a16:creationId xmlns:a16="http://schemas.microsoft.com/office/drawing/2014/main" id="{93A695DE-30F0-04FB-CDDB-D5EA4BB1F2BB}"/>
               </a:ext>
             </a:extLst>
           </p:cNvPr>
@@ -3560,7 +5986,7 @@
         </p:nvSpPr>
         <p:spPr>
           <a:xfrm rot="16200000">
-            <a:off x="4650063" y="594196"/>
+            <a:off x="4318721" y="1152617"/>
             <a:ext cx="360000" cy="215444"/>
           </a:xfrm>
           <a:prstGeom prst="rect">
@@ -3590,10 +6016,10 @@
       </p:sp>
       <p:sp>
         <p:nvSpPr>
-          <p:cNvPr id="21" name="TextBox 134">
-            <a:extLst>
-              <a:ext uri="{FF2B5EF4-FFF2-40B4-BE49-F238E27FC236}">
-                <a16:creationId xmlns:a16="http://schemas.microsoft.com/office/drawing/2014/main" id="{2DDD0243-2947-57EF-E689-E24D31D23DAC}"/>
+          <p:cNvPr id="46" name="TextBox 134">
+            <a:extLst>
+              <a:ext uri="{FF2B5EF4-FFF2-40B4-BE49-F238E27FC236}">
+                <a16:creationId xmlns:a16="http://schemas.microsoft.com/office/drawing/2014/main" id="{7255404B-21E9-AD67-CD6F-54A240B8CFEB}"/>
               </a:ext>
             </a:extLst>
           </p:cNvPr>
@@ -3602,7 +6028,7 @@
         </p:nvSpPr>
         <p:spPr>
           <a:xfrm rot="16200000">
-            <a:off x="4479608" y="594196"/>
+            <a:off x="4148266" y="1152617"/>
             <a:ext cx="360000" cy="215444"/>
           </a:xfrm>
           <a:prstGeom prst="rect">
@@ -3632,10 +6058,10 @@
       </p:sp>
       <p:sp>
         <p:nvSpPr>
-          <p:cNvPr id="22" name="TextBox 135">
-            <a:extLst>
-              <a:ext uri="{FF2B5EF4-FFF2-40B4-BE49-F238E27FC236}">
-                <a16:creationId xmlns:a16="http://schemas.microsoft.com/office/drawing/2014/main" id="{7937FF9A-EDCD-3A48-F1D9-763C94463B62}"/>
+          <p:cNvPr id="47" name="TextBox 135">
+            <a:extLst>
+              <a:ext uri="{FF2B5EF4-FFF2-40B4-BE49-F238E27FC236}">
+                <a16:creationId xmlns:a16="http://schemas.microsoft.com/office/drawing/2014/main" id="{6E1D5859-DFA1-839E-F0E7-38F8EA3AC7FB}"/>
               </a:ext>
             </a:extLst>
           </p:cNvPr>
@@ -3644,7 +6070,7 @@
         </p:nvSpPr>
         <p:spPr>
           <a:xfrm rot="16200000">
-            <a:off x="4309153" y="594196"/>
+            <a:off x="3977811" y="1152617"/>
             <a:ext cx="360000" cy="215444"/>
           </a:xfrm>
           <a:prstGeom prst="rect">
@@ -3674,10 +6100,10 @@
       </p:sp>
       <p:sp>
         <p:nvSpPr>
-          <p:cNvPr id="23" name="TextBox 136">
-            <a:extLst>
-              <a:ext uri="{FF2B5EF4-FFF2-40B4-BE49-F238E27FC236}">
-                <a16:creationId xmlns:a16="http://schemas.microsoft.com/office/drawing/2014/main" id="{4CD0479F-4DFE-2426-85FB-265889E97BD6}"/>
+          <p:cNvPr id="48" name="TextBox 136">
+            <a:extLst>
+              <a:ext uri="{FF2B5EF4-FFF2-40B4-BE49-F238E27FC236}">
+                <a16:creationId xmlns:a16="http://schemas.microsoft.com/office/drawing/2014/main" id="{8238DB04-5DC4-9929-1E2D-27B323EA4CD8}"/>
               </a:ext>
             </a:extLst>
           </p:cNvPr>
@@ -3686,7 +6112,7 @@
         </p:nvSpPr>
         <p:spPr>
           <a:xfrm rot="16200000">
-            <a:off x="5161428" y="594196"/>
+            <a:off x="4830086" y="1152617"/>
             <a:ext cx="360000" cy="215444"/>
           </a:xfrm>
           <a:prstGeom prst="rect">
@@ -3716,10 +6142,10 @@
       </p:sp>
       <p:sp>
         <p:nvSpPr>
-          <p:cNvPr id="24" name="TextBox 137">
-            <a:extLst>
-              <a:ext uri="{FF2B5EF4-FFF2-40B4-BE49-F238E27FC236}">
-                <a16:creationId xmlns:a16="http://schemas.microsoft.com/office/drawing/2014/main" id="{56364ACC-A4F5-4CE2-DFDB-9C46BC9875F1}"/>
+          <p:cNvPr id="49" name="TextBox 137">
+            <a:extLst>
+              <a:ext uri="{FF2B5EF4-FFF2-40B4-BE49-F238E27FC236}">
+                <a16:creationId xmlns:a16="http://schemas.microsoft.com/office/drawing/2014/main" id="{E9B2D522-EE77-835C-13F7-76A7C7368B86}"/>
               </a:ext>
             </a:extLst>
           </p:cNvPr>
@@ -3728,7 +6154,7 @@
         </p:nvSpPr>
         <p:spPr>
           <a:xfrm rot="16200000">
-            <a:off x="4990973" y="594196"/>
+            <a:off x="4659631" y="1152617"/>
             <a:ext cx="360000" cy="215444"/>
           </a:xfrm>
           <a:prstGeom prst="rect">
@@ -3758,10 +6184,10 @@
       </p:sp>
       <p:sp>
         <p:nvSpPr>
-          <p:cNvPr id="25" name="TextBox 138">
-            <a:extLst>
-              <a:ext uri="{FF2B5EF4-FFF2-40B4-BE49-F238E27FC236}">
-                <a16:creationId xmlns:a16="http://schemas.microsoft.com/office/drawing/2014/main" id="{91517E9D-4215-3181-DD54-3BA52607C64A}"/>
+          <p:cNvPr id="50" name="TextBox 138">
+            <a:extLst>
+              <a:ext uri="{FF2B5EF4-FFF2-40B4-BE49-F238E27FC236}">
+                <a16:creationId xmlns:a16="http://schemas.microsoft.com/office/drawing/2014/main" id="{6F020831-8BAA-1DF4-46D2-3D239C391980}"/>
               </a:ext>
             </a:extLst>
           </p:cNvPr>
@@ -3770,7 +6196,7 @@
         </p:nvSpPr>
         <p:spPr>
           <a:xfrm rot="16200000">
-            <a:off x="4820518" y="594196"/>
+            <a:off x="4489176" y="1152617"/>
             <a:ext cx="360000" cy="215444"/>
           </a:xfrm>
           <a:prstGeom prst="rect">
@@ -3800,10 +6226,10 @@
       </p:sp>
       <p:sp>
         <p:nvSpPr>
-          <p:cNvPr id="26" name="TextBox 139">
-            <a:extLst>
-              <a:ext uri="{FF2B5EF4-FFF2-40B4-BE49-F238E27FC236}">
-                <a16:creationId xmlns:a16="http://schemas.microsoft.com/office/drawing/2014/main" id="{C0BF91D0-F0D4-E369-E1DB-025FE660A3FD}"/>
+          <p:cNvPr id="51" name="TextBox 139">
+            <a:extLst>
+              <a:ext uri="{FF2B5EF4-FFF2-40B4-BE49-F238E27FC236}">
+                <a16:creationId xmlns:a16="http://schemas.microsoft.com/office/drawing/2014/main" id="{81E23FBD-D109-3435-ECAC-4DDAF0D8690B}"/>
               </a:ext>
             </a:extLst>
           </p:cNvPr>
@@ -3812,7 +6238,7 @@
         </p:nvSpPr>
         <p:spPr>
           <a:xfrm rot="16200000">
-            <a:off x="5843248" y="594196"/>
+            <a:off x="5511906" y="1152617"/>
             <a:ext cx="360000" cy="215444"/>
           </a:xfrm>
           <a:prstGeom prst="rect">
@@ -3842,10 +6268,10 @@
       </p:sp>
       <p:sp>
         <p:nvSpPr>
-          <p:cNvPr id="27" name="TextBox 140">
-            <a:extLst>
-              <a:ext uri="{FF2B5EF4-FFF2-40B4-BE49-F238E27FC236}">
-                <a16:creationId xmlns:a16="http://schemas.microsoft.com/office/drawing/2014/main" id="{8A0B78F6-F1DD-4E0D-8095-E69124D49C4B}"/>
+          <p:cNvPr id="52" name="TextBox 140">
+            <a:extLst>
+              <a:ext uri="{FF2B5EF4-FFF2-40B4-BE49-F238E27FC236}">
+                <a16:creationId xmlns:a16="http://schemas.microsoft.com/office/drawing/2014/main" id="{60CBA982-E96F-3B86-AE71-F79A6B65D58B}"/>
               </a:ext>
             </a:extLst>
           </p:cNvPr>
@@ -3854,7 +6280,7 @@
         </p:nvSpPr>
         <p:spPr>
           <a:xfrm rot="16200000">
-            <a:off x="5672793" y="594196"/>
+            <a:off x="5341451" y="1152617"/>
             <a:ext cx="360000" cy="215444"/>
           </a:xfrm>
           <a:prstGeom prst="rect">
@@ -3884,10 +6310,10 @@
       </p:sp>
       <p:sp>
         <p:nvSpPr>
-          <p:cNvPr id="28" name="TextBox 141">
-            <a:extLst>
-              <a:ext uri="{FF2B5EF4-FFF2-40B4-BE49-F238E27FC236}">
-                <a16:creationId xmlns:a16="http://schemas.microsoft.com/office/drawing/2014/main" id="{61CDFFA3-72C0-5E18-405C-1EE21EAB7EA7}"/>
+          <p:cNvPr id="53" name="TextBox 141">
+            <a:extLst>
+              <a:ext uri="{FF2B5EF4-FFF2-40B4-BE49-F238E27FC236}">
+                <a16:creationId xmlns:a16="http://schemas.microsoft.com/office/drawing/2014/main" id="{51755F31-F7EC-6708-5DF2-D6ADDDAC94C9}"/>
               </a:ext>
             </a:extLst>
           </p:cNvPr>
@@ -3896,7 +6322,7 @@
         </p:nvSpPr>
         <p:spPr>
           <a:xfrm rot="16200000">
-            <a:off x="5502338" y="594196"/>
+            <a:off x="5170996" y="1152617"/>
             <a:ext cx="360000" cy="215444"/>
           </a:xfrm>
           <a:prstGeom prst="rect">
@@ -3926,10 +6352,10 @@
       </p:sp>
       <p:sp>
         <p:nvSpPr>
-          <p:cNvPr id="29" name="TextBox 142">
-            <a:extLst>
-              <a:ext uri="{FF2B5EF4-FFF2-40B4-BE49-F238E27FC236}">
-                <a16:creationId xmlns:a16="http://schemas.microsoft.com/office/drawing/2014/main" id="{EDBD6A72-9349-7B41-A7DF-31F065303B6C}"/>
+          <p:cNvPr id="54" name="TextBox 142">
+            <a:extLst>
+              <a:ext uri="{FF2B5EF4-FFF2-40B4-BE49-F238E27FC236}">
+                <a16:creationId xmlns:a16="http://schemas.microsoft.com/office/drawing/2014/main" id="{B75274CE-A7E9-88A6-AF30-A95E52F734B6}"/>
               </a:ext>
             </a:extLst>
           </p:cNvPr>
@@ -3938,7 +6364,7 @@
         </p:nvSpPr>
         <p:spPr>
           <a:xfrm rot="16200000">
-            <a:off x="3818336" y="594196"/>
+            <a:off x="3486994" y="1152617"/>
             <a:ext cx="360000" cy="215444"/>
           </a:xfrm>
           <a:prstGeom prst="rect">
@@ -3968,10 +6394,10 @@
       </p:sp>
       <p:sp>
         <p:nvSpPr>
-          <p:cNvPr id="30" name="TextBox 143">
-            <a:extLst>
-              <a:ext uri="{FF2B5EF4-FFF2-40B4-BE49-F238E27FC236}">
-                <a16:creationId xmlns:a16="http://schemas.microsoft.com/office/drawing/2014/main" id="{725BDCA4-7332-2C7E-DA72-66AA4947F90F}"/>
+          <p:cNvPr id="55" name="TextBox 143">
+            <a:extLst>
+              <a:ext uri="{FF2B5EF4-FFF2-40B4-BE49-F238E27FC236}">
+                <a16:creationId xmlns:a16="http://schemas.microsoft.com/office/drawing/2014/main" id="{B2A05F15-9FF5-FD80-2D3F-B475AE66A9A9}"/>
               </a:ext>
             </a:extLst>
           </p:cNvPr>
@@ -3980,7 +6406,7 @@
         </p:nvSpPr>
         <p:spPr>
           <a:xfrm rot="16200000">
-            <a:off x="6013703" y="594196"/>
+            <a:off x="5682361" y="1152617"/>
             <a:ext cx="360000" cy="215444"/>
           </a:xfrm>
           <a:prstGeom prst="rect">
@@ -4010,10 +6436,10 @@
       </p:sp>
       <p:sp>
         <p:nvSpPr>
-          <p:cNvPr id="31" name="TextBox 144">
-            <a:extLst>
-              <a:ext uri="{FF2B5EF4-FFF2-40B4-BE49-F238E27FC236}">
-                <a16:creationId xmlns:a16="http://schemas.microsoft.com/office/drawing/2014/main" id="{49B94903-CE79-DE02-E85F-12707C044DFF}"/>
+          <p:cNvPr id="56" name="TextBox 144">
+            <a:extLst>
+              <a:ext uri="{FF2B5EF4-FFF2-40B4-BE49-F238E27FC236}">
+                <a16:creationId xmlns:a16="http://schemas.microsoft.com/office/drawing/2014/main" id="{FCEFBCE8-171D-E87B-DC81-E34F10A8238C}"/>
               </a:ext>
             </a:extLst>
           </p:cNvPr>
@@ -4022,7 +6448,7 @@
         </p:nvSpPr>
         <p:spPr>
           <a:xfrm>
-            <a:off x="3977788" y="445167"/>
+            <a:off x="3646446" y="977464"/>
             <a:ext cx="2717492" cy="222511"/>
           </a:xfrm>
           <a:prstGeom prst="rect">
@@ -4046,17 +6472,17 @@
                   </a:schemeClr>
                 </a:solidFill>
               </a:rPr>
-              <a:t>Spatial distribution of average rainfall [mm/12h]</a:t>
-            </a:r>
-          </a:p>
-        </p:txBody>
-      </p:sp>
-      <p:sp>
-        <p:nvSpPr>
-          <p:cNvPr id="93" name="TextBox 2008">
-            <a:extLst>
-              <a:ext uri="{FF2B5EF4-FFF2-40B4-BE49-F238E27FC236}">
-                <a16:creationId xmlns:a16="http://schemas.microsoft.com/office/drawing/2014/main" id="{8263B0FD-1EE4-CCF7-B341-E3F08B4BD3A0}"/>
+              <a:t>Spatial distribution of rainfall average [mm/12h]</a:t>
+            </a:r>
+          </a:p>
+        </p:txBody>
+      </p:sp>
+      <p:sp>
+        <p:nvSpPr>
+          <p:cNvPr id="57" name="TextBox 2008">
+            <a:extLst>
+              <a:ext uri="{FF2B5EF4-FFF2-40B4-BE49-F238E27FC236}">
+                <a16:creationId xmlns:a16="http://schemas.microsoft.com/office/drawing/2014/main" id="{B3C5D16A-69B2-EBB4-E3C1-B0338C0DEB14}"/>
               </a:ext>
             </a:extLst>
           </p:cNvPr>
@@ -4065,7 +6491,7 @@
         </p:nvSpPr>
         <p:spPr>
           <a:xfrm>
-            <a:off x="667871" y="4647796"/>
+            <a:off x="441445" y="4597508"/>
             <a:ext cx="307777" cy="496886"/>
           </a:xfrm>
           <a:prstGeom prst="rect">
@@ -4093,10 +6519,10 @@
       </p:sp>
       <p:sp>
         <p:nvSpPr>
-          <p:cNvPr id="94" name="TextBox 2009">
-            <a:extLst>
-              <a:ext uri="{FF2B5EF4-FFF2-40B4-BE49-F238E27FC236}">
-                <a16:creationId xmlns:a16="http://schemas.microsoft.com/office/drawing/2014/main" id="{49EC1805-1EB3-B8DC-738C-2C704623B5E3}"/>
+          <p:cNvPr id="58" name="TextBox 2009">
+            <a:extLst>
+              <a:ext uri="{FF2B5EF4-FFF2-40B4-BE49-F238E27FC236}">
+                <a16:creationId xmlns:a16="http://schemas.microsoft.com/office/drawing/2014/main" id="{6270E89B-9A0D-FF30-2923-D60C075D97E3}"/>
               </a:ext>
             </a:extLst>
           </p:cNvPr>
@@ -4105,7 +6531,7 @@
         </p:nvSpPr>
         <p:spPr>
           <a:xfrm>
-            <a:off x="814252" y="4647796"/>
+            <a:off x="587826" y="4597508"/>
             <a:ext cx="307777" cy="496886"/>
           </a:xfrm>
           <a:prstGeom prst="rect">
@@ -4133,10 +6559,10 @@
       </p:sp>
       <p:sp>
         <p:nvSpPr>
-          <p:cNvPr id="95" name="TextBox 2010">
-            <a:extLst>
-              <a:ext uri="{FF2B5EF4-FFF2-40B4-BE49-F238E27FC236}">
-                <a16:creationId xmlns:a16="http://schemas.microsoft.com/office/drawing/2014/main" id="{54C0EC6E-3E82-8701-4D81-ED3D5C2668DB}"/>
+          <p:cNvPr id="59" name="TextBox 2010">
+            <a:extLst>
+              <a:ext uri="{FF2B5EF4-FFF2-40B4-BE49-F238E27FC236}">
+                <a16:creationId xmlns:a16="http://schemas.microsoft.com/office/drawing/2014/main" id="{6F6E8A47-50C0-10C3-5A4C-8FFBC04C0C80}"/>
               </a:ext>
             </a:extLst>
           </p:cNvPr>
@@ -4145,7 +6571,7 @@
         </p:nvSpPr>
         <p:spPr>
           <a:xfrm>
-            <a:off x="960633" y="4647796"/>
+            <a:off x="734207" y="4597508"/>
             <a:ext cx="307777" cy="496886"/>
           </a:xfrm>
           <a:prstGeom prst="rect">
@@ -4173,10 +6599,10 @@
       </p:sp>
       <p:sp>
         <p:nvSpPr>
-          <p:cNvPr id="96" name="TextBox 2011">
-            <a:extLst>
-              <a:ext uri="{FF2B5EF4-FFF2-40B4-BE49-F238E27FC236}">
-                <a16:creationId xmlns:a16="http://schemas.microsoft.com/office/drawing/2014/main" id="{5524F565-F47D-5693-F09C-B874A38DE57B}"/>
+          <p:cNvPr id="60" name="TextBox 2011">
+            <a:extLst>
+              <a:ext uri="{FF2B5EF4-FFF2-40B4-BE49-F238E27FC236}">
+                <a16:creationId xmlns:a16="http://schemas.microsoft.com/office/drawing/2014/main" id="{2BD9F8D9-7EFB-F09A-DEB3-16C1EB4AD0E9}"/>
               </a:ext>
             </a:extLst>
           </p:cNvPr>
@@ -4185,7 +6611,7 @@
         </p:nvSpPr>
         <p:spPr>
           <a:xfrm>
-            <a:off x="1107014" y="4647796"/>
+            <a:off x="880588" y="4597508"/>
             <a:ext cx="307777" cy="496886"/>
           </a:xfrm>
           <a:prstGeom prst="rect">
@@ -4213,10 +6639,10 @@
       </p:sp>
       <p:sp>
         <p:nvSpPr>
-          <p:cNvPr id="97" name="TextBox 2012">
-            <a:extLst>
-              <a:ext uri="{FF2B5EF4-FFF2-40B4-BE49-F238E27FC236}">
-                <a16:creationId xmlns:a16="http://schemas.microsoft.com/office/drawing/2014/main" id="{33822347-EDD1-1F4E-9C71-2C0CDFC83911}"/>
+          <p:cNvPr id="61" name="TextBox 2012">
+            <a:extLst>
+              <a:ext uri="{FF2B5EF4-FFF2-40B4-BE49-F238E27FC236}">
+                <a16:creationId xmlns:a16="http://schemas.microsoft.com/office/drawing/2014/main" id="{5DE907E0-2E7D-F254-7A71-02536F932026}"/>
               </a:ext>
             </a:extLst>
           </p:cNvPr>
@@ -4225,7 +6651,7 @@
         </p:nvSpPr>
         <p:spPr>
           <a:xfrm>
-            <a:off x="1253395" y="4647796"/>
+            <a:off x="1026969" y="4597508"/>
             <a:ext cx="307777" cy="496886"/>
           </a:xfrm>
           <a:prstGeom prst="rect">
@@ -4253,10 +6679,10 @@
       </p:sp>
       <p:sp>
         <p:nvSpPr>
-          <p:cNvPr id="98" name="TextBox 2013">
-            <a:extLst>
-              <a:ext uri="{FF2B5EF4-FFF2-40B4-BE49-F238E27FC236}">
-                <a16:creationId xmlns:a16="http://schemas.microsoft.com/office/drawing/2014/main" id="{95DC0993-DEE0-5843-201F-97EC0FBFB2CA}"/>
+          <p:cNvPr id="62" name="TextBox 2013">
+            <a:extLst>
+              <a:ext uri="{FF2B5EF4-FFF2-40B4-BE49-F238E27FC236}">
+                <a16:creationId xmlns:a16="http://schemas.microsoft.com/office/drawing/2014/main" id="{DCA94E30-2414-60C6-7A94-A3D3DF02885F}"/>
               </a:ext>
             </a:extLst>
           </p:cNvPr>
@@ -4265,7 +6691,7 @@
         </p:nvSpPr>
         <p:spPr>
           <a:xfrm>
-            <a:off x="1399776" y="4647796"/>
+            <a:off x="1173350" y="4597508"/>
             <a:ext cx="307777" cy="496886"/>
           </a:xfrm>
           <a:prstGeom prst="rect">
@@ -4293,10 +6719,10 @@
       </p:sp>
       <p:sp>
         <p:nvSpPr>
-          <p:cNvPr id="99" name="TextBox 2014">
-            <a:extLst>
-              <a:ext uri="{FF2B5EF4-FFF2-40B4-BE49-F238E27FC236}">
-                <a16:creationId xmlns:a16="http://schemas.microsoft.com/office/drawing/2014/main" id="{A91C447A-93AE-DD7E-1442-A60004952D5B}"/>
+          <p:cNvPr id="63" name="TextBox 2014">
+            <a:extLst>
+              <a:ext uri="{FF2B5EF4-FFF2-40B4-BE49-F238E27FC236}">
+                <a16:creationId xmlns:a16="http://schemas.microsoft.com/office/drawing/2014/main" id="{B0CFE8AF-F51C-F98B-10C9-A6493561DA8E}"/>
               </a:ext>
             </a:extLst>
           </p:cNvPr>
@@ -4305,7 +6731,7 @@
         </p:nvSpPr>
         <p:spPr>
           <a:xfrm>
-            <a:off x="1546157" y="4647796"/>
+            <a:off x="1319731" y="4597508"/>
             <a:ext cx="307777" cy="496886"/>
           </a:xfrm>
           <a:prstGeom prst="rect">
@@ -4333,10 +6759,10 @@
       </p:sp>
       <p:sp>
         <p:nvSpPr>
-          <p:cNvPr id="100" name="TextBox 2015">
-            <a:extLst>
-              <a:ext uri="{FF2B5EF4-FFF2-40B4-BE49-F238E27FC236}">
-                <a16:creationId xmlns:a16="http://schemas.microsoft.com/office/drawing/2014/main" id="{E1DB40E7-01C4-A5EF-DBC8-A397748074EE}"/>
+          <p:cNvPr id="64" name="TextBox 2015">
+            <a:extLst>
+              <a:ext uri="{FF2B5EF4-FFF2-40B4-BE49-F238E27FC236}">
+                <a16:creationId xmlns:a16="http://schemas.microsoft.com/office/drawing/2014/main" id="{A8369516-2E90-B5D5-FB1C-F861A0BD7D83}"/>
               </a:ext>
             </a:extLst>
           </p:cNvPr>
@@ -4345,7 +6771,7 @@
         </p:nvSpPr>
         <p:spPr>
           <a:xfrm>
-            <a:off x="1692538" y="4647796"/>
+            <a:off x="1466112" y="4597508"/>
             <a:ext cx="307777" cy="496886"/>
           </a:xfrm>
           <a:prstGeom prst="rect">
@@ -4373,10 +6799,10 @@
       </p:sp>
       <p:sp>
         <p:nvSpPr>
-          <p:cNvPr id="101" name="TextBox 2016">
-            <a:extLst>
-              <a:ext uri="{FF2B5EF4-FFF2-40B4-BE49-F238E27FC236}">
-                <a16:creationId xmlns:a16="http://schemas.microsoft.com/office/drawing/2014/main" id="{911C4AA7-6504-3BC2-1F10-D1A21A500619}"/>
+          <p:cNvPr id="65" name="TextBox 2016">
+            <a:extLst>
+              <a:ext uri="{FF2B5EF4-FFF2-40B4-BE49-F238E27FC236}">
+                <a16:creationId xmlns:a16="http://schemas.microsoft.com/office/drawing/2014/main" id="{28341FD4-836F-9AD4-38E7-6CCDC5F89BAE}"/>
               </a:ext>
             </a:extLst>
           </p:cNvPr>
@@ -4385,7 +6811,7 @@
         </p:nvSpPr>
         <p:spPr>
           <a:xfrm>
-            <a:off x="1838919" y="4647796"/>
+            <a:off x="1612493" y="4597508"/>
             <a:ext cx="307777" cy="496886"/>
           </a:xfrm>
           <a:prstGeom prst="rect">
@@ -4413,10 +6839,10 @@
       </p:sp>
       <p:sp>
         <p:nvSpPr>
-          <p:cNvPr id="102" name="TextBox 2017">
-            <a:extLst>
-              <a:ext uri="{FF2B5EF4-FFF2-40B4-BE49-F238E27FC236}">
-                <a16:creationId xmlns:a16="http://schemas.microsoft.com/office/drawing/2014/main" id="{7765C689-CEDF-1AA0-AD0A-EF9203168ACA}"/>
+          <p:cNvPr id="66" name="TextBox 2017">
+            <a:extLst>
+              <a:ext uri="{FF2B5EF4-FFF2-40B4-BE49-F238E27FC236}">
+                <a16:creationId xmlns:a16="http://schemas.microsoft.com/office/drawing/2014/main" id="{90CB108E-1435-6FF2-B188-01CD762CA688}"/>
               </a:ext>
             </a:extLst>
           </p:cNvPr>
@@ -4425,7 +6851,7 @@
         </p:nvSpPr>
         <p:spPr>
           <a:xfrm>
-            <a:off x="1985300" y="4647796"/>
+            <a:off x="1758874" y="4597508"/>
             <a:ext cx="307777" cy="496886"/>
           </a:xfrm>
           <a:prstGeom prst="rect">
@@ -4453,10 +6879,10 @@
       </p:sp>
       <p:sp>
         <p:nvSpPr>
-          <p:cNvPr id="103" name="TextBox 2018">
-            <a:extLst>
-              <a:ext uri="{FF2B5EF4-FFF2-40B4-BE49-F238E27FC236}">
-                <a16:creationId xmlns:a16="http://schemas.microsoft.com/office/drawing/2014/main" id="{55B61C12-6DD8-2902-93F6-E35E2CB8B59A}"/>
+          <p:cNvPr id="67" name="TextBox 2018">
+            <a:extLst>
+              <a:ext uri="{FF2B5EF4-FFF2-40B4-BE49-F238E27FC236}">
+                <a16:creationId xmlns:a16="http://schemas.microsoft.com/office/drawing/2014/main" id="{272A4FA2-C945-F6F0-A887-696A80BA43EC}"/>
               </a:ext>
             </a:extLst>
           </p:cNvPr>
@@ -4465,7 +6891,7 @@
         </p:nvSpPr>
         <p:spPr>
           <a:xfrm>
-            <a:off x="2278062" y="4647796"/>
+            <a:off x="2051636" y="4597508"/>
             <a:ext cx="307777" cy="496886"/>
           </a:xfrm>
           <a:prstGeom prst="rect">
@@ -4493,10 +6919,10 @@
       </p:sp>
       <p:sp>
         <p:nvSpPr>
-          <p:cNvPr id="104" name="TextBox 2019">
-            <a:extLst>
-              <a:ext uri="{FF2B5EF4-FFF2-40B4-BE49-F238E27FC236}">
-                <a16:creationId xmlns:a16="http://schemas.microsoft.com/office/drawing/2014/main" id="{110313F3-7E9C-FDF5-BAC1-28D08DC5A772}"/>
+          <p:cNvPr id="68" name="TextBox 2019">
+            <a:extLst>
+              <a:ext uri="{FF2B5EF4-FFF2-40B4-BE49-F238E27FC236}">
+                <a16:creationId xmlns:a16="http://schemas.microsoft.com/office/drawing/2014/main" id="{07746A39-36B2-B734-FBC5-4F09A0BA4B48}"/>
               </a:ext>
             </a:extLst>
           </p:cNvPr>
@@ -4505,7 +6931,7 @@
         </p:nvSpPr>
         <p:spPr>
           <a:xfrm>
-            <a:off x="2570824" y="4647796"/>
+            <a:off x="2344398" y="4597508"/>
             <a:ext cx="307777" cy="496886"/>
           </a:xfrm>
           <a:prstGeom prst="rect">
@@ -4533,10 +6959,10 @@
       </p:sp>
       <p:sp>
         <p:nvSpPr>
-          <p:cNvPr id="105" name="TextBox 2020">
-            <a:extLst>
-              <a:ext uri="{FF2B5EF4-FFF2-40B4-BE49-F238E27FC236}">
-                <a16:creationId xmlns:a16="http://schemas.microsoft.com/office/drawing/2014/main" id="{0E93BA1F-1A78-9E8E-80F3-573000063622}"/>
+          <p:cNvPr id="69" name="TextBox 2020">
+            <a:extLst>
+              <a:ext uri="{FF2B5EF4-FFF2-40B4-BE49-F238E27FC236}">
+                <a16:creationId xmlns:a16="http://schemas.microsoft.com/office/drawing/2014/main" id="{3EF69932-F9C1-80AB-6C96-F48BF69110CD}"/>
               </a:ext>
             </a:extLst>
           </p:cNvPr>
@@ -4545,7 +6971,7 @@
         </p:nvSpPr>
         <p:spPr>
           <a:xfrm>
-            <a:off x="2131681" y="4647796"/>
+            <a:off x="1905255" y="4597508"/>
             <a:ext cx="307777" cy="496886"/>
           </a:xfrm>
           <a:prstGeom prst="rect">
@@ -4573,10 +6999,10 @@
       </p:sp>
       <p:sp>
         <p:nvSpPr>
-          <p:cNvPr id="106" name="TextBox 2021">
-            <a:extLst>
-              <a:ext uri="{FF2B5EF4-FFF2-40B4-BE49-F238E27FC236}">
-                <a16:creationId xmlns:a16="http://schemas.microsoft.com/office/drawing/2014/main" id="{DF63C1BB-6F21-6670-0081-D302CBE678CB}"/>
+          <p:cNvPr id="70" name="TextBox 2021">
+            <a:extLst>
+              <a:ext uri="{FF2B5EF4-FFF2-40B4-BE49-F238E27FC236}">
+                <a16:creationId xmlns:a16="http://schemas.microsoft.com/office/drawing/2014/main" id="{F9B3361C-9558-CBF8-5BD3-89CB01A5ABD3}"/>
               </a:ext>
             </a:extLst>
           </p:cNvPr>
@@ -4585,7 +7011,7 @@
         </p:nvSpPr>
         <p:spPr>
           <a:xfrm>
-            <a:off x="2424443" y="4647796"/>
+            <a:off x="2198017" y="4597508"/>
             <a:ext cx="307777" cy="496886"/>
           </a:xfrm>
           <a:prstGeom prst="rect">
@@ -4613,10 +7039,10 @@
       </p:sp>
       <p:sp>
         <p:nvSpPr>
-          <p:cNvPr id="107" name="TextBox 2022">
-            <a:extLst>
-              <a:ext uri="{FF2B5EF4-FFF2-40B4-BE49-F238E27FC236}">
-                <a16:creationId xmlns:a16="http://schemas.microsoft.com/office/drawing/2014/main" id="{417FC3B4-B779-69D3-105C-5686598F39E7}"/>
+          <p:cNvPr id="71" name="TextBox 2022">
+            <a:extLst>
+              <a:ext uri="{FF2B5EF4-FFF2-40B4-BE49-F238E27FC236}">
+                <a16:creationId xmlns:a16="http://schemas.microsoft.com/office/drawing/2014/main" id="{B53B545D-11FF-E1C5-94DE-693A964757D9}"/>
               </a:ext>
             </a:extLst>
           </p:cNvPr>
@@ -4625,7 +7051,7 @@
         </p:nvSpPr>
         <p:spPr>
           <a:xfrm>
-            <a:off x="2717205" y="4647796"/>
+            <a:off x="2490779" y="4597508"/>
             <a:ext cx="307777" cy="496886"/>
           </a:xfrm>
           <a:prstGeom prst="rect">
@@ -4653,10 +7079,10 @@
       </p:sp>
       <p:sp>
         <p:nvSpPr>
-          <p:cNvPr id="108" name="TextBox 2023">
-            <a:extLst>
-              <a:ext uri="{FF2B5EF4-FFF2-40B4-BE49-F238E27FC236}">
-                <a16:creationId xmlns:a16="http://schemas.microsoft.com/office/drawing/2014/main" id="{5E6BFFBB-DA15-9C7F-F94F-74D3499D21B7}"/>
+          <p:cNvPr id="72" name="TextBox 2023">
+            <a:extLst>
+              <a:ext uri="{FF2B5EF4-FFF2-40B4-BE49-F238E27FC236}">
+                <a16:creationId xmlns:a16="http://schemas.microsoft.com/office/drawing/2014/main" id="{F397E20A-A887-9C9D-E2F6-E1A8C617251D}"/>
               </a:ext>
             </a:extLst>
           </p:cNvPr>
@@ -4665,7 +7091,7 @@
         </p:nvSpPr>
         <p:spPr>
           <a:xfrm>
-            <a:off x="3009967" y="4647796"/>
+            <a:off x="2783541" y="4597508"/>
             <a:ext cx="307777" cy="496886"/>
           </a:xfrm>
           <a:prstGeom prst="rect">
@@ -4693,10 +7119,10 @@
       </p:sp>
       <p:sp>
         <p:nvSpPr>
-          <p:cNvPr id="109" name="TextBox 2024">
-            <a:extLst>
-              <a:ext uri="{FF2B5EF4-FFF2-40B4-BE49-F238E27FC236}">
-                <a16:creationId xmlns:a16="http://schemas.microsoft.com/office/drawing/2014/main" id="{FB58A34D-1AF4-C78B-46EB-E2599CD8ECBE}"/>
+          <p:cNvPr id="73" name="TextBox 2024">
+            <a:extLst>
+              <a:ext uri="{FF2B5EF4-FFF2-40B4-BE49-F238E27FC236}">
+                <a16:creationId xmlns:a16="http://schemas.microsoft.com/office/drawing/2014/main" id="{EE34B42B-2D56-22EF-79B1-1A562FF72445}"/>
               </a:ext>
             </a:extLst>
           </p:cNvPr>
@@ -4705,7 +7131,7 @@
         </p:nvSpPr>
         <p:spPr>
           <a:xfrm>
-            <a:off x="2863586" y="4647796"/>
+            <a:off x="2637160" y="4597508"/>
             <a:ext cx="307777" cy="496886"/>
           </a:xfrm>
           <a:prstGeom prst="rect">
@@ -4733,10 +7159,10 @@
       </p:sp>
       <p:sp>
         <p:nvSpPr>
-          <p:cNvPr id="110" name="TextBox 2025">
-            <a:extLst>
-              <a:ext uri="{FF2B5EF4-FFF2-40B4-BE49-F238E27FC236}">
-                <a16:creationId xmlns:a16="http://schemas.microsoft.com/office/drawing/2014/main" id="{FD8421BD-3A55-2BDB-5A74-EB445AB1190A}"/>
+          <p:cNvPr id="74" name="TextBox 2025">
+            <a:extLst>
+              <a:ext uri="{FF2B5EF4-FFF2-40B4-BE49-F238E27FC236}">
+                <a16:creationId xmlns:a16="http://schemas.microsoft.com/office/drawing/2014/main" id="{DE6A99FF-B6F9-C748-E0B8-6CF2C9DE5F9D}"/>
               </a:ext>
             </a:extLst>
           </p:cNvPr>
@@ -4745,7 +7171,7 @@
         </p:nvSpPr>
         <p:spPr>
           <a:xfrm>
-            <a:off x="3302730" y="4647796"/>
+            <a:off x="3076981" y="4597508"/>
             <a:ext cx="307777" cy="496886"/>
           </a:xfrm>
           <a:prstGeom prst="rect">
@@ -4773,10 +7199,10 @@
       </p:sp>
       <p:sp>
         <p:nvSpPr>
-          <p:cNvPr id="111" name="TextBox 2026">
-            <a:extLst>
-              <a:ext uri="{FF2B5EF4-FFF2-40B4-BE49-F238E27FC236}">
-                <a16:creationId xmlns:a16="http://schemas.microsoft.com/office/drawing/2014/main" id="{12C0E96D-8DA0-A29B-4255-DFC2EC6353BB}"/>
+          <p:cNvPr id="75" name="TextBox 2026">
+            <a:extLst>
+              <a:ext uri="{FF2B5EF4-FFF2-40B4-BE49-F238E27FC236}">
+                <a16:creationId xmlns:a16="http://schemas.microsoft.com/office/drawing/2014/main" id="{D6EECE64-8207-327E-4F37-D312D0EEF1C0}"/>
               </a:ext>
             </a:extLst>
           </p:cNvPr>
@@ -4785,7 +7211,7 @@
         </p:nvSpPr>
         <p:spPr>
           <a:xfrm>
-            <a:off x="3156348" y="4647796"/>
+            <a:off x="2929922" y="4597508"/>
             <a:ext cx="307777" cy="496886"/>
           </a:xfrm>
           <a:prstGeom prst="rect">
@@ -4813,10 +7239,10 @@
       </p:sp>
       <p:cxnSp>
         <p:nvCxnSpPr>
-          <p:cNvPr id="150" name="Straight Connector 2067">
-            <a:extLst>
-              <a:ext uri="{FF2B5EF4-FFF2-40B4-BE49-F238E27FC236}">
-                <a16:creationId xmlns:a16="http://schemas.microsoft.com/office/drawing/2014/main" id="{515CFBCA-207F-9F0C-6EB7-75ECA84FEC64}"/>
+          <p:cNvPr id="76" name="Straight Connector 2067">
+            <a:extLst>
+              <a:ext uri="{FF2B5EF4-FFF2-40B4-BE49-F238E27FC236}">
+                <a16:creationId xmlns:a16="http://schemas.microsoft.com/office/drawing/2014/main" id="{197FE2B6-46A1-91F8-BF78-0DB6D62DDC12}"/>
               </a:ext>
             </a:extLst>
           </p:cNvPr>
@@ -4827,7 +7253,7 @@
         </p:nvCxnSpPr>
         <p:spPr>
           <a:xfrm flipH="1">
-            <a:off x="675938" y="4573777"/>
+            <a:off x="449512" y="4523489"/>
             <a:ext cx="0" cy="90000"/>
           </a:xfrm>
           <a:prstGeom prst="line">
@@ -4859,10 +7285,10 @@
       </p:cxnSp>
       <p:cxnSp>
         <p:nvCxnSpPr>
-          <p:cNvPr id="151" name="Straight Connector 2068">
-            <a:extLst>
-              <a:ext uri="{FF2B5EF4-FFF2-40B4-BE49-F238E27FC236}">
-                <a16:creationId xmlns:a16="http://schemas.microsoft.com/office/drawing/2014/main" id="{841F56C5-13F5-C261-0918-4BDEB11FB433}"/>
+          <p:cNvPr id="77" name="Straight Connector 2068">
+            <a:extLst>
+              <a:ext uri="{FF2B5EF4-FFF2-40B4-BE49-F238E27FC236}">
+                <a16:creationId xmlns:a16="http://schemas.microsoft.com/office/drawing/2014/main" id="{D4F244F2-637E-B121-D5F8-D09087705F3D}"/>
               </a:ext>
             </a:extLst>
           </p:cNvPr>
@@ -4873,7 +7299,7 @@
         </p:nvCxnSpPr>
         <p:spPr>
           <a:xfrm flipH="1">
-            <a:off x="968478" y="4573777"/>
+            <a:off x="742052" y="4523489"/>
             <a:ext cx="0" cy="90000"/>
           </a:xfrm>
           <a:prstGeom prst="line">
@@ -4905,10 +7331,10 @@
       </p:cxnSp>
       <p:cxnSp>
         <p:nvCxnSpPr>
-          <p:cNvPr id="152" name="Straight Connector 2069">
-            <a:extLst>
-              <a:ext uri="{FF2B5EF4-FFF2-40B4-BE49-F238E27FC236}">
-                <a16:creationId xmlns:a16="http://schemas.microsoft.com/office/drawing/2014/main" id="{7E0E0813-D1C1-D0D6-61C6-ADE26442CE7A}"/>
+          <p:cNvPr id="78" name="Straight Connector 2069">
+            <a:extLst>
+              <a:ext uri="{FF2B5EF4-FFF2-40B4-BE49-F238E27FC236}">
+                <a16:creationId xmlns:a16="http://schemas.microsoft.com/office/drawing/2014/main" id="{6DF9FC94-8F33-9183-83FF-56D421BF1774}"/>
               </a:ext>
             </a:extLst>
           </p:cNvPr>
@@ -4919,7 +7345,7 @@
         </p:nvCxnSpPr>
         <p:spPr>
           <a:xfrm flipH="1">
-            <a:off x="1261018" y="4573777"/>
+            <a:off x="1034592" y="4523489"/>
             <a:ext cx="0" cy="90000"/>
           </a:xfrm>
           <a:prstGeom prst="line">
@@ -4951,10 +7377,10 @@
       </p:cxnSp>
       <p:cxnSp>
         <p:nvCxnSpPr>
-          <p:cNvPr id="153" name="Straight Connector 2070">
-            <a:extLst>
-              <a:ext uri="{FF2B5EF4-FFF2-40B4-BE49-F238E27FC236}">
-                <a16:creationId xmlns:a16="http://schemas.microsoft.com/office/drawing/2014/main" id="{55F802B7-F228-9C16-40B0-62C9B93128DE}"/>
+          <p:cNvPr id="79" name="Straight Connector 2070">
+            <a:extLst>
+              <a:ext uri="{FF2B5EF4-FFF2-40B4-BE49-F238E27FC236}">
+                <a16:creationId xmlns:a16="http://schemas.microsoft.com/office/drawing/2014/main" id="{63C1E6DB-C2D5-D30E-01C8-3DEA0CCA4DAA}"/>
               </a:ext>
             </a:extLst>
           </p:cNvPr>
@@ -4965,7 +7391,7 @@
         </p:nvCxnSpPr>
         <p:spPr>
           <a:xfrm flipH="1">
-            <a:off x="1114748" y="4573777"/>
+            <a:off x="888322" y="4523489"/>
             <a:ext cx="0" cy="90000"/>
           </a:xfrm>
           <a:prstGeom prst="line">
@@ -4997,10 +7423,10 @@
       </p:cxnSp>
       <p:cxnSp>
         <p:nvCxnSpPr>
-          <p:cNvPr id="154" name="Straight Connector 2071">
-            <a:extLst>
-              <a:ext uri="{FF2B5EF4-FFF2-40B4-BE49-F238E27FC236}">
-                <a16:creationId xmlns:a16="http://schemas.microsoft.com/office/drawing/2014/main" id="{BE18ACC6-901C-E609-BE43-F2967650D66E}"/>
+          <p:cNvPr id="80" name="Straight Connector 2071">
+            <a:extLst>
+              <a:ext uri="{FF2B5EF4-FFF2-40B4-BE49-F238E27FC236}">
+                <a16:creationId xmlns:a16="http://schemas.microsoft.com/office/drawing/2014/main" id="{8EA9759A-15A0-1D65-7BB2-389C12637D38}"/>
               </a:ext>
             </a:extLst>
           </p:cNvPr>
@@ -5011,7 +7437,7 @@
         </p:nvCxnSpPr>
         <p:spPr>
           <a:xfrm flipH="1">
-            <a:off x="1407288" y="4573777"/>
+            <a:off x="1180862" y="4523489"/>
             <a:ext cx="0" cy="90000"/>
           </a:xfrm>
           <a:prstGeom prst="line">
@@ -5043,10 +7469,10 @@
       </p:cxnSp>
       <p:cxnSp>
         <p:nvCxnSpPr>
-          <p:cNvPr id="155" name="Straight Connector 2072">
-            <a:extLst>
-              <a:ext uri="{FF2B5EF4-FFF2-40B4-BE49-F238E27FC236}">
-                <a16:creationId xmlns:a16="http://schemas.microsoft.com/office/drawing/2014/main" id="{33948D3E-FB75-03B0-B1B3-B3278D69B270}"/>
+          <p:cNvPr id="81" name="Straight Connector 2072">
+            <a:extLst>
+              <a:ext uri="{FF2B5EF4-FFF2-40B4-BE49-F238E27FC236}">
+                <a16:creationId xmlns:a16="http://schemas.microsoft.com/office/drawing/2014/main" id="{EC01B7EE-054E-9408-10F2-645407E8B16C}"/>
               </a:ext>
             </a:extLst>
           </p:cNvPr>
@@ -5057,7 +7483,7 @@
         </p:nvCxnSpPr>
         <p:spPr>
           <a:xfrm flipH="1">
-            <a:off x="1992368" y="4573777"/>
+            <a:off x="1765942" y="4523489"/>
             <a:ext cx="0" cy="90000"/>
           </a:xfrm>
           <a:prstGeom prst="line">
@@ -5089,10 +7515,10 @@
       </p:cxnSp>
       <p:cxnSp>
         <p:nvCxnSpPr>
-          <p:cNvPr id="156" name="Straight Connector 2073">
-            <a:extLst>
-              <a:ext uri="{FF2B5EF4-FFF2-40B4-BE49-F238E27FC236}">
-                <a16:creationId xmlns:a16="http://schemas.microsoft.com/office/drawing/2014/main" id="{9B661557-E3F2-88B4-4873-EA2A23F70570}"/>
+          <p:cNvPr id="82" name="Straight Connector 2073">
+            <a:extLst>
+              <a:ext uri="{FF2B5EF4-FFF2-40B4-BE49-F238E27FC236}">
+                <a16:creationId xmlns:a16="http://schemas.microsoft.com/office/drawing/2014/main" id="{A3E6D702-E39C-6A53-BF69-EE4C154D5A35}"/>
               </a:ext>
             </a:extLst>
           </p:cNvPr>
@@ -5103,7 +7529,7 @@
         </p:nvCxnSpPr>
         <p:spPr>
           <a:xfrm flipH="1">
-            <a:off x="2284908" y="4573777"/>
+            <a:off x="2058482" y="4523489"/>
             <a:ext cx="0" cy="90000"/>
           </a:xfrm>
           <a:prstGeom prst="line">
@@ -5135,10 +7561,10 @@
       </p:cxnSp>
       <p:cxnSp>
         <p:nvCxnSpPr>
-          <p:cNvPr id="157" name="Straight Connector 2074">
-            <a:extLst>
-              <a:ext uri="{FF2B5EF4-FFF2-40B4-BE49-F238E27FC236}">
-                <a16:creationId xmlns:a16="http://schemas.microsoft.com/office/drawing/2014/main" id="{8EE70893-1041-3402-4524-AD56E2569672}"/>
+          <p:cNvPr id="83" name="Straight Connector 2074">
+            <a:extLst>
+              <a:ext uri="{FF2B5EF4-FFF2-40B4-BE49-F238E27FC236}">
+                <a16:creationId xmlns:a16="http://schemas.microsoft.com/office/drawing/2014/main" id="{52BDDD38-E8E1-AEB6-15A6-22B70CE86415}"/>
               </a:ext>
             </a:extLst>
           </p:cNvPr>
@@ -5149,7 +7575,7 @@
         </p:nvCxnSpPr>
         <p:spPr>
           <a:xfrm flipH="1">
-            <a:off x="1846098" y="4573777"/>
+            <a:off x="1619672" y="4523489"/>
             <a:ext cx="0" cy="90000"/>
           </a:xfrm>
           <a:prstGeom prst="line">
@@ -5181,10 +7607,10 @@
       </p:cxnSp>
       <p:cxnSp>
         <p:nvCxnSpPr>
-          <p:cNvPr id="158" name="Straight Connector 2075">
-            <a:extLst>
-              <a:ext uri="{FF2B5EF4-FFF2-40B4-BE49-F238E27FC236}">
-                <a16:creationId xmlns:a16="http://schemas.microsoft.com/office/drawing/2014/main" id="{EAC5F9E1-F7E7-DE6C-6BA4-66C389DC78D0}"/>
+          <p:cNvPr id="84" name="Straight Connector 2075">
+            <a:extLst>
+              <a:ext uri="{FF2B5EF4-FFF2-40B4-BE49-F238E27FC236}">
+                <a16:creationId xmlns:a16="http://schemas.microsoft.com/office/drawing/2014/main" id="{80223BD6-2997-D2AA-B41D-3909B8AD871D}"/>
               </a:ext>
             </a:extLst>
           </p:cNvPr>
@@ -5195,7 +7621,7 @@
         </p:nvCxnSpPr>
         <p:spPr>
           <a:xfrm flipH="1">
-            <a:off x="822208" y="4573777"/>
+            <a:off x="595782" y="4523489"/>
             <a:ext cx="0" cy="90000"/>
           </a:xfrm>
           <a:prstGeom prst="line">
@@ -5227,10 +7653,10 @@
       </p:cxnSp>
       <p:cxnSp>
         <p:nvCxnSpPr>
-          <p:cNvPr id="159" name="Straight Connector 2076">
-            <a:extLst>
-              <a:ext uri="{FF2B5EF4-FFF2-40B4-BE49-F238E27FC236}">
-                <a16:creationId xmlns:a16="http://schemas.microsoft.com/office/drawing/2014/main" id="{87FC4C6C-82D9-9EFE-80E0-45E48733A6B0}"/>
+          <p:cNvPr id="85" name="Straight Connector 2076">
+            <a:extLst>
+              <a:ext uri="{FF2B5EF4-FFF2-40B4-BE49-F238E27FC236}">
+                <a16:creationId xmlns:a16="http://schemas.microsoft.com/office/drawing/2014/main" id="{73390D3F-4891-7C89-546E-44B138C88A01}"/>
               </a:ext>
             </a:extLst>
           </p:cNvPr>
@@ -5241,7 +7667,7 @@
         </p:nvCxnSpPr>
         <p:spPr>
           <a:xfrm flipH="1">
-            <a:off x="1553558" y="4573777"/>
+            <a:off x="1327132" y="4523489"/>
             <a:ext cx="0" cy="90000"/>
           </a:xfrm>
           <a:prstGeom prst="line">
@@ -5273,10 +7699,10 @@
       </p:cxnSp>
       <p:cxnSp>
         <p:nvCxnSpPr>
-          <p:cNvPr id="160" name="Straight Connector 2077">
-            <a:extLst>
-              <a:ext uri="{FF2B5EF4-FFF2-40B4-BE49-F238E27FC236}">
-                <a16:creationId xmlns:a16="http://schemas.microsoft.com/office/drawing/2014/main" id="{D35F77B4-B029-8A62-99C5-362F3B85E87D}"/>
+          <p:cNvPr id="86" name="Straight Connector 2077">
+            <a:extLst>
+              <a:ext uri="{FF2B5EF4-FFF2-40B4-BE49-F238E27FC236}">
+                <a16:creationId xmlns:a16="http://schemas.microsoft.com/office/drawing/2014/main" id="{FF395ECC-066C-C792-972E-69754C71004E}"/>
               </a:ext>
             </a:extLst>
           </p:cNvPr>
@@ -5287,7 +7713,7 @@
         </p:nvCxnSpPr>
         <p:spPr>
           <a:xfrm flipH="1">
-            <a:off x="1699828" y="4573777"/>
+            <a:off x="1473402" y="4523489"/>
             <a:ext cx="0" cy="90000"/>
           </a:xfrm>
           <a:prstGeom prst="line">
@@ -5319,10 +7745,10 @@
       </p:cxnSp>
       <p:cxnSp>
         <p:nvCxnSpPr>
-          <p:cNvPr id="161" name="Straight Connector 2078">
-            <a:extLst>
-              <a:ext uri="{FF2B5EF4-FFF2-40B4-BE49-F238E27FC236}">
-                <a16:creationId xmlns:a16="http://schemas.microsoft.com/office/drawing/2014/main" id="{18E4DBD7-8268-3DE2-850C-AC36CA06EF89}"/>
+          <p:cNvPr id="87" name="Straight Connector 2078">
+            <a:extLst>
+              <a:ext uri="{FF2B5EF4-FFF2-40B4-BE49-F238E27FC236}">
+                <a16:creationId xmlns:a16="http://schemas.microsoft.com/office/drawing/2014/main" id="{A813C4DB-5CF0-D250-3FAE-9F2B1670E434}"/>
               </a:ext>
             </a:extLst>
           </p:cNvPr>
@@ -5333,7 +7759,7 @@
         </p:nvCxnSpPr>
         <p:spPr>
           <a:xfrm flipH="1">
-            <a:off x="2138638" y="4573777"/>
+            <a:off x="1912212" y="4523489"/>
             <a:ext cx="0" cy="90000"/>
           </a:xfrm>
           <a:prstGeom prst="line">
@@ -5365,10 +7791,10 @@
       </p:cxnSp>
       <p:cxnSp>
         <p:nvCxnSpPr>
-          <p:cNvPr id="162" name="Straight Connector 2079">
-            <a:extLst>
-              <a:ext uri="{FF2B5EF4-FFF2-40B4-BE49-F238E27FC236}">
-                <a16:creationId xmlns:a16="http://schemas.microsoft.com/office/drawing/2014/main" id="{F4840A12-D4ED-A87F-697C-0C8F84AC1794}"/>
+          <p:cNvPr id="88" name="Straight Connector 2079">
+            <a:extLst>
+              <a:ext uri="{FF2B5EF4-FFF2-40B4-BE49-F238E27FC236}">
+                <a16:creationId xmlns:a16="http://schemas.microsoft.com/office/drawing/2014/main" id="{84B7045D-879F-82BE-7E86-4A20318A0851}"/>
               </a:ext>
             </a:extLst>
           </p:cNvPr>
@@ -5379,7 +7805,7 @@
         </p:nvCxnSpPr>
         <p:spPr>
           <a:xfrm flipH="1">
-            <a:off x="2431178" y="4573777"/>
+            <a:off x="2204752" y="4523489"/>
             <a:ext cx="0" cy="90000"/>
           </a:xfrm>
           <a:prstGeom prst="line">
@@ -5411,10 +7837,10 @@
       </p:cxnSp>
       <p:cxnSp>
         <p:nvCxnSpPr>
-          <p:cNvPr id="163" name="Straight Connector 2080">
-            <a:extLst>
-              <a:ext uri="{FF2B5EF4-FFF2-40B4-BE49-F238E27FC236}">
-                <a16:creationId xmlns:a16="http://schemas.microsoft.com/office/drawing/2014/main" id="{6E933951-D185-D579-A55C-DC2B0C8D57E2}"/>
+          <p:cNvPr id="89" name="Straight Connector 2080">
+            <a:extLst>
+              <a:ext uri="{FF2B5EF4-FFF2-40B4-BE49-F238E27FC236}">
+                <a16:creationId xmlns:a16="http://schemas.microsoft.com/office/drawing/2014/main" id="{0F000D72-EA49-7F2A-782D-1A6D87793BE7}"/>
               </a:ext>
             </a:extLst>
           </p:cNvPr>
@@ -5425,7 +7851,7 @@
         </p:nvCxnSpPr>
         <p:spPr>
           <a:xfrm flipH="1">
-            <a:off x="2577448" y="4573777"/>
+            <a:off x="2351022" y="4523489"/>
             <a:ext cx="0" cy="90000"/>
           </a:xfrm>
           <a:prstGeom prst="line">
@@ -5457,10 +7883,10 @@
       </p:cxnSp>
       <p:cxnSp>
         <p:nvCxnSpPr>
-          <p:cNvPr id="164" name="Straight Connector 2081">
-            <a:extLst>
-              <a:ext uri="{FF2B5EF4-FFF2-40B4-BE49-F238E27FC236}">
-                <a16:creationId xmlns:a16="http://schemas.microsoft.com/office/drawing/2014/main" id="{0C469482-B381-E870-48CB-72F5AA5C784E}"/>
+          <p:cNvPr id="90" name="Straight Connector 2081">
+            <a:extLst>
+              <a:ext uri="{FF2B5EF4-FFF2-40B4-BE49-F238E27FC236}">
+                <a16:creationId xmlns:a16="http://schemas.microsoft.com/office/drawing/2014/main" id="{E0CE495E-73AE-568B-FD30-90C607FD5C36}"/>
               </a:ext>
             </a:extLst>
           </p:cNvPr>
@@ -5471,7 +7897,7 @@
         </p:nvCxnSpPr>
         <p:spPr>
           <a:xfrm flipH="1">
-            <a:off x="2723718" y="4573777"/>
+            <a:off x="2497292" y="4523489"/>
             <a:ext cx="0" cy="90000"/>
           </a:xfrm>
           <a:prstGeom prst="line">
@@ -5503,10 +7929,10 @@
       </p:cxnSp>
       <p:cxnSp>
         <p:nvCxnSpPr>
-          <p:cNvPr id="165" name="Straight Connector 2082">
-            <a:extLst>
-              <a:ext uri="{FF2B5EF4-FFF2-40B4-BE49-F238E27FC236}">
-                <a16:creationId xmlns:a16="http://schemas.microsoft.com/office/drawing/2014/main" id="{68C25F11-19AD-533A-0736-9CA4B228B1B5}"/>
+          <p:cNvPr id="91" name="Straight Connector 2082">
+            <a:extLst>
+              <a:ext uri="{FF2B5EF4-FFF2-40B4-BE49-F238E27FC236}">
+                <a16:creationId xmlns:a16="http://schemas.microsoft.com/office/drawing/2014/main" id="{F214E99E-1106-954B-4649-C30A0F0B168E}"/>
               </a:ext>
             </a:extLst>
           </p:cNvPr>
@@ -5517,7 +7943,7 @@
         </p:nvCxnSpPr>
         <p:spPr>
           <a:xfrm flipH="1">
-            <a:off x="2869988" y="4573777"/>
+            <a:off x="2643562" y="4523489"/>
             <a:ext cx="0" cy="90000"/>
           </a:xfrm>
           <a:prstGeom prst="line">
@@ -5549,10 +7975,10 @@
       </p:cxnSp>
       <p:cxnSp>
         <p:nvCxnSpPr>
-          <p:cNvPr id="166" name="Straight Connector 2083">
-            <a:extLst>
-              <a:ext uri="{FF2B5EF4-FFF2-40B4-BE49-F238E27FC236}">
-                <a16:creationId xmlns:a16="http://schemas.microsoft.com/office/drawing/2014/main" id="{B7AAFBBB-EFF7-78C6-9978-8D3ED63C3975}"/>
+          <p:cNvPr id="92" name="Straight Connector 2083">
+            <a:extLst>
+              <a:ext uri="{FF2B5EF4-FFF2-40B4-BE49-F238E27FC236}">
+                <a16:creationId xmlns:a16="http://schemas.microsoft.com/office/drawing/2014/main" id="{917936B5-9A27-8460-AF20-24FB521B0429}"/>
               </a:ext>
             </a:extLst>
           </p:cNvPr>
@@ -5563,7 +7989,7 @@
         </p:nvCxnSpPr>
         <p:spPr>
           <a:xfrm flipH="1">
-            <a:off x="3016258" y="4573777"/>
+            <a:off x="2789832" y="4523489"/>
             <a:ext cx="0" cy="90000"/>
           </a:xfrm>
           <a:prstGeom prst="line">
@@ -5595,10 +8021,10 @@
       </p:cxnSp>
       <p:cxnSp>
         <p:nvCxnSpPr>
-          <p:cNvPr id="167" name="Straight Connector 2084">
-            <a:extLst>
-              <a:ext uri="{FF2B5EF4-FFF2-40B4-BE49-F238E27FC236}">
-                <a16:creationId xmlns:a16="http://schemas.microsoft.com/office/drawing/2014/main" id="{65744D60-8211-3719-71C7-B7A49BF464DF}"/>
+          <p:cNvPr id="112" name="Straight Connector 2084">
+            <a:extLst>
+              <a:ext uri="{FF2B5EF4-FFF2-40B4-BE49-F238E27FC236}">
+                <a16:creationId xmlns:a16="http://schemas.microsoft.com/office/drawing/2014/main" id="{FC3B35EB-6498-EC15-3E2E-18D8563D09B1}"/>
               </a:ext>
             </a:extLst>
           </p:cNvPr>
@@ -5609,7 +8035,7 @@
         </p:nvCxnSpPr>
         <p:spPr>
           <a:xfrm flipH="1">
-            <a:off x="3162528" y="4573777"/>
+            <a:off x="2936102" y="4523489"/>
             <a:ext cx="0" cy="90000"/>
           </a:xfrm>
           <a:prstGeom prst="line">
@@ -5641,10 +8067,10 @@
       </p:cxnSp>
       <p:cxnSp>
         <p:nvCxnSpPr>
-          <p:cNvPr id="168" name="Straight Connector 2085">
-            <a:extLst>
-              <a:ext uri="{FF2B5EF4-FFF2-40B4-BE49-F238E27FC236}">
-                <a16:creationId xmlns:a16="http://schemas.microsoft.com/office/drawing/2014/main" id="{1C82B52A-B8B1-36EB-7DFC-8FC7B86CC33D}"/>
+          <p:cNvPr id="113" name="Straight Connector 2085">
+            <a:extLst>
+              <a:ext uri="{FF2B5EF4-FFF2-40B4-BE49-F238E27FC236}">
+                <a16:creationId xmlns:a16="http://schemas.microsoft.com/office/drawing/2014/main" id="{AEC006DC-8CD0-7326-DF2C-9AACE0602883}"/>
               </a:ext>
             </a:extLst>
           </p:cNvPr>
@@ -5655,7 +8081,7 @@
         </p:nvCxnSpPr>
         <p:spPr>
           <a:xfrm flipH="1">
-            <a:off x="3308798" y="4573777"/>
+            <a:off x="3082372" y="4523489"/>
             <a:ext cx="0" cy="90000"/>
           </a:xfrm>
           <a:prstGeom prst="line">
@@ -5687,10 +8113,10 @@
       </p:cxnSp>
       <p:cxnSp>
         <p:nvCxnSpPr>
-          <p:cNvPr id="169" name="Straight Connector 2086">
-            <a:extLst>
-              <a:ext uri="{FF2B5EF4-FFF2-40B4-BE49-F238E27FC236}">
-                <a16:creationId xmlns:a16="http://schemas.microsoft.com/office/drawing/2014/main" id="{2BC1E51E-8090-8392-CE11-C58F2F34DBDF}"/>
+          <p:cNvPr id="114" name="Straight Connector 2086">
+            <a:extLst>
+              <a:ext uri="{FF2B5EF4-FFF2-40B4-BE49-F238E27FC236}">
+                <a16:creationId xmlns:a16="http://schemas.microsoft.com/office/drawing/2014/main" id="{2642BFB2-F8BA-DE1A-AFCF-147A3224373F}"/>
               </a:ext>
             </a:extLst>
           </p:cNvPr>
@@ -5701,7 +8127,7 @@
         </p:nvCxnSpPr>
         <p:spPr>
           <a:xfrm flipH="1">
-            <a:off x="3455064" y="4573777"/>
+            <a:off x="3228638" y="4523489"/>
             <a:ext cx="0" cy="90000"/>
           </a:xfrm>
           <a:prstGeom prst="line">
@@ -5733,10 +8159,10 @@
       </p:cxnSp>
       <p:sp>
         <p:nvSpPr>
-          <p:cNvPr id="170" name="TextBox 2087">
-            <a:extLst>
-              <a:ext uri="{FF2B5EF4-FFF2-40B4-BE49-F238E27FC236}">
-                <a16:creationId xmlns:a16="http://schemas.microsoft.com/office/drawing/2014/main" id="{65D39ED4-F8A3-C14B-22AF-0DEE9CA3AFE3}"/>
+          <p:cNvPr id="115" name="TextBox 2087">
+            <a:extLst>
+              <a:ext uri="{FF2B5EF4-FFF2-40B4-BE49-F238E27FC236}">
+                <a16:creationId xmlns:a16="http://schemas.microsoft.com/office/drawing/2014/main" id="{23EEF225-A2AF-35B2-50D7-3265516E7B5F}"/>
               </a:ext>
             </a:extLst>
           </p:cNvPr>
@@ -5745,7 +8171,7 @@
         </p:nvSpPr>
         <p:spPr>
           <a:xfrm>
-            <a:off x="521490" y="4647796"/>
+            <a:off x="295064" y="4597508"/>
             <a:ext cx="307777" cy="496886"/>
           </a:xfrm>
           <a:prstGeom prst="rect">
@@ -5773,10 +8199,10 @@
       </p:sp>
       <p:sp>
         <p:nvSpPr>
-          <p:cNvPr id="172" name="TextBox 171">
-            <a:extLst>
-              <a:ext uri="{FF2B5EF4-FFF2-40B4-BE49-F238E27FC236}">
-                <a16:creationId xmlns:a16="http://schemas.microsoft.com/office/drawing/2014/main" id="{42716142-9967-2203-97F0-06AE13E4D758}"/>
+          <p:cNvPr id="116" name="TextBox 171">
+            <a:extLst>
+              <a:ext uri="{FF2B5EF4-FFF2-40B4-BE49-F238E27FC236}">
+                <a16:creationId xmlns:a16="http://schemas.microsoft.com/office/drawing/2014/main" id="{5AE22584-4CB1-9A61-0BAB-C782A0766919}"/>
               </a:ext>
             </a:extLst>
           </p:cNvPr>
@@ -5785,7 +8211,7 @@
         </p:nvSpPr>
         <p:spPr>
           <a:xfrm>
-            <a:off x="598251" y="4829605"/>
+            <a:off x="371825" y="4779317"/>
             <a:ext cx="2872310" cy="338554"/>
           </a:xfrm>
           <a:prstGeom prst="rect">
@@ -5830,10 +8256,10 @@
       </p:sp>
       <p:sp>
         <p:nvSpPr>
-          <p:cNvPr id="173" name="TextBox 172">
-            <a:extLst>
-              <a:ext uri="{FF2B5EF4-FFF2-40B4-BE49-F238E27FC236}">
-                <a16:creationId xmlns:a16="http://schemas.microsoft.com/office/drawing/2014/main" id="{966A2799-3AB0-A0F4-8A9F-EC06112BD077}"/>
+          <p:cNvPr id="117" name="TextBox 172">
+            <a:extLst>
+              <a:ext uri="{FF2B5EF4-FFF2-40B4-BE49-F238E27FC236}">
+                <a16:creationId xmlns:a16="http://schemas.microsoft.com/office/drawing/2014/main" id="{8D80B2B8-2264-E0C1-1519-569001ECE620}"/>
               </a:ext>
             </a:extLst>
           </p:cNvPr>
@@ -5842,7 +8268,7 @@
         </p:nvSpPr>
         <p:spPr>
           <a:xfrm>
-            <a:off x="3011382" y="5140588"/>
+            <a:off x="2795846" y="5090300"/>
             <a:ext cx="654804" cy="215444"/>
           </a:xfrm>
           <a:prstGeom prst="rect">
@@ -5873,10 +8299,10 @@
       </p:sp>
       <p:sp>
         <p:nvSpPr>
-          <p:cNvPr id="174" name="TextBox 173">
-            <a:extLst>
-              <a:ext uri="{FF2B5EF4-FFF2-40B4-BE49-F238E27FC236}">
-                <a16:creationId xmlns:a16="http://schemas.microsoft.com/office/drawing/2014/main" id="{14B2776F-0E30-2844-68CE-22C634A38F19}"/>
+          <p:cNvPr id="118" name="TextBox 173">
+            <a:extLst>
+              <a:ext uri="{FF2B5EF4-FFF2-40B4-BE49-F238E27FC236}">
+                <a16:creationId xmlns:a16="http://schemas.microsoft.com/office/drawing/2014/main" id="{8362F97E-1CD9-B680-1D59-319EBC16C9F2}"/>
               </a:ext>
             </a:extLst>
           </p:cNvPr>
@@ -5885,7 +8311,7 @@
         </p:nvSpPr>
         <p:spPr>
           <a:xfrm>
-            <a:off x="2699721" y="5140588"/>
+            <a:off x="2473295" y="5090300"/>
             <a:ext cx="654804" cy="215444"/>
           </a:xfrm>
           <a:prstGeom prst="rect">
@@ -5916,10 +8342,10 @@
       </p:sp>
       <p:sp>
         <p:nvSpPr>
-          <p:cNvPr id="175" name="TextBox 174">
-            <a:extLst>
-              <a:ext uri="{FF2B5EF4-FFF2-40B4-BE49-F238E27FC236}">
-                <a16:creationId xmlns:a16="http://schemas.microsoft.com/office/drawing/2014/main" id="{ADFD0149-00D7-F2A5-3219-78AC3D4BE54F}"/>
+          <p:cNvPr id="119" name="TextBox 174">
+            <a:extLst>
+              <a:ext uri="{FF2B5EF4-FFF2-40B4-BE49-F238E27FC236}">
+                <a16:creationId xmlns:a16="http://schemas.microsoft.com/office/drawing/2014/main" id="{1AE9038A-D55C-833F-272D-F86D41D8EB54}"/>
               </a:ext>
             </a:extLst>
           </p:cNvPr>
@@ -5928,7 +8354,7 @@
         </p:nvSpPr>
         <p:spPr>
           <a:xfrm>
-            <a:off x="647405" y="5140588"/>
+            <a:off x="420979" y="5090300"/>
             <a:ext cx="654804" cy="215444"/>
           </a:xfrm>
           <a:prstGeom prst="rect">
@@ -5959,10 +8385,10 @@
       </p:sp>
       <p:sp>
         <p:nvSpPr>
-          <p:cNvPr id="176" name="TextBox 175">
-            <a:extLst>
-              <a:ext uri="{FF2B5EF4-FFF2-40B4-BE49-F238E27FC236}">
-                <a16:creationId xmlns:a16="http://schemas.microsoft.com/office/drawing/2014/main" id="{4CF3F799-3D8C-B40D-F644-A0D1052D25A0}"/>
+          <p:cNvPr id="120" name="TextBox 175">
+            <a:extLst>
+              <a:ext uri="{FF2B5EF4-FFF2-40B4-BE49-F238E27FC236}">
+                <a16:creationId xmlns:a16="http://schemas.microsoft.com/office/drawing/2014/main" id="{CA4C8C09-4A58-F8E3-6ABB-C916C334841A}"/>
               </a:ext>
             </a:extLst>
           </p:cNvPr>
@@ -5971,7 +8397,7 @@
         </p:nvSpPr>
         <p:spPr>
           <a:xfrm>
-            <a:off x="940593" y="5140588"/>
+            <a:off x="714167" y="5090300"/>
             <a:ext cx="654804" cy="215444"/>
           </a:xfrm>
           <a:prstGeom prst="rect">
@@ -6002,10 +8428,10 @@
       </p:sp>
       <p:sp>
         <p:nvSpPr>
-          <p:cNvPr id="177" name="TextBox 176">
-            <a:extLst>
-              <a:ext uri="{FF2B5EF4-FFF2-40B4-BE49-F238E27FC236}">
-                <a16:creationId xmlns:a16="http://schemas.microsoft.com/office/drawing/2014/main" id="{DA2FB7CB-64EB-FDD2-DC71-4AFE78BC8F2C}"/>
+          <p:cNvPr id="121" name="TextBox 176">
+            <a:extLst>
+              <a:ext uri="{FF2B5EF4-FFF2-40B4-BE49-F238E27FC236}">
+                <a16:creationId xmlns:a16="http://schemas.microsoft.com/office/drawing/2014/main" id="{56C654D0-97EB-B642-A5D3-AF08C787696C}"/>
               </a:ext>
             </a:extLst>
           </p:cNvPr>
@@ -6014,7 +8440,7 @@
         </p:nvSpPr>
         <p:spPr>
           <a:xfrm>
-            <a:off x="1233781" y="5140588"/>
+            <a:off x="1007355" y="5090300"/>
             <a:ext cx="654804" cy="215444"/>
           </a:xfrm>
           <a:prstGeom prst="rect">
@@ -6045,10 +8471,10 @@
       </p:sp>
       <p:sp>
         <p:nvSpPr>
-          <p:cNvPr id="178" name="TextBox 177">
-            <a:extLst>
-              <a:ext uri="{FF2B5EF4-FFF2-40B4-BE49-F238E27FC236}">
-                <a16:creationId xmlns:a16="http://schemas.microsoft.com/office/drawing/2014/main" id="{2E2099F7-8694-FB42-8E9F-1D7A8F5F2226}"/>
+          <p:cNvPr id="122" name="TextBox 177">
+            <a:extLst>
+              <a:ext uri="{FF2B5EF4-FFF2-40B4-BE49-F238E27FC236}">
+                <a16:creationId xmlns:a16="http://schemas.microsoft.com/office/drawing/2014/main" id="{8498373F-7CBE-7C55-9C2A-04F493A2BDE8}"/>
               </a:ext>
             </a:extLst>
           </p:cNvPr>
@@ -6057,7 +8483,7 @@
         </p:nvSpPr>
         <p:spPr>
           <a:xfrm>
-            <a:off x="1526969" y="5140588"/>
+            <a:off x="1300543" y="5090300"/>
             <a:ext cx="654804" cy="215444"/>
           </a:xfrm>
           <a:prstGeom prst="rect">
@@ -6088,10 +8514,10 @@
       </p:sp>
       <p:sp>
         <p:nvSpPr>
-          <p:cNvPr id="179" name="TextBox 178">
-            <a:extLst>
-              <a:ext uri="{FF2B5EF4-FFF2-40B4-BE49-F238E27FC236}">
-                <a16:creationId xmlns:a16="http://schemas.microsoft.com/office/drawing/2014/main" id="{A0F38D58-1F24-6403-C793-6F1E1C076B7C}"/>
+          <p:cNvPr id="123" name="TextBox 178">
+            <a:extLst>
+              <a:ext uri="{FF2B5EF4-FFF2-40B4-BE49-F238E27FC236}">
+                <a16:creationId xmlns:a16="http://schemas.microsoft.com/office/drawing/2014/main" id="{CD693DA3-2BE6-1820-4325-7CCC031FF69A}"/>
               </a:ext>
             </a:extLst>
           </p:cNvPr>
@@ -6100,7 +8526,7 @@
         </p:nvSpPr>
         <p:spPr>
           <a:xfrm>
-            <a:off x="1820157" y="5140588"/>
+            <a:off x="1593731" y="5090300"/>
             <a:ext cx="654804" cy="215444"/>
           </a:xfrm>
           <a:prstGeom prst="rect">
@@ -6131,10 +8557,10 @@
       </p:sp>
       <p:sp>
         <p:nvSpPr>
-          <p:cNvPr id="180" name="TextBox 179">
-            <a:extLst>
-              <a:ext uri="{FF2B5EF4-FFF2-40B4-BE49-F238E27FC236}">
-                <a16:creationId xmlns:a16="http://schemas.microsoft.com/office/drawing/2014/main" id="{FDA3EB20-4384-32BB-1F98-B88E5C9BB97F}"/>
+          <p:cNvPr id="124" name="TextBox 179">
+            <a:extLst>
+              <a:ext uri="{FF2B5EF4-FFF2-40B4-BE49-F238E27FC236}">
+                <a16:creationId xmlns:a16="http://schemas.microsoft.com/office/drawing/2014/main" id="{2197173E-AF8F-9C8D-CB8E-E793207A2475}"/>
               </a:ext>
             </a:extLst>
           </p:cNvPr>
@@ -6143,7 +8569,7 @@
         </p:nvSpPr>
         <p:spPr>
           <a:xfrm>
-            <a:off x="2113345" y="5140588"/>
+            <a:off x="1886919" y="5090300"/>
             <a:ext cx="654804" cy="215444"/>
           </a:xfrm>
           <a:prstGeom prst="rect">
@@ -6174,10 +8600,10 @@
       </p:sp>
       <p:sp>
         <p:nvSpPr>
-          <p:cNvPr id="181" name="TextBox 180">
-            <a:extLst>
-              <a:ext uri="{FF2B5EF4-FFF2-40B4-BE49-F238E27FC236}">
-                <a16:creationId xmlns:a16="http://schemas.microsoft.com/office/drawing/2014/main" id="{38EFEFFA-B1E5-1114-AFE3-FE71DA6934CA}"/>
+          <p:cNvPr id="125" name="TextBox 180">
+            <a:extLst>
+              <a:ext uri="{FF2B5EF4-FFF2-40B4-BE49-F238E27FC236}">
+                <a16:creationId xmlns:a16="http://schemas.microsoft.com/office/drawing/2014/main" id="{6D26EED1-8158-E6DB-2B2E-6777CEDE0FA3}"/>
               </a:ext>
             </a:extLst>
           </p:cNvPr>
@@ -6186,7 +8612,7 @@
         </p:nvSpPr>
         <p:spPr>
           <a:xfrm>
-            <a:off x="2406533" y="5140588"/>
+            <a:off x="2180107" y="5090300"/>
             <a:ext cx="654804" cy="215444"/>
           </a:xfrm>
           <a:prstGeom prst="rect">
@@ -6217,10 +8643,10 @@
       </p:sp>
       <p:sp>
         <p:nvSpPr>
-          <p:cNvPr id="182" name="TextBox 181">
-            <a:extLst>
-              <a:ext uri="{FF2B5EF4-FFF2-40B4-BE49-F238E27FC236}">
-                <a16:creationId xmlns:a16="http://schemas.microsoft.com/office/drawing/2014/main" id="{76895109-08D7-4A0D-BFF4-50D998E1BD5C}"/>
+          <p:cNvPr id="126" name="TextBox 181">
+            <a:extLst>
+              <a:ext uri="{FF2B5EF4-FFF2-40B4-BE49-F238E27FC236}">
+                <a16:creationId xmlns:a16="http://schemas.microsoft.com/office/drawing/2014/main" id="{75A9867B-D7D0-4997-AE6E-9DF0C7680671}"/>
               </a:ext>
             </a:extLst>
           </p:cNvPr>
@@ -6229,7 +8655,7 @@
         </p:nvSpPr>
         <p:spPr>
           <a:xfrm>
-            <a:off x="625024" y="5306061"/>
+            <a:off x="398598" y="5255773"/>
             <a:ext cx="2845535" cy="215444"/>
           </a:xfrm>
           <a:prstGeom prst="rect">
@@ -6260,10 +8686,10 @@
       </p:sp>
       <p:sp>
         <p:nvSpPr>
-          <p:cNvPr id="193" name="TextBox 192">
-            <a:extLst>
-              <a:ext uri="{FF2B5EF4-FFF2-40B4-BE49-F238E27FC236}">
-                <a16:creationId xmlns:a16="http://schemas.microsoft.com/office/drawing/2014/main" id="{9F3980BC-F57E-5B04-DFE2-10D351524428}"/>
+          <p:cNvPr id="127" name="TextBox 192">
+            <a:extLst>
+              <a:ext uri="{FF2B5EF4-FFF2-40B4-BE49-F238E27FC236}">
+                <a16:creationId xmlns:a16="http://schemas.microsoft.com/office/drawing/2014/main" id="{85FAB9D5-E24D-E971-B1DD-E2E4C9A28C21}"/>
               </a:ext>
             </a:extLst>
           </p:cNvPr>
@@ -6272,7 +8698,7 @@
         </p:nvSpPr>
         <p:spPr>
           <a:xfrm>
-            <a:off x="373269" y="5140588"/>
+            <a:off x="146843" y="5090300"/>
             <a:ext cx="654804" cy="215444"/>
           </a:xfrm>
           <a:prstGeom prst="rect">
@@ -6303,10 +8729,10 @@
       </p:sp>
       <p:cxnSp>
         <p:nvCxnSpPr>
-          <p:cNvPr id="198" name="Straight Connector 2070">
-            <a:extLst>
-              <a:ext uri="{FF2B5EF4-FFF2-40B4-BE49-F238E27FC236}">
-                <a16:creationId xmlns:a16="http://schemas.microsoft.com/office/drawing/2014/main" id="{3F788C23-4752-7128-E6AF-9F604B32606A}"/>
+          <p:cNvPr id="128" name="Straight Connector 2070">
+            <a:extLst>
+              <a:ext uri="{FF2B5EF4-FFF2-40B4-BE49-F238E27FC236}">
+                <a16:creationId xmlns:a16="http://schemas.microsoft.com/office/drawing/2014/main" id="{0F1CF7E1-FC17-E3B0-6E5F-4AB12AC00213}"/>
               </a:ext>
             </a:extLst>
           </p:cNvPr>
@@ -6317,7 +8743,7 @@
         </p:nvCxnSpPr>
         <p:spPr>
           <a:xfrm flipH="1">
-            <a:off x="1109870" y="5195743"/>
+            <a:off x="883444" y="5145455"/>
             <a:ext cx="0" cy="90000"/>
           </a:xfrm>
           <a:prstGeom prst="line">
@@ -6349,10 +8775,10 @@
       </p:cxnSp>
       <p:cxnSp>
         <p:nvCxnSpPr>
-          <p:cNvPr id="199" name="Straight Connector 2071">
-            <a:extLst>
-              <a:ext uri="{FF2B5EF4-FFF2-40B4-BE49-F238E27FC236}">
-                <a16:creationId xmlns:a16="http://schemas.microsoft.com/office/drawing/2014/main" id="{0BECD341-2852-2754-0BC9-89DFFA644CF4}"/>
+          <p:cNvPr id="129" name="Straight Connector 2071">
+            <a:extLst>
+              <a:ext uri="{FF2B5EF4-FFF2-40B4-BE49-F238E27FC236}">
+                <a16:creationId xmlns:a16="http://schemas.microsoft.com/office/drawing/2014/main" id="{C28E1058-113E-AADD-D3F8-BF8879AC209A}"/>
               </a:ext>
             </a:extLst>
           </p:cNvPr>
@@ -6363,7 +8789,7 @@
         </p:nvCxnSpPr>
         <p:spPr>
           <a:xfrm flipH="1">
-            <a:off x="1402410" y="5195743"/>
+            <a:off x="1175984" y="5145455"/>
             <a:ext cx="0" cy="90000"/>
           </a:xfrm>
           <a:prstGeom prst="line">
@@ -6395,10 +8821,10 @@
       </p:cxnSp>
       <p:cxnSp>
         <p:nvCxnSpPr>
-          <p:cNvPr id="200" name="Straight Connector 2072">
-            <a:extLst>
-              <a:ext uri="{FF2B5EF4-FFF2-40B4-BE49-F238E27FC236}">
-                <a16:creationId xmlns:a16="http://schemas.microsoft.com/office/drawing/2014/main" id="{AE811453-AAC3-51AD-E825-C62B6CCD2F74}"/>
+          <p:cNvPr id="130" name="Straight Connector 2072">
+            <a:extLst>
+              <a:ext uri="{FF2B5EF4-FFF2-40B4-BE49-F238E27FC236}">
+                <a16:creationId xmlns:a16="http://schemas.microsoft.com/office/drawing/2014/main" id="{BFC519B1-AFB3-15E2-35F7-3E2F9FC12B74}"/>
               </a:ext>
             </a:extLst>
           </p:cNvPr>
@@ -6409,7 +8835,7 @@
         </p:nvCxnSpPr>
         <p:spPr>
           <a:xfrm flipH="1">
-            <a:off x="1987490" y="5195743"/>
+            <a:off x="1761064" y="5145455"/>
             <a:ext cx="0" cy="90000"/>
           </a:xfrm>
           <a:prstGeom prst="line">
@@ -6441,10 +8867,10 @@
       </p:cxnSp>
       <p:cxnSp>
         <p:nvCxnSpPr>
-          <p:cNvPr id="201" name="Straight Connector 2073">
-            <a:extLst>
-              <a:ext uri="{FF2B5EF4-FFF2-40B4-BE49-F238E27FC236}">
-                <a16:creationId xmlns:a16="http://schemas.microsoft.com/office/drawing/2014/main" id="{D6F5427E-D27A-677B-3DD2-D9B5E81E413B}"/>
+          <p:cNvPr id="131" name="Straight Connector 2073">
+            <a:extLst>
+              <a:ext uri="{FF2B5EF4-FFF2-40B4-BE49-F238E27FC236}">
+                <a16:creationId xmlns:a16="http://schemas.microsoft.com/office/drawing/2014/main" id="{F3620F06-1C67-576F-03C0-F1AC8E711CF7}"/>
               </a:ext>
             </a:extLst>
           </p:cNvPr>
@@ -6455,7 +8881,7 @@
         </p:nvCxnSpPr>
         <p:spPr>
           <a:xfrm flipH="1">
-            <a:off x="2280030" y="5195743"/>
+            <a:off x="2053604" y="5145455"/>
             <a:ext cx="0" cy="90000"/>
           </a:xfrm>
           <a:prstGeom prst="line">
@@ -6487,10 +8913,10 @@
       </p:cxnSp>
       <p:cxnSp>
         <p:nvCxnSpPr>
-          <p:cNvPr id="203" name="Straight Connector 2075">
-            <a:extLst>
-              <a:ext uri="{FF2B5EF4-FFF2-40B4-BE49-F238E27FC236}">
-                <a16:creationId xmlns:a16="http://schemas.microsoft.com/office/drawing/2014/main" id="{A86519DB-D77C-5640-9F52-AB02F9FC0006}"/>
+          <p:cNvPr id="132" name="Straight Connector 2075">
+            <a:extLst>
+              <a:ext uri="{FF2B5EF4-FFF2-40B4-BE49-F238E27FC236}">
+                <a16:creationId xmlns:a16="http://schemas.microsoft.com/office/drawing/2014/main" id="{76037F9D-F5FF-E56A-DE6B-795EB7C64110}"/>
               </a:ext>
             </a:extLst>
           </p:cNvPr>
@@ -6501,7 +8927,7 @@
         </p:nvCxnSpPr>
         <p:spPr>
           <a:xfrm flipH="1">
-            <a:off x="822382" y="5195743"/>
+            <a:off x="595956" y="5145455"/>
             <a:ext cx="0" cy="90000"/>
           </a:xfrm>
           <a:prstGeom prst="line">
@@ -6533,10 +8959,10 @@
       </p:cxnSp>
       <p:cxnSp>
         <p:nvCxnSpPr>
-          <p:cNvPr id="205" name="Straight Connector 2077">
-            <a:extLst>
-              <a:ext uri="{FF2B5EF4-FFF2-40B4-BE49-F238E27FC236}">
-                <a16:creationId xmlns:a16="http://schemas.microsoft.com/office/drawing/2014/main" id="{44AD264B-C55D-E82C-8356-6C3BEEECF730}"/>
+          <p:cNvPr id="133" name="Straight Connector 2077">
+            <a:extLst>
+              <a:ext uri="{FF2B5EF4-FFF2-40B4-BE49-F238E27FC236}">
+                <a16:creationId xmlns:a16="http://schemas.microsoft.com/office/drawing/2014/main" id="{3178DCA1-619C-7A7B-AE74-316F7DDAFCA7}"/>
               </a:ext>
             </a:extLst>
           </p:cNvPr>
@@ -6547,7 +8973,7 @@
         </p:nvCxnSpPr>
         <p:spPr>
           <a:xfrm flipH="1">
-            <a:off x="1694950" y="5195743"/>
+            <a:off x="1468524" y="5145455"/>
             <a:ext cx="0" cy="90000"/>
           </a:xfrm>
           <a:prstGeom prst="line">
@@ -6579,10 +9005,10 @@
       </p:cxnSp>
       <p:cxnSp>
         <p:nvCxnSpPr>
-          <p:cNvPr id="208" name="Straight Connector 2080">
-            <a:extLst>
-              <a:ext uri="{FF2B5EF4-FFF2-40B4-BE49-F238E27FC236}">
-                <a16:creationId xmlns:a16="http://schemas.microsoft.com/office/drawing/2014/main" id="{C2A49612-1D79-D211-9548-427494F97A5F}"/>
+          <p:cNvPr id="134" name="Straight Connector 2080">
+            <a:extLst>
+              <a:ext uri="{FF2B5EF4-FFF2-40B4-BE49-F238E27FC236}">
+                <a16:creationId xmlns:a16="http://schemas.microsoft.com/office/drawing/2014/main" id="{AB2105C0-BC6E-AB2D-82B5-53C12D611035}"/>
               </a:ext>
             </a:extLst>
           </p:cNvPr>
@@ -6593,7 +9019,7 @@
         </p:nvCxnSpPr>
         <p:spPr>
           <a:xfrm flipH="1">
-            <a:off x="2572570" y="5195743"/>
+            <a:off x="2346144" y="5145455"/>
             <a:ext cx="0" cy="90000"/>
           </a:xfrm>
           <a:prstGeom prst="line">
@@ -6625,10 +9051,10 @@
       </p:cxnSp>
       <p:cxnSp>
         <p:nvCxnSpPr>
-          <p:cNvPr id="210" name="Straight Connector 2082">
-            <a:extLst>
-              <a:ext uri="{FF2B5EF4-FFF2-40B4-BE49-F238E27FC236}">
-                <a16:creationId xmlns:a16="http://schemas.microsoft.com/office/drawing/2014/main" id="{480B1FEE-2769-26D0-99E2-65689C15105C}"/>
+          <p:cNvPr id="135" name="Straight Connector 2082">
+            <a:extLst>
+              <a:ext uri="{FF2B5EF4-FFF2-40B4-BE49-F238E27FC236}">
+                <a16:creationId xmlns:a16="http://schemas.microsoft.com/office/drawing/2014/main" id="{E8FA2846-8F29-BFAE-3FA0-AE41FE1C180D}"/>
               </a:ext>
             </a:extLst>
           </p:cNvPr>
@@ -6639,7 +9065,7 @@
         </p:nvCxnSpPr>
         <p:spPr>
           <a:xfrm flipH="1">
-            <a:off x="2865110" y="5195743"/>
+            <a:off x="2638684" y="5145455"/>
             <a:ext cx="0" cy="90000"/>
           </a:xfrm>
           <a:prstGeom prst="line">
@@ -6671,10 +9097,10 @@
       </p:cxnSp>
       <p:cxnSp>
         <p:nvCxnSpPr>
-          <p:cNvPr id="212" name="Straight Connector 2084">
-            <a:extLst>
-              <a:ext uri="{FF2B5EF4-FFF2-40B4-BE49-F238E27FC236}">
-                <a16:creationId xmlns:a16="http://schemas.microsoft.com/office/drawing/2014/main" id="{D5A81AD4-B30B-A14E-AFFC-B2114305ED3B}"/>
+          <p:cNvPr id="136" name="Straight Connector 2084">
+            <a:extLst>
+              <a:ext uri="{FF2B5EF4-FFF2-40B4-BE49-F238E27FC236}">
+                <a16:creationId xmlns:a16="http://schemas.microsoft.com/office/drawing/2014/main" id="{0A500DF4-D33D-6ED9-1EEB-42DAB73C832A}"/>
               </a:ext>
             </a:extLst>
           </p:cNvPr>
@@ -6685,7 +9111,7 @@
         </p:nvCxnSpPr>
         <p:spPr>
           <a:xfrm flipH="1">
-            <a:off x="3157650" y="5195743"/>
+            <a:off x="2931224" y="5145455"/>
             <a:ext cx="0" cy="90000"/>
           </a:xfrm>
           <a:prstGeom prst="line">
@@ -6717,10 +9143,10 @@
       </p:cxnSp>
       <p:sp>
         <p:nvSpPr>
-          <p:cNvPr id="215" name="Oval 2103">
-            <a:extLst>
-              <a:ext uri="{FF2B5EF4-FFF2-40B4-BE49-F238E27FC236}">
-                <a16:creationId xmlns:a16="http://schemas.microsoft.com/office/drawing/2014/main" id="{F1687572-8FDF-FBEB-C6E2-2C57F38769A6}"/>
+          <p:cNvPr id="137" name="Oval 2103">
+            <a:extLst>
+              <a:ext uri="{FF2B5EF4-FFF2-40B4-BE49-F238E27FC236}">
+                <a16:creationId xmlns:a16="http://schemas.microsoft.com/office/drawing/2014/main" id="{CC0E14E3-9E9E-1AF9-402F-D64C3751A3B5}"/>
               </a:ext>
             </a:extLst>
           </p:cNvPr>
@@ -6729,7 +9155,7 @@
         </p:nvSpPr>
         <p:spPr>
           <a:xfrm>
-            <a:off x="1548397" y="498531"/>
+            <a:off x="1441717" y="448243"/>
             <a:ext cx="90000" cy="90000"/>
           </a:xfrm>
           <a:prstGeom prst="ellipse">
@@ -6776,10 +9202,10 @@
       </p:sp>
       <p:sp>
         <p:nvSpPr>
-          <p:cNvPr id="216" name="TextBox 2104">
-            <a:extLst>
-              <a:ext uri="{FF2B5EF4-FFF2-40B4-BE49-F238E27FC236}">
-                <a16:creationId xmlns:a16="http://schemas.microsoft.com/office/drawing/2014/main" id="{817DBE9C-B6CF-7BA8-69A2-0D67D16B1299}"/>
+          <p:cNvPr id="138" name="TextBox 2104">
+            <a:extLst>
+              <a:ext uri="{FF2B5EF4-FFF2-40B4-BE49-F238E27FC236}">
+                <a16:creationId xmlns:a16="http://schemas.microsoft.com/office/drawing/2014/main" id="{7D790E9E-2495-9AC7-F513-295767E307E8}"/>
               </a:ext>
             </a:extLst>
           </p:cNvPr>
@@ -6788,7 +9214,7 @@
         </p:nvSpPr>
         <p:spPr>
           <a:xfrm>
-            <a:off x="1582943" y="424669"/>
+            <a:off x="1476263" y="374381"/>
             <a:ext cx="2280993" cy="215444"/>
           </a:xfrm>
           <a:prstGeom prst="rect">
@@ -6818,10 +9244,10 @@
       </p:sp>
       <p:sp>
         <p:nvSpPr>
-          <p:cNvPr id="219" name="TextBox 2107">
-            <a:extLst>
-              <a:ext uri="{FF2B5EF4-FFF2-40B4-BE49-F238E27FC236}">
-                <a16:creationId xmlns:a16="http://schemas.microsoft.com/office/drawing/2014/main" id="{FEFC8D04-5FEE-9018-3257-E2DE5461EB23}"/>
+          <p:cNvPr id="139" name="TextBox 2107">
+            <a:extLst>
+              <a:ext uri="{FF2B5EF4-FFF2-40B4-BE49-F238E27FC236}">
+                <a16:creationId xmlns:a16="http://schemas.microsoft.com/office/drawing/2014/main" id="{EC011EC1-D527-84CA-A5B0-9054E40BDEF0}"/>
               </a:ext>
             </a:extLst>
           </p:cNvPr>
@@ -6830,7 +9256,7 @@
         </p:nvSpPr>
         <p:spPr>
           <a:xfrm>
-            <a:off x="1638397" y="263869"/>
+            <a:off x="1531717" y="213581"/>
             <a:ext cx="1896180" cy="215444"/>
           </a:xfrm>
           <a:prstGeom prst="rect">
@@ -6861,10 +9287,10 @@
       </p:sp>
       <p:sp>
         <p:nvSpPr>
-          <p:cNvPr id="220" name="Oval 2131">
-            <a:extLst>
-              <a:ext uri="{FF2B5EF4-FFF2-40B4-BE49-F238E27FC236}">
-                <a16:creationId xmlns:a16="http://schemas.microsoft.com/office/drawing/2014/main" id="{33610B7E-7EE0-B4D2-16CF-A3F1836646C6}"/>
+          <p:cNvPr id="140" name="Oval 2131">
+            <a:extLst>
+              <a:ext uri="{FF2B5EF4-FFF2-40B4-BE49-F238E27FC236}">
+                <a16:creationId xmlns:a16="http://schemas.microsoft.com/office/drawing/2014/main" id="{D85F6A38-CC30-754D-DD84-8670518128A3}"/>
               </a:ext>
             </a:extLst>
           </p:cNvPr>
@@ -6873,7 +9299,7 @@
         </p:nvSpPr>
         <p:spPr>
           <a:xfrm>
-            <a:off x="1551102" y="639533"/>
+            <a:off x="1444422" y="589245"/>
             <a:ext cx="90000" cy="90000"/>
           </a:xfrm>
           <a:prstGeom prst="ellipse">
@@ -6920,10 +9346,10 @@
       </p:sp>
       <p:sp>
         <p:nvSpPr>
-          <p:cNvPr id="222" name="TextBox 2104">
-            <a:extLst>
-              <a:ext uri="{FF2B5EF4-FFF2-40B4-BE49-F238E27FC236}">
-                <a16:creationId xmlns:a16="http://schemas.microsoft.com/office/drawing/2014/main" id="{A3696A1C-06D1-5092-425F-68C6DDCD3E34}"/>
+          <p:cNvPr id="141" name="TextBox 2104">
+            <a:extLst>
+              <a:ext uri="{FF2B5EF4-FFF2-40B4-BE49-F238E27FC236}">
+                <a16:creationId xmlns:a16="http://schemas.microsoft.com/office/drawing/2014/main" id="{3DFEFE15-1D38-B9DE-AF2D-72684CCD70FB}"/>
               </a:ext>
             </a:extLst>
           </p:cNvPr>
@@ -6932,7 +9358,7 @@
         </p:nvSpPr>
         <p:spPr>
           <a:xfrm>
-            <a:off x="1582943" y="569987"/>
+            <a:off x="1476263" y="519699"/>
             <a:ext cx="2280993" cy="215444"/>
           </a:xfrm>
           <a:prstGeom prst="rect">
@@ -6962,10 +9388,10 @@
       </p:sp>
       <p:sp>
         <p:nvSpPr>
-          <p:cNvPr id="226" name="Rectangle 225">
-            <a:extLst>
-              <a:ext uri="{FF2B5EF4-FFF2-40B4-BE49-F238E27FC236}">
-                <a16:creationId xmlns:a16="http://schemas.microsoft.com/office/drawing/2014/main" id="{919BDD2A-6741-BEB2-50F7-9F66A79E73F6}"/>
+          <p:cNvPr id="142" name="Rectangle 225">
+            <a:extLst>
+              <a:ext uri="{FF2B5EF4-FFF2-40B4-BE49-F238E27FC236}">
+                <a16:creationId xmlns:a16="http://schemas.microsoft.com/office/drawing/2014/main" id="{7364D182-35F3-B30C-8E82-150304D41DD4}"/>
               </a:ext>
             </a:extLst>
           </p:cNvPr>
@@ -6974,7 +9400,7 @@
         </p:nvSpPr>
         <p:spPr>
           <a:xfrm>
-            <a:off x="1489201" y="275092"/>
+            <a:off x="1382521" y="224804"/>
             <a:ext cx="2084981" cy="508089"/>
           </a:xfrm>
           <a:prstGeom prst="rect">
@@ -7024,10 +9450,10 @@
       </p:sp>
       <p:sp>
         <p:nvSpPr>
-          <p:cNvPr id="227" name="TextBox 1760">
-            <a:extLst>
-              <a:ext uri="{FF2B5EF4-FFF2-40B4-BE49-F238E27FC236}">
-                <a16:creationId xmlns:a16="http://schemas.microsoft.com/office/drawing/2014/main" id="{F87B32F0-10BB-7906-E66D-6DC50C8A69FE}"/>
+          <p:cNvPr id="143" name="TextBox 1760">
+            <a:extLst>
+              <a:ext uri="{FF2B5EF4-FFF2-40B4-BE49-F238E27FC236}">
+                <a16:creationId xmlns:a16="http://schemas.microsoft.com/office/drawing/2014/main" id="{A1D609B1-AE65-D186-0F73-0DC46874394B}"/>
               </a:ext>
             </a:extLst>
           </p:cNvPr>
@@ -7036,7 +9462,7 @@
         </p:nvSpPr>
         <p:spPr>
           <a:xfrm>
-            <a:off x="647406" y="919172"/>
+            <a:off x="420980" y="868884"/>
             <a:ext cx="2823154" cy="215444"/>
           </a:xfrm>
           <a:prstGeom prst="rect">
@@ -7067,10 +9493,10 @@
       </p:sp>
       <p:sp>
         <p:nvSpPr>
-          <p:cNvPr id="228" name="TextBox 1761">
-            <a:extLst>
-              <a:ext uri="{FF2B5EF4-FFF2-40B4-BE49-F238E27FC236}">
-                <a16:creationId xmlns:a16="http://schemas.microsoft.com/office/drawing/2014/main" id="{C377B023-BE74-E4B3-668D-910593D85F13}"/>
+          <p:cNvPr id="144" name="TextBox 1761">
+            <a:extLst>
+              <a:ext uri="{FF2B5EF4-FFF2-40B4-BE49-F238E27FC236}">
+                <a16:creationId xmlns:a16="http://schemas.microsoft.com/office/drawing/2014/main" id="{34C21D42-A207-042B-53E5-D711FDA16133}"/>
               </a:ext>
             </a:extLst>
           </p:cNvPr>
@@ -7079,7 +9505,7 @@
         </p:nvSpPr>
         <p:spPr>
           <a:xfrm>
-            <a:off x="657912" y="2773979"/>
+            <a:off x="431486" y="2723691"/>
             <a:ext cx="2806213" cy="215444"/>
           </a:xfrm>
           <a:prstGeom prst="rect">
@@ -7110,10 +9536,10 @@
       </p:sp>
       <p:sp>
         <p:nvSpPr>
-          <p:cNvPr id="230" name="TextBox 229">
-            <a:extLst>
-              <a:ext uri="{FF2B5EF4-FFF2-40B4-BE49-F238E27FC236}">
-                <a16:creationId xmlns:a16="http://schemas.microsoft.com/office/drawing/2014/main" id="{976CB684-B768-9BA2-A408-45760BF62D6C}"/>
+          <p:cNvPr id="145" name="TextBox 229">
+            <a:extLst>
+              <a:ext uri="{FF2B5EF4-FFF2-40B4-BE49-F238E27FC236}">
+                <a16:creationId xmlns:a16="http://schemas.microsoft.com/office/drawing/2014/main" id="{0FFA92DA-F947-4C14-01D2-B66E18AA2941}"/>
               </a:ext>
             </a:extLst>
           </p:cNvPr>
@@ -7122,7 +9548,97 @@
         </p:nvSpPr>
         <p:spPr>
           <a:xfrm>
-            <a:off x="1145395" y="3888689"/>
+            <a:off x="918969" y="3838401"/>
+            <a:ext cx="216000" cy="215444"/>
+          </a:xfrm>
+          <a:prstGeom prst="rect">
+            <a:avLst/>
+          </a:prstGeom>
+          <a:noFill/>
+          <a:ln w="3175">
+            <a:noFill/>
+          </a:ln>
+        </p:spPr>
+        <p:txBody>
+          <a:bodyPr wrap="square" rtlCol="0">
+            <a:spAutoFit/>
+          </a:bodyPr>
+          <a:lstStyle/>
+          <a:p>
+            <a:r>
+              <a:rPr lang="en-GB" sz="800" dirty="0">
+                <a:solidFill>
+                  <a:schemeClr val="tx1">
+                    <a:lumMod val="75000"/>
+                    <a:lumOff val="25000"/>
+                  </a:schemeClr>
+                </a:solidFill>
+              </a:rPr>
+              <a:t>e</a:t>
+            </a:r>
+          </a:p>
+        </p:txBody>
+      </p:sp>
+      <p:sp>
+        <p:nvSpPr>
+          <p:cNvPr id="146" name="TextBox 230">
+            <a:extLst>
+              <a:ext uri="{FF2B5EF4-FFF2-40B4-BE49-F238E27FC236}">
+                <a16:creationId xmlns:a16="http://schemas.microsoft.com/office/drawing/2014/main" id="{B52B7E78-B96D-34F8-DFE2-38DEC8D8B173}"/>
+              </a:ext>
+            </a:extLst>
+          </p:cNvPr>
+          <p:cNvSpPr txBox="1"/>
+          <p:nvPr/>
+        </p:nvSpPr>
+        <p:spPr>
+          <a:xfrm>
+            <a:off x="1061257" y="3256729"/>
+            <a:ext cx="216000" cy="215444"/>
+          </a:xfrm>
+          <a:prstGeom prst="rect">
+            <a:avLst/>
+          </a:prstGeom>
+          <a:noFill/>
+          <a:ln w="3175">
+            <a:noFill/>
+          </a:ln>
+        </p:spPr>
+        <p:txBody>
+          <a:bodyPr wrap="square" rtlCol="0">
+            <a:spAutoFit/>
+          </a:bodyPr>
+          <a:lstStyle/>
+          <a:p>
+            <a:r>
+              <a:rPr lang="en-GB" sz="800" dirty="0">
+                <a:solidFill>
+                  <a:schemeClr val="tx1">
+                    <a:lumMod val="75000"/>
+                    <a:lumOff val="25000"/>
+                  </a:schemeClr>
+                </a:solidFill>
+              </a:rPr>
+              <a:t>f</a:t>
+            </a:r>
+          </a:p>
+        </p:txBody>
+      </p:sp>
+      <p:sp>
+        <p:nvSpPr>
+          <p:cNvPr id="147" name="TextBox 231">
+            <a:extLst>
+              <a:ext uri="{FF2B5EF4-FFF2-40B4-BE49-F238E27FC236}">
+                <a16:creationId xmlns:a16="http://schemas.microsoft.com/office/drawing/2014/main" id="{8C806E8A-AF7F-9FC3-AB2E-6E450502DF74}"/>
+              </a:ext>
+            </a:extLst>
+          </p:cNvPr>
+          <p:cNvSpPr txBox="1"/>
+          <p:nvPr/>
+        </p:nvSpPr>
+        <p:spPr>
+          <a:xfrm>
+            <a:off x="918969" y="3629384"/>
             <a:ext cx="216000" cy="215444"/>
           </a:xfrm>
           <a:prstGeom prst="rect">
@@ -7155,10 +9671,10 @@
       </p:sp>
       <p:sp>
         <p:nvSpPr>
-          <p:cNvPr id="231" name="TextBox 230">
-            <a:extLst>
-              <a:ext uri="{FF2B5EF4-FFF2-40B4-BE49-F238E27FC236}">
-                <a16:creationId xmlns:a16="http://schemas.microsoft.com/office/drawing/2014/main" id="{1579A008-2D87-8C02-8C25-8FDAC31C16DE}"/>
+          <p:cNvPr id="148" name="TextBox 232">
+            <a:extLst>
+              <a:ext uri="{FF2B5EF4-FFF2-40B4-BE49-F238E27FC236}">
+                <a16:creationId xmlns:a16="http://schemas.microsoft.com/office/drawing/2014/main" id="{8F017204-CE2A-109A-7434-0D2418BCD89C}"/>
               </a:ext>
             </a:extLst>
           </p:cNvPr>
@@ -7167,7 +9683,7 @@
         </p:nvSpPr>
         <p:spPr>
           <a:xfrm>
-            <a:off x="1287683" y="3307017"/>
+            <a:off x="1067984" y="2827926"/>
             <a:ext cx="216000" cy="215444"/>
           </a:xfrm>
           <a:prstGeom prst="rect">
@@ -7200,10 +9716,10 @@
       </p:sp>
       <p:sp>
         <p:nvSpPr>
-          <p:cNvPr id="232" name="TextBox 231">
-            <a:extLst>
-              <a:ext uri="{FF2B5EF4-FFF2-40B4-BE49-F238E27FC236}">
-                <a16:creationId xmlns:a16="http://schemas.microsoft.com/office/drawing/2014/main" id="{8BFC2C92-09A6-4D86-210D-61C0B1A8EB99}"/>
+          <p:cNvPr id="149" name="TextBox 115">
+            <a:extLst>
+              <a:ext uri="{FF2B5EF4-FFF2-40B4-BE49-F238E27FC236}">
+                <a16:creationId xmlns:a16="http://schemas.microsoft.com/office/drawing/2014/main" id="{B2D9AE0E-D7BB-624F-E92F-9B8205F1044A}"/>
               </a:ext>
             </a:extLst>
           </p:cNvPr>
@@ -7211,98 +9727,8 @@
           <p:nvPr/>
         </p:nvSpPr>
         <p:spPr>
-          <a:xfrm>
-            <a:off x="1145395" y="3679672"/>
-            <a:ext cx="216000" cy="215444"/>
-          </a:xfrm>
-          <a:prstGeom prst="rect">
-            <a:avLst/>
-          </a:prstGeom>
-          <a:noFill/>
-          <a:ln w="3175">
-            <a:noFill/>
-          </a:ln>
-        </p:spPr>
-        <p:txBody>
-          <a:bodyPr wrap="square" rtlCol="0">
-            <a:spAutoFit/>
-          </a:bodyPr>
-          <a:lstStyle/>
-          <a:p>
-            <a:r>
-              <a:rPr lang="en-GB" sz="800" dirty="0">
-                <a:solidFill>
-                  <a:schemeClr val="tx1">
-                    <a:lumMod val="75000"/>
-                    <a:lumOff val="25000"/>
-                  </a:schemeClr>
-                </a:solidFill>
-              </a:rPr>
-              <a:t>a</a:t>
-            </a:r>
-          </a:p>
-        </p:txBody>
-      </p:sp>
-      <p:sp>
-        <p:nvSpPr>
-          <p:cNvPr id="233" name="TextBox 232">
-            <a:extLst>
-              <a:ext uri="{FF2B5EF4-FFF2-40B4-BE49-F238E27FC236}">
-                <a16:creationId xmlns:a16="http://schemas.microsoft.com/office/drawing/2014/main" id="{16F53EE7-4241-43C5-8227-15E653609E1B}"/>
-              </a:ext>
-            </a:extLst>
-          </p:cNvPr>
-          <p:cNvSpPr txBox="1"/>
-          <p:nvPr/>
-        </p:nvSpPr>
-        <p:spPr>
-          <a:xfrm>
-            <a:off x="1294410" y="2878214"/>
-            <a:ext cx="216000" cy="215444"/>
-          </a:xfrm>
-          <a:prstGeom prst="rect">
-            <a:avLst/>
-          </a:prstGeom>
-          <a:noFill/>
-          <a:ln w="3175">
-            <a:noFill/>
-          </a:ln>
-        </p:spPr>
-        <p:txBody>
-          <a:bodyPr wrap="square" rtlCol="0">
-            <a:spAutoFit/>
-          </a:bodyPr>
-          <a:lstStyle/>
-          <a:p>
-            <a:r>
-              <a:rPr lang="en-GB" sz="800" dirty="0">
-                <a:solidFill>
-                  <a:schemeClr val="tx1">
-                    <a:lumMod val="75000"/>
-                    <a:lumOff val="25000"/>
-                  </a:schemeClr>
-                </a:solidFill>
-              </a:rPr>
-              <a:t>b</a:t>
-            </a:r>
-          </a:p>
-        </p:txBody>
-      </p:sp>
-      <p:sp>
-        <p:nvSpPr>
-          <p:cNvPr id="234" name="TextBox 115">
-            <a:extLst>
-              <a:ext uri="{FF2B5EF4-FFF2-40B4-BE49-F238E27FC236}">
-                <a16:creationId xmlns:a16="http://schemas.microsoft.com/office/drawing/2014/main" id="{0B45ACD5-E320-98D7-0149-BCBD90B505BD}"/>
-              </a:ext>
-            </a:extLst>
-          </p:cNvPr>
-          <p:cNvSpPr txBox="1"/>
-          <p:nvPr/>
-        </p:nvSpPr>
-        <p:spPr>
           <a:xfrm rot="16200000">
-            <a:off x="3372223" y="1898123"/>
+            <a:off x="3120763" y="2436366"/>
             <a:ext cx="903388" cy="215444"/>
           </a:xfrm>
           <a:prstGeom prst="rect">
@@ -7341,10 +9767,10 @@
       </p:sp>
       <p:sp>
         <p:nvSpPr>
-          <p:cNvPr id="235" name="TextBox 116">
-            <a:extLst>
-              <a:ext uri="{FF2B5EF4-FFF2-40B4-BE49-F238E27FC236}">
-                <a16:creationId xmlns:a16="http://schemas.microsoft.com/office/drawing/2014/main" id="{39BF293F-DF52-61BA-416A-5195AA32E4A5}"/>
+          <p:cNvPr id="171" name="TextBox 116">
+            <a:extLst>
+              <a:ext uri="{FF2B5EF4-FFF2-40B4-BE49-F238E27FC236}">
+                <a16:creationId xmlns:a16="http://schemas.microsoft.com/office/drawing/2014/main" id="{D25BDD5B-14E5-0149-483D-A4306A0EC11C}"/>
               </a:ext>
             </a:extLst>
           </p:cNvPr>
@@ -7353,7 +9779,7 @@
         </p:nvSpPr>
         <p:spPr>
           <a:xfrm rot="16200000">
-            <a:off x="3372222" y="3280357"/>
+            <a:off x="3120762" y="3818600"/>
             <a:ext cx="903388" cy="215444"/>
           </a:xfrm>
           <a:prstGeom prst="rect">
@@ -7392,10 +9818,10 @@
       </p:sp>
       <p:sp>
         <p:nvSpPr>
-          <p:cNvPr id="236" name="TextBox 113">
-            <a:extLst>
-              <a:ext uri="{FF2B5EF4-FFF2-40B4-BE49-F238E27FC236}">
-                <a16:creationId xmlns:a16="http://schemas.microsoft.com/office/drawing/2014/main" id="{DF56D9EA-9DD1-FD36-96FB-4CC4F503381D}"/>
+          <p:cNvPr id="183" name="TextBox 113">
+            <a:extLst>
+              <a:ext uri="{FF2B5EF4-FFF2-40B4-BE49-F238E27FC236}">
+                <a16:creationId xmlns:a16="http://schemas.microsoft.com/office/drawing/2014/main" id="{A453E47F-3351-19E4-61A6-33A31FA0DB01}"/>
               </a:ext>
             </a:extLst>
           </p:cNvPr>
@@ -7404,7 +9830,7 @@
         </p:nvSpPr>
         <p:spPr>
           <a:xfrm>
-            <a:off x="5686720" y="1011348"/>
+            <a:off x="5435260" y="1549591"/>
             <a:ext cx="598437" cy="215444"/>
           </a:xfrm>
           <a:prstGeom prst="rect">
@@ -7443,10 +9869,10 @@
       </p:sp>
       <p:sp>
         <p:nvSpPr>
-          <p:cNvPr id="237" name="TextBox 117">
-            <a:extLst>
-              <a:ext uri="{FF2B5EF4-FFF2-40B4-BE49-F238E27FC236}">
-                <a16:creationId xmlns:a16="http://schemas.microsoft.com/office/drawing/2014/main" id="{618BABE2-380F-6EEC-A58A-9E5757536952}"/>
+          <p:cNvPr id="184" name="TextBox 117">
+            <a:extLst>
+              <a:ext uri="{FF2B5EF4-FFF2-40B4-BE49-F238E27FC236}">
+                <a16:creationId xmlns:a16="http://schemas.microsoft.com/office/drawing/2014/main" id="{06B4CEE1-3430-9BA3-6998-16C2EBB3D9B0}"/>
               </a:ext>
             </a:extLst>
           </p:cNvPr>
@@ -7455,7 +9881,7 @@
         </p:nvSpPr>
         <p:spPr>
           <a:xfrm>
-            <a:off x="4399391" y="1016648"/>
+            <a:off x="4147931" y="1554891"/>
             <a:ext cx="598437" cy="215444"/>
           </a:xfrm>
           <a:prstGeom prst="rect">
@@ -7494,10 +9920,10 @@
       </p:sp>
       <p:sp>
         <p:nvSpPr>
-          <p:cNvPr id="239" name="TextBox 238">
-            <a:extLst>
-              <a:ext uri="{FF2B5EF4-FFF2-40B4-BE49-F238E27FC236}">
-                <a16:creationId xmlns:a16="http://schemas.microsoft.com/office/drawing/2014/main" id="{E6ECB808-CE47-1B2E-936A-3C8126CACE63}"/>
+          <p:cNvPr id="185" name="TextBox 238">
+            <a:extLst>
+              <a:ext uri="{FF2B5EF4-FFF2-40B4-BE49-F238E27FC236}">
+                <a16:creationId xmlns:a16="http://schemas.microsoft.com/office/drawing/2014/main" id="{B5948A02-D18B-5E23-304A-5AB957798DB1}"/>
               </a:ext>
             </a:extLst>
           </p:cNvPr>
@@ -7506,7 +9932,7 @@
         </p:nvSpPr>
         <p:spPr>
           <a:xfrm>
-            <a:off x="5090915" y="2441019"/>
+            <a:off x="4839455" y="2979262"/>
             <a:ext cx="216000" cy="215444"/>
           </a:xfrm>
           <a:prstGeom prst="rect">
@@ -7539,17 +9965,17 @@
                   </a:schemeClr>
                 </a:solidFill>
               </a:rPr>
-              <a:t>a</a:t>
-            </a:r>
-          </a:p>
-        </p:txBody>
-      </p:sp>
-      <p:sp>
-        <p:nvSpPr>
-          <p:cNvPr id="240" name="TextBox 239">
-            <a:extLst>
-              <a:ext uri="{FF2B5EF4-FFF2-40B4-BE49-F238E27FC236}">
-                <a16:creationId xmlns:a16="http://schemas.microsoft.com/office/drawing/2014/main" id="{54C69D8F-D08D-94E2-573D-B33990C5F556}"/>
+              <a:t>c</a:t>
+            </a:r>
+          </a:p>
+        </p:txBody>
+      </p:sp>
+      <p:sp>
+        <p:nvSpPr>
+          <p:cNvPr id="186" name="TextBox 239">
+            <a:extLst>
+              <a:ext uri="{FF2B5EF4-FFF2-40B4-BE49-F238E27FC236}">
+                <a16:creationId xmlns:a16="http://schemas.microsoft.com/office/drawing/2014/main" id="{18AFC9C9-ED8B-D886-DAC0-623CF8736934}"/>
               </a:ext>
             </a:extLst>
           </p:cNvPr>
@@ -7558,7 +9984,7 @@
         </p:nvSpPr>
         <p:spPr>
           <a:xfrm>
-            <a:off x="6374906" y="2441019"/>
+            <a:off x="6123446" y="2979262"/>
             <a:ext cx="216000" cy="215444"/>
           </a:xfrm>
           <a:prstGeom prst="rect">
@@ -7591,17 +10017,17 @@
                   </a:schemeClr>
                 </a:solidFill>
               </a:rPr>
-              <a:t>c</a:t>
-            </a:r>
-          </a:p>
-        </p:txBody>
-      </p:sp>
-      <p:sp>
-        <p:nvSpPr>
-          <p:cNvPr id="241" name="TextBox 240">
-            <a:extLst>
-              <a:ext uri="{FF2B5EF4-FFF2-40B4-BE49-F238E27FC236}">
-                <a16:creationId xmlns:a16="http://schemas.microsoft.com/office/drawing/2014/main" id="{E14407A9-E0C0-14C7-4127-548017D2C936}"/>
+              <a:t>e</a:t>
+            </a:r>
+          </a:p>
+        </p:txBody>
+      </p:sp>
+      <p:sp>
+        <p:nvSpPr>
+          <p:cNvPr id="187" name="TextBox 240">
+            <a:extLst>
+              <a:ext uri="{FF2B5EF4-FFF2-40B4-BE49-F238E27FC236}">
+                <a16:creationId xmlns:a16="http://schemas.microsoft.com/office/drawing/2014/main" id="{35202108-D28B-BD0D-CB90-3B190EAE4087}"/>
               </a:ext>
             </a:extLst>
           </p:cNvPr>
@@ -7610,7 +10036,7 @@
         </p:nvSpPr>
         <p:spPr>
           <a:xfrm>
-            <a:off x="5090915" y="3824374"/>
+            <a:off x="4839455" y="4362617"/>
             <a:ext cx="216000" cy="215444"/>
           </a:xfrm>
           <a:prstGeom prst="rect">
@@ -7643,7 +10069,7 @@
                   </a:schemeClr>
                 </a:solidFill>
               </a:rPr>
-              <a:t>b</a:t>
+              <a:t>d</a:t>
             </a:r>
             <a:endParaRPr lang="en-GB" sz="800" dirty="0">
               <a:solidFill>
@@ -7658,10 +10084,10 @@
       </p:sp>
       <p:sp>
         <p:nvSpPr>
-          <p:cNvPr id="242" name="TextBox 241">
-            <a:extLst>
-              <a:ext uri="{FF2B5EF4-FFF2-40B4-BE49-F238E27FC236}">
-                <a16:creationId xmlns:a16="http://schemas.microsoft.com/office/drawing/2014/main" id="{F6BD6F39-4FDD-6BA4-1949-37ACBAF2F220}"/>
+          <p:cNvPr id="188" name="TextBox 241">
+            <a:extLst>
+              <a:ext uri="{FF2B5EF4-FFF2-40B4-BE49-F238E27FC236}">
+                <a16:creationId xmlns:a16="http://schemas.microsoft.com/office/drawing/2014/main" id="{16140944-A7C1-A32B-8390-D386B3C88A3C}"/>
               </a:ext>
             </a:extLst>
           </p:cNvPr>
@@ -7670,7 +10096,7 @@
         </p:nvSpPr>
         <p:spPr>
           <a:xfrm>
-            <a:off x="6374906" y="3824374"/>
+            <a:off x="6123446" y="4362617"/>
             <a:ext cx="216000" cy="215444"/>
           </a:xfrm>
           <a:prstGeom prst="rect">
@@ -7703,17 +10129,17 @@
                   </a:schemeClr>
                 </a:solidFill>
               </a:rPr>
-              <a:t>d</a:t>
-            </a:r>
-          </a:p>
-        </p:txBody>
-      </p:sp>
-      <p:sp>
-        <p:nvSpPr>
-          <p:cNvPr id="243" name="Oval 242">
-            <a:extLst>
-              <a:ext uri="{FF2B5EF4-FFF2-40B4-BE49-F238E27FC236}">
-                <a16:creationId xmlns:a16="http://schemas.microsoft.com/office/drawing/2014/main" id="{09EAFF7B-6826-C5E9-2AD1-DD484098C5AA}"/>
+              <a:t>f</a:t>
+            </a:r>
+          </a:p>
+        </p:txBody>
+      </p:sp>
+      <p:sp>
+        <p:nvSpPr>
+          <p:cNvPr id="189" name="Oval 242">
+            <a:extLst>
+              <a:ext uri="{FF2B5EF4-FFF2-40B4-BE49-F238E27FC236}">
+                <a16:creationId xmlns:a16="http://schemas.microsoft.com/office/drawing/2014/main" id="{1D92883C-F747-A861-D0CF-F992EF569F00}"/>
               </a:ext>
             </a:extLst>
           </p:cNvPr>
@@ -7722,7 +10148,7 @@
         </p:nvSpPr>
         <p:spPr>
           <a:xfrm>
-            <a:off x="4315234" y="338863"/>
+            <a:off x="5007886" y="656008"/>
             <a:ext cx="36000" cy="36000"/>
           </a:xfrm>
           <a:prstGeom prst="ellipse">
@@ -7769,10 +10195,10 @@
       </p:sp>
       <p:sp>
         <p:nvSpPr>
-          <p:cNvPr id="244" name="TextBox 2106">
-            <a:extLst>
-              <a:ext uri="{FF2B5EF4-FFF2-40B4-BE49-F238E27FC236}">
-                <a16:creationId xmlns:a16="http://schemas.microsoft.com/office/drawing/2014/main" id="{739AADE5-A6E7-4E30-1EEF-EF3297E17387}"/>
+          <p:cNvPr id="190" name="TextBox 2106">
+            <a:extLst>
+              <a:ext uri="{FF2B5EF4-FFF2-40B4-BE49-F238E27FC236}">
+                <a16:creationId xmlns:a16="http://schemas.microsoft.com/office/drawing/2014/main" id="{1350C275-A6B7-25AF-80F7-AA1FB58163C2}"/>
               </a:ext>
             </a:extLst>
           </p:cNvPr>
@@ -7781,7 +10207,7 @@
         </p:nvSpPr>
         <p:spPr>
           <a:xfrm>
-            <a:off x="4106058" y="246725"/>
+            <a:off x="3667140" y="686686"/>
             <a:ext cx="2717492" cy="215444"/>
           </a:xfrm>
           <a:prstGeom prst="rect">
@@ -7812,10 +10238,10 @@
       </p:sp>
       <p:sp>
         <p:nvSpPr>
-          <p:cNvPr id="245" name="TextBox 244">
-            <a:extLst>
-              <a:ext uri="{FF2B5EF4-FFF2-40B4-BE49-F238E27FC236}">
-                <a16:creationId xmlns:a16="http://schemas.microsoft.com/office/drawing/2014/main" id="{227BDC41-DAB0-F94F-5357-D9310BADDE43}"/>
+          <p:cNvPr id="191" name="TextBox 244">
+            <a:extLst>
+              <a:ext uri="{FF2B5EF4-FFF2-40B4-BE49-F238E27FC236}">
+                <a16:creationId xmlns:a16="http://schemas.microsoft.com/office/drawing/2014/main" id="{C343795A-D142-7780-E8FD-873226AF1498}"/>
               </a:ext>
             </a:extLst>
           </p:cNvPr>
@@ -7824,7 +10250,97 @@
         </p:nvSpPr>
         <p:spPr>
           <a:xfrm>
-            <a:off x="1145395" y="2020189"/>
+            <a:off x="918969" y="1969901"/>
+            <a:ext cx="216000" cy="215444"/>
+          </a:xfrm>
+          <a:prstGeom prst="rect">
+            <a:avLst/>
+          </a:prstGeom>
+          <a:noFill/>
+          <a:ln w="3175">
+            <a:noFill/>
+          </a:ln>
+        </p:spPr>
+        <p:txBody>
+          <a:bodyPr wrap="square" rtlCol="0">
+            <a:spAutoFit/>
+          </a:bodyPr>
+          <a:lstStyle/>
+          <a:p>
+            <a:r>
+              <a:rPr lang="en-GB" sz="800" dirty="0">
+                <a:solidFill>
+                  <a:schemeClr val="tx1">
+                    <a:lumMod val="75000"/>
+                    <a:lumOff val="25000"/>
+                  </a:schemeClr>
+                </a:solidFill>
+              </a:rPr>
+              <a:t>e</a:t>
+            </a:r>
+          </a:p>
+        </p:txBody>
+      </p:sp>
+      <p:sp>
+        <p:nvSpPr>
+          <p:cNvPr id="192" name="TextBox 245">
+            <a:extLst>
+              <a:ext uri="{FF2B5EF4-FFF2-40B4-BE49-F238E27FC236}">
+                <a16:creationId xmlns:a16="http://schemas.microsoft.com/office/drawing/2014/main" id="{334701FB-F37F-59D7-16A5-C3FCEDD6EFE9}"/>
+              </a:ext>
+            </a:extLst>
+          </p:cNvPr>
+          <p:cNvSpPr txBox="1"/>
+          <p:nvPr/>
+        </p:nvSpPr>
+        <p:spPr>
+          <a:xfrm>
+            <a:off x="1061257" y="2142267"/>
+            <a:ext cx="216000" cy="215444"/>
+          </a:xfrm>
+          <a:prstGeom prst="rect">
+            <a:avLst/>
+          </a:prstGeom>
+          <a:noFill/>
+          <a:ln w="3175">
+            <a:noFill/>
+          </a:ln>
+        </p:spPr>
+        <p:txBody>
+          <a:bodyPr wrap="square" rtlCol="0">
+            <a:spAutoFit/>
+          </a:bodyPr>
+          <a:lstStyle/>
+          <a:p>
+            <a:r>
+              <a:rPr lang="en-GB" sz="800" dirty="0">
+                <a:solidFill>
+                  <a:schemeClr val="tx1">
+                    <a:lumMod val="75000"/>
+                    <a:lumOff val="25000"/>
+                  </a:schemeClr>
+                </a:solidFill>
+              </a:rPr>
+              <a:t>f</a:t>
+            </a:r>
+          </a:p>
+        </p:txBody>
+      </p:sp>
+      <p:sp>
+        <p:nvSpPr>
+          <p:cNvPr id="194" name="TextBox 246">
+            <a:extLst>
+              <a:ext uri="{FF2B5EF4-FFF2-40B4-BE49-F238E27FC236}">
+                <a16:creationId xmlns:a16="http://schemas.microsoft.com/office/drawing/2014/main" id="{605DDB0C-3D44-64B2-C042-AEE20DB4992A}"/>
+              </a:ext>
+            </a:extLst>
+          </p:cNvPr>
+          <p:cNvSpPr txBox="1"/>
+          <p:nvPr/>
+        </p:nvSpPr>
+        <p:spPr>
+          <a:xfrm>
+            <a:off x="918969" y="1559772"/>
             <a:ext cx="216000" cy="215444"/>
           </a:xfrm>
           <a:prstGeom prst="rect">
@@ -7857,10 +10373,10 @@
       </p:sp>
       <p:sp>
         <p:nvSpPr>
-          <p:cNvPr id="246" name="TextBox 245">
-            <a:extLst>
-              <a:ext uri="{FF2B5EF4-FFF2-40B4-BE49-F238E27FC236}">
-                <a16:creationId xmlns:a16="http://schemas.microsoft.com/office/drawing/2014/main" id="{776F067F-81D1-BD8F-3DE6-C4AED0D10471}"/>
+          <p:cNvPr id="195" name="TextBox 247">
+            <a:extLst>
+              <a:ext uri="{FF2B5EF4-FFF2-40B4-BE49-F238E27FC236}">
+                <a16:creationId xmlns:a16="http://schemas.microsoft.com/office/drawing/2014/main" id="{1F31019E-E1EA-0DC9-13A6-01B9B6FC23B3}"/>
               </a:ext>
             </a:extLst>
           </p:cNvPr>
@@ -7869,7 +10385,7 @@
         </p:nvSpPr>
         <p:spPr>
           <a:xfrm>
-            <a:off x="1287683" y="2192555"/>
+            <a:off x="1061257" y="1829481"/>
             <a:ext cx="216000" cy="215444"/>
           </a:xfrm>
           <a:prstGeom prst="rect">
@@ -7902,10 +10418,10 @@
       </p:sp>
       <p:sp>
         <p:nvSpPr>
-          <p:cNvPr id="247" name="TextBox 246">
-            <a:extLst>
-              <a:ext uri="{FF2B5EF4-FFF2-40B4-BE49-F238E27FC236}">
-                <a16:creationId xmlns:a16="http://schemas.microsoft.com/office/drawing/2014/main" id="{C35FBDE3-802C-2914-538A-241070C9B5E7}"/>
+          <p:cNvPr id="196" name="TextBox 248">
+            <a:extLst>
+              <a:ext uri="{FF2B5EF4-FFF2-40B4-BE49-F238E27FC236}">
+                <a16:creationId xmlns:a16="http://schemas.microsoft.com/office/drawing/2014/main" id="{904A04A7-F9EC-3E5F-6FDA-6ADE37B3AEBF}"/>
               </a:ext>
             </a:extLst>
           </p:cNvPr>
@@ -7914,97 +10430,7 @@
         </p:nvSpPr>
         <p:spPr>
           <a:xfrm>
-            <a:off x="1145395" y="1610060"/>
-            <a:ext cx="216000" cy="215444"/>
-          </a:xfrm>
-          <a:prstGeom prst="rect">
-            <a:avLst/>
-          </a:prstGeom>
-          <a:noFill/>
-          <a:ln w="3175">
-            <a:noFill/>
-          </a:ln>
-        </p:spPr>
-        <p:txBody>
-          <a:bodyPr wrap="square" rtlCol="0">
-            <a:spAutoFit/>
-          </a:bodyPr>
-          <a:lstStyle/>
-          <a:p>
-            <a:r>
-              <a:rPr lang="en-GB" sz="800" dirty="0">
-                <a:solidFill>
-                  <a:schemeClr val="tx1">
-                    <a:lumMod val="75000"/>
-                    <a:lumOff val="25000"/>
-                  </a:schemeClr>
-                </a:solidFill>
-              </a:rPr>
-              <a:t>a</a:t>
-            </a:r>
-          </a:p>
-        </p:txBody>
-      </p:sp>
-      <p:sp>
-        <p:nvSpPr>
-          <p:cNvPr id="248" name="TextBox 247">
-            <a:extLst>
-              <a:ext uri="{FF2B5EF4-FFF2-40B4-BE49-F238E27FC236}">
-                <a16:creationId xmlns:a16="http://schemas.microsoft.com/office/drawing/2014/main" id="{890A47F5-3735-EEBF-2B6B-CAD901900997}"/>
-              </a:ext>
-            </a:extLst>
-          </p:cNvPr>
-          <p:cNvSpPr txBox="1"/>
-          <p:nvPr/>
-        </p:nvSpPr>
-        <p:spPr>
-          <a:xfrm>
-            <a:off x="1287683" y="1879769"/>
-            <a:ext cx="216000" cy="215444"/>
-          </a:xfrm>
-          <a:prstGeom prst="rect">
-            <a:avLst/>
-          </a:prstGeom>
-          <a:noFill/>
-          <a:ln w="3175">
-            <a:noFill/>
-          </a:ln>
-        </p:spPr>
-        <p:txBody>
-          <a:bodyPr wrap="square" rtlCol="0">
-            <a:spAutoFit/>
-          </a:bodyPr>
-          <a:lstStyle/>
-          <a:p>
-            <a:r>
-              <a:rPr lang="en-GB" sz="800" dirty="0">
-                <a:solidFill>
-                  <a:schemeClr val="tx1">
-                    <a:lumMod val="75000"/>
-                    <a:lumOff val="25000"/>
-                  </a:schemeClr>
-                </a:solidFill>
-              </a:rPr>
-              <a:t>b</a:t>
-            </a:r>
-          </a:p>
-        </p:txBody>
-      </p:sp>
-      <p:sp>
-        <p:nvSpPr>
-          <p:cNvPr id="249" name="TextBox 248">
-            <a:extLst>
-              <a:ext uri="{FF2B5EF4-FFF2-40B4-BE49-F238E27FC236}">
-                <a16:creationId xmlns:a16="http://schemas.microsoft.com/office/drawing/2014/main" id="{9CAEA0B3-C65A-CCFA-0F76-97F2D3B3E47A}"/>
-              </a:ext>
-            </a:extLst>
-          </p:cNvPr>
-          <p:cNvSpPr txBox="1"/>
-          <p:nvPr/>
-        </p:nvSpPr>
-        <p:spPr>
-          <a:xfrm>
-            <a:off x="486459" y="843121"/>
+            <a:off x="260033" y="792833"/>
             <a:ext cx="216000" cy="215444"/>
           </a:xfrm>
           <a:prstGeom prst="rect">
@@ -8037,10 +10463,10 @@
       </p:sp>
       <p:sp>
         <p:nvSpPr>
-          <p:cNvPr id="250" name="TextBox 249">
-            <a:extLst>
-              <a:ext uri="{FF2B5EF4-FFF2-40B4-BE49-F238E27FC236}">
-                <a16:creationId xmlns:a16="http://schemas.microsoft.com/office/drawing/2014/main" id="{D078396E-A377-5A71-73C8-936698F4CD19}"/>
+          <p:cNvPr id="197" name="TextBox 249">
+            <a:extLst>
+              <a:ext uri="{FF2B5EF4-FFF2-40B4-BE49-F238E27FC236}">
+                <a16:creationId xmlns:a16="http://schemas.microsoft.com/office/drawing/2014/main" id="{EC01617F-732E-9D71-9CD0-9D2A18EEA276}"/>
               </a:ext>
             </a:extLst>
           </p:cNvPr>
@@ -8049,7 +10475,7 @@
         </p:nvSpPr>
         <p:spPr>
           <a:xfrm>
-            <a:off x="486459" y="1056517"/>
+            <a:off x="260033" y="1006229"/>
             <a:ext cx="216000" cy="215444"/>
           </a:xfrm>
           <a:prstGeom prst="rect">
@@ -8082,10 +10508,10 @@
       </p:sp>
       <p:sp>
         <p:nvSpPr>
-          <p:cNvPr id="251" name="TextBox 250">
-            <a:extLst>
-              <a:ext uri="{FF2B5EF4-FFF2-40B4-BE49-F238E27FC236}">
-                <a16:creationId xmlns:a16="http://schemas.microsoft.com/office/drawing/2014/main" id="{D5C22EE7-D54B-CF9B-E085-D69C02A05A13}"/>
+          <p:cNvPr id="202" name="TextBox 250">
+            <a:extLst>
+              <a:ext uri="{FF2B5EF4-FFF2-40B4-BE49-F238E27FC236}">
+                <a16:creationId xmlns:a16="http://schemas.microsoft.com/office/drawing/2014/main" id="{0908367B-CB7D-DE33-34B0-FCF15457A03E}"/>
               </a:ext>
             </a:extLst>
           </p:cNvPr>
@@ -8094,7 +10520,7 @@
         </p:nvSpPr>
         <p:spPr>
           <a:xfrm>
-            <a:off x="486459" y="1312441"/>
+            <a:off x="260033" y="1262153"/>
             <a:ext cx="216000" cy="215444"/>
           </a:xfrm>
           <a:prstGeom prst="rect">
@@ -8127,10 +10553,10 @@
       </p:sp>
       <p:sp>
         <p:nvSpPr>
-          <p:cNvPr id="252" name="TextBox 251">
-            <a:extLst>
-              <a:ext uri="{FF2B5EF4-FFF2-40B4-BE49-F238E27FC236}">
-                <a16:creationId xmlns:a16="http://schemas.microsoft.com/office/drawing/2014/main" id="{374D5227-B8F4-57B7-8B84-3E3E74E48970}"/>
+          <p:cNvPr id="204" name="TextBox 251">
+            <a:extLst>
+              <a:ext uri="{FF2B5EF4-FFF2-40B4-BE49-F238E27FC236}">
+                <a16:creationId xmlns:a16="http://schemas.microsoft.com/office/drawing/2014/main" id="{9D45E2E3-73F2-F901-120B-64DF112945F0}"/>
               </a:ext>
             </a:extLst>
           </p:cNvPr>
@@ -8139,7 +10565,7 @@
         </p:nvSpPr>
         <p:spPr>
           <a:xfrm>
-            <a:off x="486459" y="1568365"/>
+            <a:off x="260033" y="1518077"/>
             <a:ext cx="216000" cy="215444"/>
           </a:xfrm>
           <a:prstGeom prst="rect">
@@ -8172,10 +10598,10 @@
       </p:sp>
       <p:sp>
         <p:nvSpPr>
-          <p:cNvPr id="253" name="TextBox 252">
-            <a:extLst>
-              <a:ext uri="{FF2B5EF4-FFF2-40B4-BE49-F238E27FC236}">
-                <a16:creationId xmlns:a16="http://schemas.microsoft.com/office/drawing/2014/main" id="{0BE0D2A8-C151-4A2C-B3EF-8C81AFF0BA36}"/>
+          <p:cNvPr id="206" name="TextBox 252">
+            <a:extLst>
+              <a:ext uri="{FF2B5EF4-FFF2-40B4-BE49-F238E27FC236}">
+                <a16:creationId xmlns:a16="http://schemas.microsoft.com/office/drawing/2014/main" id="{1347BA48-9623-DC3B-5B6A-0F7557D8D0D1}"/>
               </a:ext>
             </a:extLst>
           </p:cNvPr>
@@ -8184,7 +10610,7 @@
         </p:nvSpPr>
         <p:spPr>
           <a:xfrm>
-            <a:off x="486459" y="1824289"/>
+            <a:off x="260033" y="1774001"/>
             <a:ext cx="216000" cy="215444"/>
           </a:xfrm>
           <a:prstGeom prst="rect">
@@ -8217,10 +10643,10 @@
       </p:sp>
       <p:sp>
         <p:nvSpPr>
-          <p:cNvPr id="254" name="TextBox 253">
-            <a:extLst>
-              <a:ext uri="{FF2B5EF4-FFF2-40B4-BE49-F238E27FC236}">
-                <a16:creationId xmlns:a16="http://schemas.microsoft.com/office/drawing/2014/main" id="{0E48E4EC-C16D-86BA-6B5F-5BE870A5F89F}"/>
+          <p:cNvPr id="207" name="TextBox 253">
+            <a:extLst>
+              <a:ext uri="{FF2B5EF4-FFF2-40B4-BE49-F238E27FC236}">
+                <a16:creationId xmlns:a16="http://schemas.microsoft.com/office/drawing/2014/main" id="{8166618B-EE67-66F3-B5C2-4AC765456585}"/>
               </a:ext>
             </a:extLst>
           </p:cNvPr>
@@ -8229,7 +10655,7 @@
         </p:nvSpPr>
         <p:spPr>
           <a:xfrm>
-            <a:off x="486459" y="2080213"/>
+            <a:off x="260033" y="2029925"/>
             <a:ext cx="216000" cy="215444"/>
           </a:xfrm>
           <a:prstGeom prst="rect">
@@ -8262,10 +10688,10 @@
       </p:sp>
       <p:sp>
         <p:nvSpPr>
-          <p:cNvPr id="255" name="TextBox 254">
-            <a:extLst>
-              <a:ext uri="{FF2B5EF4-FFF2-40B4-BE49-F238E27FC236}">
-                <a16:creationId xmlns:a16="http://schemas.microsoft.com/office/drawing/2014/main" id="{EB567113-64AD-A75E-82C3-AC8DCF388F3D}"/>
+          <p:cNvPr id="209" name="TextBox 254">
+            <a:extLst>
+              <a:ext uri="{FF2B5EF4-FFF2-40B4-BE49-F238E27FC236}">
+                <a16:creationId xmlns:a16="http://schemas.microsoft.com/office/drawing/2014/main" id="{5CAA5678-E621-66FD-4C54-1823DEDAE08A}"/>
               </a:ext>
             </a:extLst>
           </p:cNvPr>
@@ -8274,7 +10700,7 @@
         </p:nvSpPr>
         <p:spPr>
           <a:xfrm>
-            <a:off x="486459" y="2336137"/>
+            <a:off x="260033" y="2285849"/>
             <a:ext cx="216000" cy="215444"/>
           </a:xfrm>
           <a:prstGeom prst="rect">
@@ -8307,10 +10733,10 @@
       </p:sp>
       <p:sp>
         <p:nvSpPr>
-          <p:cNvPr id="256" name="TextBox 255">
-            <a:extLst>
-              <a:ext uri="{FF2B5EF4-FFF2-40B4-BE49-F238E27FC236}">
-                <a16:creationId xmlns:a16="http://schemas.microsoft.com/office/drawing/2014/main" id="{B62BEE55-838F-0DEE-4C9C-9A043DAF50DB}"/>
+          <p:cNvPr id="211" name="TextBox 255">
+            <a:extLst>
+              <a:ext uri="{FF2B5EF4-FFF2-40B4-BE49-F238E27FC236}">
+                <a16:creationId xmlns:a16="http://schemas.microsoft.com/office/drawing/2014/main" id="{AA4F8BC5-6199-927C-AFCF-194F3EE87B56}"/>
               </a:ext>
             </a:extLst>
           </p:cNvPr>
@@ -8319,7 +10745,7 @@
         </p:nvSpPr>
         <p:spPr>
           <a:xfrm>
-            <a:off x="486459" y="2560166"/>
+            <a:off x="260033" y="2509878"/>
             <a:ext cx="216000" cy="215444"/>
           </a:xfrm>
           <a:prstGeom prst="rect">
@@ -8352,10 +10778,10 @@
       </p:sp>
       <p:sp>
         <p:nvSpPr>
-          <p:cNvPr id="257" name="TextBox 115">
-            <a:extLst>
-              <a:ext uri="{FF2B5EF4-FFF2-40B4-BE49-F238E27FC236}">
-                <a16:creationId xmlns:a16="http://schemas.microsoft.com/office/drawing/2014/main" id="{D5201F61-8DC6-DC55-555C-2AA6472F2DF3}"/>
+          <p:cNvPr id="213" name="TextBox 115">
+            <a:extLst>
+              <a:ext uri="{FF2B5EF4-FFF2-40B4-BE49-F238E27FC236}">
+                <a16:creationId xmlns:a16="http://schemas.microsoft.com/office/drawing/2014/main" id="{96819079-C410-571A-23BA-1255B3406EBA}"/>
               </a:ext>
             </a:extLst>
           </p:cNvPr>
@@ -8364,7 +10790,7 @@
         </p:nvSpPr>
         <p:spPr>
           <a:xfrm rot="16200000">
-            <a:off x="-451852" y="1700594"/>
+            <a:off x="-678278" y="1650306"/>
             <a:ext cx="1800001" cy="215444"/>
           </a:xfrm>
           <a:prstGeom prst="rect">
@@ -8391,17 +10817,17 @@
                   </a:schemeClr>
                 </a:solidFill>
               </a:rPr>
-              <a:t>Average rainfall [mm/12h]</a:t>
-            </a:r>
-          </a:p>
-        </p:txBody>
-      </p:sp>
-      <p:sp>
-        <p:nvSpPr>
-          <p:cNvPr id="267" name="TextBox 266">
-            <a:extLst>
-              <a:ext uri="{FF2B5EF4-FFF2-40B4-BE49-F238E27FC236}">
-                <a16:creationId xmlns:a16="http://schemas.microsoft.com/office/drawing/2014/main" id="{A528C180-F9E4-ADA5-CB22-0F1DDAC74562}"/>
+              <a:t>Rainfall average [mm/12h]</a:t>
+            </a:r>
+          </a:p>
+        </p:txBody>
+      </p:sp>
+      <p:sp>
+        <p:nvSpPr>
+          <p:cNvPr id="214" name="TextBox 266">
+            <a:extLst>
+              <a:ext uri="{FF2B5EF4-FFF2-40B4-BE49-F238E27FC236}">
+                <a16:creationId xmlns:a16="http://schemas.microsoft.com/office/drawing/2014/main" id="{FD660FE0-B155-ECEE-F878-158B3D176F9E}"/>
               </a:ext>
             </a:extLst>
           </p:cNvPr>
@@ -8410,7 +10836,7 @@
         </p:nvSpPr>
         <p:spPr>
           <a:xfrm>
-            <a:off x="491968" y="2681323"/>
+            <a:off x="265542" y="2631035"/>
             <a:ext cx="216000" cy="215444"/>
           </a:xfrm>
           <a:prstGeom prst="rect">
@@ -8443,10 +10869,10 @@
       </p:sp>
       <p:sp>
         <p:nvSpPr>
-          <p:cNvPr id="268" name="TextBox 267">
-            <a:extLst>
-              <a:ext uri="{FF2B5EF4-FFF2-40B4-BE49-F238E27FC236}">
-                <a16:creationId xmlns:a16="http://schemas.microsoft.com/office/drawing/2014/main" id="{DA892BFD-0AF2-8478-BD33-1ED7E8FD0460}"/>
+          <p:cNvPr id="217" name="TextBox 267">
+            <a:extLst>
+              <a:ext uri="{FF2B5EF4-FFF2-40B4-BE49-F238E27FC236}">
+                <a16:creationId xmlns:a16="http://schemas.microsoft.com/office/drawing/2014/main" id="{D985EC4B-FCC1-B499-0272-A088EDDF0EE3}"/>
               </a:ext>
             </a:extLst>
           </p:cNvPr>
@@ -8455,7 +10881,7 @@
         </p:nvSpPr>
         <p:spPr>
           <a:xfrm>
-            <a:off x="491968" y="2921298"/>
+            <a:off x="265542" y="2871010"/>
             <a:ext cx="216000" cy="215444"/>
           </a:xfrm>
           <a:prstGeom prst="rect">
@@ -8488,10 +10914,10 @@
       </p:sp>
       <p:sp>
         <p:nvSpPr>
-          <p:cNvPr id="269" name="TextBox 268">
-            <a:extLst>
-              <a:ext uri="{FF2B5EF4-FFF2-40B4-BE49-F238E27FC236}">
-                <a16:creationId xmlns:a16="http://schemas.microsoft.com/office/drawing/2014/main" id="{BFAEBAF0-FCD8-5141-B043-736D20F16E41}"/>
+          <p:cNvPr id="218" name="TextBox 268">
+            <a:extLst>
+              <a:ext uri="{FF2B5EF4-FFF2-40B4-BE49-F238E27FC236}">
+                <a16:creationId xmlns:a16="http://schemas.microsoft.com/office/drawing/2014/main" id="{5E2CF87B-B8C7-EF73-D1CB-3C34E6D53E90}"/>
               </a:ext>
             </a:extLst>
           </p:cNvPr>
@@ -8500,7 +10926,7 @@
         </p:nvSpPr>
         <p:spPr>
           <a:xfrm>
-            <a:off x="491968" y="3177222"/>
+            <a:off x="265542" y="3126934"/>
             <a:ext cx="216000" cy="215444"/>
           </a:xfrm>
           <a:prstGeom prst="rect">
@@ -8533,10 +10959,10 @@
       </p:sp>
       <p:sp>
         <p:nvSpPr>
-          <p:cNvPr id="270" name="TextBox 269">
-            <a:extLst>
-              <a:ext uri="{FF2B5EF4-FFF2-40B4-BE49-F238E27FC236}">
-                <a16:creationId xmlns:a16="http://schemas.microsoft.com/office/drawing/2014/main" id="{A8786CD5-04A2-817C-19B6-DEBC50A16D07}"/>
+          <p:cNvPr id="221" name="TextBox 269">
+            <a:extLst>
+              <a:ext uri="{FF2B5EF4-FFF2-40B4-BE49-F238E27FC236}">
+                <a16:creationId xmlns:a16="http://schemas.microsoft.com/office/drawing/2014/main" id="{12A06669-7737-8D97-FFB9-B5874BF3C186}"/>
               </a:ext>
             </a:extLst>
           </p:cNvPr>
@@ -8545,7 +10971,7 @@
         </p:nvSpPr>
         <p:spPr>
           <a:xfrm>
-            <a:off x="491968" y="3433146"/>
+            <a:off x="265542" y="3382858"/>
             <a:ext cx="216000" cy="215444"/>
           </a:xfrm>
           <a:prstGeom prst="rect">
@@ -8578,10 +11004,10 @@
       </p:sp>
       <p:sp>
         <p:nvSpPr>
-          <p:cNvPr id="271" name="TextBox 270">
-            <a:extLst>
-              <a:ext uri="{FF2B5EF4-FFF2-40B4-BE49-F238E27FC236}">
-                <a16:creationId xmlns:a16="http://schemas.microsoft.com/office/drawing/2014/main" id="{5AC9C89B-BA5A-E6D0-9B29-C896DCBCED67}"/>
+          <p:cNvPr id="223" name="TextBox 270">
+            <a:extLst>
+              <a:ext uri="{FF2B5EF4-FFF2-40B4-BE49-F238E27FC236}">
+                <a16:creationId xmlns:a16="http://schemas.microsoft.com/office/drawing/2014/main" id="{994F977A-166E-9A29-550B-9F1CF9C2AE92}"/>
               </a:ext>
             </a:extLst>
           </p:cNvPr>
@@ -8590,7 +11016,7 @@
         </p:nvSpPr>
         <p:spPr>
           <a:xfrm>
-            <a:off x="491968" y="3689070"/>
+            <a:off x="265542" y="3638782"/>
             <a:ext cx="216000" cy="215444"/>
           </a:xfrm>
           <a:prstGeom prst="rect">
@@ -8623,10 +11049,10 @@
       </p:sp>
       <p:sp>
         <p:nvSpPr>
-          <p:cNvPr id="272" name="TextBox 271">
-            <a:extLst>
-              <a:ext uri="{FF2B5EF4-FFF2-40B4-BE49-F238E27FC236}">
-                <a16:creationId xmlns:a16="http://schemas.microsoft.com/office/drawing/2014/main" id="{E351EFDD-3FE1-F190-8AB6-624E250C6ED1}"/>
+          <p:cNvPr id="224" name="TextBox 271">
+            <a:extLst>
+              <a:ext uri="{FF2B5EF4-FFF2-40B4-BE49-F238E27FC236}">
+                <a16:creationId xmlns:a16="http://schemas.microsoft.com/office/drawing/2014/main" id="{26A7E600-A472-B544-4700-8FF9F440A6D2}"/>
               </a:ext>
             </a:extLst>
           </p:cNvPr>
@@ -8635,7 +11061,7 @@
         </p:nvSpPr>
         <p:spPr>
           <a:xfrm>
-            <a:off x="491968" y="3944994"/>
+            <a:off x="265542" y="3894706"/>
             <a:ext cx="216000" cy="215444"/>
           </a:xfrm>
           <a:prstGeom prst="rect">
@@ -8668,10 +11094,10 @@
       </p:sp>
       <p:sp>
         <p:nvSpPr>
-          <p:cNvPr id="273" name="TextBox 272">
-            <a:extLst>
-              <a:ext uri="{FF2B5EF4-FFF2-40B4-BE49-F238E27FC236}">
-                <a16:creationId xmlns:a16="http://schemas.microsoft.com/office/drawing/2014/main" id="{D654CA22-146C-71EB-0731-8DC06B7AEE31}"/>
+          <p:cNvPr id="225" name="TextBox 272">
+            <a:extLst>
+              <a:ext uri="{FF2B5EF4-FFF2-40B4-BE49-F238E27FC236}">
+                <a16:creationId xmlns:a16="http://schemas.microsoft.com/office/drawing/2014/main" id="{A8AF641A-60E5-74F6-20E7-21D72FBC0C4B}"/>
               </a:ext>
             </a:extLst>
           </p:cNvPr>
@@ -8680,7 +11106,7 @@
         </p:nvSpPr>
         <p:spPr>
           <a:xfrm>
-            <a:off x="491968" y="4200918"/>
+            <a:off x="265542" y="4150630"/>
             <a:ext cx="216000" cy="215444"/>
           </a:xfrm>
           <a:prstGeom prst="rect">
@@ -8713,10 +11139,10 @@
       </p:sp>
       <p:sp>
         <p:nvSpPr>
-          <p:cNvPr id="274" name="TextBox 273">
-            <a:extLst>
-              <a:ext uri="{FF2B5EF4-FFF2-40B4-BE49-F238E27FC236}">
-                <a16:creationId xmlns:a16="http://schemas.microsoft.com/office/drawing/2014/main" id="{7EE71E49-043F-82D8-2A0C-B76C1DA664F1}"/>
+          <p:cNvPr id="229" name="TextBox 273">
+            <a:extLst>
+              <a:ext uri="{FF2B5EF4-FFF2-40B4-BE49-F238E27FC236}">
+                <a16:creationId xmlns:a16="http://schemas.microsoft.com/office/drawing/2014/main" id="{724968AA-6C60-4DF7-759A-CFFE6B1FAB0C}"/>
               </a:ext>
             </a:extLst>
           </p:cNvPr>
@@ -8725,7 +11151,7 @@
         </p:nvSpPr>
         <p:spPr>
           <a:xfrm>
-            <a:off x="491968" y="4430263"/>
+            <a:off x="265542" y="4379975"/>
             <a:ext cx="216000" cy="215444"/>
           </a:xfrm>
           <a:prstGeom prst="rect">
@@ -8758,10 +11184,10 @@
       </p:sp>
       <p:sp>
         <p:nvSpPr>
-          <p:cNvPr id="275" name="TextBox 115">
-            <a:extLst>
-              <a:ext uri="{FF2B5EF4-FFF2-40B4-BE49-F238E27FC236}">
-                <a16:creationId xmlns:a16="http://schemas.microsoft.com/office/drawing/2014/main" id="{48767C8C-3E90-3188-FD4F-E142AB62976E}"/>
+          <p:cNvPr id="238" name="TextBox 115">
+            <a:extLst>
+              <a:ext uri="{FF2B5EF4-FFF2-40B4-BE49-F238E27FC236}">
+                <a16:creationId xmlns:a16="http://schemas.microsoft.com/office/drawing/2014/main" id="{B5C86E7B-F2E1-8CC8-71D1-1660F634D915}"/>
               </a:ext>
             </a:extLst>
           </p:cNvPr>
@@ -8770,7 +11196,7 @@
         </p:nvSpPr>
         <p:spPr>
           <a:xfrm rot="16200000">
-            <a:off x="-446343" y="3565375"/>
+            <a:off x="-672769" y="3515087"/>
             <a:ext cx="1800001" cy="215444"/>
           </a:xfrm>
           <a:prstGeom prst="rect">
@@ -8797,17 +11223,17 @@
                   </a:schemeClr>
                 </a:solidFill>
               </a:rPr>
-              <a:t>Average rainfall [mm/12h]</a:t>
+              <a:t>Rainfall average [mm/12h]</a:t>
             </a:r>
           </a:p>
         </p:txBody>
       </p:sp>
       <p:cxnSp>
         <p:nvCxnSpPr>
-          <p:cNvPr id="285" name="Straight Connector 1713">
-            <a:extLst>
-              <a:ext uri="{FF2B5EF4-FFF2-40B4-BE49-F238E27FC236}">
-                <a16:creationId xmlns:a16="http://schemas.microsoft.com/office/drawing/2014/main" id="{3A585870-BB03-01D0-56B0-F20BFF6F417B}"/>
+          <p:cNvPr id="258" name="Straight Connector 1713">
+            <a:extLst>
+              <a:ext uri="{FF2B5EF4-FFF2-40B4-BE49-F238E27FC236}">
+                <a16:creationId xmlns:a16="http://schemas.microsoft.com/office/drawing/2014/main" id="{AA6AD609-13E8-03BB-3654-2F6E1F4323BD}"/>
               </a:ext>
             </a:extLst>
           </p:cNvPr>
@@ -8818,7 +11244,7 @@
         </p:nvCxnSpPr>
         <p:spPr>
           <a:xfrm>
-            <a:off x="522714" y="626952"/>
+            <a:off x="416034" y="576664"/>
             <a:ext cx="360000" cy="0"/>
           </a:xfrm>
           <a:prstGeom prst="line">
@@ -8847,10 +11273,10 @@
       </p:cxnSp>
       <p:cxnSp>
         <p:nvCxnSpPr>
-          <p:cNvPr id="286" name="Straight Connector 1714">
-            <a:extLst>
-              <a:ext uri="{FF2B5EF4-FFF2-40B4-BE49-F238E27FC236}">
-                <a16:creationId xmlns:a16="http://schemas.microsoft.com/office/drawing/2014/main" id="{4E255F5B-61B9-30DB-8B31-30C92C7E8D1E}"/>
+          <p:cNvPr id="259" name="Straight Connector 1714">
+            <a:extLst>
+              <a:ext uri="{FF2B5EF4-FFF2-40B4-BE49-F238E27FC236}">
+                <a16:creationId xmlns:a16="http://schemas.microsoft.com/office/drawing/2014/main" id="{9271386F-23FF-689C-D69A-8FB14EDD051F}"/>
               </a:ext>
             </a:extLst>
           </p:cNvPr>
@@ -8861,7 +11287,7 @@
         </p:nvCxnSpPr>
         <p:spPr>
           <a:xfrm>
-            <a:off x="522714" y="508808"/>
+            <a:off x="416034" y="458520"/>
             <a:ext cx="360000" cy="0"/>
           </a:xfrm>
           <a:prstGeom prst="line">
@@ -8890,10 +11316,10 @@
       </p:cxnSp>
       <p:sp>
         <p:nvSpPr>
-          <p:cNvPr id="287" name="TextBox 1715">
-            <a:extLst>
-              <a:ext uri="{FF2B5EF4-FFF2-40B4-BE49-F238E27FC236}">
-                <a16:creationId xmlns:a16="http://schemas.microsoft.com/office/drawing/2014/main" id="{893DD166-FCFE-99BD-8354-D51EDB4A5B55}"/>
+          <p:cNvPr id="260" name="TextBox 1715">
+            <a:extLst>
+              <a:ext uri="{FF2B5EF4-FFF2-40B4-BE49-F238E27FC236}">
+                <a16:creationId xmlns:a16="http://schemas.microsoft.com/office/drawing/2014/main" id="{1E5BA1C2-2028-5318-7810-4B48EA78FEEA}"/>
               </a:ext>
             </a:extLst>
           </p:cNvPr>
@@ -8902,7 +11328,7 @@
         </p:nvSpPr>
         <p:spPr>
           <a:xfrm>
-            <a:off x="-189958" y="401086"/>
+            <a:off x="-296638" y="350798"/>
             <a:ext cx="765802" cy="215444"/>
           </a:xfrm>
           <a:prstGeom prst="rect">
@@ -8933,10 +11359,10 @@
       </p:sp>
       <p:sp>
         <p:nvSpPr>
-          <p:cNvPr id="288" name="TextBox 1716">
-            <a:extLst>
-              <a:ext uri="{FF2B5EF4-FFF2-40B4-BE49-F238E27FC236}">
-                <a16:creationId xmlns:a16="http://schemas.microsoft.com/office/drawing/2014/main" id="{FF6D6E54-4578-1F15-26A8-1CDF8CA71926}"/>
+          <p:cNvPr id="261" name="TextBox 1716">
+            <a:extLst>
+              <a:ext uri="{FF2B5EF4-FFF2-40B4-BE49-F238E27FC236}">
+                <a16:creationId xmlns:a16="http://schemas.microsoft.com/office/drawing/2014/main" id="{2451CFC0-DC5E-FEDA-C5D0-8DD328643A73}"/>
               </a:ext>
             </a:extLst>
           </p:cNvPr>
@@ -8945,7 +11371,7 @@
         </p:nvSpPr>
         <p:spPr>
           <a:xfrm>
-            <a:off x="-488947" y="519230"/>
+            <a:off x="-595627" y="468942"/>
             <a:ext cx="1064792" cy="215444"/>
           </a:xfrm>
           <a:prstGeom prst="rect">
@@ -8976,10 +11402,10 @@
       </p:sp>
       <p:sp>
         <p:nvSpPr>
-          <p:cNvPr id="291" name="TextBox 428">
-            <a:extLst>
-              <a:ext uri="{FF2B5EF4-FFF2-40B4-BE49-F238E27FC236}">
-                <a16:creationId xmlns:a16="http://schemas.microsoft.com/office/drawing/2014/main" id="{B3EF9DB2-0589-D352-144E-CBAA69BF8047}"/>
+          <p:cNvPr id="262" name="TextBox 428">
+            <a:extLst>
+              <a:ext uri="{FF2B5EF4-FFF2-40B4-BE49-F238E27FC236}">
+                <a16:creationId xmlns:a16="http://schemas.microsoft.com/office/drawing/2014/main" id="{21FE2E6D-5E01-4F48-E3E9-740DAA4C7A43}"/>
               </a:ext>
             </a:extLst>
           </p:cNvPr>
@@ -8988,7 +11414,7 @@
         </p:nvSpPr>
         <p:spPr>
           <a:xfrm>
-            <a:off x="348561" y="177724"/>
+            <a:off x="241881" y="127436"/>
             <a:ext cx="736330" cy="338554"/>
           </a:xfrm>
           <a:prstGeom prst="rect">
@@ -9033,10 +11459,10 @@
       </p:sp>
       <p:cxnSp>
         <p:nvCxnSpPr>
-          <p:cNvPr id="293" name="Straight Connector 1713">
-            <a:extLst>
-              <a:ext uri="{FF2B5EF4-FFF2-40B4-BE49-F238E27FC236}">
-                <a16:creationId xmlns:a16="http://schemas.microsoft.com/office/drawing/2014/main" id="{9573DD8E-7D9E-0CBE-E383-E894071EEAC1}"/>
+          <p:cNvPr id="263" name="Straight Connector 1713">
+            <a:extLst>
+              <a:ext uri="{FF2B5EF4-FFF2-40B4-BE49-F238E27FC236}">
+                <a16:creationId xmlns:a16="http://schemas.microsoft.com/office/drawing/2014/main" id="{73F0C8A4-0F6C-F2B4-8D2A-C140A8A7FBD4}"/>
               </a:ext>
             </a:extLst>
           </p:cNvPr>
@@ -9047,7 +11473,7 @@
         </p:nvCxnSpPr>
         <p:spPr>
           <a:xfrm>
-            <a:off x="522714" y="744156"/>
+            <a:off x="416034" y="693868"/>
             <a:ext cx="360000" cy="0"/>
           </a:xfrm>
           <a:prstGeom prst="line">
@@ -9078,10 +11504,10 @@
       </p:cxnSp>
       <p:sp>
         <p:nvSpPr>
-          <p:cNvPr id="294" name="TextBox 1716">
-            <a:extLst>
-              <a:ext uri="{FF2B5EF4-FFF2-40B4-BE49-F238E27FC236}">
-                <a16:creationId xmlns:a16="http://schemas.microsoft.com/office/drawing/2014/main" id="{C2567B5D-3244-B285-30F0-3B70682554A0}"/>
+          <p:cNvPr id="264" name="TextBox 1716">
+            <a:extLst>
+              <a:ext uri="{FF2B5EF4-FFF2-40B4-BE49-F238E27FC236}">
+                <a16:creationId xmlns:a16="http://schemas.microsoft.com/office/drawing/2014/main" id="{78F31C95-F3D0-6ADA-D4CF-AC0BA5D58FC8}"/>
               </a:ext>
             </a:extLst>
           </p:cNvPr>
@@ -9090,7 +11516,7 @@
         </p:nvSpPr>
         <p:spPr>
           <a:xfrm>
-            <a:off x="-488947" y="636434"/>
+            <a:off x="-595627" y="586146"/>
             <a:ext cx="1064792" cy="215444"/>
           </a:xfrm>
           <a:prstGeom prst="rect">
@@ -9121,10 +11547,10 @@
       </p:sp>
       <p:cxnSp>
         <p:nvCxnSpPr>
-          <p:cNvPr id="295" name="Straight Connector 1713">
-            <a:extLst>
-              <a:ext uri="{FF2B5EF4-FFF2-40B4-BE49-F238E27FC236}">
-                <a16:creationId xmlns:a16="http://schemas.microsoft.com/office/drawing/2014/main" id="{953E5247-F4F3-07F6-F884-32A04ADF3E38}"/>
+          <p:cNvPr id="265" name="Straight Connector 1713">
+            <a:extLst>
+              <a:ext uri="{FF2B5EF4-FFF2-40B4-BE49-F238E27FC236}">
+                <a16:creationId xmlns:a16="http://schemas.microsoft.com/office/drawing/2014/main" id="{EB797FB9-9E91-DEF7-A08E-FA88FB2FB6AE}"/>
               </a:ext>
             </a:extLst>
           </p:cNvPr>
@@ -9135,7 +11561,7 @@
         </p:nvCxnSpPr>
         <p:spPr>
           <a:xfrm>
-            <a:off x="953996" y="626952"/>
+            <a:off x="847316" y="576664"/>
             <a:ext cx="360000" cy="0"/>
           </a:xfrm>
           <a:prstGeom prst="line">
@@ -9165,10 +11591,10 @@
       </p:cxnSp>
       <p:cxnSp>
         <p:nvCxnSpPr>
-          <p:cNvPr id="296" name="Straight Connector 1714">
-            <a:extLst>
-              <a:ext uri="{FF2B5EF4-FFF2-40B4-BE49-F238E27FC236}">
-                <a16:creationId xmlns:a16="http://schemas.microsoft.com/office/drawing/2014/main" id="{9D32E49C-399C-696C-5F7F-6DA5E6DAD301}"/>
+          <p:cNvPr id="266" name="Straight Connector 1714">
+            <a:extLst>
+              <a:ext uri="{FF2B5EF4-FFF2-40B4-BE49-F238E27FC236}">
+                <a16:creationId xmlns:a16="http://schemas.microsoft.com/office/drawing/2014/main" id="{13F88A7A-BF8C-D0ED-3193-74DC0EB590C8}"/>
               </a:ext>
             </a:extLst>
           </p:cNvPr>
@@ -9179,7 +11605,7 @@
         </p:nvCxnSpPr>
         <p:spPr>
           <a:xfrm>
-            <a:off x="953996" y="508808"/>
+            <a:off x="847316" y="458520"/>
             <a:ext cx="360000" cy="0"/>
           </a:xfrm>
           <a:prstGeom prst="line">
@@ -9209,10 +11635,10 @@
       </p:cxnSp>
       <p:sp>
         <p:nvSpPr>
-          <p:cNvPr id="297" name="TextBox 428">
-            <a:extLst>
-              <a:ext uri="{FF2B5EF4-FFF2-40B4-BE49-F238E27FC236}">
-                <a16:creationId xmlns:a16="http://schemas.microsoft.com/office/drawing/2014/main" id="{240E4601-DB99-B41F-5308-F22C11FE9449}"/>
+          <p:cNvPr id="276" name="TextBox 428">
+            <a:extLst>
+              <a:ext uri="{FF2B5EF4-FFF2-40B4-BE49-F238E27FC236}">
+                <a16:creationId xmlns:a16="http://schemas.microsoft.com/office/drawing/2014/main" id="{9C07D085-9018-45D7-4E21-4213FB6AD6E4}"/>
               </a:ext>
             </a:extLst>
           </p:cNvPr>
@@ -9221,7 +11647,7 @@
         </p:nvSpPr>
         <p:spPr>
           <a:xfrm>
-            <a:off x="860704" y="259020"/>
+            <a:off x="754024" y="208732"/>
             <a:ext cx="546584" cy="215444"/>
           </a:xfrm>
           <a:prstGeom prst="rect">
@@ -9245,17 +11671,17 @@
                   </a:schemeClr>
                 </a:solidFill>
               </a:rPr>
-              <a:t>Average</a:t>
+              <a:t>Trend</a:t>
             </a:r>
           </a:p>
         </p:txBody>
       </p:sp>
       <p:cxnSp>
         <p:nvCxnSpPr>
-          <p:cNvPr id="298" name="Straight Connector 1713">
-            <a:extLst>
-              <a:ext uri="{FF2B5EF4-FFF2-40B4-BE49-F238E27FC236}">
-                <a16:creationId xmlns:a16="http://schemas.microsoft.com/office/drawing/2014/main" id="{F85B95E0-6CBE-BF1D-2F81-B710A8E93A58}"/>
+          <p:cNvPr id="277" name="Straight Connector 1713">
+            <a:extLst>
+              <a:ext uri="{FF2B5EF4-FFF2-40B4-BE49-F238E27FC236}">
+                <a16:creationId xmlns:a16="http://schemas.microsoft.com/office/drawing/2014/main" id="{A0305E98-A962-40A3-43CD-5E5B6C300D44}"/>
               </a:ext>
             </a:extLst>
           </p:cNvPr>
@@ -9266,7 +11692,7 @@
         </p:nvCxnSpPr>
         <p:spPr>
           <a:xfrm>
-            <a:off x="953996" y="744156"/>
+            <a:off x="847316" y="693868"/>
             <a:ext cx="360000" cy="0"/>
           </a:xfrm>
           <a:prstGeom prst="line">
@@ -9298,10 +11724,10 @@
       </p:cxnSp>
       <p:sp>
         <p:nvSpPr>
-          <p:cNvPr id="302" name="Rectangle 301">
-            <a:extLst>
-              <a:ext uri="{FF2B5EF4-FFF2-40B4-BE49-F238E27FC236}">
-                <a16:creationId xmlns:a16="http://schemas.microsoft.com/office/drawing/2014/main" id="{6131505F-AEF5-29D5-04BE-5CAE1DB075CA}"/>
+          <p:cNvPr id="278" name="Rectangle 301">
+            <a:extLst>
+              <a:ext uri="{FF2B5EF4-FFF2-40B4-BE49-F238E27FC236}">
+                <a16:creationId xmlns:a16="http://schemas.microsoft.com/office/drawing/2014/main" id="{134F1432-58E2-3A01-EC87-C158ECC7EA92}"/>
               </a:ext>
             </a:extLst>
           </p:cNvPr>
@@ -9310,7 +11736,7 @@
         </p:nvSpPr>
         <p:spPr>
           <a:xfrm>
-            <a:off x="138860" y="213230"/>
+            <a:off x="32180" y="162942"/>
             <a:ext cx="1222535" cy="612000"/>
           </a:xfrm>
           <a:prstGeom prst="rect">
@@ -9353,10 +11779,10 @@
       </p:sp>
       <p:sp>
         <p:nvSpPr>
-          <p:cNvPr id="303" name="TextBox 2106">
-            <a:extLst>
-              <a:ext uri="{FF2B5EF4-FFF2-40B4-BE49-F238E27FC236}">
-                <a16:creationId xmlns:a16="http://schemas.microsoft.com/office/drawing/2014/main" id="{60A688CF-971B-C719-8CF4-526FA6A77A5D}"/>
+          <p:cNvPr id="279" name="TextBox 2106">
+            <a:extLst>
+              <a:ext uri="{FF2B5EF4-FFF2-40B4-BE49-F238E27FC236}">
+                <a16:creationId xmlns:a16="http://schemas.microsoft.com/office/drawing/2014/main" id="{2C76209A-2D0C-968F-F97E-6580D4415058}"/>
               </a:ext>
             </a:extLst>
           </p:cNvPr>
@@ -9365,7 +11791,7 @@
         </p:nvSpPr>
         <p:spPr>
           <a:xfrm>
-            <a:off x="0" y="-10672"/>
+            <a:off x="-106680" y="-41367"/>
             <a:ext cx="6858000" cy="246221"/>
           </a:xfrm>
           <a:prstGeom prst="rect">
@@ -9389,207 +11815,34 @@
                   </a:schemeClr>
                 </a:solidFill>
               </a:rPr>
-              <a:t>Average rainfall for 2020</a:t>
-            </a:r>
-          </a:p>
-        </p:txBody>
-      </p:sp>
-      <p:pic>
-        <p:nvPicPr>
-          <p:cNvPr id="317" name="Picture 316" descr="A graph of a number of objects&#10;&#10;Description automatically generated">
-            <a:extLst>
-              <a:ext uri="{FF2B5EF4-FFF2-40B4-BE49-F238E27FC236}">
-                <a16:creationId xmlns:a16="http://schemas.microsoft.com/office/drawing/2014/main" id="{04E02EA6-D283-B849-B55E-0B0E9A7D7D1B}"/>
-              </a:ext>
-            </a:extLst>
-          </p:cNvPr>
-          <p:cNvPicPr>
-            <a:picLocks noChangeAspect="1"/>
-          </p:cNvPicPr>
-          <p:nvPr/>
-        </p:nvPicPr>
-        <p:blipFill rotWithShape="1">
-          <a:blip r:embed="rId10">
-            <a:extLst>
-              <a:ext uri="{28A0092B-C50C-407E-A947-70E740481C1C}">
-                <a14:useLocalDpi xmlns:a14="http://schemas.microsoft.com/office/drawing/2010/main" val="0"/>
-              </a:ext>
-            </a:extLst>
-          </a:blip>
-          <a:srcRect l="1332" t="10905" r="9462" b="9875"/>
-          <a:stretch/>
-        </p:blipFill>
+              <a:t>2020’s 12-hourly rainfall average</a:t>
+            </a:r>
+          </a:p>
+        </p:txBody>
+      </p:sp>
+      <p:sp>
+        <p:nvSpPr>
+          <p:cNvPr id="280" name="TextBox 238">
+            <a:extLst>
+              <a:ext uri="{FF2B5EF4-FFF2-40B4-BE49-F238E27FC236}">
+                <a16:creationId xmlns:a16="http://schemas.microsoft.com/office/drawing/2014/main" id="{8256DB2A-21F0-E6FC-329B-1CC83DEC0508}"/>
+              </a:ext>
+            </a:extLst>
+          </p:cNvPr>
+          <p:cNvSpPr txBox="1"/>
+          <p:nvPr/>
+        </p:nvSpPr>
         <p:spPr>
           <a:xfrm>
-            <a:off x="4018794" y="4202249"/>
-            <a:ext cx="1280154" cy="909480"/>
+            <a:off x="2975190" y="894078"/>
+            <a:ext cx="216000" cy="215444"/>
           </a:xfrm>
           <a:prstGeom prst="rect">
             <a:avLst/>
           </a:prstGeom>
-        </p:spPr>
-      </p:pic>
-      <p:pic>
-        <p:nvPicPr>
-          <p:cNvPr id="319" name="Picture 318" descr="A graph with numbers and a line&#10;&#10;Description automatically generated">
-            <a:extLst>
-              <a:ext uri="{FF2B5EF4-FFF2-40B4-BE49-F238E27FC236}">
-                <a16:creationId xmlns:a16="http://schemas.microsoft.com/office/drawing/2014/main" id="{E8622614-3FE2-2407-1897-F0B84918C976}"/>
-              </a:ext>
-            </a:extLst>
-          </p:cNvPr>
-          <p:cNvPicPr>
-            <a:picLocks noChangeAspect="1"/>
-          </p:cNvPicPr>
-          <p:nvPr/>
-        </p:nvPicPr>
-        <p:blipFill rotWithShape="1">
-          <a:blip r:embed="rId11">
-            <a:extLst>
-              <a:ext uri="{28A0092B-C50C-407E-A947-70E740481C1C}">
-                <a14:useLocalDpi xmlns:a14="http://schemas.microsoft.com/office/drawing/2010/main" val="0"/>
-              </a:ext>
-            </a:extLst>
-          </a:blip>
-          <a:srcRect l="12157" t="11203" r="9462" b="10617"/>
-          <a:stretch/>
-        </p:blipFill>
-        <p:spPr>
-          <a:xfrm>
-            <a:off x="5437601" y="4202249"/>
-            <a:ext cx="1127892" cy="900000"/>
-          </a:xfrm>
-          <a:prstGeom prst="rect">
-            <a:avLst/>
-          </a:prstGeom>
-        </p:spPr>
-      </p:pic>
-      <p:pic>
-        <p:nvPicPr>
-          <p:cNvPr id="321" name="Picture 320" descr="A graph of a number of objects&#10;&#10;Description automatically generated">
-            <a:extLst>
-              <a:ext uri="{FF2B5EF4-FFF2-40B4-BE49-F238E27FC236}">
-                <a16:creationId xmlns:a16="http://schemas.microsoft.com/office/drawing/2014/main" id="{9ADDB7B3-1014-83BC-4027-577A59C7BE12}"/>
-              </a:ext>
-            </a:extLst>
-          </p:cNvPr>
-          <p:cNvPicPr>
-            <a:picLocks noChangeAspect="1"/>
-          </p:cNvPicPr>
-          <p:nvPr/>
-        </p:nvPicPr>
-        <p:blipFill rotWithShape="1">
-          <a:blip r:embed="rId12">
-            <a:extLst>
-              <a:ext uri="{28A0092B-C50C-407E-A947-70E740481C1C}">
-                <a14:useLocalDpi xmlns:a14="http://schemas.microsoft.com/office/drawing/2010/main" val="0"/>
-              </a:ext>
-            </a:extLst>
-          </a:blip>
-          <a:srcRect l="1332" t="11203" r="9462" b="-87"/>
-          <a:stretch/>
-        </p:blipFill>
-        <p:spPr>
-          <a:xfrm>
-            <a:off x="4017905" y="5118034"/>
-            <a:ext cx="1280154" cy="1020433"/>
-          </a:xfrm>
-          <a:prstGeom prst="rect">
-            <a:avLst/>
-          </a:prstGeom>
-        </p:spPr>
-      </p:pic>
-      <p:pic>
-        <p:nvPicPr>
-          <p:cNvPr id="323" name="Picture 322" descr="A graph of a number of objects&#10;&#10;Description automatically generated">
-            <a:extLst>
-              <a:ext uri="{FF2B5EF4-FFF2-40B4-BE49-F238E27FC236}">
-                <a16:creationId xmlns:a16="http://schemas.microsoft.com/office/drawing/2014/main" id="{2CF121BF-87E5-CF7B-CDFE-0D17B3DCC4E9}"/>
-              </a:ext>
-            </a:extLst>
-          </p:cNvPr>
-          <p:cNvPicPr>
-            <a:picLocks noChangeAspect="1"/>
-          </p:cNvPicPr>
-          <p:nvPr/>
-        </p:nvPicPr>
-        <p:blipFill rotWithShape="1">
-          <a:blip r:embed="rId13">
-            <a:extLst>
-              <a:ext uri="{28A0092B-C50C-407E-A947-70E740481C1C}">
-                <a14:useLocalDpi xmlns:a14="http://schemas.microsoft.com/office/drawing/2010/main" val="0"/>
-              </a:ext>
-            </a:extLst>
-          </a:blip>
-          <a:srcRect l="11943" t="10991" r="9461" b="124"/>
-          <a:stretch/>
-        </p:blipFill>
-        <p:spPr>
-          <a:xfrm>
-            <a:off x="5418361" y="5114621"/>
-            <a:ext cx="1127892" cy="1020432"/>
-          </a:xfrm>
-          <a:prstGeom prst="rect">
-            <a:avLst/>
-          </a:prstGeom>
-        </p:spPr>
-      </p:pic>
-      <p:pic>
-        <p:nvPicPr>
-          <p:cNvPr id="325" name="Picture 324" descr="A graph of a number of objects&#10;&#10;Description automatically generated">
-            <a:extLst>
-              <a:ext uri="{FF2B5EF4-FFF2-40B4-BE49-F238E27FC236}">
-                <a16:creationId xmlns:a16="http://schemas.microsoft.com/office/drawing/2014/main" id="{89B20BA6-3D9D-F3B9-007E-41C0057B08A5}"/>
-              </a:ext>
-            </a:extLst>
-          </p:cNvPr>
-          <p:cNvPicPr>
-            <a:picLocks noChangeAspect="1"/>
-          </p:cNvPicPr>
-          <p:nvPr/>
-        </p:nvPicPr>
-        <p:blipFill rotWithShape="1">
-          <a:blip r:embed="rId14">
-            <a:extLst>
-              <a:ext uri="{28A0092B-C50C-407E-A947-70E740481C1C}">
-                <a14:useLocalDpi xmlns:a14="http://schemas.microsoft.com/office/drawing/2010/main" val="0"/>
-              </a:ext>
-            </a:extLst>
-          </a:blip>
-          <a:srcRect l="8858" t="11175" r="9407"/>
-          <a:stretch/>
-        </p:blipFill>
-        <p:spPr>
-          <a:xfrm>
-            <a:off x="4286474" y="4315583"/>
-            <a:ext cx="891868" cy="775387"/>
-          </a:xfrm>
-          <a:prstGeom prst="rect">
-            <a:avLst/>
-          </a:prstGeom>
-        </p:spPr>
-      </p:pic>
-      <p:sp>
-        <p:nvSpPr>
-          <p:cNvPr id="326" name="Oval 325">
-            <a:extLst>
-              <a:ext uri="{FF2B5EF4-FFF2-40B4-BE49-F238E27FC236}">
-                <a16:creationId xmlns:a16="http://schemas.microsoft.com/office/drawing/2014/main" id="{79991183-304F-0CCB-7960-046363D541DC}"/>
-              </a:ext>
-            </a:extLst>
-          </p:cNvPr>
-          <p:cNvSpPr/>
-          <p:nvPr/>
-        </p:nvSpPr>
-        <p:spPr>
-          <a:xfrm>
-            <a:off x="4148244" y="5005763"/>
-            <a:ext cx="284612" cy="161925"/>
-          </a:xfrm>
-          <a:prstGeom prst="ellipse">
-            <a:avLst/>
-          </a:prstGeom>
-          <a:noFill/>
+          <a:solidFill>
+            <a:schemeClr val="bg1"/>
+          </a:solidFill>
           <a:ln w="3175">
             <a:solidFill>
               <a:schemeClr val="tx1">
@@ -9599,54 +11852,49 @@
             </a:solidFill>
           </a:ln>
         </p:spPr>
-        <p:style>
-          <a:lnRef idx="2">
-            <a:schemeClr val="accent1">
-              <a:shade val="50000"/>
-            </a:schemeClr>
-          </a:lnRef>
-          <a:fillRef idx="1">
-            <a:schemeClr val="accent1"/>
-          </a:fillRef>
-          <a:effectRef idx="0">
-            <a:schemeClr val="accent1"/>
-          </a:effectRef>
-          <a:fontRef idx="minor">
-            <a:schemeClr val="lt1"/>
-          </a:fontRef>
-        </p:style>
-        <p:txBody>
-          <a:bodyPr rtlCol="0" anchor="ctr"/>
-          <a:lstStyle/>
-          <a:p>
-            <a:pPr algn="ctr"/>
-            <a:endParaRPr lang="en-GB"/>
-          </a:p>
-        </p:txBody>
-      </p:sp>
-      <p:cxnSp>
-        <p:nvCxnSpPr>
-          <p:cNvPr id="328" name="Straight Connector 327">
-            <a:extLst>
-              <a:ext uri="{FF2B5EF4-FFF2-40B4-BE49-F238E27FC236}">
-                <a16:creationId xmlns:a16="http://schemas.microsoft.com/office/drawing/2014/main" id="{D48924F0-86E5-3F9A-C2E6-FCE9E0124033}"/>
-              </a:ext>
-            </a:extLst>
-          </p:cNvPr>
-          <p:cNvCxnSpPr>
-            <a:cxnSpLocks/>
-            <a:stCxn id="326" idx="2"/>
-          </p:cNvCxnSpPr>
-          <p:nvPr/>
-        </p:nvCxnSpPr>
-        <p:spPr>
-          <a:xfrm flipV="1">
-            <a:off x="4148244" y="4318821"/>
-            <a:ext cx="117196" cy="767905"/>
-          </a:xfrm>
-          <a:prstGeom prst="line">
-            <a:avLst/>
-          </a:prstGeom>
+        <p:txBody>
+          <a:bodyPr wrap="square" rtlCol="0">
+            <a:spAutoFit/>
+          </a:bodyPr>
+          <a:lstStyle/>
+          <a:p>
+            <a:r>
+              <a:rPr lang="en-GB" sz="800" dirty="0">
+                <a:solidFill>
+                  <a:schemeClr val="tx1">
+                    <a:lumMod val="75000"/>
+                    <a:lumOff val="25000"/>
+                  </a:schemeClr>
+                </a:solidFill>
+              </a:rPr>
+              <a:t>a</a:t>
+            </a:r>
+          </a:p>
+        </p:txBody>
+      </p:sp>
+      <p:sp>
+        <p:nvSpPr>
+          <p:cNvPr id="281" name="TextBox 238">
+            <a:extLst>
+              <a:ext uri="{FF2B5EF4-FFF2-40B4-BE49-F238E27FC236}">
+                <a16:creationId xmlns:a16="http://schemas.microsoft.com/office/drawing/2014/main" id="{776A0576-D1DD-B5FC-C124-C607C10464CA}"/>
+              </a:ext>
+            </a:extLst>
+          </p:cNvPr>
+          <p:cNvSpPr txBox="1"/>
+          <p:nvPr/>
+        </p:nvSpPr>
+        <p:spPr>
+          <a:xfrm>
+            <a:off x="2978867" y="2761193"/>
+            <a:ext cx="216000" cy="215444"/>
+          </a:xfrm>
+          <a:prstGeom prst="rect">
+            <a:avLst/>
+          </a:prstGeom>
+          <a:solidFill>
+            <a:schemeClr val="bg1"/>
+          </a:solidFill>
           <a:ln w="3175">
             <a:solidFill>
               <a:schemeClr val="tx1">
@@ -9656,68 +11904,34 @@
             </a:solidFill>
           </a:ln>
         </p:spPr>
-        <p:style>
-          <a:lnRef idx="1">
-            <a:schemeClr val="accent1"/>
-          </a:lnRef>
-          <a:fillRef idx="0">
-            <a:schemeClr val="accent1"/>
-          </a:fillRef>
-          <a:effectRef idx="0">
-            <a:schemeClr val="accent1"/>
-          </a:effectRef>
-          <a:fontRef idx="minor">
-            <a:schemeClr val="tx1"/>
-          </a:fontRef>
-        </p:style>
-      </p:cxnSp>
-      <p:cxnSp>
-        <p:nvCxnSpPr>
-          <p:cNvPr id="329" name="Straight Connector 328">
-            <a:extLst>
-              <a:ext uri="{FF2B5EF4-FFF2-40B4-BE49-F238E27FC236}">
-                <a16:creationId xmlns:a16="http://schemas.microsoft.com/office/drawing/2014/main" id="{9024DCD9-76A5-1567-680D-BD80318DD9D9}"/>
-              </a:ext>
-            </a:extLst>
-          </p:cNvPr>
-          <p:cNvCxnSpPr>
-            <a:cxnSpLocks/>
-            <a:stCxn id="326" idx="5"/>
-          </p:cNvCxnSpPr>
-          <p:nvPr/>
-        </p:nvCxnSpPr>
-        <p:spPr>
-          <a:xfrm flipV="1">
-            <a:off x="4391176" y="5044293"/>
-            <a:ext cx="751675" cy="99682"/>
-          </a:xfrm>
-          <a:prstGeom prst="line">
-            <a:avLst/>
-          </a:prstGeom>
-          <a:ln w="3175">
-            <a:solidFill>
-              <a:schemeClr val="tx1">
-                <a:lumMod val="75000"/>
-                <a:lumOff val="25000"/>
-              </a:schemeClr>
-            </a:solidFill>
-          </a:ln>
-        </p:spPr>
-        <p:style>
-          <a:lnRef idx="1">
-            <a:schemeClr val="accent1"/>
-          </a:lnRef>
-          <a:fillRef idx="0">
-            <a:schemeClr val="accent1"/>
-          </a:fillRef>
-          <a:effectRef idx="0">
-            <a:schemeClr val="accent1"/>
-          </a:effectRef>
-          <a:fontRef idx="minor">
-            <a:schemeClr val="tx1"/>
-          </a:fontRef>
-        </p:style>
-      </p:cxnSp>
+        <p:txBody>
+          <a:bodyPr wrap="square" rtlCol="0">
+            <a:spAutoFit/>
+          </a:bodyPr>
+          <a:lstStyle/>
+          <a:p>
+            <a:r>
+              <a:rPr lang="it-IT" sz="800" dirty="0">
+                <a:solidFill>
+                  <a:schemeClr val="tx1">
+                    <a:lumMod val="75000"/>
+                    <a:lumOff val="25000"/>
+                  </a:schemeClr>
+                </a:solidFill>
+              </a:rPr>
+              <a:t>b</a:t>
+            </a:r>
+            <a:endParaRPr lang="en-GB" sz="800" dirty="0">
+              <a:solidFill>
+                <a:schemeClr val="tx1">
+                  <a:lumMod val="75000"/>
+                  <a:lumOff val="25000"/>
+                </a:schemeClr>
+              </a:solidFill>
+            </a:endParaRPr>
+          </a:p>
+        </p:txBody>
+      </p:sp>
     </p:spTree>
     <p:extLst>
       <p:ext uri="{BB962C8B-B14F-4D97-AF65-F5344CB8AC3E}">
@@ -9732,9 +11946,9 @@
 </file>
 
 <file path=ppt/theme/theme1.xml><?xml version="1.0" encoding="utf-8"?>
-<a:theme xmlns:a="http://schemas.openxmlformats.org/drawingml/2006/main" name="Office Theme">
+<a:theme xmlns:a="http://schemas.openxmlformats.org/drawingml/2006/main" name="Tema di Office">
   <a:themeElements>
-    <a:clrScheme name="Office Theme">
+    <a:clrScheme name="Tema di Office">
       <a:dk1>
         <a:sysClr val="windowText" lastClr="000000"/>
       </a:dk1>
@@ -9772,7 +11986,7 @@
         <a:srgbClr val="954F72"/>
       </a:folHlink>
     </a:clrScheme>
-    <a:fontScheme name="Office Theme">
+    <a:fontScheme name="Tema di Office">
       <a:majorFont>
         <a:latin typeface="Calibri Light" panose="020F0302020204030204"/>
         <a:ea typeface=""/>
@@ -9844,7 +12058,7 @@
         <a:font script="Geor" typeface="Sylfaen"/>
       </a:minorFont>
     </a:fontScheme>
-    <a:fmtScheme name="Office Theme">
+    <a:fmtScheme name="Tema di Office">
       <a:fillStyleLst>
         <a:solidFill>
           <a:schemeClr val="phClr"/>
@@ -9986,7 +12200,7 @@
   <a:extraClrSchemeLst/>
   <a:extLst>
     <a:ext uri="{05A4C25C-085E-4340-85A3-A5531E510DB2}">
-      <thm15:themeFamily xmlns:thm15="http://schemas.microsoft.com/office/thememl/2012/main" name="Office Theme 2013 - 2022" id="{62F939B6-93AF-4DB8-9C6B-D6C7DFDC589F}" vid="{4A3C46E8-61CC-4603-A589-7422A47A8E4A}"/>
+      <thm15:themeFamily xmlns:thm15="http://schemas.microsoft.com/office/thememl/2012/main" name="Office 2013 - 2022 Theme" id="{62F939B6-93AF-4DB8-9C6B-D6C7DFDC589F}" vid="{4A3C46E8-61CC-4603-A589-7422A47A8E4A}"/>
     </a:ext>
   </a:extLst>
 </a:theme>

--- a/Manuscript/Figures/03_DATA_Annual_Average_Rainfall.pptx
+++ b/Manuscript/Figures/03_DATA_Annual_Average_Rainfall.pptx
@@ -115,7 +115,7 @@
 <file path=ppt/revisionInfo.xml><?xml version="1.0" encoding="utf-8"?>
 <p1510:revInfo xmlns:a="http://schemas.openxmlformats.org/drawingml/2006/main" xmlns:r="http://schemas.openxmlformats.org/officeDocument/2006/relationships" xmlns:p1510="http://schemas.microsoft.com/office/powerpoint/2015/10/main">
   <p1510:revLst>
-    <p1510:client id="{E4EB9531-B35B-4F76-8762-A23C9D2F4928}" v="4" dt="2023-11-06T22:04:25.049"/>
+    <p1510:client id="{E4EB9531-B35B-4F76-8762-A23C9D2F4928}" v="6" dt="2023-11-08T22:36:23.894"/>
   </p1510:revLst>
 </p1510:revInfo>
 </file>
@@ -124,13 +124,13 @@
 <pc:chgInfo xmlns:a="http://schemas.openxmlformats.org/drawingml/2006/main" xmlns:r="http://schemas.openxmlformats.org/officeDocument/2006/relationships" xmlns:ac="http://schemas.microsoft.com/office/drawing/2013/main/command" xmlns:pc="http://schemas.microsoft.com/office/powerpoint/2013/main/command">
   <pc:docChgLst>
     <pc:chgData name="Fatima Pillosu" userId="a6295d4dc9e22643" providerId="LiveId" clId="{E4EB9531-B35B-4F76-8762-A23C9D2F4928}"/>
-    <pc:docChg chg="undo custSel modSld">
-      <pc:chgData name="Fatima Pillosu" userId="a6295d4dc9e22643" providerId="LiveId" clId="{E4EB9531-B35B-4F76-8762-A23C9D2F4928}" dt="2023-11-06T22:44:18.778" v="284"/>
+    <pc:docChg chg="undo custSel addSld delSld modSld">
+      <pc:chgData name="Fatima Pillosu" userId="a6295d4dc9e22643" providerId="LiveId" clId="{E4EB9531-B35B-4F76-8762-A23C9D2F4928}" dt="2023-11-08T22:39:33.949" v="516" actId="47"/>
       <pc:docMkLst>
         <pc:docMk/>
       </pc:docMkLst>
       <pc:sldChg chg="addSp delSp modSp mod">
-        <pc:chgData name="Fatima Pillosu" userId="a6295d4dc9e22643" providerId="LiveId" clId="{E4EB9531-B35B-4F76-8762-A23C9D2F4928}" dt="2023-11-06T22:44:18.778" v="284"/>
+        <pc:chgData name="Fatima Pillosu" userId="a6295d4dc9e22643" providerId="LiveId" clId="{E4EB9531-B35B-4F76-8762-A23C9D2F4928}" dt="2023-11-08T22:38:19.835" v="515" actId="1037"/>
         <pc:sldMkLst>
           <pc:docMk/>
           <pc:sldMk cId="1967199282" sldId="256"/>
@@ -943,20 +943,228 @@
             <ac:spMk id="148" creationId="{8F017204-CE2A-109A-7434-0D2418BCD89C}"/>
           </ac:spMkLst>
         </pc:spChg>
+        <pc:spChg chg="add mod ord">
+          <ac:chgData name="Fatima Pillosu" userId="a6295d4dc9e22643" providerId="LiveId" clId="{E4EB9531-B35B-4F76-8762-A23C9D2F4928}" dt="2023-11-08T22:37:27.979" v="477" actId="12789"/>
+          <ac:spMkLst>
+            <pc:docMk/>
+            <pc:sldMk cId="1967199282" sldId="256"/>
+            <ac:spMk id="149" creationId="{B2D9AE0E-D7BB-624F-E92F-9B8205F1044A}"/>
+          </ac:spMkLst>
+        </pc:spChg>
+        <pc:spChg chg="del mod">
+          <ac:chgData name="Fatima Pillosu" userId="a6295d4dc9e22643" providerId="LiveId" clId="{E4EB9531-B35B-4F76-8762-A23C9D2F4928}" dt="2023-11-06T21:57:08.574" v="154" actId="21"/>
+          <ac:spMkLst>
+            <pc:docMk/>
+            <pc:sldMk cId="1967199282" sldId="256"/>
+            <ac:spMk id="170" creationId="{65D39ED4-F8A3-C14B-22AF-0DEE9CA3AFE3}"/>
+          </ac:spMkLst>
+        </pc:spChg>
+        <pc:spChg chg="add mod ord">
+          <ac:chgData name="Fatima Pillosu" userId="a6295d4dc9e22643" providerId="LiveId" clId="{E4EB9531-B35B-4F76-8762-A23C9D2F4928}" dt="2023-11-08T22:37:34.392" v="478" actId="12789"/>
+          <ac:spMkLst>
+            <pc:docMk/>
+            <pc:sldMk cId="1967199282" sldId="256"/>
+            <ac:spMk id="171" creationId="{D25BDD5B-14E5-0149-483D-A4306A0EC11C}"/>
+          </ac:spMkLst>
+        </pc:spChg>
+        <pc:spChg chg="del mod">
+          <ac:chgData name="Fatima Pillosu" userId="a6295d4dc9e22643" providerId="LiveId" clId="{E4EB9531-B35B-4F76-8762-A23C9D2F4928}" dt="2023-11-06T21:57:08.574" v="154" actId="21"/>
+          <ac:spMkLst>
+            <pc:docMk/>
+            <pc:sldMk cId="1967199282" sldId="256"/>
+            <ac:spMk id="172" creationId="{42716142-9967-2203-97F0-06AE13E4D758}"/>
+          </ac:spMkLst>
+        </pc:spChg>
+        <pc:spChg chg="del mod">
+          <ac:chgData name="Fatima Pillosu" userId="a6295d4dc9e22643" providerId="LiveId" clId="{E4EB9531-B35B-4F76-8762-A23C9D2F4928}" dt="2023-11-06T21:57:08.574" v="154" actId="21"/>
+          <ac:spMkLst>
+            <pc:docMk/>
+            <pc:sldMk cId="1967199282" sldId="256"/>
+            <ac:spMk id="173" creationId="{966A2799-3AB0-A0F4-8A9F-EC06112BD077}"/>
+          </ac:spMkLst>
+        </pc:spChg>
+        <pc:spChg chg="del mod">
+          <ac:chgData name="Fatima Pillosu" userId="a6295d4dc9e22643" providerId="LiveId" clId="{E4EB9531-B35B-4F76-8762-A23C9D2F4928}" dt="2023-11-06T21:57:08.574" v="154" actId="21"/>
+          <ac:spMkLst>
+            <pc:docMk/>
+            <pc:sldMk cId="1967199282" sldId="256"/>
+            <ac:spMk id="174" creationId="{14B2776F-0E30-2844-68CE-22C634A38F19}"/>
+          </ac:spMkLst>
+        </pc:spChg>
+        <pc:spChg chg="del mod">
+          <ac:chgData name="Fatima Pillosu" userId="a6295d4dc9e22643" providerId="LiveId" clId="{E4EB9531-B35B-4F76-8762-A23C9D2F4928}" dt="2023-11-06T21:57:08.574" v="154" actId="21"/>
+          <ac:spMkLst>
+            <pc:docMk/>
+            <pc:sldMk cId="1967199282" sldId="256"/>
+            <ac:spMk id="175" creationId="{ADFD0149-00D7-F2A5-3219-78AC3D4BE54F}"/>
+          </ac:spMkLst>
+        </pc:spChg>
+        <pc:spChg chg="del mod">
+          <ac:chgData name="Fatima Pillosu" userId="a6295d4dc9e22643" providerId="LiveId" clId="{E4EB9531-B35B-4F76-8762-A23C9D2F4928}" dt="2023-11-06T21:57:08.574" v="154" actId="21"/>
+          <ac:spMkLst>
+            <pc:docMk/>
+            <pc:sldMk cId="1967199282" sldId="256"/>
+            <ac:spMk id="176" creationId="{4CF3F799-3D8C-B40D-F644-A0D1052D25A0}"/>
+          </ac:spMkLst>
+        </pc:spChg>
+        <pc:spChg chg="del mod">
+          <ac:chgData name="Fatima Pillosu" userId="a6295d4dc9e22643" providerId="LiveId" clId="{E4EB9531-B35B-4F76-8762-A23C9D2F4928}" dt="2023-11-06T21:57:08.574" v="154" actId="21"/>
+          <ac:spMkLst>
+            <pc:docMk/>
+            <pc:sldMk cId="1967199282" sldId="256"/>
+            <ac:spMk id="177" creationId="{DA2FB7CB-64EB-FDD2-DC71-4AFE78BC8F2C}"/>
+          </ac:spMkLst>
+        </pc:spChg>
+        <pc:spChg chg="del mod">
+          <ac:chgData name="Fatima Pillosu" userId="a6295d4dc9e22643" providerId="LiveId" clId="{E4EB9531-B35B-4F76-8762-A23C9D2F4928}" dt="2023-11-06T21:57:08.574" v="154" actId="21"/>
+          <ac:spMkLst>
+            <pc:docMk/>
+            <pc:sldMk cId="1967199282" sldId="256"/>
+            <ac:spMk id="178" creationId="{2E2099F7-8694-FB42-8E9F-1D7A8F5F2226}"/>
+          </ac:spMkLst>
+        </pc:spChg>
+        <pc:spChg chg="del mod">
+          <ac:chgData name="Fatima Pillosu" userId="a6295d4dc9e22643" providerId="LiveId" clId="{E4EB9531-B35B-4F76-8762-A23C9D2F4928}" dt="2023-11-06T21:57:08.574" v="154" actId="21"/>
+          <ac:spMkLst>
+            <pc:docMk/>
+            <pc:sldMk cId="1967199282" sldId="256"/>
+            <ac:spMk id="179" creationId="{A0F38D58-1F24-6403-C793-6F1E1C076B7C}"/>
+          </ac:spMkLst>
+        </pc:spChg>
+        <pc:spChg chg="del mod">
+          <ac:chgData name="Fatima Pillosu" userId="a6295d4dc9e22643" providerId="LiveId" clId="{E4EB9531-B35B-4F76-8762-A23C9D2F4928}" dt="2023-11-06T21:57:08.574" v="154" actId="21"/>
+          <ac:spMkLst>
+            <pc:docMk/>
+            <pc:sldMk cId="1967199282" sldId="256"/>
+            <ac:spMk id="180" creationId="{FDA3EB20-4384-32BB-1F98-B88E5C9BB97F}"/>
+          </ac:spMkLst>
+        </pc:spChg>
+        <pc:spChg chg="del mod">
+          <ac:chgData name="Fatima Pillosu" userId="a6295d4dc9e22643" providerId="LiveId" clId="{E4EB9531-B35B-4F76-8762-A23C9D2F4928}" dt="2023-11-06T21:57:08.574" v="154" actId="21"/>
+          <ac:spMkLst>
+            <pc:docMk/>
+            <pc:sldMk cId="1967199282" sldId="256"/>
+            <ac:spMk id="181" creationId="{38EFEFFA-B1E5-1114-AFE3-FE71DA6934CA}"/>
+          </ac:spMkLst>
+        </pc:spChg>
+        <pc:spChg chg="del mod">
+          <ac:chgData name="Fatima Pillosu" userId="a6295d4dc9e22643" providerId="LiveId" clId="{E4EB9531-B35B-4F76-8762-A23C9D2F4928}" dt="2023-11-06T21:57:08.574" v="154" actId="21"/>
+          <ac:spMkLst>
+            <pc:docMk/>
+            <pc:sldMk cId="1967199282" sldId="256"/>
+            <ac:spMk id="182" creationId="{76895109-08D7-4A0D-BFF4-50D998E1BD5C}"/>
+          </ac:spMkLst>
+        </pc:spChg>
+        <pc:spChg chg="add mod ord">
+          <ac:chgData name="Fatima Pillosu" userId="a6295d4dc9e22643" providerId="LiveId" clId="{E4EB9531-B35B-4F76-8762-A23C9D2F4928}" dt="2023-11-08T22:37:20.565" v="476" actId="12788"/>
+          <ac:spMkLst>
+            <pc:docMk/>
+            <pc:sldMk cId="1967199282" sldId="256"/>
+            <ac:spMk id="183" creationId="{A453E47F-3351-19E4-61A6-33A31FA0DB01}"/>
+          </ac:spMkLst>
+        </pc:spChg>
+        <pc:spChg chg="add mod ord">
+          <ac:chgData name="Fatima Pillosu" userId="a6295d4dc9e22643" providerId="LiveId" clId="{E4EB9531-B35B-4F76-8762-A23C9D2F4928}" dt="2023-11-08T22:37:11.552" v="475" actId="12788"/>
+          <ac:spMkLst>
+            <pc:docMk/>
+            <pc:sldMk cId="1967199282" sldId="256"/>
+            <ac:spMk id="184" creationId="{06B4CEE1-3430-9BA3-6998-16C2EBB3D9B0}"/>
+          </ac:spMkLst>
+        </pc:spChg>
+        <pc:spChg chg="add mod ord">
+          <ac:chgData name="Fatima Pillosu" userId="a6295d4dc9e22643" providerId="LiveId" clId="{E4EB9531-B35B-4F76-8762-A23C9D2F4928}" dt="2023-11-08T22:38:03.625" v="497" actId="1036"/>
+          <ac:spMkLst>
+            <pc:docMk/>
+            <pc:sldMk cId="1967199282" sldId="256"/>
+            <ac:spMk id="185" creationId="{B5948A02-D18B-5E23-304A-5AB957798DB1}"/>
+          </ac:spMkLst>
+        </pc:spChg>
+        <pc:spChg chg="add mod ord">
+          <ac:chgData name="Fatima Pillosu" userId="a6295d4dc9e22643" providerId="LiveId" clId="{E4EB9531-B35B-4F76-8762-A23C9D2F4928}" dt="2023-11-08T22:37:55.834" v="491" actId="1036"/>
+          <ac:spMkLst>
+            <pc:docMk/>
+            <pc:sldMk cId="1967199282" sldId="256"/>
+            <ac:spMk id="186" creationId="{18AFC9C9-ED8B-D886-DAC0-623CF8736934}"/>
+          </ac:spMkLst>
+        </pc:spChg>
+        <pc:spChg chg="add mod ord">
+          <ac:chgData name="Fatima Pillosu" userId="a6295d4dc9e22643" providerId="LiveId" clId="{E4EB9531-B35B-4F76-8762-A23C9D2F4928}" dt="2023-11-08T22:38:11.079" v="509" actId="1037"/>
+          <ac:spMkLst>
+            <pc:docMk/>
+            <pc:sldMk cId="1967199282" sldId="256"/>
+            <ac:spMk id="187" creationId="{35202108-D28B-BD0D-CB90-3B190EAE4087}"/>
+          </ac:spMkLst>
+        </pc:spChg>
+        <pc:spChg chg="add mod ord">
+          <ac:chgData name="Fatima Pillosu" userId="a6295d4dc9e22643" providerId="LiveId" clId="{E4EB9531-B35B-4F76-8762-A23C9D2F4928}" dt="2023-11-08T22:38:19.835" v="515" actId="1037"/>
+          <ac:spMkLst>
+            <pc:docMk/>
+            <pc:sldMk cId="1967199282" sldId="256"/>
+            <ac:spMk id="188" creationId="{16140944-A7C1-A32B-8390-D386B3C88A3C}"/>
+          </ac:spMkLst>
+        </pc:spChg>
+        <pc:spChg chg="add del mod">
+          <ac:chgData name="Fatima Pillosu" userId="a6295d4dc9e22643" providerId="LiveId" clId="{E4EB9531-B35B-4F76-8762-A23C9D2F4928}" dt="2023-11-08T22:31:05.876" v="285" actId="478"/>
+          <ac:spMkLst>
+            <pc:docMk/>
+            <pc:sldMk cId="1967199282" sldId="256"/>
+            <ac:spMk id="189" creationId="{1D92883C-F747-A861-D0CF-F992EF569F00}"/>
+          </ac:spMkLst>
+        </pc:spChg>
+        <pc:spChg chg="add del mod">
+          <ac:chgData name="Fatima Pillosu" userId="a6295d4dc9e22643" providerId="LiveId" clId="{E4EB9531-B35B-4F76-8762-A23C9D2F4928}" dt="2023-11-08T22:31:07.747" v="286" actId="478"/>
+          <ac:spMkLst>
+            <pc:docMk/>
+            <pc:sldMk cId="1967199282" sldId="256"/>
+            <ac:spMk id="190" creationId="{1350C275-A6B7-25AF-80F7-AA1FB58163C2}"/>
+          </ac:spMkLst>
+        </pc:spChg>
+        <pc:spChg chg="add mod">
+          <ac:chgData name="Fatima Pillosu" userId="a6295d4dc9e22643" providerId="LiveId" clId="{E4EB9531-B35B-4F76-8762-A23C9D2F4928}" dt="2023-11-06T22:04:55.583" v="187" actId="20577"/>
+          <ac:spMkLst>
+            <pc:docMk/>
+            <pc:sldMk cId="1967199282" sldId="256"/>
+            <ac:spMk id="191" creationId="{C343795A-D142-7780-E8FD-873226AF1498}"/>
+          </ac:spMkLst>
+        </pc:spChg>
+        <pc:spChg chg="add mod">
+          <ac:chgData name="Fatima Pillosu" userId="a6295d4dc9e22643" providerId="LiveId" clId="{E4EB9531-B35B-4F76-8762-A23C9D2F4928}" dt="2023-11-06T22:04:58.798" v="188" actId="20577"/>
+          <ac:spMkLst>
+            <pc:docMk/>
+            <pc:sldMk cId="1967199282" sldId="256"/>
+            <ac:spMk id="192" creationId="{334701FB-F37F-59D7-16A5-C3FCEDD6EFE9}"/>
+          </ac:spMkLst>
+        </pc:spChg>
+        <pc:spChg chg="del mod">
+          <ac:chgData name="Fatima Pillosu" userId="a6295d4dc9e22643" providerId="LiveId" clId="{E4EB9531-B35B-4F76-8762-A23C9D2F4928}" dt="2023-11-06T21:57:08.574" v="154" actId="21"/>
+          <ac:spMkLst>
+            <pc:docMk/>
+            <pc:sldMk cId="1967199282" sldId="256"/>
+            <ac:spMk id="193" creationId="{9F3980BC-F57E-5B04-DFE2-10D351524428}"/>
+          </ac:spMkLst>
+        </pc:spChg>
+        <pc:spChg chg="add mod">
+          <ac:chgData name="Fatima Pillosu" userId="a6295d4dc9e22643" providerId="LiveId" clId="{E4EB9531-B35B-4F76-8762-A23C9D2F4928}" dt="2023-11-06T22:04:44.097" v="185" actId="20577"/>
+          <ac:spMkLst>
+            <pc:docMk/>
+            <pc:sldMk cId="1967199282" sldId="256"/>
+            <ac:spMk id="194" creationId="{605DDB0C-3D44-64B2-C042-AEE20DB4992A}"/>
+          </ac:spMkLst>
+        </pc:spChg>
+        <pc:spChg chg="add mod">
+          <ac:chgData name="Fatima Pillosu" userId="a6295d4dc9e22643" providerId="LiveId" clId="{E4EB9531-B35B-4F76-8762-A23C9D2F4928}" dt="2023-11-06T22:04:51.281" v="186" actId="20577"/>
+          <ac:spMkLst>
+            <pc:docMk/>
+            <pc:sldMk cId="1967199282" sldId="256"/>
+            <ac:spMk id="195" creationId="{1F31019E-E1EA-0DC9-13A6-01B9B6FC23B3}"/>
+          </ac:spMkLst>
+        </pc:spChg>
         <pc:spChg chg="add mod">
           <ac:chgData name="Fatima Pillosu" userId="a6295d4dc9e22643" providerId="LiveId" clId="{E4EB9531-B35B-4F76-8762-A23C9D2F4928}" dt="2023-11-06T21:57:52.980" v="155"/>
           <ac:spMkLst>
             <pc:docMk/>
             <pc:sldMk cId="1967199282" sldId="256"/>
-            <ac:spMk id="149" creationId="{B2D9AE0E-D7BB-624F-E92F-9B8205F1044A}"/>
-          </ac:spMkLst>
-        </pc:spChg>
-        <pc:spChg chg="del mod">
-          <ac:chgData name="Fatima Pillosu" userId="a6295d4dc9e22643" providerId="LiveId" clId="{E4EB9531-B35B-4F76-8762-A23C9D2F4928}" dt="2023-11-06T21:57:08.574" v="154" actId="21"/>
-          <ac:spMkLst>
-            <pc:docMk/>
-            <pc:sldMk cId="1967199282" sldId="256"/>
-            <ac:spMk id="170" creationId="{65D39ED4-F8A3-C14B-22AF-0DEE9CA3AFE3}"/>
+            <ac:spMk id="196" creationId="{904A04A7-F9EC-3E5F-6FDA-6ADE37B3AEBF}"/>
           </ac:spMkLst>
         </pc:spChg>
         <pc:spChg chg="add mod">
@@ -964,95 +1172,7 @@
           <ac:spMkLst>
             <pc:docMk/>
             <pc:sldMk cId="1967199282" sldId="256"/>
-            <ac:spMk id="171" creationId="{D25BDD5B-14E5-0149-483D-A4306A0EC11C}"/>
-          </ac:spMkLst>
-        </pc:spChg>
-        <pc:spChg chg="del mod">
-          <ac:chgData name="Fatima Pillosu" userId="a6295d4dc9e22643" providerId="LiveId" clId="{E4EB9531-B35B-4F76-8762-A23C9D2F4928}" dt="2023-11-06T21:57:08.574" v="154" actId="21"/>
-          <ac:spMkLst>
-            <pc:docMk/>
-            <pc:sldMk cId="1967199282" sldId="256"/>
-            <ac:spMk id="172" creationId="{42716142-9967-2203-97F0-06AE13E4D758}"/>
-          </ac:spMkLst>
-        </pc:spChg>
-        <pc:spChg chg="del mod">
-          <ac:chgData name="Fatima Pillosu" userId="a6295d4dc9e22643" providerId="LiveId" clId="{E4EB9531-B35B-4F76-8762-A23C9D2F4928}" dt="2023-11-06T21:57:08.574" v="154" actId="21"/>
-          <ac:spMkLst>
-            <pc:docMk/>
-            <pc:sldMk cId="1967199282" sldId="256"/>
-            <ac:spMk id="173" creationId="{966A2799-3AB0-A0F4-8A9F-EC06112BD077}"/>
-          </ac:spMkLst>
-        </pc:spChg>
-        <pc:spChg chg="del mod">
-          <ac:chgData name="Fatima Pillosu" userId="a6295d4dc9e22643" providerId="LiveId" clId="{E4EB9531-B35B-4F76-8762-A23C9D2F4928}" dt="2023-11-06T21:57:08.574" v="154" actId="21"/>
-          <ac:spMkLst>
-            <pc:docMk/>
-            <pc:sldMk cId="1967199282" sldId="256"/>
-            <ac:spMk id="174" creationId="{14B2776F-0E30-2844-68CE-22C634A38F19}"/>
-          </ac:spMkLst>
-        </pc:spChg>
-        <pc:spChg chg="del mod">
-          <ac:chgData name="Fatima Pillosu" userId="a6295d4dc9e22643" providerId="LiveId" clId="{E4EB9531-B35B-4F76-8762-A23C9D2F4928}" dt="2023-11-06T21:57:08.574" v="154" actId="21"/>
-          <ac:spMkLst>
-            <pc:docMk/>
-            <pc:sldMk cId="1967199282" sldId="256"/>
-            <ac:spMk id="175" creationId="{ADFD0149-00D7-F2A5-3219-78AC3D4BE54F}"/>
-          </ac:spMkLst>
-        </pc:spChg>
-        <pc:spChg chg="del mod">
-          <ac:chgData name="Fatima Pillosu" userId="a6295d4dc9e22643" providerId="LiveId" clId="{E4EB9531-B35B-4F76-8762-A23C9D2F4928}" dt="2023-11-06T21:57:08.574" v="154" actId="21"/>
-          <ac:spMkLst>
-            <pc:docMk/>
-            <pc:sldMk cId="1967199282" sldId="256"/>
-            <ac:spMk id="176" creationId="{4CF3F799-3D8C-B40D-F644-A0D1052D25A0}"/>
-          </ac:spMkLst>
-        </pc:spChg>
-        <pc:spChg chg="del mod">
-          <ac:chgData name="Fatima Pillosu" userId="a6295d4dc9e22643" providerId="LiveId" clId="{E4EB9531-B35B-4F76-8762-A23C9D2F4928}" dt="2023-11-06T21:57:08.574" v="154" actId="21"/>
-          <ac:spMkLst>
-            <pc:docMk/>
-            <pc:sldMk cId="1967199282" sldId="256"/>
-            <ac:spMk id="177" creationId="{DA2FB7CB-64EB-FDD2-DC71-4AFE78BC8F2C}"/>
-          </ac:spMkLst>
-        </pc:spChg>
-        <pc:spChg chg="del mod">
-          <ac:chgData name="Fatima Pillosu" userId="a6295d4dc9e22643" providerId="LiveId" clId="{E4EB9531-B35B-4F76-8762-A23C9D2F4928}" dt="2023-11-06T21:57:08.574" v="154" actId="21"/>
-          <ac:spMkLst>
-            <pc:docMk/>
-            <pc:sldMk cId="1967199282" sldId="256"/>
-            <ac:spMk id="178" creationId="{2E2099F7-8694-FB42-8E9F-1D7A8F5F2226}"/>
-          </ac:spMkLst>
-        </pc:spChg>
-        <pc:spChg chg="del mod">
-          <ac:chgData name="Fatima Pillosu" userId="a6295d4dc9e22643" providerId="LiveId" clId="{E4EB9531-B35B-4F76-8762-A23C9D2F4928}" dt="2023-11-06T21:57:08.574" v="154" actId="21"/>
-          <ac:spMkLst>
-            <pc:docMk/>
-            <pc:sldMk cId="1967199282" sldId="256"/>
-            <ac:spMk id="179" creationId="{A0F38D58-1F24-6403-C793-6F1E1C076B7C}"/>
-          </ac:spMkLst>
-        </pc:spChg>
-        <pc:spChg chg="del mod">
-          <ac:chgData name="Fatima Pillosu" userId="a6295d4dc9e22643" providerId="LiveId" clId="{E4EB9531-B35B-4F76-8762-A23C9D2F4928}" dt="2023-11-06T21:57:08.574" v="154" actId="21"/>
-          <ac:spMkLst>
-            <pc:docMk/>
-            <pc:sldMk cId="1967199282" sldId="256"/>
-            <ac:spMk id="180" creationId="{FDA3EB20-4384-32BB-1F98-B88E5C9BB97F}"/>
-          </ac:spMkLst>
-        </pc:spChg>
-        <pc:spChg chg="del mod">
-          <ac:chgData name="Fatima Pillosu" userId="a6295d4dc9e22643" providerId="LiveId" clId="{E4EB9531-B35B-4F76-8762-A23C9D2F4928}" dt="2023-11-06T21:57:08.574" v="154" actId="21"/>
-          <ac:spMkLst>
-            <pc:docMk/>
-            <pc:sldMk cId="1967199282" sldId="256"/>
-            <ac:spMk id="181" creationId="{38EFEFFA-B1E5-1114-AFE3-FE71DA6934CA}"/>
-          </ac:spMkLst>
-        </pc:spChg>
-        <pc:spChg chg="del mod">
-          <ac:chgData name="Fatima Pillosu" userId="a6295d4dc9e22643" providerId="LiveId" clId="{E4EB9531-B35B-4F76-8762-A23C9D2F4928}" dt="2023-11-06T21:57:08.574" v="154" actId="21"/>
-          <ac:spMkLst>
-            <pc:docMk/>
-            <pc:sldMk cId="1967199282" sldId="256"/>
-            <ac:spMk id="182" creationId="{76895109-08D7-4A0D-BFF4-50D998E1BD5C}"/>
+            <ac:spMk id="197" creationId="{EC01617F-732E-9D71-9CD0-9D2A18EEA276}"/>
           </ac:spMkLst>
         </pc:spChg>
         <pc:spChg chg="add mod">
@@ -1060,7 +1180,7 @@
           <ac:spMkLst>
             <pc:docMk/>
             <pc:sldMk cId="1967199282" sldId="256"/>
-            <ac:spMk id="183" creationId="{A453E47F-3351-19E4-61A6-33A31FA0DB01}"/>
+            <ac:spMk id="202" creationId="{0908367B-CB7D-DE33-34B0-FCF15457A03E}"/>
           </ac:spMkLst>
         </pc:spChg>
         <pc:spChg chg="add mod">
@@ -1068,39 +1188,7 @@
           <ac:spMkLst>
             <pc:docMk/>
             <pc:sldMk cId="1967199282" sldId="256"/>
-            <ac:spMk id="184" creationId="{06B4CEE1-3430-9BA3-6998-16C2EBB3D9B0}"/>
-          </ac:spMkLst>
-        </pc:spChg>
-        <pc:spChg chg="add mod">
-          <ac:chgData name="Fatima Pillosu" userId="a6295d4dc9e22643" providerId="LiveId" clId="{E4EB9531-B35B-4F76-8762-A23C9D2F4928}" dt="2023-11-06T22:05:26.143" v="193" actId="20577"/>
-          <ac:spMkLst>
-            <pc:docMk/>
-            <pc:sldMk cId="1967199282" sldId="256"/>
-            <ac:spMk id="185" creationId="{B5948A02-D18B-5E23-304A-5AB957798DB1}"/>
-          </ac:spMkLst>
-        </pc:spChg>
-        <pc:spChg chg="add mod">
-          <ac:chgData name="Fatima Pillosu" userId="a6295d4dc9e22643" providerId="LiveId" clId="{E4EB9531-B35B-4F76-8762-A23C9D2F4928}" dt="2023-11-06T22:05:35.324" v="195" actId="20577"/>
-          <ac:spMkLst>
-            <pc:docMk/>
-            <pc:sldMk cId="1967199282" sldId="256"/>
-            <ac:spMk id="186" creationId="{18AFC9C9-ED8B-D886-DAC0-623CF8736934}"/>
-          </ac:spMkLst>
-        </pc:spChg>
-        <pc:spChg chg="add mod">
-          <ac:chgData name="Fatima Pillosu" userId="a6295d4dc9e22643" providerId="LiveId" clId="{E4EB9531-B35B-4F76-8762-A23C9D2F4928}" dt="2023-11-06T22:05:30.841" v="194" actId="20577"/>
-          <ac:spMkLst>
-            <pc:docMk/>
-            <pc:sldMk cId="1967199282" sldId="256"/>
-            <ac:spMk id="187" creationId="{35202108-D28B-BD0D-CB90-3B190EAE4087}"/>
-          </ac:spMkLst>
-        </pc:spChg>
-        <pc:spChg chg="add mod">
-          <ac:chgData name="Fatima Pillosu" userId="a6295d4dc9e22643" providerId="LiveId" clId="{E4EB9531-B35B-4F76-8762-A23C9D2F4928}" dt="2023-11-06T22:05:41.502" v="197" actId="6549"/>
-          <ac:spMkLst>
-            <pc:docMk/>
-            <pc:sldMk cId="1967199282" sldId="256"/>
-            <ac:spMk id="188" creationId="{16140944-A7C1-A32B-8390-D386B3C88A3C}"/>
+            <ac:spMk id="204" creationId="{9D45E2E3-73F2-F901-120B-64DF112945F0}"/>
           </ac:spMkLst>
         </pc:spChg>
         <pc:spChg chg="add mod">
@@ -1108,7 +1196,7 @@
           <ac:spMkLst>
             <pc:docMk/>
             <pc:sldMk cId="1967199282" sldId="256"/>
-            <ac:spMk id="189" creationId="{1D92883C-F747-A861-D0CF-F992EF569F00}"/>
+            <ac:spMk id="206" creationId="{1347BA48-9623-DC3B-5B6A-0F7557D8D0D1}"/>
           </ac:spMkLst>
         </pc:spChg>
         <pc:spChg chg="add mod">
@@ -1116,47 +1204,7 @@
           <ac:spMkLst>
             <pc:docMk/>
             <pc:sldMk cId="1967199282" sldId="256"/>
-            <ac:spMk id="190" creationId="{1350C275-A6B7-25AF-80F7-AA1FB58163C2}"/>
-          </ac:spMkLst>
-        </pc:spChg>
-        <pc:spChg chg="add mod">
-          <ac:chgData name="Fatima Pillosu" userId="a6295d4dc9e22643" providerId="LiveId" clId="{E4EB9531-B35B-4F76-8762-A23C9D2F4928}" dt="2023-11-06T22:04:55.583" v="187" actId="20577"/>
-          <ac:spMkLst>
-            <pc:docMk/>
-            <pc:sldMk cId="1967199282" sldId="256"/>
-            <ac:spMk id="191" creationId="{C343795A-D142-7780-E8FD-873226AF1498}"/>
-          </ac:spMkLst>
-        </pc:spChg>
-        <pc:spChg chg="add mod">
-          <ac:chgData name="Fatima Pillosu" userId="a6295d4dc9e22643" providerId="LiveId" clId="{E4EB9531-B35B-4F76-8762-A23C9D2F4928}" dt="2023-11-06T22:04:58.798" v="188" actId="20577"/>
-          <ac:spMkLst>
-            <pc:docMk/>
-            <pc:sldMk cId="1967199282" sldId="256"/>
-            <ac:spMk id="192" creationId="{334701FB-F37F-59D7-16A5-C3FCEDD6EFE9}"/>
-          </ac:spMkLst>
-        </pc:spChg>
-        <pc:spChg chg="del mod">
-          <ac:chgData name="Fatima Pillosu" userId="a6295d4dc9e22643" providerId="LiveId" clId="{E4EB9531-B35B-4F76-8762-A23C9D2F4928}" dt="2023-11-06T21:57:08.574" v="154" actId="21"/>
-          <ac:spMkLst>
-            <pc:docMk/>
-            <pc:sldMk cId="1967199282" sldId="256"/>
-            <ac:spMk id="193" creationId="{9F3980BC-F57E-5B04-DFE2-10D351524428}"/>
-          </ac:spMkLst>
-        </pc:spChg>
-        <pc:spChg chg="add mod">
-          <ac:chgData name="Fatima Pillosu" userId="a6295d4dc9e22643" providerId="LiveId" clId="{E4EB9531-B35B-4F76-8762-A23C9D2F4928}" dt="2023-11-06T22:04:44.097" v="185" actId="20577"/>
-          <ac:spMkLst>
-            <pc:docMk/>
-            <pc:sldMk cId="1967199282" sldId="256"/>
-            <ac:spMk id="194" creationId="{605DDB0C-3D44-64B2-C042-AEE20DB4992A}"/>
-          </ac:spMkLst>
-        </pc:spChg>
-        <pc:spChg chg="add mod">
-          <ac:chgData name="Fatima Pillosu" userId="a6295d4dc9e22643" providerId="LiveId" clId="{E4EB9531-B35B-4F76-8762-A23C9D2F4928}" dt="2023-11-06T22:04:51.281" v="186" actId="20577"/>
-          <ac:spMkLst>
-            <pc:docMk/>
-            <pc:sldMk cId="1967199282" sldId="256"/>
-            <ac:spMk id="195" creationId="{1F31019E-E1EA-0DC9-13A6-01B9B6FC23B3}"/>
+            <ac:spMk id="207" creationId="{8166618B-EE67-66F3-B5C2-4AC765456585}"/>
           </ac:spMkLst>
         </pc:spChg>
         <pc:spChg chg="add mod">
@@ -1164,7 +1212,7 @@
           <ac:spMkLst>
             <pc:docMk/>
             <pc:sldMk cId="1967199282" sldId="256"/>
-            <ac:spMk id="196" creationId="{904A04A7-F9EC-3E5F-6FDA-6ADE37B3AEBF}"/>
+            <ac:spMk id="209" creationId="{5CAA5678-E621-66FD-4C54-1823DEDAE08A}"/>
           </ac:spMkLst>
         </pc:spChg>
         <pc:spChg chg="add mod">
@@ -1172,7 +1220,15 @@
           <ac:spMkLst>
             <pc:docMk/>
             <pc:sldMk cId="1967199282" sldId="256"/>
-            <ac:spMk id="197" creationId="{EC01617F-732E-9D71-9CD0-9D2A18EEA276}"/>
+            <ac:spMk id="211" creationId="{AA4F8BC5-6199-927C-AFCF-194F3EE87B56}"/>
+          </ac:spMkLst>
+        </pc:spChg>
+        <pc:spChg chg="add mod">
+          <ac:chgData name="Fatima Pillosu" userId="a6295d4dc9e22643" providerId="LiveId" clId="{E4EB9531-B35B-4F76-8762-A23C9D2F4928}" dt="2023-11-06T22:19:50.996" v="252" actId="20577"/>
+          <ac:spMkLst>
+            <pc:docMk/>
+            <pc:sldMk cId="1967199282" sldId="256"/>
+            <ac:spMk id="213" creationId="{96819079-C410-571A-23BA-1255B3406EBA}"/>
           </ac:spMkLst>
         </pc:spChg>
         <pc:spChg chg="add mod">
@@ -1180,7 +1236,23 @@
           <ac:spMkLst>
             <pc:docMk/>
             <pc:sldMk cId="1967199282" sldId="256"/>
-            <ac:spMk id="202" creationId="{0908367B-CB7D-DE33-34B0-FCF15457A03E}"/>
+            <ac:spMk id="214" creationId="{FD660FE0-B155-ECEE-F878-158B3D176F9E}"/>
+          </ac:spMkLst>
+        </pc:spChg>
+        <pc:spChg chg="del mod">
+          <ac:chgData name="Fatima Pillosu" userId="a6295d4dc9e22643" providerId="LiveId" clId="{E4EB9531-B35B-4F76-8762-A23C9D2F4928}" dt="2023-11-06T21:57:08.574" v="154" actId="21"/>
+          <ac:spMkLst>
+            <pc:docMk/>
+            <pc:sldMk cId="1967199282" sldId="256"/>
+            <ac:spMk id="215" creationId="{F1687572-8FDF-FBEB-C6E2-2C57F38769A6}"/>
+          </ac:spMkLst>
+        </pc:spChg>
+        <pc:spChg chg="del mod">
+          <ac:chgData name="Fatima Pillosu" userId="a6295d4dc9e22643" providerId="LiveId" clId="{E4EB9531-B35B-4F76-8762-A23C9D2F4928}" dt="2023-11-06T21:57:08.574" v="154" actId="21"/>
+          <ac:spMkLst>
+            <pc:docMk/>
+            <pc:sldMk cId="1967199282" sldId="256"/>
+            <ac:spMk id="216" creationId="{817DBE9C-B6CF-7BA8-69A2-0D67D16B1299}"/>
           </ac:spMkLst>
         </pc:spChg>
         <pc:spChg chg="add mod">
@@ -1188,7 +1260,7 @@
           <ac:spMkLst>
             <pc:docMk/>
             <pc:sldMk cId="1967199282" sldId="256"/>
-            <ac:spMk id="204" creationId="{9D45E2E3-73F2-F901-120B-64DF112945F0}"/>
+            <ac:spMk id="217" creationId="{D985EC4B-FCC1-B499-0272-A088EDDF0EE3}"/>
           </ac:spMkLst>
         </pc:spChg>
         <pc:spChg chg="add mod">
@@ -1196,7 +1268,23 @@
           <ac:spMkLst>
             <pc:docMk/>
             <pc:sldMk cId="1967199282" sldId="256"/>
-            <ac:spMk id="206" creationId="{1347BA48-9623-DC3B-5B6A-0F7557D8D0D1}"/>
+            <ac:spMk id="218" creationId="{5E2CF87B-B8C7-EF73-D1CB-3C34E6D53E90}"/>
+          </ac:spMkLst>
+        </pc:spChg>
+        <pc:spChg chg="del mod">
+          <ac:chgData name="Fatima Pillosu" userId="a6295d4dc9e22643" providerId="LiveId" clId="{E4EB9531-B35B-4F76-8762-A23C9D2F4928}" dt="2023-11-06T21:57:08.574" v="154" actId="21"/>
+          <ac:spMkLst>
+            <pc:docMk/>
+            <pc:sldMk cId="1967199282" sldId="256"/>
+            <ac:spMk id="219" creationId="{FEFC8D04-5FEE-9018-3257-E2DE5461EB23}"/>
+          </ac:spMkLst>
+        </pc:spChg>
+        <pc:spChg chg="del mod">
+          <ac:chgData name="Fatima Pillosu" userId="a6295d4dc9e22643" providerId="LiveId" clId="{E4EB9531-B35B-4F76-8762-A23C9D2F4928}" dt="2023-11-06T21:57:08.574" v="154" actId="21"/>
+          <ac:spMkLst>
+            <pc:docMk/>
+            <pc:sldMk cId="1967199282" sldId="256"/>
+            <ac:spMk id="220" creationId="{33610B7E-7EE0-B4D2-16CF-A3F1836646C6}"/>
           </ac:spMkLst>
         </pc:spChg>
         <pc:spChg chg="add mod">
@@ -1204,7 +1292,15 @@
           <ac:spMkLst>
             <pc:docMk/>
             <pc:sldMk cId="1967199282" sldId="256"/>
-            <ac:spMk id="207" creationId="{8166618B-EE67-66F3-B5C2-4AC765456585}"/>
+            <ac:spMk id="221" creationId="{12A06669-7737-8D97-FFB9-B5874BF3C186}"/>
+          </ac:spMkLst>
+        </pc:spChg>
+        <pc:spChg chg="del mod">
+          <ac:chgData name="Fatima Pillosu" userId="a6295d4dc9e22643" providerId="LiveId" clId="{E4EB9531-B35B-4F76-8762-A23C9D2F4928}" dt="2023-11-06T21:57:08.574" v="154" actId="21"/>
+          <ac:spMkLst>
+            <pc:docMk/>
+            <pc:sldMk cId="1967199282" sldId="256"/>
+            <ac:spMk id="222" creationId="{A3696A1C-06D1-5092-425F-68C6DDCD3E34}"/>
           </ac:spMkLst>
         </pc:spChg>
         <pc:spChg chg="add mod">
@@ -1212,7 +1308,7 @@
           <ac:spMkLst>
             <pc:docMk/>
             <pc:sldMk cId="1967199282" sldId="256"/>
-            <ac:spMk id="209" creationId="{5CAA5678-E621-66FD-4C54-1823DEDAE08A}"/>
+            <ac:spMk id="223" creationId="{994F977A-166E-9A29-550B-9F1CF9C2AE92}"/>
           </ac:spMkLst>
         </pc:spChg>
         <pc:spChg chg="add mod">
@@ -1220,15 +1316,7 @@
           <ac:spMkLst>
             <pc:docMk/>
             <pc:sldMk cId="1967199282" sldId="256"/>
-            <ac:spMk id="211" creationId="{AA4F8BC5-6199-927C-AFCF-194F3EE87B56}"/>
-          </ac:spMkLst>
-        </pc:spChg>
-        <pc:spChg chg="add mod">
-          <ac:chgData name="Fatima Pillosu" userId="a6295d4dc9e22643" providerId="LiveId" clId="{E4EB9531-B35B-4F76-8762-A23C9D2F4928}" dt="2023-11-06T22:19:50.996" v="252" actId="20577"/>
-          <ac:spMkLst>
-            <pc:docMk/>
-            <pc:sldMk cId="1967199282" sldId="256"/>
-            <ac:spMk id="213" creationId="{96819079-C410-571A-23BA-1255B3406EBA}"/>
+            <ac:spMk id="224" creationId="{26A7E600-A472-B544-4700-8FF9F440A6D2}"/>
           </ac:spMkLst>
         </pc:spChg>
         <pc:spChg chg="add mod">
@@ -1236,7 +1324,7 @@
           <ac:spMkLst>
             <pc:docMk/>
             <pc:sldMk cId="1967199282" sldId="256"/>
-            <ac:spMk id="214" creationId="{FD660FE0-B155-ECEE-F878-158B3D176F9E}"/>
+            <ac:spMk id="225" creationId="{A8AF641A-60E5-74F6-20E7-21D72FBC0C4B}"/>
           </ac:spMkLst>
         </pc:spChg>
         <pc:spChg chg="del mod">
@@ -1244,7 +1332,7 @@
           <ac:spMkLst>
             <pc:docMk/>
             <pc:sldMk cId="1967199282" sldId="256"/>
-            <ac:spMk id="215" creationId="{F1687572-8FDF-FBEB-C6E2-2C57F38769A6}"/>
+            <ac:spMk id="226" creationId="{919BDD2A-6741-BEB2-50F7-9F66A79E73F6}"/>
           </ac:spMkLst>
         </pc:spChg>
         <pc:spChg chg="del mod">
@@ -1252,7 +1340,15 @@
           <ac:spMkLst>
             <pc:docMk/>
             <pc:sldMk cId="1967199282" sldId="256"/>
-            <ac:spMk id="216" creationId="{817DBE9C-B6CF-7BA8-69A2-0D67D16B1299}"/>
+            <ac:spMk id="227" creationId="{F87B32F0-10BB-7906-E66D-6DC50C8A69FE}"/>
+          </ac:spMkLst>
+        </pc:spChg>
+        <pc:spChg chg="del mod">
+          <ac:chgData name="Fatima Pillosu" userId="a6295d4dc9e22643" providerId="LiveId" clId="{E4EB9531-B35B-4F76-8762-A23C9D2F4928}" dt="2023-11-06T21:57:08.574" v="154" actId="21"/>
+          <ac:spMkLst>
+            <pc:docMk/>
+            <pc:sldMk cId="1967199282" sldId="256"/>
+            <ac:spMk id="228" creationId="{C377B023-BE74-E4B3-668D-910593D85F13}"/>
           </ac:spMkLst>
         </pc:spChg>
         <pc:spChg chg="add mod">
@@ -1260,7 +1356,231 @@
           <ac:spMkLst>
             <pc:docMk/>
             <pc:sldMk cId="1967199282" sldId="256"/>
-            <ac:spMk id="217" creationId="{D985EC4B-FCC1-B499-0272-A088EDDF0EE3}"/>
+            <ac:spMk id="229" creationId="{724968AA-6C60-4DF7-759A-CFFE6B1FAB0C}"/>
+          </ac:spMkLst>
+        </pc:spChg>
+        <pc:spChg chg="del mod">
+          <ac:chgData name="Fatima Pillosu" userId="a6295d4dc9e22643" providerId="LiveId" clId="{E4EB9531-B35B-4F76-8762-A23C9D2F4928}" dt="2023-11-06T21:57:08.574" v="154" actId="21"/>
+          <ac:spMkLst>
+            <pc:docMk/>
+            <pc:sldMk cId="1967199282" sldId="256"/>
+            <ac:spMk id="230" creationId="{976CB684-B768-9BA2-A408-45760BF62D6C}"/>
+          </ac:spMkLst>
+        </pc:spChg>
+        <pc:spChg chg="del mod">
+          <ac:chgData name="Fatima Pillosu" userId="a6295d4dc9e22643" providerId="LiveId" clId="{E4EB9531-B35B-4F76-8762-A23C9D2F4928}" dt="2023-11-06T21:57:08.574" v="154" actId="21"/>
+          <ac:spMkLst>
+            <pc:docMk/>
+            <pc:sldMk cId="1967199282" sldId="256"/>
+            <ac:spMk id="231" creationId="{1579A008-2D87-8C02-8C25-8FDAC31C16DE}"/>
+          </ac:spMkLst>
+        </pc:spChg>
+        <pc:spChg chg="del mod">
+          <ac:chgData name="Fatima Pillosu" userId="a6295d4dc9e22643" providerId="LiveId" clId="{E4EB9531-B35B-4F76-8762-A23C9D2F4928}" dt="2023-11-06T21:57:08.574" v="154" actId="21"/>
+          <ac:spMkLst>
+            <pc:docMk/>
+            <pc:sldMk cId="1967199282" sldId="256"/>
+            <ac:spMk id="232" creationId="{8BFC2C92-09A6-4D86-210D-61C0B1A8EB99}"/>
+          </ac:spMkLst>
+        </pc:spChg>
+        <pc:spChg chg="del mod">
+          <ac:chgData name="Fatima Pillosu" userId="a6295d4dc9e22643" providerId="LiveId" clId="{E4EB9531-B35B-4F76-8762-A23C9D2F4928}" dt="2023-11-06T21:57:08.574" v="154" actId="21"/>
+          <ac:spMkLst>
+            <pc:docMk/>
+            <pc:sldMk cId="1967199282" sldId="256"/>
+            <ac:spMk id="233" creationId="{16F53EE7-4241-43C5-8227-15E653609E1B}"/>
+          </ac:spMkLst>
+        </pc:spChg>
+        <pc:spChg chg="del mod">
+          <ac:chgData name="Fatima Pillosu" userId="a6295d4dc9e22643" providerId="LiveId" clId="{E4EB9531-B35B-4F76-8762-A23C9D2F4928}" dt="2023-11-06T21:57:08.574" v="154" actId="21"/>
+          <ac:spMkLst>
+            <pc:docMk/>
+            <pc:sldMk cId="1967199282" sldId="256"/>
+            <ac:spMk id="234" creationId="{0B45ACD5-E320-98D7-0149-BCBD90B505BD}"/>
+          </ac:spMkLst>
+        </pc:spChg>
+        <pc:spChg chg="del mod">
+          <ac:chgData name="Fatima Pillosu" userId="a6295d4dc9e22643" providerId="LiveId" clId="{E4EB9531-B35B-4F76-8762-A23C9D2F4928}" dt="2023-11-06T21:57:08.574" v="154" actId="21"/>
+          <ac:spMkLst>
+            <pc:docMk/>
+            <pc:sldMk cId="1967199282" sldId="256"/>
+            <ac:spMk id="235" creationId="{39BF293F-DF52-61BA-416A-5195AA32E4A5}"/>
+          </ac:spMkLst>
+        </pc:spChg>
+        <pc:spChg chg="del mod">
+          <ac:chgData name="Fatima Pillosu" userId="a6295d4dc9e22643" providerId="LiveId" clId="{E4EB9531-B35B-4F76-8762-A23C9D2F4928}" dt="2023-11-06T21:57:08.574" v="154" actId="21"/>
+          <ac:spMkLst>
+            <pc:docMk/>
+            <pc:sldMk cId="1967199282" sldId="256"/>
+            <ac:spMk id="236" creationId="{DF56D9EA-9DD1-FD36-96FB-4CC4F503381D}"/>
+          </ac:spMkLst>
+        </pc:spChg>
+        <pc:spChg chg="del mod">
+          <ac:chgData name="Fatima Pillosu" userId="a6295d4dc9e22643" providerId="LiveId" clId="{E4EB9531-B35B-4F76-8762-A23C9D2F4928}" dt="2023-11-06T21:57:08.574" v="154" actId="21"/>
+          <ac:spMkLst>
+            <pc:docMk/>
+            <pc:sldMk cId="1967199282" sldId="256"/>
+            <ac:spMk id="237" creationId="{618BABE2-380F-6EEC-A58A-9E5757536952}"/>
+          </ac:spMkLst>
+        </pc:spChg>
+        <pc:spChg chg="add mod">
+          <ac:chgData name="Fatima Pillosu" userId="a6295d4dc9e22643" providerId="LiveId" clId="{E4EB9531-B35B-4F76-8762-A23C9D2F4928}" dt="2023-11-06T22:20:01.082" v="270" actId="20577"/>
+          <ac:spMkLst>
+            <pc:docMk/>
+            <pc:sldMk cId="1967199282" sldId="256"/>
+            <ac:spMk id="238" creationId="{B5C86E7B-F2E1-8CC8-71D1-1660F634D915}"/>
+          </ac:spMkLst>
+        </pc:spChg>
+        <pc:spChg chg="del mod">
+          <ac:chgData name="Fatima Pillosu" userId="a6295d4dc9e22643" providerId="LiveId" clId="{E4EB9531-B35B-4F76-8762-A23C9D2F4928}" dt="2023-11-06T21:57:08.574" v="154" actId="21"/>
+          <ac:spMkLst>
+            <pc:docMk/>
+            <pc:sldMk cId="1967199282" sldId="256"/>
+            <ac:spMk id="239" creationId="{E6ECB808-CE47-1B2E-936A-3C8126CACE63}"/>
+          </ac:spMkLst>
+        </pc:spChg>
+        <pc:spChg chg="del mod">
+          <ac:chgData name="Fatima Pillosu" userId="a6295d4dc9e22643" providerId="LiveId" clId="{E4EB9531-B35B-4F76-8762-A23C9D2F4928}" dt="2023-11-06T21:57:08.574" v="154" actId="21"/>
+          <ac:spMkLst>
+            <pc:docMk/>
+            <pc:sldMk cId="1967199282" sldId="256"/>
+            <ac:spMk id="240" creationId="{54C69D8F-D08D-94E2-573D-B33990C5F556}"/>
+          </ac:spMkLst>
+        </pc:spChg>
+        <pc:spChg chg="del mod">
+          <ac:chgData name="Fatima Pillosu" userId="a6295d4dc9e22643" providerId="LiveId" clId="{E4EB9531-B35B-4F76-8762-A23C9D2F4928}" dt="2023-11-06T21:57:08.574" v="154" actId="21"/>
+          <ac:spMkLst>
+            <pc:docMk/>
+            <pc:sldMk cId="1967199282" sldId="256"/>
+            <ac:spMk id="241" creationId="{E14407A9-E0C0-14C7-4127-548017D2C936}"/>
+          </ac:spMkLst>
+        </pc:spChg>
+        <pc:spChg chg="del mod">
+          <ac:chgData name="Fatima Pillosu" userId="a6295d4dc9e22643" providerId="LiveId" clId="{E4EB9531-B35B-4F76-8762-A23C9D2F4928}" dt="2023-11-06T21:57:08.574" v="154" actId="21"/>
+          <ac:spMkLst>
+            <pc:docMk/>
+            <pc:sldMk cId="1967199282" sldId="256"/>
+            <ac:spMk id="242" creationId="{F6BD6F39-4FDD-6BA4-1949-37ACBAF2F220}"/>
+          </ac:spMkLst>
+        </pc:spChg>
+        <pc:spChg chg="del mod">
+          <ac:chgData name="Fatima Pillosu" userId="a6295d4dc9e22643" providerId="LiveId" clId="{E4EB9531-B35B-4F76-8762-A23C9D2F4928}" dt="2023-11-06T21:57:08.574" v="154" actId="21"/>
+          <ac:spMkLst>
+            <pc:docMk/>
+            <pc:sldMk cId="1967199282" sldId="256"/>
+            <ac:spMk id="243" creationId="{09EAFF7B-6826-C5E9-2AD1-DD484098C5AA}"/>
+          </ac:spMkLst>
+        </pc:spChg>
+        <pc:spChg chg="del mod">
+          <ac:chgData name="Fatima Pillosu" userId="a6295d4dc9e22643" providerId="LiveId" clId="{E4EB9531-B35B-4F76-8762-A23C9D2F4928}" dt="2023-11-06T21:57:08.574" v="154" actId="21"/>
+          <ac:spMkLst>
+            <pc:docMk/>
+            <pc:sldMk cId="1967199282" sldId="256"/>
+            <ac:spMk id="244" creationId="{739AADE5-A6E7-4E30-1EEF-EF3297E17387}"/>
+          </ac:spMkLst>
+        </pc:spChg>
+        <pc:spChg chg="del mod">
+          <ac:chgData name="Fatima Pillosu" userId="a6295d4dc9e22643" providerId="LiveId" clId="{E4EB9531-B35B-4F76-8762-A23C9D2F4928}" dt="2023-11-06T21:57:08.574" v="154" actId="21"/>
+          <ac:spMkLst>
+            <pc:docMk/>
+            <pc:sldMk cId="1967199282" sldId="256"/>
+            <ac:spMk id="245" creationId="{227BDC41-DAB0-F94F-5357-D9310BADDE43}"/>
+          </ac:spMkLst>
+        </pc:spChg>
+        <pc:spChg chg="del mod">
+          <ac:chgData name="Fatima Pillosu" userId="a6295d4dc9e22643" providerId="LiveId" clId="{E4EB9531-B35B-4F76-8762-A23C9D2F4928}" dt="2023-11-06T21:57:08.574" v="154" actId="21"/>
+          <ac:spMkLst>
+            <pc:docMk/>
+            <pc:sldMk cId="1967199282" sldId="256"/>
+            <ac:spMk id="246" creationId="{776F067F-81D1-BD8F-3DE6-C4AED0D10471}"/>
+          </ac:spMkLst>
+        </pc:spChg>
+        <pc:spChg chg="del mod">
+          <ac:chgData name="Fatima Pillosu" userId="a6295d4dc9e22643" providerId="LiveId" clId="{E4EB9531-B35B-4F76-8762-A23C9D2F4928}" dt="2023-11-06T21:57:08.574" v="154" actId="21"/>
+          <ac:spMkLst>
+            <pc:docMk/>
+            <pc:sldMk cId="1967199282" sldId="256"/>
+            <ac:spMk id="247" creationId="{C35FBDE3-802C-2914-538A-241070C9B5E7}"/>
+          </ac:spMkLst>
+        </pc:spChg>
+        <pc:spChg chg="del mod">
+          <ac:chgData name="Fatima Pillosu" userId="a6295d4dc9e22643" providerId="LiveId" clId="{E4EB9531-B35B-4F76-8762-A23C9D2F4928}" dt="2023-11-06T21:57:08.574" v="154" actId="21"/>
+          <ac:spMkLst>
+            <pc:docMk/>
+            <pc:sldMk cId="1967199282" sldId="256"/>
+            <ac:spMk id="248" creationId="{890A47F5-3735-EEBF-2B6B-CAD901900997}"/>
+          </ac:spMkLst>
+        </pc:spChg>
+        <pc:spChg chg="del mod">
+          <ac:chgData name="Fatima Pillosu" userId="a6295d4dc9e22643" providerId="LiveId" clId="{E4EB9531-B35B-4F76-8762-A23C9D2F4928}" dt="2023-11-06T21:57:08.574" v="154" actId="21"/>
+          <ac:spMkLst>
+            <pc:docMk/>
+            <pc:sldMk cId="1967199282" sldId="256"/>
+            <ac:spMk id="249" creationId="{9CAEA0B3-C65A-CCFA-0F76-97F2D3B3E47A}"/>
+          </ac:spMkLst>
+        </pc:spChg>
+        <pc:spChg chg="del mod">
+          <ac:chgData name="Fatima Pillosu" userId="a6295d4dc9e22643" providerId="LiveId" clId="{E4EB9531-B35B-4F76-8762-A23C9D2F4928}" dt="2023-11-06T21:57:08.574" v="154" actId="21"/>
+          <ac:spMkLst>
+            <pc:docMk/>
+            <pc:sldMk cId="1967199282" sldId="256"/>
+            <ac:spMk id="250" creationId="{D078396E-A377-5A71-73C8-936698F4CD19}"/>
+          </ac:spMkLst>
+        </pc:spChg>
+        <pc:spChg chg="del mod">
+          <ac:chgData name="Fatima Pillosu" userId="a6295d4dc9e22643" providerId="LiveId" clId="{E4EB9531-B35B-4F76-8762-A23C9D2F4928}" dt="2023-11-06T21:57:08.574" v="154" actId="21"/>
+          <ac:spMkLst>
+            <pc:docMk/>
+            <pc:sldMk cId="1967199282" sldId="256"/>
+            <ac:spMk id="251" creationId="{D5C22EE7-D54B-CF9B-E085-D69C02A05A13}"/>
+          </ac:spMkLst>
+        </pc:spChg>
+        <pc:spChg chg="del mod">
+          <ac:chgData name="Fatima Pillosu" userId="a6295d4dc9e22643" providerId="LiveId" clId="{E4EB9531-B35B-4F76-8762-A23C9D2F4928}" dt="2023-11-06T21:57:08.574" v="154" actId="21"/>
+          <ac:spMkLst>
+            <pc:docMk/>
+            <pc:sldMk cId="1967199282" sldId="256"/>
+            <ac:spMk id="252" creationId="{374D5227-B8F4-57B7-8B84-3E3E74E48970}"/>
+          </ac:spMkLst>
+        </pc:spChg>
+        <pc:spChg chg="del mod">
+          <ac:chgData name="Fatima Pillosu" userId="a6295d4dc9e22643" providerId="LiveId" clId="{E4EB9531-B35B-4F76-8762-A23C9D2F4928}" dt="2023-11-06T21:57:08.574" v="154" actId="21"/>
+          <ac:spMkLst>
+            <pc:docMk/>
+            <pc:sldMk cId="1967199282" sldId="256"/>
+            <ac:spMk id="253" creationId="{0BE0D2A8-C151-4A2C-B3EF-8C81AFF0BA36}"/>
+          </ac:spMkLst>
+        </pc:spChg>
+        <pc:spChg chg="del mod">
+          <ac:chgData name="Fatima Pillosu" userId="a6295d4dc9e22643" providerId="LiveId" clId="{E4EB9531-B35B-4F76-8762-A23C9D2F4928}" dt="2023-11-06T21:57:08.574" v="154" actId="21"/>
+          <ac:spMkLst>
+            <pc:docMk/>
+            <pc:sldMk cId="1967199282" sldId="256"/>
+            <ac:spMk id="254" creationId="{0E48E4EC-C16D-86BA-6B5F-5BE870A5F89F}"/>
+          </ac:spMkLst>
+        </pc:spChg>
+        <pc:spChg chg="del mod">
+          <ac:chgData name="Fatima Pillosu" userId="a6295d4dc9e22643" providerId="LiveId" clId="{E4EB9531-B35B-4F76-8762-A23C9D2F4928}" dt="2023-11-06T21:57:08.574" v="154" actId="21"/>
+          <ac:spMkLst>
+            <pc:docMk/>
+            <pc:sldMk cId="1967199282" sldId="256"/>
+            <ac:spMk id="255" creationId="{EB567113-64AD-A75E-82C3-AC8DCF388F3D}"/>
+          </ac:spMkLst>
+        </pc:spChg>
+        <pc:spChg chg="del mod">
+          <ac:chgData name="Fatima Pillosu" userId="a6295d4dc9e22643" providerId="LiveId" clId="{E4EB9531-B35B-4F76-8762-A23C9D2F4928}" dt="2023-11-06T21:57:08.574" v="154" actId="21"/>
+          <ac:spMkLst>
+            <pc:docMk/>
+            <pc:sldMk cId="1967199282" sldId="256"/>
+            <ac:spMk id="256" creationId="{B62BEE55-838F-0DEE-4C9C-9A043DAF50DB}"/>
+          </ac:spMkLst>
+        </pc:spChg>
+        <pc:spChg chg="del mod">
+          <ac:chgData name="Fatima Pillosu" userId="a6295d4dc9e22643" providerId="LiveId" clId="{E4EB9531-B35B-4F76-8762-A23C9D2F4928}" dt="2023-11-06T21:57:08.574" v="154" actId="21"/>
+          <ac:spMkLst>
+            <pc:docMk/>
+            <pc:sldMk cId="1967199282" sldId="256"/>
+            <ac:spMk id="257" creationId="{D5201F61-8DC6-DC55-555C-2AA6472F2DF3}"/>
           </ac:spMkLst>
         </pc:spChg>
         <pc:spChg chg="add mod">
@@ -1268,23 +1588,7 @@
           <ac:spMkLst>
             <pc:docMk/>
             <pc:sldMk cId="1967199282" sldId="256"/>
-            <ac:spMk id="218" creationId="{5E2CF87B-B8C7-EF73-D1CB-3C34E6D53E90}"/>
-          </ac:spMkLst>
-        </pc:spChg>
-        <pc:spChg chg="del mod">
-          <ac:chgData name="Fatima Pillosu" userId="a6295d4dc9e22643" providerId="LiveId" clId="{E4EB9531-B35B-4F76-8762-A23C9D2F4928}" dt="2023-11-06T21:57:08.574" v="154" actId="21"/>
-          <ac:spMkLst>
-            <pc:docMk/>
-            <pc:sldMk cId="1967199282" sldId="256"/>
-            <ac:spMk id="219" creationId="{FEFC8D04-5FEE-9018-3257-E2DE5461EB23}"/>
-          </ac:spMkLst>
-        </pc:spChg>
-        <pc:spChg chg="del mod">
-          <ac:chgData name="Fatima Pillosu" userId="a6295d4dc9e22643" providerId="LiveId" clId="{E4EB9531-B35B-4F76-8762-A23C9D2F4928}" dt="2023-11-06T21:57:08.574" v="154" actId="21"/>
-          <ac:spMkLst>
-            <pc:docMk/>
-            <pc:sldMk cId="1967199282" sldId="256"/>
-            <ac:spMk id="220" creationId="{33610B7E-7EE0-B4D2-16CF-A3F1836646C6}"/>
+            <ac:spMk id="260" creationId="{1E5BA1C2-2028-5318-7810-4B48EA78FEEA}"/>
           </ac:spMkLst>
         </pc:spChg>
         <pc:spChg chg="add mod">
@@ -1292,15 +1596,7 @@
           <ac:spMkLst>
             <pc:docMk/>
             <pc:sldMk cId="1967199282" sldId="256"/>
-            <ac:spMk id="221" creationId="{12A06669-7737-8D97-FFB9-B5874BF3C186}"/>
-          </ac:spMkLst>
-        </pc:spChg>
-        <pc:spChg chg="del mod">
-          <ac:chgData name="Fatima Pillosu" userId="a6295d4dc9e22643" providerId="LiveId" clId="{E4EB9531-B35B-4F76-8762-A23C9D2F4928}" dt="2023-11-06T21:57:08.574" v="154" actId="21"/>
-          <ac:spMkLst>
-            <pc:docMk/>
-            <pc:sldMk cId="1967199282" sldId="256"/>
-            <ac:spMk id="222" creationId="{A3696A1C-06D1-5092-425F-68C6DDCD3E34}"/>
+            <ac:spMk id="261" creationId="{2451CFC0-DC5E-FEDA-C5D0-8DD328643A73}"/>
           </ac:spMkLst>
         </pc:spChg>
         <pc:spChg chg="add mod">
@@ -1308,7 +1604,7 @@
           <ac:spMkLst>
             <pc:docMk/>
             <pc:sldMk cId="1967199282" sldId="256"/>
-            <ac:spMk id="223" creationId="{994F977A-166E-9A29-550B-9F1CF9C2AE92}"/>
+            <ac:spMk id="262" creationId="{21FE2E6D-5E01-4F48-E3E9-740DAA4C7A43}"/>
           </ac:spMkLst>
         </pc:spChg>
         <pc:spChg chg="add mod">
@@ -1316,7 +1612,87 @@
           <ac:spMkLst>
             <pc:docMk/>
             <pc:sldMk cId="1967199282" sldId="256"/>
-            <ac:spMk id="224" creationId="{26A7E600-A472-B544-4700-8FF9F440A6D2}"/>
+            <ac:spMk id="264" creationId="{78F31C95-F3D0-6ADA-D4CF-AC0BA5D58FC8}"/>
+          </ac:spMkLst>
+        </pc:spChg>
+        <pc:spChg chg="del mod">
+          <ac:chgData name="Fatima Pillosu" userId="a6295d4dc9e22643" providerId="LiveId" clId="{E4EB9531-B35B-4F76-8762-A23C9D2F4928}" dt="2023-11-06T21:57:08.574" v="154" actId="21"/>
+          <ac:spMkLst>
+            <pc:docMk/>
+            <pc:sldMk cId="1967199282" sldId="256"/>
+            <ac:spMk id="267" creationId="{A528C180-F9E4-ADA5-CB22-0F1DDAC74562}"/>
+          </ac:spMkLst>
+        </pc:spChg>
+        <pc:spChg chg="del mod">
+          <ac:chgData name="Fatima Pillosu" userId="a6295d4dc9e22643" providerId="LiveId" clId="{E4EB9531-B35B-4F76-8762-A23C9D2F4928}" dt="2023-11-06T21:57:08.574" v="154" actId="21"/>
+          <ac:spMkLst>
+            <pc:docMk/>
+            <pc:sldMk cId="1967199282" sldId="256"/>
+            <ac:spMk id="268" creationId="{DA892BFD-0AF2-8478-BD33-1ED7E8FD0460}"/>
+          </ac:spMkLst>
+        </pc:spChg>
+        <pc:spChg chg="del mod">
+          <ac:chgData name="Fatima Pillosu" userId="a6295d4dc9e22643" providerId="LiveId" clId="{E4EB9531-B35B-4F76-8762-A23C9D2F4928}" dt="2023-11-06T21:57:08.574" v="154" actId="21"/>
+          <ac:spMkLst>
+            <pc:docMk/>
+            <pc:sldMk cId="1967199282" sldId="256"/>
+            <ac:spMk id="269" creationId="{BFAEBAF0-FCD8-5141-B043-736D20F16E41}"/>
+          </ac:spMkLst>
+        </pc:spChg>
+        <pc:spChg chg="del mod">
+          <ac:chgData name="Fatima Pillosu" userId="a6295d4dc9e22643" providerId="LiveId" clId="{E4EB9531-B35B-4F76-8762-A23C9D2F4928}" dt="2023-11-06T21:57:08.574" v="154" actId="21"/>
+          <ac:spMkLst>
+            <pc:docMk/>
+            <pc:sldMk cId="1967199282" sldId="256"/>
+            <ac:spMk id="270" creationId="{A8786CD5-04A2-817C-19B6-DEBC50A16D07}"/>
+          </ac:spMkLst>
+        </pc:spChg>
+        <pc:spChg chg="del mod">
+          <ac:chgData name="Fatima Pillosu" userId="a6295d4dc9e22643" providerId="LiveId" clId="{E4EB9531-B35B-4F76-8762-A23C9D2F4928}" dt="2023-11-06T21:57:08.574" v="154" actId="21"/>
+          <ac:spMkLst>
+            <pc:docMk/>
+            <pc:sldMk cId="1967199282" sldId="256"/>
+            <ac:spMk id="271" creationId="{5AC9C89B-BA5A-E6D0-9B29-C896DCBCED67}"/>
+          </ac:spMkLst>
+        </pc:spChg>
+        <pc:spChg chg="del mod">
+          <ac:chgData name="Fatima Pillosu" userId="a6295d4dc9e22643" providerId="LiveId" clId="{E4EB9531-B35B-4F76-8762-A23C9D2F4928}" dt="2023-11-06T21:57:08.574" v="154" actId="21"/>
+          <ac:spMkLst>
+            <pc:docMk/>
+            <pc:sldMk cId="1967199282" sldId="256"/>
+            <ac:spMk id="272" creationId="{E351EFDD-3FE1-F190-8AB6-624E250C6ED1}"/>
+          </ac:spMkLst>
+        </pc:spChg>
+        <pc:spChg chg="del mod">
+          <ac:chgData name="Fatima Pillosu" userId="a6295d4dc9e22643" providerId="LiveId" clId="{E4EB9531-B35B-4F76-8762-A23C9D2F4928}" dt="2023-11-06T21:57:08.574" v="154" actId="21"/>
+          <ac:spMkLst>
+            <pc:docMk/>
+            <pc:sldMk cId="1967199282" sldId="256"/>
+            <ac:spMk id="273" creationId="{D654CA22-146C-71EB-0731-8DC06B7AEE31}"/>
+          </ac:spMkLst>
+        </pc:spChg>
+        <pc:spChg chg="del mod">
+          <ac:chgData name="Fatima Pillosu" userId="a6295d4dc9e22643" providerId="LiveId" clId="{E4EB9531-B35B-4F76-8762-A23C9D2F4928}" dt="2023-11-06T21:57:08.574" v="154" actId="21"/>
+          <ac:spMkLst>
+            <pc:docMk/>
+            <pc:sldMk cId="1967199282" sldId="256"/>
+            <ac:spMk id="274" creationId="{7EE71E49-043F-82D8-2A0C-B76C1DA664F1}"/>
+          </ac:spMkLst>
+        </pc:spChg>
+        <pc:spChg chg="del mod">
+          <ac:chgData name="Fatima Pillosu" userId="a6295d4dc9e22643" providerId="LiveId" clId="{E4EB9531-B35B-4F76-8762-A23C9D2F4928}" dt="2023-11-06T21:57:08.574" v="154" actId="21"/>
+          <ac:spMkLst>
+            <pc:docMk/>
+            <pc:sldMk cId="1967199282" sldId="256"/>
+            <ac:spMk id="275" creationId="{48767C8C-3E90-3188-FD4F-E142AB62976E}"/>
+          </ac:spMkLst>
+        </pc:spChg>
+        <pc:spChg chg="add mod">
+          <ac:chgData name="Fatima Pillosu" userId="a6295d4dc9e22643" providerId="LiveId" clId="{E4EB9531-B35B-4F76-8762-A23C9D2F4928}" dt="2023-11-06T22:19:36.932" v="234" actId="20577"/>
+          <ac:spMkLst>
+            <pc:docMk/>
+            <pc:sldMk cId="1967199282" sldId="256"/>
+            <ac:spMk id="276" creationId="{9C07D085-9018-45D7-4E21-4213FB6AD6E4}"/>
           </ac:spMkLst>
         </pc:spChg>
         <pc:spChg chg="add mod">
@@ -1324,387 +1700,11 @@
           <ac:spMkLst>
             <pc:docMk/>
             <pc:sldMk cId="1967199282" sldId="256"/>
-            <ac:spMk id="225" creationId="{A8AF641A-60E5-74F6-20E7-21D72FBC0C4B}"/>
-          </ac:spMkLst>
-        </pc:spChg>
-        <pc:spChg chg="del mod">
-          <ac:chgData name="Fatima Pillosu" userId="a6295d4dc9e22643" providerId="LiveId" clId="{E4EB9531-B35B-4F76-8762-A23C9D2F4928}" dt="2023-11-06T21:57:08.574" v="154" actId="21"/>
-          <ac:spMkLst>
-            <pc:docMk/>
-            <pc:sldMk cId="1967199282" sldId="256"/>
-            <ac:spMk id="226" creationId="{919BDD2A-6741-BEB2-50F7-9F66A79E73F6}"/>
-          </ac:spMkLst>
-        </pc:spChg>
-        <pc:spChg chg="del mod">
-          <ac:chgData name="Fatima Pillosu" userId="a6295d4dc9e22643" providerId="LiveId" clId="{E4EB9531-B35B-4F76-8762-A23C9D2F4928}" dt="2023-11-06T21:57:08.574" v="154" actId="21"/>
-          <ac:spMkLst>
-            <pc:docMk/>
-            <pc:sldMk cId="1967199282" sldId="256"/>
-            <ac:spMk id="227" creationId="{F87B32F0-10BB-7906-E66D-6DC50C8A69FE}"/>
-          </ac:spMkLst>
-        </pc:spChg>
-        <pc:spChg chg="del mod">
-          <ac:chgData name="Fatima Pillosu" userId="a6295d4dc9e22643" providerId="LiveId" clId="{E4EB9531-B35B-4F76-8762-A23C9D2F4928}" dt="2023-11-06T21:57:08.574" v="154" actId="21"/>
-          <ac:spMkLst>
-            <pc:docMk/>
-            <pc:sldMk cId="1967199282" sldId="256"/>
-            <ac:spMk id="228" creationId="{C377B023-BE74-E4B3-668D-910593D85F13}"/>
+            <ac:spMk id="278" creationId="{134F1432-58E2-3A01-EC87-C158ECC7EA92}"/>
           </ac:spMkLst>
         </pc:spChg>
         <pc:spChg chg="add mod">
-          <ac:chgData name="Fatima Pillosu" userId="a6295d4dc9e22643" providerId="LiveId" clId="{E4EB9531-B35B-4F76-8762-A23C9D2F4928}" dt="2023-11-06T21:57:52.980" v="155"/>
-          <ac:spMkLst>
-            <pc:docMk/>
-            <pc:sldMk cId="1967199282" sldId="256"/>
-            <ac:spMk id="229" creationId="{724968AA-6C60-4DF7-759A-CFFE6B1FAB0C}"/>
-          </ac:spMkLst>
-        </pc:spChg>
-        <pc:spChg chg="del mod">
-          <ac:chgData name="Fatima Pillosu" userId="a6295d4dc9e22643" providerId="LiveId" clId="{E4EB9531-B35B-4F76-8762-A23C9D2F4928}" dt="2023-11-06T21:57:08.574" v="154" actId="21"/>
-          <ac:spMkLst>
-            <pc:docMk/>
-            <pc:sldMk cId="1967199282" sldId="256"/>
-            <ac:spMk id="230" creationId="{976CB684-B768-9BA2-A408-45760BF62D6C}"/>
-          </ac:spMkLst>
-        </pc:spChg>
-        <pc:spChg chg="del mod">
-          <ac:chgData name="Fatima Pillosu" userId="a6295d4dc9e22643" providerId="LiveId" clId="{E4EB9531-B35B-4F76-8762-A23C9D2F4928}" dt="2023-11-06T21:57:08.574" v="154" actId="21"/>
-          <ac:spMkLst>
-            <pc:docMk/>
-            <pc:sldMk cId="1967199282" sldId="256"/>
-            <ac:spMk id="231" creationId="{1579A008-2D87-8C02-8C25-8FDAC31C16DE}"/>
-          </ac:spMkLst>
-        </pc:spChg>
-        <pc:spChg chg="del mod">
-          <ac:chgData name="Fatima Pillosu" userId="a6295d4dc9e22643" providerId="LiveId" clId="{E4EB9531-B35B-4F76-8762-A23C9D2F4928}" dt="2023-11-06T21:57:08.574" v="154" actId="21"/>
-          <ac:spMkLst>
-            <pc:docMk/>
-            <pc:sldMk cId="1967199282" sldId="256"/>
-            <ac:spMk id="232" creationId="{8BFC2C92-09A6-4D86-210D-61C0B1A8EB99}"/>
-          </ac:spMkLst>
-        </pc:spChg>
-        <pc:spChg chg="del mod">
-          <ac:chgData name="Fatima Pillosu" userId="a6295d4dc9e22643" providerId="LiveId" clId="{E4EB9531-B35B-4F76-8762-A23C9D2F4928}" dt="2023-11-06T21:57:08.574" v="154" actId="21"/>
-          <ac:spMkLst>
-            <pc:docMk/>
-            <pc:sldMk cId="1967199282" sldId="256"/>
-            <ac:spMk id="233" creationId="{16F53EE7-4241-43C5-8227-15E653609E1B}"/>
-          </ac:spMkLst>
-        </pc:spChg>
-        <pc:spChg chg="del mod">
-          <ac:chgData name="Fatima Pillosu" userId="a6295d4dc9e22643" providerId="LiveId" clId="{E4EB9531-B35B-4F76-8762-A23C9D2F4928}" dt="2023-11-06T21:57:08.574" v="154" actId="21"/>
-          <ac:spMkLst>
-            <pc:docMk/>
-            <pc:sldMk cId="1967199282" sldId="256"/>
-            <ac:spMk id="234" creationId="{0B45ACD5-E320-98D7-0149-BCBD90B505BD}"/>
-          </ac:spMkLst>
-        </pc:spChg>
-        <pc:spChg chg="del mod">
-          <ac:chgData name="Fatima Pillosu" userId="a6295d4dc9e22643" providerId="LiveId" clId="{E4EB9531-B35B-4F76-8762-A23C9D2F4928}" dt="2023-11-06T21:57:08.574" v="154" actId="21"/>
-          <ac:spMkLst>
-            <pc:docMk/>
-            <pc:sldMk cId="1967199282" sldId="256"/>
-            <ac:spMk id="235" creationId="{39BF293F-DF52-61BA-416A-5195AA32E4A5}"/>
-          </ac:spMkLst>
-        </pc:spChg>
-        <pc:spChg chg="del mod">
-          <ac:chgData name="Fatima Pillosu" userId="a6295d4dc9e22643" providerId="LiveId" clId="{E4EB9531-B35B-4F76-8762-A23C9D2F4928}" dt="2023-11-06T21:57:08.574" v="154" actId="21"/>
-          <ac:spMkLst>
-            <pc:docMk/>
-            <pc:sldMk cId="1967199282" sldId="256"/>
-            <ac:spMk id="236" creationId="{DF56D9EA-9DD1-FD36-96FB-4CC4F503381D}"/>
-          </ac:spMkLst>
-        </pc:spChg>
-        <pc:spChg chg="del mod">
-          <ac:chgData name="Fatima Pillosu" userId="a6295d4dc9e22643" providerId="LiveId" clId="{E4EB9531-B35B-4F76-8762-A23C9D2F4928}" dt="2023-11-06T21:57:08.574" v="154" actId="21"/>
-          <ac:spMkLst>
-            <pc:docMk/>
-            <pc:sldMk cId="1967199282" sldId="256"/>
-            <ac:spMk id="237" creationId="{618BABE2-380F-6EEC-A58A-9E5757536952}"/>
-          </ac:spMkLst>
-        </pc:spChg>
-        <pc:spChg chg="add mod">
-          <ac:chgData name="Fatima Pillosu" userId="a6295d4dc9e22643" providerId="LiveId" clId="{E4EB9531-B35B-4F76-8762-A23C9D2F4928}" dt="2023-11-06T22:20:01.082" v="270" actId="20577"/>
-          <ac:spMkLst>
-            <pc:docMk/>
-            <pc:sldMk cId="1967199282" sldId="256"/>
-            <ac:spMk id="238" creationId="{B5C86E7B-F2E1-8CC8-71D1-1660F634D915}"/>
-          </ac:spMkLst>
-        </pc:spChg>
-        <pc:spChg chg="del mod">
-          <ac:chgData name="Fatima Pillosu" userId="a6295d4dc9e22643" providerId="LiveId" clId="{E4EB9531-B35B-4F76-8762-A23C9D2F4928}" dt="2023-11-06T21:57:08.574" v="154" actId="21"/>
-          <ac:spMkLst>
-            <pc:docMk/>
-            <pc:sldMk cId="1967199282" sldId="256"/>
-            <ac:spMk id="239" creationId="{E6ECB808-CE47-1B2E-936A-3C8126CACE63}"/>
-          </ac:spMkLst>
-        </pc:spChg>
-        <pc:spChg chg="del mod">
-          <ac:chgData name="Fatima Pillosu" userId="a6295d4dc9e22643" providerId="LiveId" clId="{E4EB9531-B35B-4F76-8762-A23C9D2F4928}" dt="2023-11-06T21:57:08.574" v="154" actId="21"/>
-          <ac:spMkLst>
-            <pc:docMk/>
-            <pc:sldMk cId="1967199282" sldId="256"/>
-            <ac:spMk id="240" creationId="{54C69D8F-D08D-94E2-573D-B33990C5F556}"/>
-          </ac:spMkLst>
-        </pc:spChg>
-        <pc:spChg chg="del mod">
-          <ac:chgData name="Fatima Pillosu" userId="a6295d4dc9e22643" providerId="LiveId" clId="{E4EB9531-B35B-4F76-8762-A23C9D2F4928}" dt="2023-11-06T21:57:08.574" v="154" actId="21"/>
-          <ac:spMkLst>
-            <pc:docMk/>
-            <pc:sldMk cId="1967199282" sldId="256"/>
-            <ac:spMk id="241" creationId="{E14407A9-E0C0-14C7-4127-548017D2C936}"/>
-          </ac:spMkLst>
-        </pc:spChg>
-        <pc:spChg chg="del mod">
-          <ac:chgData name="Fatima Pillosu" userId="a6295d4dc9e22643" providerId="LiveId" clId="{E4EB9531-B35B-4F76-8762-A23C9D2F4928}" dt="2023-11-06T21:57:08.574" v="154" actId="21"/>
-          <ac:spMkLst>
-            <pc:docMk/>
-            <pc:sldMk cId="1967199282" sldId="256"/>
-            <ac:spMk id="242" creationId="{F6BD6F39-4FDD-6BA4-1949-37ACBAF2F220}"/>
-          </ac:spMkLst>
-        </pc:spChg>
-        <pc:spChg chg="del mod">
-          <ac:chgData name="Fatima Pillosu" userId="a6295d4dc9e22643" providerId="LiveId" clId="{E4EB9531-B35B-4F76-8762-A23C9D2F4928}" dt="2023-11-06T21:57:08.574" v="154" actId="21"/>
-          <ac:spMkLst>
-            <pc:docMk/>
-            <pc:sldMk cId="1967199282" sldId="256"/>
-            <ac:spMk id="243" creationId="{09EAFF7B-6826-C5E9-2AD1-DD484098C5AA}"/>
-          </ac:spMkLst>
-        </pc:spChg>
-        <pc:spChg chg="del mod">
-          <ac:chgData name="Fatima Pillosu" userId="a6295d4dc9e22643" providerId="LiveId" clId="{E4EB9531-B35B-4F76-8762-A23C9D2F4928}" dt="2023-11-06T21:57:08.574" v="154" actId="21"/>
-          <ac:spMkLst>
-            <pc:docMk/>
-            <pc:sldMk cId="1967199282" sldId="256"/>
-            <ac:spMk id="244" creationId="{739AADE5-A6E7-4E30-1EEF-EF3297E17387}"/>
-          </ac:spMkLst>
-        </pc:spChg>
-        <pc:spChg chg="del mod">
-          <ac:chgData name="Fatima Pillosu" userId="a6295d4dc9e22643" providerId="LiveId" clId="{E4EB9531-B35B-4F76-8762-A23C9D2F4928}" dt="2023-11-06T21:57:08.574" v="154" actId="21"/>
-          <ac:spMkLst>
-            <pc:docMk/>
-            <pc:sldMk cId="1967199282" sldId="256"/>
-            <ac:spMk id="245" creationId="{227BDC41-DAB0-F94F-5357-D9310BADDE43}"/>
-          </ac:spMkLst>
-        </pc:spChg>
-        <pc:spChg chg="del mod">
-          <ac:chgData name="Fatima Pillosu" userId="a6295d4dc9e22643" providerId="LiveId" clId="{E4EB9531-B35B-4F76-8762-A23C9D2F4928}" dt="2023-11-06T21:57:08.574" v="154" actId="21"/>
-          <ac:spMkLst>
-            <pc:docMk/>
-            <pc:sldMk cId="1967199282" sldId="256"/>
-            <ac:spMk id="246" creationId="{776F067F-81D1-BD8F-3DE6-C4AED0D10471}"/>
-          </ac:spMkLst>
-        </pc:spChg>
-        <pc:spChg chg="del mod">
-          <ac:chgData name="Fatima Pillosu" userId="a6295d4dc9e22643" providerId="LiveId" clId="{E4EB9531-B35B-4F76-8762-A23C9D2F4928}" dt="2023-11-06T21:57:08.574" v="154" actId="21"/>
-          <ac:spMkLst>
-            <pc:docMk/>
-            <pc:sldMk cId="1967199282" sldId="256"/>
-            <ac:spMk id="247" creationId="{C35FBDE3-802C-2914-538A-241070C9B5E7}"/>
-          </ac:spMkLst>
-        </pc:spChg>
-        <pc:spChg chg="del mod">
-          <ac:chgData name="Fatima Pillosu" userId="a6295d4dc9e22643" providerId="LiveId" clId="{E4EB9531-B35B-4F76-8762-A23C9D2F4928}" dt="2023-11-06T21:57:08.574" v="154" actId="21"/>
-          <ac:spMkLst>
-            <pc:docMk/>
-            <pc:sldMk cId="1967199282" sldId="256"/>
-            <ac:spMk id="248" creationId="{890A47F5-3735-EEBF-2B6B-CAD901900997}"/>
-          </ac:spMkLst>
-        </pc:spChg>
-        <pc:spChg chg="del mod">
-          <ac:chgData name="Fatima Pillosu" userId="a6295d4dc9e22643" providerId="LiveId" clId="{E4EB9531-B35B-4F76-8762-A23C9D2F4928}" dt="2023-11-06T21:57:08.574" v="154" actId="21"/>
-          <ac:spMkLst>
-            <pc:docMk/>
-            <pc:sldMk cId="1967199282" sldId="256"/>
-            <ac:spMk id="249" creationId="{9CAEA0B3-C65A-CCFA-0F76-97F2D3B3E47A}"/>
-          </ac:spMkLst>
-        </pc:spChg>
-        <pc:spChg chg="del mod">
-          <ac:chgData name="Fatima Pillosu" userId="a6295d4dc9e22643" providerId="LiveId" clId="{E4EB9531-B35B-4F76-8762-A23C9D2F4928}" dt="2023-11-06T21:57:08.574" v="154" actId="21"/>
-          <ac:spMkLst>
-            <pc:docMk/>
-            <pc:sldMk cId="1967199282" sldId="256"/>
-            <ac:spMk id="250" creationId="{D078396E-A377-5A71-73C8-936698F4CD19}"/>
-          </ac:spMkLst>
-        </pc:spChg>
-        <pc:spChg chg="del mod">
-          <ac:chgData name="Fatima Pillosu" userId="a6295d4dc9e22643" providerId="LiveId" clId="{E4EB9531-B35B-4F76-8762-A23C9D2F4928}" dt="2023-11-06T21:57:08.574" v="154" actId="21"/>
-          <ac:spMkLst>
-            <pc:docMk/>
-            <pc:sldMk cId="1967199282" sldId="256"/>
-            <ac:spMk id="251" creationId="{D5C22EE7-D54B-CF9B-E085-D69C02A05A13}"/>
-          </ac:spMkLst>
-        </pc:spChg>
-        <pc:spChg chg="del mod">
-          <ac:chgData name="Fatima Pillosu" userId="a6295d4dc9e22643" providerId="LiveId" clId="{E4EB9531-B35B-4F76-8762-A23C9D2F4928}" dt="2023-11-06T21:57:08.574" v="154" actId="21"/>
-          <ac:spMkLst>
-            <pc:docMk/>
-            <pc:sldMk cId="1967199282" sldId="256"/>
-            <ac:spMk id="252" creationId="{374D5227-B8F4-57B7-8B84-3E3E74E48970}"/>
-          </ac:spMkLst>
-        </pc:spChg>
-        <pc:spChg chg="del mod">
-          <ac:chgData name="Fatima Pillosu" userId="a6295d4dc9e22643" providerId="LiveId" clId="{E4EB9531-B35B-4F76-8762-A23C9D2F4928}" dt="2023-11-06T21:57:08.574" v="154" actId="21"/>
-          <ac:spMkLst>
-            <pc:docMk/>
-            <pc:sldMk cId="1967199282" sldId="256"/>
-            <ac:spMk id="253" creationId="{0BE0D2A8-C151-4A2C-B3EF-8C81AFF0BA36}"/>
-          </ac:spMkLst>
-        </pc:spChg>
-        <pc:spChg chg="del mod">
-          <ac:chgData name="Fatima Pillosu" userId="a6295d4dc9e22643" providerId="LiveId" clId="{E4EB9531-B35B-4F76-8762-A23C9D2F4928}" dt="2023-11-06T21:57:08.574" v="154" actId="21"/>
-          <ac:spMkLst>
-            <pc:docMk/>
-            <pc:sldMk cId="1967199282" sldId="256"/>
-            <ac:spMk id="254" creationId="{0E48E4EC-C16D-86BA-6B5F-5BE870A5F89F}"/>
-          </ac:spMkLst>
-        </pc:spChg>
-        <pc:spChg chg="del mod">
-          <ac:chgData name="Fatima Pillosu" userId="a6295d4dc9e22643" providerId="LiveId" clId="{E4EB9531-B35B-4F76-8762-A23C9D2F4928}" dt="2023-11-06T21:57:08.574" v="154" actId="21"/>
-          <ac:spMkLst>
-            <pc:docMk/>
-            <pc:sldMk cId="1967199282" sldId="256"/>
-            <ac:spMk id="255" creationId="{EB567113-64AD-A75E-82C3-AC8DCF388F3D}"/>
-          </ac:spMkLst>
-        </pc:spChg>
-        <pc:spChg chg="del mod">
-          <ac:chgData name="Fatima Pillosu" userId="a6295d4dc9e22643" providerId="LiveId" clId="{E4EB9531-B35B-4F76-8762-A23C9D2F4928}" dt="2023-11-06T21:57:08.574" v="154" actId="21"/>
-          <ac:spMkLst>
-            <pc:docMk/>
-            <pc:sldMk cId="1967199282" sldId="256"/>
-            <ac:spMk id="256" creationId="{B62BEE55-838F-0DEE-4C9C-9A043DAF50DB}"/>
-          </ac:spMkLst>
-        </pc:spChg>
-        <pc:spChg chg="del mod">
-          <ac:chgData name="Fatima Pillosu" userId="a6295d4dc9e22643" providerId="LiveId" clId="{E4EB9531-B35B-4F76-8762-A23C9D2F4928}" dt="2023-11-06T21:57:08.574" v="154" actId="21"/>
-          <ac:spMkLst>
-            <pc:docMk/>
-            <pc:sldMk cId="1967199282" sldId="256"/>
-            <ac:spMk id="257" creationId="{D5201F61-8DC6-DC55-555C-2AA6472F2DF3}"/>
-          </ac:spMkLst>
-        </pc:spChg>
-        <pc:spChg chg="add mod">
-          <ac:chgData name="Fatima Pillosu" userId="a6295d4dc9e22643" providerId="LiveId" clId="{E4EB9531-B35B-4F76-8762-A23C9D2F4928}" dt="2023-11-06T21:57:52.980" v="155"/>
-          <ac:spMkLst>
-            <pc:docMk/>
-            <pc:sldMk cId="1967199282" sldId="256"/>
-            <ac:spMk id="260" creationId="{1E5BA1C2-2028-5318-7810-4B48EA78FEEA}"/>
-          </ac:spMkLst>
-        </pc:spChg>
-        <pc:spChg chg="add mod">
-          <ac:chgData name="Fatima Pillosu" userId="a6295d4dc9e22643" providerId="LiveId" clId="{E4EB9531-B35B-4F76-8762-A23C9D2F4928}" dt="2023-11-06T21:57:52.980" v="155"/>
-          <ac:spMkLst>
-            <pc:docMk/>
-            <pc:sldMk cId="1967199282" sldId="256"/>
-            <ac:spMk id="261" creationId="{2451CFC0-DC5E-FEDA-C5D0-8DD328643A73}"/>
-          </ac:spMkLst>
-        </pc:spChg>
-        <pc:spChg chg="add mod">
-          <ac:chgData name="Fatima Pillosu" userId="a6295d4dc9e22643" providerId="LiveId" clId="{E4EB9531-B35B-4F76-8762-A23C9D2F4928}" dt="2023-11-06T21:57:52.980" v="155"/>
-          <ac:spMkLst>
-            <pc:docMk/>
-            <pc:sldMk cId="1967199282" sldId="256"/>
-            <ac:spMk id="262" creationId="{21FE2E6D-5E01-4F48-E3E9-740DAA4C7A43}"/>
-          </ac:spMkLst>
-        </pc:spChg>
-        <pc:spChg chg="add mod">
-          <ac:chgData name="Fatima Pillosu" userId="a6295d4dc9e22643" providerId="LiveId" clId="{E4EB9531-B35B-4F76-8762-A23C9D2F4928}" dt="2023-11-06T21:57:52.980" v="155"/>
-          <ac:spMkLst>
-            <pc:docMk/>
-            <pc:sldMk cId="1967199282" sldId="256"/>
-            <ac:spMk id="264" creationId="{78F31C95-F3D0-6ADA-D4CF-AC0BA5D58FC8}"/>
-          </ac:spMkLst>
-        </pc:spChg>
-        <pc:spChg chg="del mod">
-          <ac:chgData name="Fatima Pillosu" userId="a6295d4dc9e22643" providerId="LiveId" clId="{E4EB9531-B35B-4F76-8762-A23C9D2F4928}" dt="2023-11-06T21:57:08.574" v="154" actId="21"/>
-          <ac:spMkLst>
-            <pc:docMk/>
-            <pc:sldMk cId="1967199282" sldId="256"/>
-            <ac:spMk id="267" creationId="{A528C180-F9E4-ADA5-CB22-0F1DDAC74562}"/>
-          </ac:spMkLst>
-        </pc:spChg>
-        <pc:spChg chg="del mod">
-          <ac:chgData name="Fatima Pillosu" userId="a6295d4dc9e22643" providerId="LiveId" clId="{E4EB9531-B35B-4F76-8762-A23C9D2F4928}" dt="2023-11-06T21:57:08.574" v="154" actId="21"/>
-          <ac:spMkLst>
-            <pc:docMk/>
-            <pc:sldMk cId="1967199282" sldId="256"/>
-            <ac:spMk id="268" creationId="{DA892BFD-0AF2-8478-BD33-1ED7E8FD0460}"/>
-          </ac:spMkLst>
-        </pc:spChg>
-        <pc:spChg chg="del mod">
-          <ac:chgData name="Fatima Pillosu" userId="a6295d4dc9e22643" providerId="LiveId" clId="{E4EB9531-B35B-4F76-8762-A23C9D2F4928}" dt="2023-11-06T21:57:08.574" v="154" actId="21"/>
-          <ac:spMkLst>
-            <pc:docMk/>
-            <pc:sldMk cId="1967199282" sldId="256"/>
-            <ac:spMk id="269" creationId="{BFAEBAF0-FCD8-5141-B043-736D20F16E41}"/>
-          </ac:spMkLst>
-        </pc:spChg>
-        <pc:spChg chg="del mod">
-          <ac:chgData name="Fatima Pillosu" userId="a6295d4dc9e22643" providerId="LiveId" clId="{E4EB9531-B35B-4F76-8762-A23C9D2F4928}" dt="2023-11-06T21:57:08.574" v="154" actId="21"/>
-          <ac:spMkLst>
-            <pc:docMk/>
-            <pc:sldMk cId="1967199282" sldId="256"/>
-            <ac:spMk id="270" creationId="{A8786CD5-04A2-817C-19B6-DEBC50A16D07}"/>
-          </ac:spMkLst>
-        </pc:spChg>
-        <pc:spChg chg="del mod">
-          <ac:chgData name="Fatima Pillosu" userId="a6295d4dc9e22643" providerId="LiveId" clId="{E4EB9531-B35B-4F76-8762-A23C9D2F4928}" dt="2023-11-06T21:57:08.574" v="154" actId="21"/>
-          <ac:spMkLst>
-            <pc:docMk/>
-            <pc:sldMk cId="1967199282" sldId="256"/>
-            <ac:spMk id="271" creationId="{5AC9C89B-BA5A-E6D0-9B29-C896DCBCED67}"/>
-          </ac:spMkLst>
-        </pc:spChg>
-        <pc:spChg chg="del mod">
-          <ac:chgData name="Fatima Pillosu" userId="a6295d4dc9e22643" providerId="LiveId" clId="{E4EB9531-B35B-4F76-8762-A23C9D2F4928}" dt="2023-11-06T21:57:08.574" v="154" actId="21"/>
-          <ac:spMkLst>
-            <pc:docMk/>
-            <pc:sldMk cId="1967199282" sldId="256"/>
-            <ac:spMk id="272" creationId="{E351EFDD-3FE1-F190-8AB6-624E250C6ED1}"/>
-          </ac:spMkLst>
-        </pc:spChg>
-        <pc:spChg chg="del mod">
-          <ac:chgData name="Fatima Pillosu" userId="a6295d4dc9e22643" providerId="LiveId" clId="{E4EB9531-B35B-4F76-8762-A23C9D2F4928}" dt="2023-11-06T21:57:08.574" v="154" actId="21"/>
-          <ac:spMkLst>
-            <pc:docMk/>
-            <pc:sldMk cId="1967199282" sldId="256"/>
-            <ac:spMk id="273" creationId="{D654CA22-146C-71EB-0731-8DC06B7AEE31}"/>
-          </ac:spMkLst>
-        </pc:spChg>
-        <pc:spChg chg="del mod">
-          <ac:chgData name="Fatima Pillosu" userId="a6295d4dc9e22643" providerId="LiveId" clId="{E4EB9531-B35B-4F76-8762-A23C9D2F4928}" dt="2023-11-06T21:57:08.574" v="154" actId="21"/>
-          <ac:spMkLst>
-            <pc:docMk/>
-            <pc:sldMk cId="1967199282" sldId="256"/>
-            <ac:spMk id="274" creationId="{7EE71E49-043F-82D8-2A0C-B76C1DA664F1}"/>
-          </ac:spMkLst>
-        </pc:spChg>
-        <pc:spChg chg="del mod">
-          <ac:chgData name="Fatima Pillosu" userId="a6295d4dc9e22643" providerId="LiveId" clId="{E4EB9531-B35B-4F76-8762-A23C9D2F4928}" dt="2023-11-06T21:57:08.574" v="154" actId="21"/>
-          <ac:spMkLst>
-            <pc:docMk/>
-            <pc:sldMk cId="1967199282" sldId="256"/>
-            <ac:spMk id="275" creationId="{48767C8C-3E90-3188-FD4F-E142AB62976E}"/>
-          </ac:spMkLst>
-        </pc:spChg>
-        <pc:spChg chg="add mod">
-          <ac:chgData name="Fatima Pillosu" userId="a6295d4dc9e22643" providerId="LiveId" clId="{E4EB9531-B35B-4F76-8762-A23C9D2F4928}" dt="2023-11-06T22:19:36.932" v="234" actId="20577"/>
-          <ac:spMkLst>
-            <pc:docMk/>
-            <pc:sldMk cId="1967199282" sldId="256"/>
-            <ac:spMk id="276" creationId="{9C07D085-9018-45D7-4E21-4213FB6AD6E4}"/>
-          </ac:spMkLst>
-        </pc:spChg>
-        <pc:spChg chg="add mod">
-          <ac:chgData name="Fatima Pillosu" userId="a6295d4dc9e22643" providerId="LiveId" clId="{E4EB9531-B35B-4F76-8762-A23C9D2F4928}" dt="2023-11-06T21:57:52.980" v="155"/>
-          <ac:spMkLst>
-            <pc:docMk/>
-            <pc:sldMk cId="1967199282" sldId="256"/>
-            <ac:spMk id="278" creationId="{134F1432-58E2-3A01-EC87-C158ECC7EA92}"/>
-          </ac:spMkLst>
-        </pc:spChg>
-        <pc:spChg chg="add mod">
-          <ac:chgData name="Fatima Pillosu" userId="a6295d4dc9e22643" providerId="LiveId" clId="{E4EB9531-B35B-4F76-8762-A23C9D2F4928}" dt="2023-11-06T22:20:43.534" v="273" actId="1036"/>
+          <ac:chgData name="Fatima Pillosu" userId="a6295d4dc9e22643" providerId="LiveId" clId="{E4EB9531-B35B-4F76-8762-A23C9D2F4928}" dt="2023-11-08T22:32:18.293" v="339" actId="20577"/>
           <ac:spMkLst>
             <pc:docMk/>
             <pc:sldMk cId="1967199282" sldId="256"/>
@@ -1808,6 +1808,14 @@
           </ac:grpSpMkLst>
         </pc:grpChg>
         <pc:picChg chg="add mod">
+          <ac:chgData name="Fatima Pillosu" userId="a6295d4dc9e22643" providerId="LiveId" clId="{E4EB9531-B35B-4F76-8762-A23C9D2F4928}" dt="2023-11-08T22:37:27.979" v="477" actId="12789"/>
+          <ac:picMkLst>
+            <pc:docMk/>
+            <pc:sldMk cId="1967199282" sldId="256"/>
+            <ac:picMk id="2" creationId="{EDC92F73-5EDE-AEE4-BC75-0B0EE9B0CB52}"/>
+          </ac:picMkLst>
+        </pc:picChg>
+        <pc:picChg chg="add mod">
           <ac:chgData name="Fatima Pillosu" userId="a6295d4dc9e22643" providerId="LiveId" clId="{E4EB9531-B35B-4F76-8762-A23C9D2F4928}" dt="2023-11-06T21:57:52.980" v="155"/>
           <ac:picMkLst>
             <pc:docMk/>
@@ -1832,11 +1840,27 @@
           </ac:picMkLst>
         </pc:picChg>
         <pc:picChg chg="add mod">
-          <ac:chgData name="Fatima Pillosu" userId="a6295d4dc9e22643" providerId="LiveId" clId="{E4EB9531-B35B-4F76-8762-A23C9D2F4928}" dt="2023-11-06T21:57:52.980" v="155"/>
+          <ac:chgData name="Fatima Pillosu" userId="a6295d4dc9e22643" providerId="LiveId" clId="{E4EB9531-B35B-4F76-8762-A23C9D2F4928}" dt="2023-11-08T22:37:34.392" v="478" actId="12789"/>
           <ac:picMkLst>
             <pc:docMk/>
             <pc:sldMk cId="1967199282" sldId="256"/>
+            <ac:picMk id="5" creationId="{F4BBE349-03C5-ABDC-674E-DBEE4E686C32}"/>
+          </ac:picMkLst>
+        </pc:picChg>
+        <pc:picChg chg="add del mod">
+          <ac:chgData name="Fatima Pillosu" userId="a6295d4dc9e22643" providerId="LiveId" clId="{E4EB9531-B35B-4F76-8762-A23C9D2F4928}" dt="2023-11-08T22:36:31.984" v="472" actId="478"/>
+          <ac:picMkLst>
+            <pc:docMk/>
+            <pc:sldMk cId="1967199282" sldId="256"/>
             <ac:picMk id="6" creationId="{BF1C67DD-E253-D4B6-4E28-390727A5F0B0}"/>
+          </ac:picMkLst>
+        </pc:picChg>
+        <pc:picChg chg="add mod">
+          <ac:chgData name="Fatima Pillosu" userId="a6295d4dc9e22643" providerId="LiveId" clId="{E4EB9531-B35B-4F76-8762-A23C9D2F4928}" dt="2023-11-08T22:37:27.979" v="477" actId="12789"/>
+          <ac:picMkLst>
+            <pc:docMk/>
+            <pc:sldMk cId="1967199282" sldId="256"/>
+            <ac:picMk id="7" creationId="{32449396-FC05-D33F-7D1F-EE4676157768}"/>
           </ac:picMkLst>
         </pc:picChg>
         <pc:picChg chg="del mod">
@@ -1855,6 +1879,14 @@
             <ac:picMk id="8" creationId="{14F90887-92B1-B98F-4D64-0130213747FA}"/>
           </ac:picMkLst>
         </pc:picChg>
+        <pc:picChg chg="add mod">
+          <ac:chgData name="Fatima Pillosu" userId="a6295d4dc9e22643" providerId="LiveId" clId="{E4EB9531-B35B-4F76-8762-A23C9D2F4928}" dt="2023-11-08T22:37:34.392" v="478" actId="12789"/>
+          <ac:picMkLst>
+            <pc:docMk/>
+            <pc:sldMk cId="1967199282" sldId="256"/>
+            <ac:picMk id="8" creationId="{33243045-1C82-47E1-8D1F-A571BAAB13A7}"/>
+          </ac:picMkLst>
+        </pc:picChg>
         <pc:picChg chg="del mod">
           <ac:chgData name="Fatima Pillosu" userId="a6295d4dc9e22643" providerId="LiveId" clId="{E4EB9531-B35B-4F76-8762-A23C9D2F4928}" dt="2023-11-06T21:57:08.574" v="154" actId="21"/>
           <ac:picMkLst>
@@ -1879,24 +1911,24 @@
             <ac:picMk id="11" creationId="{1D03567F-3B79-9E74-21E1-8169A8EE17D1}"/>
           </ac:picMkLst>
         </pc:picChg>
-        <pc:picChg chg="add mod">
-          <ac:chgData name="Fatima Pillosu" userId="a6295d4dc9e22643" providerId="LiveId" clId="{E4EB9531-B35B-4F76-8762-A23C9D2F4928}" dt="2023-11-06T21:57:52.980" v="155"/>
+        <pc:picChg chg="add del mod">
+          <ac:chgData name="Fatima Pillosu" userId="a6295d4dc9e22643" providerId="LiveId" clId="{E4EB9531-B35B-4F76-8762-A23C9D2F4928}" dt="2023-11-08T22:36:31.984" v="472" actId="478"/>
           <ac:picMkLst>
             <pc:docMk/>
             <pc:sldMk cId="1967199282" sldId="256"/>
             <ac:picMk id="12" creationId="{DE7B9C16-A990-D9C3-F1B4-1D0E9D40B09B}"/>
           </ac:picMkLst>
         </pc:picChg>
-        <pc:picChg chg="add mod">
-          <ac:chgData name="Fatima Pillosu" userId="a6295d4dc9e22643" providerId="LiveId" clId="{E4EB9531-B35B-4F76-8762-A23C9D2F4928}" dt="2023-11-06T21:57:52.980" v="155"/>
+        <pc:picChg chg="add del mod">
+          <ac:chgData name="Fatima Pillosu" userId="a6295d4dc9e22643" providerId="LiveId" clId="{E4EB9531-B35B-4F76-8762-A23C9D2F4928}" dt="2023-11-08T22:36:31.984" v="472" actId="478"/>
           <ac:picMkLst>
             <pc:docMk/>
             <pc:sldMk cId="1967199282" sldId="256"/>
             <ac:picMk id="34" creationId="{74F9DAF7-BF60-D8FC-9548-B6928E06E782}"/>
           </ac:picMkLst>
         </pc:picChg>
-        <pc:picChg chg="add mod">
-          <ac:chgData name="Fatima Pillosu" userId="a6295d4dc9e22643" providerId="LiveId" clId="{E4EB9531-B35B-4F76-8762-A23C9D2F4928}" dt="2023-11-06T21:57:52.980" v="155"/>
+        <pc:picChg chg="add del mod">
+          <ac:chgData name="Fatima Pillosu" userId="a6295d4dc9e22643" providerId="LiveId" clId="{E4EB9531-B35B-4F76-8762-A23C9D2F4928}" dt="2023-11-08T22:36:31.984" v="472" actId="478"/>
           <ac:picMkLst>
             <pc:docMk/>
             <pc:sldMk cId="1967199282" sldId="256"/>
@@ -2527,6 +2559,61 @@
             <ac:cxnSpMk id="329" creationId="{9024DCD9-76A5-1567-680D-BD80318DD9D9}"/>
           </ac:cxnSpMkLst>
         </pc:cxnChg>
+      </pc:sldChg>
+      <pc:sldChg chg="addSp delSp modSp new del mod">
+        <pc:chgData name="Fatima Pillosu" userId="a6295d4dc9e22643" providerId="LiveId" clId="{E4EB9531-B35B-4F76-8762-A23C9D2F4928}" dt="2023-11-08T22:39:33.949" v="516" actId="47"/>
+        <pc:sldMkLst>
+          <pc:docMk/>
+          <pc:sldMk cId="3728957230" sldId="257"/>
+        </pc:sldMkLst>
+        <pc:spChg chg="del">
+          <ac:chgData name="Fatima Pillosu" userId="a6295d4dc9e22643" providerId="LiveId" clId="{E4EB9531-B35B-4F76-8762-A23C9D2F4928}" dt="2023-11-08T22:32:34.512" v="342" actId="478"/>
+          <ac:spMkLst>
+            <pc:docMk/>
+            <pc:sldMk cId="3728957230" sldId="257"/>
+            <ac:spMk id="2" creationId="{6EA90036-94C4-A27A-A2AE-ABBEB324566D}"/>
+          </ac:spMkLst>
+        </pc:spChg>
+        <pc:spChg chg="del">
+          <ac:chgData name="Fatima Pillosu" userId="a6295d4dc9e22643" providerId="LiveId" clId="{E4EB9531-B35B-4F76-8762-A23C9D2F4928}" dt="2023-11-08T22:32:33.666" v="341" actId="478"/>
+          <ac:spMkLst>
+            <pc:docMk/>
+            <pc:sldMk cId="3728957230" sldId="257"/>
+            <ac:spMk id="3" creationId="{9C01E079-6DA8-918B-EC92-6A2C233FD4B4}"/>
+          </ac:spMkLst>
+        </pc:spChg>
+        <pc:picChg chg="add del mod modCrop">
+          <ac:chgData name="Fatima Pillosu" userId="a6295d4dc9e22643" providerId="LiveId" clId="{E4EB9531-B35B-4F76-8762-A23C9D2F4928}" dt="2023-11-08T22:36:19.888" v="469" actId="21"/>
+          <ac:picMkLst>
+            <pc:docMk/>
+            <pc:sldMk cId="3728957230" sldId="257"/>
+            <ac:picMk id="5" creationId="{2BFE55C8-D67D-09F3-B67B-233B738106F0}"/>
+          </ac:picMkLst>
+        </pc:picChg>
+        <pc:picChg chg="add del mod modCrop">
+          <ac:chgData name="Fatima Pillosu" userId="a6295d4dc9e22643" providerId="LiveId" clId="{E4EB9531-B35B-4F76-8762-A23C9D2F4928}" dt="2023-11-08T22:36:19.888" v="469" actId="21"/>
+          <ac:picMkLst>
+            <pc:docMk/>
+            <pc:sldMk cId="3728957230" sldId="257"/>
+            <ac:picMk id="7" creationId="{B6D9A484-A5BD-2796-D426-5C0A0B0139C7}"/>
+          </ac:picMkLst>
+        </pc:picChg>
+        <pc:picChg chg="add del mod modCrop">
+          <ac:chgData name="Fatima Pillosu" userId="a6295d4dc9e22643" providerId="LiveId" clId="{E4EB9531-B35B-4F76-8762-A23C9D2F4928}" dt="2023-11-08T22:36:19.888" v="469" actId="21"/>
+          <ac:picMkLst>
+            <pc:docMk/>
+            <pc:sldMk cId="3728957230" sldId="257"/>
+            <ac:picMk id="9" creationId="{5B34E00C-6ADF-3450-0A3A-7E56188A5835}"/>
+          </ac:picMkLst>
+        </pc:picChg>
+        <pc:picChg chg="add del mod modCrop">
+          <ac:chgData name="Fatima Pillosu" userId="a6295d4dc9e22643" providerId="LiveId" clId="{E4EB9531-B35B-4F76-8762-A23C9D2F4928}" dt="2023-11-08T22:36:19.888" v="469" actId="21"/>
+          <ac:picMkLst>
+            <pc:docMk/>
+            <pc:sldMk cId="3728957230" sldId="257"/>
+            <ac:picMk id="11" creationId="{B3A75781-8123-2362-881B-D90F4CF49D63}"/>
+          </ac:picMkLst>
+        </pc:picChg>
       </pc:sldChg>
     </pc:docChg>
   </pc:docChgLst>
@@ -2664,7 +2751,7 @@
           <a:p>
             <a:fld id="{BE66BE40-8B0C-4A52-BD4D-0C8256116241}" type="datetimeFigureOut">
               <a:rPr lang="en-GB" smtClean="0"/>
-              <a:t>06/11/2023</a:t>
+              <a:t>08/11/2023</a:t>
             </a:fld>
             <a:endParaRPr lang="en-GB"/>
           </a:p>
@@ -2834,7 +2921,7 @@
           <a:p>
             <a:fld id="{BE66BE40-8B0C-4A52-BD4D-0C8256116241}" type="datetimeFigureOut">
               <a:rPr lang="en-GB" smtClean="0"/>
-              <a:t>06/11/2023</a:t>
+              <a:t>08/11/2023</a:t>
             </a:fld>
             <a:endParaRPr lang="en-GB"/>
           </a:p>
@@ -3014,7 +3101,7 @@
           <a:p>
             <a:fld id="{BE66BE40-8B0C-4A52-BD4D-0C8256116241}" type="datetimeFigureOut">
               <a:rPr lang="en-GB" smtClean="0"/>
-              <a:t>06/11/2023</a:t>
+              <a:t>08/11/2023</a:t>
             </a:fld>
             <a:endParaRPr lang="en-GB"/>
           </a:p>
@@ -3184,7 +3271,7 @@
           <a:p>
             <a:fld id="{BE66BE40-8B0C-4A52-BD4D-0C8256116241}" type="datetimeFigureOut">
               <a:rPr lang="en-GB" smtClean="0"/>
-              <a:t>06/11/2023</a:t>
+              <a:t>08/11/2023</a:t>
             </a:fld>
             <a:endParaRPr lang="en-GB"/>
           </a:p>
@@ -3428,7 +3515,7 @@
           <a:p>
             <a:fld id="{BE66BE40-8B0C-4A52-BD4D-0C8256116241}" type="datetimeFigureOut">
               <a:rPr lang="en-GB" smtClean="0"/>
-              <a:t>06/11/2023</a:t>
+              <a:t>08/11/2023</a:t>
             </a:fld>
             <a:endParaRPr lang="en-GB"/>
           </a:p>
@@ -3660,7 +3747,7 @@
           <a:p>
             <a:fld id="{BE66BE40-8B0C-4A52-BD4D-0C8256116241}" type="datetimeFigureOut">
               <a:rPr lang="en-GB" smtClean="0"/>
-              <a:t>06/11/2023</a:t>
+              <a:t>08/11/2023</a:t>
             </a:fld>
             <a:endParaRPr lang="en-GB"/>
           </a:p>
@@ -4027,7 +4114,7 @@
           <a:p>
             <a:fld id="{BE66BE40-8B0C-4A52-BD4D-0C8256116241}" type="datetimeFigureOut">
               <a:rPr lang="en-GB" smtClean="0"/>
-              <a:t>06/11/2023</a:t>
+              <a:t>08/11/2023</a:t>
             </a:fld>
             <a:endParaRPr lang="en-GB"/>
           </a:p>
@@ -4145,7 +4232,7 @@
           <a:p>
             <a:fld id="{BE66BE40-8B0C-4A52-BD4D-0C8256116241}" type="datetimeFigureOut">
               <a:rPr lang="en-GB" smtClean="0"/>
-              <a:t>06/11/2023</a:t>
+              <a:t>08/11/2023</a:t>
             </a:fld>
             <a:endParaRPr lang="en-GB"/>
           </a:p>
@@ -4240,7 +4327,7 @@
           <a:p>
             <a:fld id="{BE66BE40-8B0C-4A52-BD4D-0C8256116241}" type="datetimeFigureOut">
               <a:rPr lang="en-GB" smtClean="0"/>
-              <a:t>06/11/2023</a:t>
+              <a:t>08/11/2023</a:t>
             </a:fld>
             <a:endParaRPr lang="en-GB"/>
           </a:p>
@@ -4517,7 +4604,7 @@
           <a:p>
             <a:fld id="{BE66BE40-8B0C-4A52-BD4D-0C8256116241}" type="datetimeFigureOut">
               <a:rPr lang="en-GB" smtClean="0"/>
-              <a:t>06/11/2023</a:t>
+              <a:t>08/11/2023</a:t>
             </a:fld>
             <a:endParaRPr lang="en-GB"/>
           </a:p>
@@ -4774,7 +4861,7 @@
           <a:p>
             <a:fld id="{BE66BE40-8B0C-4A52-BD4D-0C8256116241}" type="datetimeFigureOut">
               <a:rPr lang="en-GB" smtClean="0"/>
-              <a:t>06/11/2023</a:t>
+              <a:t>08/11/2023</a:t>
             </a:fld>
             <a:endParaRPr lang="en-GB"/>
           </a:p>
@@ -4987,7 +5074,7 @@
           <a:p>
             <a:fld id="{BE66BE40-8B0C-4A52-BD4D-0C8256116241}" type="datetimeFigureOut">
               <a:rPr lang="en-GB" smtClean="0"/>
-              <a:t>06/11/2023</a:t>
+              <a:t>08/11/2023</a:t>
             </a:fld>
             <a:endParaRPr lang="en-GB"/>
           </a:p>
@@ -5462,146 +5549,6 @@
           </a:prstGeom>
         </p:spPr>
       </p:pic>
-      <p:pic>
-        <p:nvPicPr>
-          <p:cNvPr id="6" name="Picture 7" descr="A map of the weather&#10;&#10;Description automatically generated">
-            <a:extLst>
-              <a:ext uri="{FF2B5EF4-FFF2-40B4-BE49-F238E27FC236}">
-                <a16:creationId xmlns:a16="http://schemas.microsoft.com/office/drawing/2014/main" id="{BF1C67DD-E253-D4B6-4E28-390727A5F0B0}"/>
-              </a:ext>
-            </a:extLst>
-          </p:cNvPr>
-          <p:cNvPicPr>
-            <a:picLocks noChangeAspect="1"/>
-          </p:cNvPicPr>
-          <p:nvPr/>
-        </p:nvPicPr>
-        <p:blipFill rotWithShape="1">
-          <a:blip r:embed="rId4">
-            <a:extLst>
-              <a:ext uri="{28A0092B-C50C-407E-A947-70E740481C1C}">
-                <a14:useLocalDpi xmlns:a14="http://schemas.microsoft.com/office/drawing/2010/main" val="0"/>
-              </a:ext>
-            </a:extLst>
-          </a:blip>
-          <a:srcRect l="7412" t="16886" r="39717" b="4618"/>
-          <a:stretch/>
-        </p:blipFill>
-        <p:spPr>
-          <a:xfrm>
-            <a:off x="5096596" y="1808529"/>
-            <a:ext cx="1353680" cy="1421947"/>
-          </a:xfrm>
-          <a:prstGeom prst="rect">
-            <a:avLst/>
-          </a:prstGeom>
-        </p:spPr>
-      </p:pic>
-      <p:pic>
-        <p:nvPicPr>
-          <p:cNvPr id="12" name="Picture 8" descr="A map of the weather&#10;&#10;Description automatically generated">
-            <a:extLst>
-              <a:ext uri="{FF2B5EF4-FFF2-40B4-BE49-F238E27FC236}">
-                <a16:creationId xmlns:a16="http://schemas.microsoft.com/office/drawing/2014/main" id="{DE7B9C16-A990-D9C3-F1B4-1D0E9D40B09B}"/>
-              </a:ext>
-            </a:extLst>
-          </p:cNvPr>
-          <p:cNvPicPr>
-            <a:picLocks noChangeAspect="1"/>
-          </p:cNvPicPr>
-          <p:nvPr/>
-        </p:nvPicPr>
-        <p:blipFill rotWithShape="1">
-          <a:blip r:embed="rId5">
-            <a:extLst>
-              <a:ext uri="{28A0092B-C50C-407E-A947-70E740481C1C}">
-                <a14:useLocalDpi xmlns:a14="http://schemas.microsoft.com/office/drawing/2010/main" val="0"/>
-              </a:ext>
-            </a:extLst>
-          </a:blip>
-          <a:srcRect l="7412" t="19688" r="39717" b="1816"/>
-          <a:stretch/>
-        </p:blipFill>
-        <p:spPr>
-          <a:xfrm>
-            <a:off x="5096595" y="3242286"/>
-            <a:ext cx="1353680" cy="1421948"/>
-          </a:xfrm>
-          <a:prstGeom prst="rect">
-            <a:avLst/>
-          </a:prstGeom>
-        </p:spPr>
-      </p:pic>
-      <p:pic>
-        <p:nvPicPr>
-          <p:cNvPr id="34" name="Picture 9" descr="A map of the weather&#10;&#10;Description automatically generated with medium confidence">
-            <a:extLst>
-              <a:ext uri="{FF2B5EF4-FFF2-40B4-BE49-F238E27FC236}">
-                <a16:creationId xmlns:a16="http://schemas.microsoft.com/office/drawing/2014/main" id="{74F9DAF7-BF60-D8FC-9548-B6928E06E782}"/>
-              </a:ext>
-            </a:extLst>
-          </p:cNvPr>
-          <p:cNvPicPr>
-            <a:picLocks noChangeAspect="1"/>
-          </p:cNvPicPr>
-          <p:nvPr/>
-        </p:nvPicPr>
-        <p:blipFill rotWithShape="1">
-          <a:blip r:embed="rId6">
-            <a:extLst>
-              <a:ext uri="{28A0092B-C50C-407E-A947-70E740481C1C}">
-                <a14:useLocalDpi xmlns:a14="http://schemas.microsoft.com/office/drawing/2010/main" val="0"/>
-              </a:ext>
-            </a:extLst>
-          </a:blip>
-          <a:srcRect l="4041" t="16886" r="42702" b="4618"/>
-          <a:stretch/>
-        </p:blipFill>
-        <p:spPr>
-          <a:xfrm>
-            <a:off x="3726410" y="1808529"/>
-            <a:ext cx="1363558" cy="1421947"/>
-          </a:xfrm>
-          <a:prstGeom prst="rect">
-            <a:avLst/>
-          </a:prstGeom>
-        </p:spPr>
-      </p:pic>
-      <p:pic>
-        <p:nvPicPr>
-          <p:cNvPr id="35" name="Picture 10" descr="A map of a weather forecast&#10;&#10;Description automatically generated">
-            <a:extLst>
-              <a:ext uri="{FF2B5EF4-FFF2-40B4-BE49-F238E27FC236}">
-                <a16:creationId xmlns:a16="http://schemas.microsoft.com/office/drawing/2014/main" id="{70AA2EBD-7C91-2DF7-3629-C8114A7C2ACE}"/>
-              </a:ext>
-            </a:extLst>
-          </p:cNvPr>
-          <p:cNvPicPr>
-            <a:picLocks noChangeAspect="1"/>
-          </p:cNvPicPr>
-          <p:nvPr/>
-        </p:nvPicPr>
-        <p:blipFill rotWithShape="1">
-          <a:blip r:embed="rId7">
-            <a:extLst>
-              <a:ext uri="{28A0092B-C50C-407E-A947-70E740481C1C}">
-                <a14:useLocalDpi xmlns:a14="http://schemas.microsoft.com/office/drawing/2010/main" val="0"/>
-              </a:ext>
-            </a:extLst>
-          </a:blip>
-          <a:srcRect l="4043" t="19688" r="42702" b="1816"/>
-          <a:stretch/>
-        </p:blipFill>
-        <p:spPr>
-          <a:xfrm>
-            <a:off x="3726410" y="3242286"/>
-            <a:ext cx="1363558" cy="1421947"/>
-          </a:xfrm>
-          <a:prstGeom prst="rect">
-            <a:avLst/>
-          </a:prstGeom>
-        </p:spPr>
-      </p:pic>
       <p:grpSp>
         <p:nvGrpSpPr>
           <p:cNvPr id="36" name="Group 126">
@@ -5637,13 +5584,13 @@
             <p:nvPr/>
           </p:nvPicPr>
           <p:blipFill rotWithShape="1">
-            <a:blip r:embed="rId8">
+            <a:blip r:embed="rId4">
               <a:extLst>
                 <a:ext uri="{28A0092B-C50C-407E-A947-70E740481C1C}">
                   <a14:useLocalDpi xmlns:a14="http://schemas.microsoft.com/office/drawing/2010/main" val="0"/>
                 </a:ext>
                 <a:ext uri="{96DAC541-7B7A-43D3-8B79-37D633B846F1}">
-                  <asvg:svgBlip xmlns:asvg="http://schemas.microsoft.com/office/drawing/2016/SVG/main" r:embed="rId9"/>
+                  <asvg:svgBlip xmlns:asvg="http://schemas.microsoft.com/office/drawing/2016/SVG/main" r:embed="rId5"/>
                 </a:ext>
               </a:extLst>
             </a:blip>
@@ -9716,528 +9663,6 @@
       </p:sp>
       <p:sp>
         <p:nvSpPr>
-          <p:cNvPr id="149" name="TextBox 115">
-            <a:extLst>
-              <a:ext uri="{FF2B5EF4-FFF2-40B4-BE49-F238E27FC236}">
-                <a16:creationId xmlns:a16="http://schemas.microsoft.com/office/drawing/2014/main" id="{B2D9AE0E-D7BB-624F-E92F-9B8205F1044A}"/>
-              </a:ext>
-            </a:extLst>
-          </p:cNvPr>
-          <p:cNvSpPr txBox="1"/>
-          <p:nvPr/>
-        </p:nvSpPr>
-        <p:spPr>
-          <a:xfrm rot="16200000">
-            <a:off x="3120763" y="2436366"/>
-            <a:ext cx="903388" cy="215444"/>
-          </a:xfrm>
-          <a:prstGeom prst="rect">
-            <a:avLst/>
-          </a:prstGeom>
-          <a:noFill/>
-          <a:ln w="3175">
-            <a:solidFill>
-              <a:schemeClr val="tx1">
-                <a:lumMod val="75000"/>
-                <a:lumOff val="25000"/>
-              </a:schemeClr>
-            </a:solidFill>
-          </a:ln>
-        </p:spPr>
-        <p:txBody>
-          <a:bodyPr wrap="square" rtlCol="0">
-            <a:spAutoFit/>
-          </a:bodyPr>
-          <a:lstStyle/>
-          <a:p>
-            <a:pPr algn="ctr"/>
-            <a:r>
-              <a:rPr lang="en-GB" sz="800" dirty="0">
-                <a:solidFill>
-                  <a:schemeClr val="tx1">
-                    <a:lumMod val="75000"/>
-                    <a:lumOff val="25000"/>
-                  </a:schemeClr>
-                </a:solidFill>
-              </a:rPr>
-              <a:t>T+60, Nighttime</a:t>
-            </a:r>
-          </a:p>
-        </p:txBody>
-      </p:sp>
-      <p:sp>
-        <p:nvSpPr>
-          <p:cNvPr id="171" name="TextBox 116">
-            <a:extLst>
-              <a:ext uri="{FF2B5EF4-FFF2-40B4-BE49-F238E27FC236}">
-                <a16:creationId xmlns:a16="http://schemas.microsoft.com/office/drawing/2014/main" id="{D25BDD5B-14E5-0149-483D-A4306A0EC11C}"/>
-              </a:ext>
-            </a:extLst>
-          </p:cNvPr>
-          <p:cNvSpPr txBox="1"/>
-          <p:nvPr/>
-        </p:nvSpPr>
-        <p:spPr>
-          <a:xfrm rot="16200000">
-            <a:off x="3120762" y="3818600"/>
-            <a:ext cx="903388" cy="215444"/>
-          </a:xfrm>
-          <a:prstGeom prst="rect">
-            <a:avLst/>
-          </a:prstGeom>
-          <a:noFill/>
-          <a:ln w="3175">
-            <a:solidFill>
-              <a:schemeClr val="tx1">
-                <a:lumMod val="75000"/>
-                <a:lumOff val="25000"/>
-              </a:schemeClr>
-            </a:solidFill>
-          </a:ln>
-        </p:spPr>
-        <p:txBody>
-          <a:bodyPr wrap="square" rtlCol="0">
-            <a:spAutoFit/>
-          </a:bodyPr>
-          <a:lstStyle/>
-          <a:p>
-            <a:pPr algn="ctr"/>
-            <a:r>
-              <a:rPr lang="en-GB" sz="800" dirty="0">
-                <a:solidFill>
-                  <a:schemeClr val="tx1">
-                    <a:lumMod val="75000"/>
-                    <a:lumOff val="25000"/>
-                  </a:schemeClr>
-                </a:solidFill>
-              </a:rPr>
-              <a:t>T+72, Daytime</a:t>
-            </a:r>
-          </a:p>
-        </p:txBody>
-      </p:sp>
-      <p:sp>
-        <p:nvSpPr>
-          <p:cNvPr id="183" name="TextBox 113">
-            <a:extLst>
-              <a:ext uri="{FF2B5EF4-FFF2-40B4-BE49-F238E27FC236}">
-                <a16:creationId xmlns:a16="http://schemas.microsoft.com/office/drawing/2014/main" id="{A453E47F-3351-19E4-61A6-33A31FA0DB01}"/>
-              </a:ext>
-            </a:extLst>
-          </p:cNvPr>
-          <p:cNvSpPr txBox="1"/>
-          <p:nvPr/>
-        </p:nvSpPr>
-        <p:spPr>
-          <a:xfrm>
-            <a:off x="5435260" y="1549591"/>
-            <a:ext cx="598437" cy="215444"/>
-          </a:xfrm>
-          <a:prstGeom prst="rect">
-            <a:avLst/>
-          </a:prstGeom>
-          <a:noFill/>
-          <a:ln w="3175">
-            <a:solidFill>
-              <a:schemeClr val="tx1">
-                <a:lumMod val="75000"/>
-                <a:lumOff val="25000"/>
-              </a:schemeClr>
-            </a:solidFill>
-          </a:ln>
-        </p:spPr>
-        <p:txBody>
-          <a:bodyPr wrap="square" rtlCol="0">
-            <a:spAutoFit/>
-          </a:bodyPr>
-          <a:lstStyle/>
-          <a:p>
-            <a:pPr algn="ctr"/>
-            <a:r>
-              <a:rPr lang="en-GB" sz="800" dirty="0">
-                <a:solidFill>
-                  <a:schemeClr val="tx1">
-                    <a:lumMod val="75000"/>
-                    <a:lumOff val="25000"/>
-                  </a:schemeClr>
-                </a:solidFill>
-              </a:rPr>
-              <a:t>ecPoint</a:t>
-            </a:r>
-          </a:p>
-        </p:txBody>
-      </p:sp>
-      <p:sp>
-        <p:nvSpPr>
-          <p:cNvPr id="184" name="TextBox 117">
-            <a:extLst>
-              <a:ext uri="{FF2B5EF4-FFF2-40B4-BE49-F238E27FC236}">
-                <a16:creationId xmlns:a16="http://schemas.microsoft.com/office/drawing/2014/main" id="{06B4CEE1-3430-9BA3-6998-16C2EBB3D9B0}"/>
-              </a:ext>
-            </a:extLst>
-          </p:cNvPr>
-          <p:cNvSpPr txBox="1"/>
-          <p:nvPr/>
-        </p:nvSpPr>
-        <p:spPr>
-          <a:xfrm>
-            <a:off x="4147931" y="1554891"/>
-            <a:ext cx="598437" cy="215444"/>
-          </a:xfrm>
-          <a:prstGeom prst="rect">
-            <a:avLst/>
-          </a:prstGeom>
-          <a:noFill/>
-          <a:ln w="3175">
-            <a:solidFill>
-              <a:schemeClr val="tx1">
-                <a:lumMod val="75000"/>
-                <a:lumOff val="25000"/>
-              </a:schemeClr>
-            </a:solidFill>
-          </a:ln>
-        </p:spPr>
-        <p:txBody>
-          <a:bodyPr wrap="square" rtlCol="0">
-            <a:spAutoFit/>
-          </a:bodyPr>
-          <a:lstStyle/>
-          <a:p>
-            <a:pPr algn="ctr"/>
-            <a:r>
-              <a:rPr lang="en-GB" sz="800" dirty="0">
-                <a:solidFill>
-                  <a:schemeClr val="tx1">
-                    <a:lumMod val="75000"/>
-                    <a:lumOff val="25000"/>
-                  </a:schemeClr>
-                </a:solidFill>
-              </a:rPr>
-              <a:t>ENS</a:t>
-            </a:r>
-          </a:p>
-        </p:txBody>
-      </p:sp>
-      <p:sp>
-        <p:nvSpPr>
-          <p:cNvPr id="185" name="TextBox 238">
-            <a:extLst>
-              <a:ext uri="{FF2B5EF4-FFF2-40B4-BE49-F238E27FC236}">
-                <a16:creationId xmlns:a16="http://schemas.microsoft.com/office/drawing/2014/main" id="{B5948A02-D18B-5E23-304A-5AB957798DB1}"/>
-              </a:ext>
-            </a:extLst>
-          </p:cNvPr>
-          <p:cNvSpPr txBox="1"/>
-          <p:nvPr/>
-        </p:nvSpPr>
-        <p:spPr>
-          <a:xfrm>
-            <a:off x="4839455" y="2979262"/>
-            <a:ext cx="216000" cy="215444"/>
-          </a:xfrm>
-          <a:prstGeom prst="rect">
-            <a:avLst/>
-          </a:prstGeom>
-          <a:solidFill>
-            <a:schemeClr val="bg1"/>
-          </a:solidFill>
-          <a:ln w="3175">
-            <a:solidFill>
-              <a:schemeClr val="tx1">
-                <a:lumMod val="75000"/>
-                <a:lumOff val="25000"/>
-              </a:schemeClr>
-            </a:solidFill>
-          </a:ln>
-        </p:spPr>
-        <p:txBody>
-          <a:bodyPr wrap="square" rtlCol="0">
-            <a:spAutoFit/>
-          </a:bodyPr>
-          <a:lstStyle/>
-          <a:p>
-            <a:r>
-              <a:rPr lang="en-GB" sz="800" dirty="0">
-                <a:solidFill>
-                  <a:schemeClr val="tx1">
-                    <a:lumMod val="75000"/>
-                    <a:lumOff val="25000"/>
-                  </a:schemeClr>
-                </a:solidFill>
-              </a:rPr>
-              <a:t>c</a:t>
-            </a:r>
-          </a:p>
-        </p:txBody>
-      </p:sp>
-      <p:sp>
-        <p:nvSpPr>
-          <p:cNvPr id="186" name="TextBox 239">
-            <a:extLst>
-              <a:ext uri="{FF2B5EF4-FFF2-40B4-BE49-F238E27FC236}">
-                <a16:creationId xmlns:a16="http://schemas.microsoft.com/office/drawing/2014/main" id="{18AFC9C9-ED8B-D886-DAC0-623CF8736934}"/>
-              </a:ext>
-            </a:extLst>
-          </p:cNvPr>
-          <p:cNvSpPr txBox="1"/>
-          <p:nvPr/>
-        </p:nvSpPr>
-        <p:spPr>
-          <a:xfrm>
-            <a:off x="6123446" y="2979262"/>
-            <a:ext cx="216000" cy="215444"/>
-          </a:xfrm>
-          <a:prstGeom prst="rect">
-            <a:avLst/>
-          </a:prstGeom>
-          <a:solidFill>
-            <a:schemeClr val="bg1"/>
-          </a:solidFill>
-          <a:ln w="3175">
-            <a:solidFill>
-              <a:schemeClr val="tx1">
-                <a:lumMod val="75000"/>
-                <a:lumOff val="25000"/>
-              </a:schemeClr>
-            </a:solidFill>
-          </a:ln>
-        </p:spPr>
-        <p:txBody>
-          <a:bodyPr wrap="square" rtlCol="0">
-            <a:spAutoFit/>
-          </a:bodyPr>
-          <a:lstStyle/>
-          <a:p>
-            <a:r>
-              <a:rPr lang="en-GB" sz="800" dirty="0">
-                <a:solidFill>
-                  <a:schemeClr val="tx1">
-                    <a:lumMod val="75000"/>
-                    <a:lumOff val="25000"/>
-                  </a:schemeClr>
-                </a:solidFill>
-              </a:rPr>
-              <a:t>e</a:t>
-            </a:r>
-          </a:p>
-        </p:txBody>
-      </p:sp>
-      <p:sp>
-        <p:nvSpPr>
-          <p:cNvPr id="187" name="TextBox 240">
-            <a:extLst>
-              <a:ext uri="{FF2B5EF4-FFF2-40B4-BE49-F238E27FC236}">
-                <a16:creationId xmlns:a16="http://schemas.microsoft.com/office/drawing/2014/main" id="{35202108-D28B-BD0D-CB90-3B190EAE4087}"/>
-              </a:ext>
-            </a:extLst>
-          </p:cNvPr>
-          <p:cNvSpPr txBox="1"/>
-          <p:nvPr/>
-        </p:nvSpPr>
-        <p:spPr>
-          <a:xfrm>
-            <a:off x="4839455" y="4362617"/>
-            <a:ext cx="216000" cy="215444"/>
-          </a:xfrm>
-          <a:prstGeom prst="rect">
-            <a:avLst/>
-          </a:prstGeom>
-          <a:solidFill>
-            <a:schemeClr val="bg1"/>
-          </a:solidFill>
-          <a:ln w="3175">
-            <a:solidFill>
-              <a:schemeClr val="tx1">
-                <a:lumMod val="75000"/>
-                <a:lumOff val="25000"/>
-              </a:schemeClr>
-            </a:solidFill>
-          </a:ln>
-        </p:spPr>
-        <p:txBody>
-          <a:bodyPr wrap="square" rtlCol="0">
-            <a:spAutoFit/>
-          </a:bodyPr>
-          <a:lstStyle/>
-          <a:p>
-            <a:r>
-              <a:rPr lang="en-US" sz="800" dirty="0">
-                <a:solidFill>
-                  <a:schemeClr val="tx1">
-                    <a:lumMod val="75000"/>
-                    <a:lumOff val="25000"/>
-                  </a:schemeClr>
-                </a:solidFill>
-              </a:rPr>
-              <a:t>d</a:t>
-            </a:r>
-            <a:endParaRPr lang="en-GB" sz="800" dirty="0">
-              <a:solidFill>
-                <a:schemeClr val="tx1">
-                  <a:lumMod val="75000"/>
-                  <a:lumOff val="25000"/>
-                </a:schemeClr>
-              </a:solidFill>
-            </a:endParaRPr>
-          </a:p>
-        </p:txBody>
-      </p:sp>
-      <p:sp>
-        <p:nvSpPr>
-          <p:cNvPr id="188" name="TextBox 241">
-            <a:extLst>
-              <a:ext uri="{FF2B5EF4-FFF2-40B4-BE49-F238E27FC236}">
-                <a16:creationId xmlns:a16="http://schemas.microsoft.com/office/drawing/2014/main" id="{16140944-A7C1-A32B-8390-D386B3C88A3C}"/>
-              </a:ext>
-            </a:extLst>
-          </p:cNvPr>
-          <p:cNvSpPr txBox="1"/>
-          <p:nvPr/>
-        </p:nvSpPr>
-        <p:spPr>
-          <a:xfrm>
-            <a:off x="6123446" y="4362617"/>
-            <a:ext cx="216000" cy="215444"/>
-          </a:xfrm>
-          <a:prstGeom prst="rect">
-            <a:avLst/>
-          </a:prstGeom>
-          <a:solidFill>
-            <a:schemeClr val="bg1"/>
-          </a:solidFill>
-          <a:ln w="3175">
-            <a:solidFill>
-              <a:schemeClr val="tx1">
-                <a:lumMod val="75000"/>
-                <a:lumOff val="25000"/>
-              </a:schemeClr>
-            </a:solidFill>
-          </a:ln>
-        </p:spPr>
-        <p:txBody>
-          <a:bodyPr wrap="square" rtlCol="0">
-            <a:spAutoFit/>
-          </a:bodyPr>
-          <a:lstStyle/>
-          <a:p>
-            <a:r>
-              <a:rPr lang="en-GB" sz="800" dirty="0">
-                <a:solidFill>
-                  <a:schemeClr val="tx1">
-                    <a:lumMod val="75000"/>
-                    <a:lumOff val="25000"/>
-                  </a:schemeClr>
-                </a:solidFill>
-              </a:rPr>
-              <a:t>f</a:t>
-            </a:r>
-          </a:p>
-        </p:txBody>
-      </p:sp>
-      <p:sp>
-        <p:nvSpPr>
-          <p:cNvPr id="189" name="Oval 242">
-            <a:extLst>
-              <a:ext uri="{FF2B5EF4-FFF2-40B4-BE49-F238E27FC236}">
-                <a16:creationId xmlns:a16="http://schemas.microsoft.com/office/drawing/2014/main" id="{1D92883C-F747-A861-D0CF-F992EF569F00}"/>
-              </a:ext>
-            </a:extLst>
-          </p:cNvPr>
-          <p:cNvSpPr/>
-          <p:nvPr/>
-        </p:nvSpPr>
-        <p:spPr>
-          <a:xfrm>
-            <a:off x="5007886" y="656008"/>
-            <a:ext cx="36000" cy="36000"/>
-          </a:xfrm>
-          <a:prstGeom prst="ellipse">
-            <a:avLst/>
-          </a:prstGeom>
-          <a:solidFill>
-            <a:schemeClr val="tx1"/>
-          </a:solidFill>
-          <a:ln>
-            <a:noFill/>
-          </a:ln>
-        </p:spPr>
-        <p:style>
-          <a:lnRef idx="2">
-            <a:schemeClr val="accent1">
-              <a:shade val="50000"/>
-            </a:schemeClr>
-          </a:lnRef>
-          <a:fillRef idx="1">
-            <a:schemeClr val="accent1"/>
-          </a:fillRef>
-          <a:effectRef idx="0">
-            <a:schemeClr val="accent1"/>
-          </a:effectRef>
-          <a:fontRef idx="minor">
-            <a:schemeClr val="lt1"/>
-          </a:fontRef>
-        </p:style>
-        <p:txBody>
-          <a:bodyPr rtlCol="0" anchor="ctr"/>
-          <a:lstStyle/>
-          <a:p>
-            <a:pPr algn="ctr"/>
-            <a:endParaRPr lang="en-GB" dirty="0">
-              <a:solidFill>
-                <a:schemeClr val="tx1">
-                  <a:lumMod val="75000"/>
-                  <a:lumOff val="25000"/>
-                </a:schemeClr>
-              </a:solidFill>
-            </a:endParaRPr>
-          </a:p>
-        </p:txBody>
-      </p:sp>
-      <p:sp>
-        <p:nvSpPr>
-          <p:cNvPr id="190" name="TextBox 2106">
-            <a:extLst>
-              <a:ext uri="{FF2B5EF4-FFF2-40B4-BE49-F238E27FC236}">
-                <a16:creationId xmlns:a16="http://schemas.microsoft.com/office/drawing/2014/main" id="{1350C275-A6B7-25AF-80F7-AA1FB58163C2}"/>
-              </a:ext>
-            </a:extLst>
-          </p:cNvPr>
-          <p:cNvSpPr txBox="1"/>
-          <p:nvPr/>
-        </p:nvSpPr>
-        <p:spPr>
-          <a:xfrm>
-            <a:off x="3667140" y="686686"/>
-            <a:ext cx="2717492" cy="215444"/>
-          </a:xfrm>
-          <a:prstGeom prst="rect">
-            <a:avLst/>
-          </a:prstGeom>
-          <a:noFill/>
-        </p:spPr>
-        <p:txBody>
-          <a:bodyPr wrap="square" rtlCol="0">
-            <a:spAutoFit/>
-          </a:bodyPr>
-          <a:lstStyle/>
-          <a:p>
-            <a:pPr algn="ctr"/>
-            <a:r>
-              <a:rPr lang="en-GB" sz="800" dirty="0">
-                <a:solidFill>
-                  <a:schemeClr val="tx1">
-                    <a:lumMod val="75000"/>
-                    <a:lumOff val="25000"/>
-                  </a:schemeClr>
-                </a:solidFill>
-              </a:rPr>
-              <a:t>Location of rain gauges in “La Costa” and “La Sierra”</a:t>
-            </a:r>
-          </a:p>
-        </p:txBody>
-      </p:sp>
-      <p:sp>
-        <p:nvSpPr>
           <p:cNvPr id="191" name="TextBox 244">
             <a:extLst>
               <a:ext uri="{FF2B5EF4-FFF2-40B4-BE49-F238E27FC236}">
@@ -11815,7 +11240,7 @@
                   </a:schemeClr>
                 </a:solidFill>
               </a:rPr>
-              <a:t>2020’s 12-hourly rainfall average</a:t>
+              <a:t>Average of 2020’s 12-hourly rainfall</a:t>
             </a:r>
           </a:p>
         </p:txBody>
@@ -11929,6 +11354,566 @@
                 </a:schemeClr>
               </a:solidFill>
             </a:endParaRPr>
+          </a:p>
+        </p:txBody>
+      </p:sp>
+      <p:pic>
+        <p:nvPicPr>
+          <p:cNvPr id="2" name="Immagine 1" descr="Immagine che contiene testo, diagramma, schermata, linea&#10;&#10;Descrizione generata automaticamente">
+            <a:extLst>
+              <a:ext uri="{FF2B5EF4-FFF2-40B4-BE49-F238E27FC236}">
+                <a16:creationId xmlns:a16="http://schemas.microsoft.com/office/drawing/2014/main" id="{EDC92F73-5EDE-AEE4-BC75-0B0EE9B0CB52}"/>
+              </a:ext>
+            </a:extLst>
+          </p:cNvPr>
+          <p:cNvPicPr>
+            <a:picLocks noChangeAspect="1"/>
+          </p:cNvPicPr>
+          <p:nvPr/>
+        </p:nvPicPr>
+        <p:blipFill rotWithShape="1">
+          <a:blip r:embed="rId6">
+            <a:extLst>
+              <a:ext uri="{28A0092B-C50C-407E-A947-70E740481C1C}">
+                <a14:useLocalDpi xmlns:a14="http://schemas.microsoft.com/office/drawing/2010/main" val="0"/>
+              </a:ext>
+            </a:extLst>
+          </a:blip>
+          <a:srcRect l="7271" t="16915" r="39657" b="4407"/>
+          <a:stretch/>
+        </p:blipFill>
+        <p:spPr>
+          <a:xfrm>
+            <a:off x="5140888" y="1818365"/>
+            <a:ext cx="1300804" cy="1364400"/>
+          </a:xfrm>
+          <a:prstGeom prst="rect">
+            <a:avLst/>
+          </a:prstGeom>
+        </p:spPr>
+      </p:pic>
+      <p:pic>
+        <p:nvPicPr>
+          <p:cNvPr id="5" name="Immagine 4" descr="Immagine che contiene testo, schermata, diagramma, linea&#10;&#10;Descrizione generata automaticamente">
+            <a:extLst>
+              <a:ext uri="{FF2B5EF4-FFF2-40B4-BE49-F238E27FC236}">
+                <a16:creationId xmlns:a16="http://schemas.microsoft.com/office/drawing/2014/main" id="{F4BBE349-03C5-ABDC-674E-DBEE4E686C32}"/>
+              </a:ext>
+            </a:extLst>
+          </p:cNvPr>
+          <p:cNvPicPr>
+            <a:picLocks noChangeAspect="1"/>
+          </p:cNvPicPr>
+          <p:nvPr/>
+        </p:nvPicPr>
+        <p:blipFill rotWithShape="1">
+          <a:blip r:embed="rId7">
+            <a:extLst>
+              <a:ext uri="{28A0092B-C50C-407E-A947-70E740481C1C}">
+                <a14:useLocalDpi xmlns:a14="http://schemas.microsoft.com/office/drawing/2010/main" val="0"/>
+              </a:ext>
+            </a:extLst>
+          </a:blip>
+          <a:srcRect l="7271" t="19149" r="39657" b="2173"/>
+          <a:stretch/>
+        </p:blipFill>
+        <p:spPr>
+          <a:xfrm>
+            <a:off x="5140888" y="3192896"/>
+            <a:ext cx="1300804" cy="1364400"/>
+          </a:xfrm>
+          <a:prstGeom prst="rect">
+            <a:avLst/>
+          </a:prstGeom>
+        </p:spPr>
+      </p:pic>
+      <p:pic>
+        <p:nvPicPr>
+          <p:cNvPr id="7" name="Immagine 6" descr="Immagine che contiene testo, schermata, diagramma, Policromia&#10;&#10;Descrizione generata automaticamente">
+            <a:extLst>
+              <a:ext uri="{FF2B5EF4-FFF2-40B4-BE49-F238E27FC236}">
+                <a16:creationId xmlns:a16="http://schemas.microsoft.com/office/drawing/2014/main" id="{32449396-FC05-D33F-7D1F-EE4676157768}"/>
+              </a:ext>
+            </a:extLst>
+          </p:cNvPr>
+          <p:cNvPicPr>
+            <a:picLocks noChangeAspect="1"/>
+          </p:cNvPicPr>
+          <p:nvPr/>
+        </p:nvPicPr>
+        <p:blipFill rotWithShape="1">
+          <a:blip r:embed="rId8">
+            <a:extLst>
+              <a:ext uri="{28A0092B-C50C-407E-A947-70E740481C1C}">
+                <a14:useLocalDpi xmlns:a14="http://schemas.microsoft.com/office/drawing/2010/main" val="0"/>
+              </a:ext>
+            </a:extLst>
+          </a:blip>
+          <a:srcRect l="3785" t="16915" r="42564" b="4407"/>
+          <a:stretch/>
+        </p:blipFill>
+        <p:spPr>
+          <a:xfrm>
+            <a:off x="3808263" y="1818365"/>
+            <a:ext cx="1315011" cy="1364400"/>
+          </a:xfrm>
+          <a:prstGeom prst="rect">
+            <a:avLst/>
+          </a:prstGeom>
+        </p:spPr>
+      </p:pic>
+      <p:pic>
+        <p:nvPicPr>
+          <p:cNvPr id="8" name="Immagine 7" descr="Immagine che contiene testo, diagramma, schermata, Policromia&#10;&#10;Descrizione generata automaticamente">
+            <a:extLst>
+              <a:ext uri="{FF2B5EF4-FFF2-40B4-BE49-F238E27FC236}">
+                <a16:creationId xmlns:a16="http://schemas.microsoft.com/office/drawing/2014/main" id="{33243045-1C82-47E1-8D1F-A571BAAB13A7}"/>
+              </a:ext>
+            </a:extLst>
+          </p:cNvPr>
+          <p:cNvPicPr>
+            <a:picLocks noChangeAspect="1"/>
+          </p:cNvPicPr>
+          <p:nvPr/>
+        </p:nvPicPr>
+        <p:blipFill rotWithShape="1">
+          <a:blip r:embed="rId9">
+            <a:extLst>
+              <a:ext uri="{28A0092B-C50C-407E-A947-70E740481C1C}">
+                <a14:useLocalDpi xmlns:a14="http://schemas.microsoft.com/office/drawing/2010/main" val="0"/>
+              </a:ext>
+            </a:extLst>
+          </a:blip>
+          <a:srcRect l="3785" t="19149" r="42564" b="2173"/>
+          <a:stretch/>
+        </p:blipFill>
+        <p:spPr>
+          <a:xfrm>
+            <a:off x="3808263" y="3192896"/>
+            <a:ext cx="1315011" cy="1364400"/>
+          </a:xfrm>
+          <a:prstGeom prst="rect">
+            <a:avLst/>
+          </a:prstGeom>
+        </p:spPr>
+      </p:pic>
+      <p:sp>
+        <p:nvSpPr>
+          <p:cNvPr id="149" name="TextBox 115">
+            <a:extLst>
+              <a:ext uri="{FF2B5EF4-FFF2-40B4-BE49-F238E27FC236}">
+                <a16:creationId xmlns:a16="http://schemas.microsoft.com/office/drawing/2014/main" id="{B2D9AE0E-D7BB-624F-E92F-9B8205F1044A}"/>
+              </a:ext>
+            </a:extLst>
+          </p:cNvPr>
+          <p:cNvSpPr txBox="1"/>
+          <p:nvPr/>
+        </p:nvSpPr>
+        <p:spPr>
+          <a:xfrm rot="16200000">
+            <a:off x="3120763" y="2392844"/>
+            <a:ext cx="903388" cy="215444"/>
+          </a:xfrm>
+          <a:prstGeom prst="rect">
+            <a:avLst/>
+          </a:prstGeom>
+          <a:noFill/>
+          <a:ln w="3175">
+            <a:solidFill>
+              <a:schemeClr val="tx1">
+                <a:lumMod val="75000"/>
+                <a:lumOff val="25000"/>
+              </a:schemeClr>
+            </a:solidFill>
+          </a:ln>
+        </p:spPr>
+        <p:txBody>
+          <a:bodyPr wrap="square" rtlCol="0">
+            <a:spAutoFit/>
+          </a:bodyPr>
+          <a:lstStyle/>
+          <a:p>
+            <a:pPr algn="ctr"/>
+            <a:r>
+              <a:rPr lang="en-GB" sz="800" dirty="0">
+                <a:solidFill>
+                  <a:schemeClr val="tx1">
+                    <a:lumMod val="75000"/>
+                    <a:lumOff val="25000"/>
+                  </a:schemeClr>
+                </a:solidFill>
+              </a:rPr>
+              <a:t>T+60, Nighttime</a:t>
+            </a:r>
+          </a:p>
+        </p:txBody>
+      </p:sp>
+      <p:sp>
+        <p:nvSpPr>
+          <p:cNvPr id="171" name="TextBox 116">
+            <a:extLst>
+              <a:ext uri="{FF2B5EF4-FFF2-40B4-BE49-F238E27FC236}">
+                <a16:creationId xmlns:a16="http://schemas.microsoft.com/office/drawing/2014/main" id="{D25BDD5B-14E5-0149-483D-A4306A0EC11C}"/>
+              </a:ext>
+            </a:extLst>
+          </p:cNvPr>
+          <p:cNvSpPr txBox="1"/>
+          <p:nvPr/>
+        </p:nvSpPr>
+        <p:spPr>
+          <a:xfrm rot="16200000">
+            <a:off x="3120762" y="3767374"/>
+            <a:ext cx="903388" cy="215444"/>
+          </a:xfrm>
+          <a:prstGeom prst="rect">
+            <a:avLst/>
+          </a:prstGeom>
+          <a:noFill/>
+          <a:ln w="3175">
+            <a:solidFill>
+              <a:schemeClr val="tx1">
+                <a:lumMod val="75000"/>
+                <a:lumOff val="25000"/>
+              </a:schemeClr>
+            </a:solidFill>
+          </a:ln>
+        </p:spPr>
+        <p:txBody>
+          <a:bodyPr wrap="square" rtlCol="0">
+            <a:spAutoFit/>
+          </a:bodyPr>
+          <a:lstStyle/>
+          <a:p>
+            <a:pPr algn="ctr"/>
+            <a:r>
+              <a:rPr lang="en-GB" sz="800" dirty="0">
+                <a:solidFill>
+                  <a:schemeClr val="tx1">
+                    <a:lumMod val="75000"/>
+                    <a:lumOff val="25000"/>
+                  </a:schemeClr>
+                </a:solidFill>
+              </a:rPr>
+              <a:t>T+72, Daytime</a:t>
+            </a:r>
+          </a:p>
+        </p:txBody>
+      </p:sp>
+      <p:sp>
+        <p:nvSpPr>
+          <p:cNvPr id="183" name="TextBox 113">
+            <a:extLst>
+              <a:ext uri="{FF2B5EF4-FFF2-40B4-BE49-F238E27FC236}">
+                <a16:creationId xmlns:a16="http://schemas.microsoft.com/office/drawing/2014/main" id="{A453E47F-3351-19E4-61A6-33A31FA0DB01}"/>
+              </a:ext>
+            </a:extLst>
+          </p:cNvPr>
+          <p:cNvSpPr txBox="1"/>
+          <p:nvPr/>
+        </p:nvSpPr>
+        <p:spPr>
+          <a:xfrm>
+            <a:off x="5492072" y="1549591"/>
+            <a:ext cx="598437" cy="215444"/>
+          </a:xfrm>
+          <a:prstGeom prst="rect">
+            <a:avLst/>
+          </a:prstGeom>
+          <a:noFill/>
+          <a:ln w="3175">
+            <a:solidFill>
+              <a:schemeClr val="tx1">
+                <a:lumMod val="75000"/>
+                <a:lumOff val="25000"/>
+              </a:schemeClr>
+            </a:solidFill>
+          </a:ln>
+        </p:spPr>
+        <p:txBody>
+          <a:bodyPr wrap="square" rtlCol="0">
+            <a:spAutoFit/>
+          </a:bodyPr>
+          <a:lstStyle/>
+          <a:p>
+            <a:pPr algn="ctr"/>
+            <a:r>
+              <a:rPr lang="en-GB" sz="800" dirty="0">
+                <a:solidFill>
+                  <a:schemeClr val="tx1">
+                    <a:lumMod val="75000"/>
+                    <a:lumOff val="25000"/>
+                  </a:schemeClr>
+                </a:solidFill>
+              </a:rPr>
+              <a:t>ecPoint</a:t>
+            </a:r>
+          </a:p>
+        </p:txBody>
+      </p:sp>
+      <p:sp>
+        <p:nvSpPr>
+          <p:cNvPr id="184" name="TextBox 117">
+            <a:extLst>
+              <a:ext uri="{FF2B5EF4-FFF2-40B4-BE49-F238E27FC236}">
+                <a16:creationId xmlns:a16="http://schemas.microsoft.com/office/drawing/2014/main" id="{06B4CEE1-3430-9BA3-6998-16C2EBB3D9B0}"/>
+              </a:ext>
+            </a:extLst>
+          </p:cNvPr>
+          <p:cNvSpPr txBox="1"/>
+          <p:nvPr/>
+        </p:nvSpPr>
+        <p:spPr>
+          <a:xfrm>
+            <a:off x="4166550" y="1554891"/>
+            <a:ext cx="598437" cy="215444"/>
+          </a:xfrm>
+          <a:prstGeom prst="rect">
+            <a:avLst/>
+          </a:prstGeom>
+          <a:noFill/>
+          <a:ln w="3175">
+            <a:solidFill>
+              <a:schemeClr val="tx1">
+                <a:lumMod val="75000"/>
+                <a:lumOff val="25000"/>
+              </a:schemeClr>
+            </a:solidFill>
+          </a:ln>
+        </p:spPr>
+        <p:txBody>
+          <a:bodyPr wrap="square" rtlCol="0">
+            <a:spAutoFit/>
+          </a:bodyPr>
+          <a:lstStyle/>
+          <a:p>
+            <a:pPr algn="ctr"/>
+            <a:r>
+              <a:rPr lang="en-GB" sz="800" dirty="0">
+                <a:solidFill>
+                  <a:schemeClr val="tx1">
+                    <a:lumMod val="75000"/>
+                    <a:lumOff val="25000"/>
+                  </a:schemeClr>
+                </a:solidFill>
+              </a:rPr>
+              <a:t>ENS</a:t>
+            </a:r>
+          </a:p>
+        </p:txBody>
+      </p:sp>
+      <p:sp>
+        <p:nvSpPr>
+          <p:cNvPr id="185" name="TextBox 238">
+            <a:extLst>
+              <a:ext uri="{FF2B5EF4-FFF2-40B4-BE49-F238E27FC236}">
+                <a16:creationId xmlns:a16="http://schemas.microsoft.com/office/drawing/2014/main" id="{B5948A02-D18B-5E23-304A-5AB957798DB1}"/>
+              </a:ext>
+            </a:extLst>
+          </p:cNvPr>
+          <p:cNvSpPr txBox="1"/>
+          <p:nvPr/>
+        </p:nvSpPr>
+        <p:spPr>
+          <a:xfrm>
+            <a:off x="4878530" y="2932372"/>
+            <a:ext cx="216000" cy="215444"/>
+          </a:xfrm>
+          <a:prstGeom prst="rect">
+            <a:avLst/>
+          </a:prstGeom>
+          <a:solidFill>
+            <a:schemeClr val="bg1"/>
+          </a:solidFill>
+          <a:ln w="3175">
+            <a:solidFill>
+              <a:schemeClr val="tx1">
+                <a:lumMod val="75000"/>
+                <a:lumOff val="25000"/>
+              </a:schemeClr>
+            </a:solidFill>
+          </a:ln>
+        </p:spPr>
+        <p:txBody>
+          <a:bodyPr wrap="square" rtlCol="0">
+            <a:spAutoFit/>
+          </a:bodyPr>
+          <a:lstStyle/>
+          <a:p>
+            <a:r>
+              <a:rPr lang="en-GB" sz="800" dirty="0">
+                <a:solidFill>
+                  <a:schemeClr val="tx1">
+                    <a:lumMod val="75000"/>
+                    <a:lumOff val="25000"/>
+                  </a:schemeClr>
+                </a:solidFill>
+              </a:rPr>
+              <a:t>c</a:t>
+            </a:r>
+          </a:p>
+        </p:txBody>
+      </p:sp>
+      <p:sp>
+        <p:nvSpPr>
+          <p:cNvPr id="186" name="TextBox 239">
+            <a:extLst>
+              <a:ext uri="{FF2B5EF4-FFF2-40B4-BE49-F238E27FC236}">
+                <a16:creationId xmlns:a16="http://schemas.microsoft.com/office/drawing/2014/main" id="{18AFC9C9-ED8B-D886-DAC0-623CF8736934}"/>
+              </a:ext>
+            </a:extLst>
+          </p:cNvPr>
+          <p:cNvSpPr txBox="1"/>
+          <p:nvPr/>
+        </p:nvSpPr>
+        <p:spPr>
+          <a:xfrm>
+            <a:off x="6115631" y="2932372"/>
+            <a:ext cx="216000" cy="215444"/>
+          </a:xfrm>
+          <a:prstGeom prst="rect">
+            <a:avLst/>
+          </a:prstGeom>
+          <a:solidFill>
+            <a:schemeClr val="bg1"/>
+          </a:solidFill>
+          <a:ln w="3175">
+            <a:solidFill>
+              <a:schemeClr val="tx1">
+                <a:lumMod val="75000"/>
+                <a:lumOff val="25000"/>
+              </a:schemeClr>
+            </a:solidFill>
+          </a:ln>
+        </p:spPr>
+        <p:txBody>
+          <a:bodyPr wrap="square" rtlCol="0">
+            <a:spAutoFit/>
+          </a:bodyPr>
+          <a:lstStyle/>
+          <a:p>
+            <a:r>
+              <a:rPr lang="en-GB" sz="800" dirty="0">
+                <a:solidFill>
+                  <a:schemeClr val="tx1">
+                    <a:lumMod val="75000"/>
+                    <a:lumOff val="25000"/>
+                  </a:schemeClr>
+                </a:solidFill>
+              </a:rPr>
+              <a:t>e</a:t>
+            </a:r>
+          </a:p>
+        </p:txBody>
+      </p:sp>
+      <p:sp>
+        <p:nvSpPr>
+          <p:cNvPr id="187" name="TextBox 240">
+            <a:extLst>
+              <a:ext uri="{FF2B5EF4-FFF2-40B4-BE49-F238E27FC236}">
+                <a16:creationId xmlns:a16="http://schemas.microsoft.com/office/drawing/2014/main" id="{35202108-D28B-BD0D-CB90-3B190EAE4087}"/>
+              </a:ext>
+            </a:extLst>
+          </p:cNvPr>
+          <p:cNvSpPr txBox="1"/>
+          <p:nvPr/>
+        </p:nvSpPr>
+        <p:spPr>
+          <a:xfrm>
+            <a:off x="4878530" y="4268837"/>
+            <a:ext cx="216000" cy="215444"/>
+          </a:xfrm>
+          <a:prstGeom prst="rect">
+            <a:avLst/>
+          </a:prstGeom>
+          <a:solidFill>
+            <a:schemeClr val="bg1"/>
+          </a:solidFill>
+          <a:ln w="3175">
+            <a:solidFill>
+              <a:schemeClr val="tx1">
+                <a:lumMod val="75000"/>
+                <a:lumOff val="25000"/>
+              </a:schemeClr>
+            </a:solidFill>
+          </a:ln>
+        </p:spPr>
+        <p:txBody>
+          <a:bodyPr wrap="square" rtlCol="0">
+            <a:spAutoFit/>
+          </a:bodyPr>
+          <a:lstStyle/>
+          <a:p>
+            <a:r>
+              <a:rPr lang="en-US" sz="800" dirty="0">
+                <a:solidFill>
+                  <a:schemeClr val="tx1">
+                    <a:lumMod val="75000"/>
+                    <a:lumOff val="25000"/>
+                  </a:schemeClr>
+                </a:solidFill>
+              </a:rPr>
+              <a:t>d</a:t>
+            </a:r>
+            <a:endParaRPr lang="en-GB" sz="800" dirty="0">
+              <a:solidFill>
+                <a:schemeClr val="tx1">
+                  <a:lumMod val="75000"/>
+                  <a:lumOff val="25000"/>
+                </a:schemeClr>
+              </a:solidFill>
+            </a:endParaRPr>
+          </a:p>
+        </p:txBody>
+      </p:sp>
+      <p:sp>
+        <p:nvSpPr>
+          <p:cNvPr id="188" name="TextBox 241">
+            <a:extLst>
+              <a:ext uri="{FF2B5EF4-FFF2-40B4-BE49-F238E27FC236}">
+                <a16:creationId xmlns:a16="http://schemas.microsoft.com/office/drawing/2014/main" id="{16140944-A7C1-A32B-8390-D386B3C88A3C}"/>
+              </a:ext>
+            </a:extLst>
+          </p:cNvPr>
+          <p:cNvSpPr txBox="1"/>
+          <p:nvPr/>
+        </p:nvSpPr>
+        <p:spPr>
+          <a:xfrm>
+            <a:off x="6115631" y="4268837"/>
+            <a:ext cx="216000" cy="215444"/>
+          </a:xfrm>
+          <a:prstGeom prst="rect">
+            <a:avLst/>
+          </a:prstGeom>
+          <a:solidFill>
+            <a:schemeClr val="bg1"/>
+          </a:solidFill>
+          <a:ln w="3175">
+            <a:solidFill>
+              <a:schemeClr val="tx1">
+                <a:lumMod val="75000"/>
+                <a:lumOff val="25000"/>
+              </a:schemeClr>
+            </a:solidFill>
+          </a:ln>
+        </p:spPr>
+        <p:txBody>
+          <a:bodyPr wrap="square" rtlCol="0">
+            <a:spAutoFit/>
+          </a:bodyPr>
+          <a:lstStyle/>
+          <a:p>
+            <a:r>
+              <a:rPr lang="en-GB" sz="800" dirty="0">
+                <a:solidFill>
+                  <a:schemeClr val="tx1">
+                    <a:lumMod val="75000"/>
+                    <a:lumOff val="25000"/>
+                  </a:schemeClr>
+                </a:solidFill>
+              </a:rPr>
+              <a:t>f</a:t>
+            </a:r>
           </a:p>
         </p:txBody>
       </p:sp>

--- a/Manuscript/Figures/03_DATA_Annual_Average_Rainfall.pptx
+++ b/Manuscript/Figures/03_DATA_Annual_Average_Rainfall.pptx
@@ -125,12 +125,12 @@
   <pc:docChgLst>
     <pc:chgData name="Fatima Pillosu" userId="a6295d4dc9e22643" providerId="LiveId" clId="{E4EB9531-B35B-4F76-8762-A23C9D2F4928}"/>
     <pc:docChg chg="undo custSel addSld delSld modSld">
-      <pc:chgData name="Fatima Pillosu" userId="a6295d4dc9e22643" providerId="LiveId" clId="{E4EB9531-B35B-4F76-8762-A23C9D2F4928}" dt="2023-11-08T22:39:33.949" v="516" actId="47"/>
+      <pc:chgData name="Fatima Pillosu" userId="a6295d4dc9e22643" providerId="LiveId" clId="{E4EB9531-B35B-4F76-8762-A23C9D2F4928}" dt="2023-11-13T17:28:48.746" v="556" actId="20577"/>
       <pc:docMkLst>
         <pc:docMk/>
       </pc:docMkLst>
       <pc:sldChg chg="addSp delSp modSp mod">
-        <pc:chgData name="Fatima Pillosu" userId="a6295d4dc9e22643" providerId="LiveId" clId="{E4EB9531-B35B-4F76-8762-A23C9D2F4928}" dt="2023-11-08T22:38:19.835" v="515" actId="1037"/>
+        <pc:chgData name="Fatima Pillosu" userId="a6295d4dc9e22643" providerId="LiveId" clId="{E4EB9531-B35B-4F76-8762-A23C9D2F4928}" dt="2023-11-13T17:28:48.746" v="556" actId="20577"/>
         <pc:sldMkLst>
           <pc:docMk/>
           <pc:sldMk cId="1967199282" sldId="256"/>
@@ -1704,7 +1704,7 @@
           </ac:spMkLst>
         </pc:spChg>
         <pc:spChg chg="add mod">
-          <ac:chgData name="Fatima Pillosu" userId="a6295d4dc9e22643" providerId="LiveId" clId="{E4EB9531-B35B-4F76-8762-A23C9D2F4928}" dt="2023-11-08T22:32:18.293" v="339" actId="20577"/>
+          <ac:chgData name="Fatima Pillosu" userId="a6295d4dc9e22643" providerId="LiveId" clId="{E4EB9531-B35B-4F76-8762-A23C9D2F4928}" dt="2023-11-13T17:28:48.746" v="556" actId="20577"/>
           <ac:spMkLst>
             <pc:docMk/>
             <pc:sldMk cId="1967199282" sldId="256"/>
@@ -2751,7 +2751,7 @@
           <a:p>
             <a:fld id="{BE66BE40-8B0C-4A52-BD4D-0C8256116241}" type="datetimeFigureOut">
               <a:rPr lang="en-GB" smtClean="0"/>
-              <a:t>08/11/2023</a:t>
+              <a:t>13/11/2023</a:t>
             </a:fld>
             <a:endParaRPr lang="en-GB"/>
           </a:p>
@@ -2921,7 +2921,7 @@
           <a:p>
             <a:fld id="{BE66BE40-8B0C-4A52-BD4D-0C8256116241}" type="datetimeFigureOut">
               <a:rPr lang="en-GB" smtClean="0"/>
-              <a:t>08/11/2023</a:t>
+              <a:t>13/11/2023</a:t>
             </a:fld>
             <a:endParaRPr lang="en-GB"/>
           </a:p>
@@ -3101,7 +3101,7 @@
           <a:p>
             <a:fld id="{BE66BE40-8B0C-4A52-BD4D-0C8256116241}" type="datetimeFigureOut">
               <a:rPr lang="en-GB" smtClean="0"/>
-              <a:t>08/11/2023</a:t>
+              <a:t>13/11/2023</a:t>
             </a:fld>
             <a:endParaRPr lang="en-GB"/>
           </a:p>
@@ -3271,7 +3271,7 @@
           <a:p>
             <a:fld id="{BE66BE40-8B0C-4A52-BD4D-0C8256116241}" type="datetimeFigureOut">
               <a:rPr lang="en-GB" smtClean="0"/>
-              <a:t>08/11/2023</a:t>
+              <a:t>13/11/2023</a:t>
             </a:fld>
             <a:endParaRPr lang="en-GB"/>
           </a:p>
@@ -3515,7 +3515,7 @@
           <a:p>
             <a:fld id="{BE66BE40-8B0C-4A52-BD4D-0C8256116241}" type="datetimeFigureOut">
               <a:rPr lang="en-GB" smtClean="0"/>
-              <a:t>08/11/2023</a:t>
+              <a:t>13/11/2023</a:t>
             </a:fld>
             <a:endParaRPr lang="en-GB"/>
           </a:p>
@@ -3747,7 +3747,7 @@
           <a:p>
             <a:fld id="{BE66BE40-8B0C-4A52-BD4D-0C8256116241}" type="datetimeFigureOut">
               <a:rPr lang="en-GB" smtClean="0"/>
-              <a:t>08/11/2023</a:t>
+              <a:t>13/11/2023</a:t>
             </a:fld>
             <a:endParaRPr lang="en-GB"/>
           </a:p>
@@ -4114,7 +4114,7 @@
           <a:p>
             <a:fld id="{BE66BE40-8B0C-4A52-BD4D-0C8256116241}" type="datetimeFigureOut">
               <a:rPr lang="en-GB" smtClean="0"/>
-              <a:t>08/11/2023</a:t>
+              <a:t>13/11/2023</a:t>
             </a:fld>
             <a:endParaRPr lang="en-GB"/>
           </a:p>
@@ -4232,7 +4232,7 @@
           <a:p>
             <a:fld id="{BE66BE40-8B0C-4A52-BD4D-0C8256116241}" type="datetimeFigureOut">
               <a:rPr lang="en-GB" smtClean="0"/>
-              <a:t>08/11/2023</a:t>
+              <a:t>13/11/2023</a:t>
             </a:fld>
             <a:endParaRPr lang="en-GB"/>
           </a:p>
@@ -4327,7 +4327,7 @@
           <a:p>
             <a:fld id="{BE66BE40-8B0C-4A52-BD4D-0C8256116241}" type="datetimeFigureOut">
               <a:rPr lang="en-GB" smtClean="0"/>
-              <a:t>08/11/2023</a:t>
+              <a:t>13/11/2023</a:t>
             </a:fld>
             <a:endParaRPr lang="en-GB"/>
           </a:p>
@@ -4604,7 +4604,7 @@
           <a:p>
             <a:fld id="{BE66BE40-8B0C-4A52-BD4D-0C8256116241}" type="datetimeFigureOut">
               <a:rPr lang="en-GB" smtClean="0"/>
-              <a:t>08/11/2023</a:t>
+              <a:t>13/11/2023</a:t>
             </a:fld>
             <a:endParaRPr lang="en-GB"/>
           </a:p>
@@ -4861,7 +4861,7 @@
           <a:p>
             <a:fld id="{BE66BE40-8B0C-4A52-BD4D-0C8256116241}" type="datetimeFigureOut">
               <a:rPr lang="en-GB" smtClean="0"/>
-              <a:t>08/11/2023</a:t>
+              <a:t>13/11/2023</a:t>
             </a:fld>
             <a:endParaRPr lang="en-GB"/>
           </a:p>
@@ -5074,7 +5074,7 @@
           <a:p>
             <a:fld id="{BE66BE40-8B0C-4A52-BD4D-0C8256116241}" type="datetimeFigureOut">
               <a:rPr lang="en-GB" smtClean="0"/>
-              <a:t>08/11/2023</a:t>
+              <a:t>13/11/2023</a:t>
             </a:fld>
             <a:endParaRPr lang="en-GB"/>
           </a:p>
@@ -11240,8 +11240,27 @@
                   </a:schemeClr>
                 </a:solidFill>
               </a:rPr>
-              <a:t>Average of 2020’s 12-hourly rainfall</a:t>
-            </a:r>
+              <a:t>Average of 2020’s 12-hourly rainfall from forecasts </a:t>
+            </a:r>
+            <a:r>
+              <a:rPr lang="en-GB" sz="1000" b="1">
+                <a:solidFill>
+                  <a:schemeClr val="tx1">
+                    <a:lumMod val="75000"/>
+                    <a:lumOff val="25000"/>
+                  </a:schemeClr>
+                </a:solidFill>
+              </a:rPr>
+              <a:t>and SYNOP observations</a:t>
+            </a:r>
+            <a:endParaRPr lang="en-GB" sz="1000" b="1" dirty="0">
+              <a:solidFill>
+                <a:schemeClr val="tx1">
+                  <a:lumMod val="75000"/>
+                  <a:lumOff val="25000"/>
+                </a:schemeClr>
+              </a:solidFill>
+            </a:endParaRPr>
           </a:p>
         </p:txBody>
       </p:sp>

--- a/Manuscript/Figures/03_DATA_Annual_Average_Rainfall.pptx
+++ b/Manuscript/Figures/03_DATA_Annual_Average_Rainfall.pptx
@@ -125,12 +125,12 @@
   <pc:docChgLst>
     <pc:chgData name="Fatima Pillosu" userId="a6295d4dc9e22643" providerId="LiveId" clId="{E4EB9531-B35B-4F76-8762-A23C9D2F4928}"/>
     <pc:docChg chg="undo custSel addSld delSld modSld">
-      <pc:chgData name="Fatima Pillosu" userId="a6295d4dc9e22643" providerId="LiveId" clId="{E4EB9531-B35B-4F76-8762-A23C9D2F4928}" dt="2023-11-13T17:28:48.746" v="556" actId="20577"/>
+      <pc:chgData name="Fatima Pillosu" userId="a6295d4dc9e22643" providerId="LiveId" clId="{E4EB9531-B35B-4F76-8762-A23C9D2F4928}" dt="2023-11-19T15:38:13.231" v="561" actId="20577"/>
       <pc:docMkLst>
         <pc:docMk/>
       </pc:docMkLst>
       <pc:sldChg chg="addSp delSp modSp mod">
-        <pc:chgData name="Fatima Pillosu" userId="a6295d4dc9e22643" providerId="LiveId" clId="{E4EB9531-B35B-4F76-8762-A23C9D2F4928}" dt="2023-11-13T17:28:48.746" v="556" actId="20577"/>
+        <pc:chgData name="Fatima Pillosu" userId="a6295d4dc9e22643" providerId="LiveId" clId="{E4EB9531-B35B-4F76-8762-A23C9D2F4928}" dt="2023-11-19T15:38:13.231" v="561" actId="20577"/>
         <pc:sldMkLst>
           <pc:docMk/>
           <pc:sldMk cId="1967199282" sldId="256"/>
@@ -1608,7 +1608,7 @@
           </ac:spMkLst>
         </pc:spChg>
         <pc:spChg chg="add mod">
-          <ac:chgData name="Fatima Pillosu" userId="a6295d4dc9e22643" providerId="LiveId" clId="{E4EB9531-B35B-4F76-8762-A23C9D2F4928}" dt="2023-11-06T21:57:52.980" v="155"/>
+          <ac:chgData name="Fatima Pillosu" userId="a6295d4dc9e22643" providerId="LiveId" clId="{E4EB9531-B35B-4F76-8762-A23C9D2F4928}" dt="2023-11-19T15:38:13.231" v="561" actId="20577"/>
           <ac:spMkLst>
             <pc:docMk/>
             <pc:sldMk cId="1967199282" sldId="256"/>
@@ -2751,7 +2751,7 @@
           <a:p>
             <a:fld id="{BE66BE40-8B0C-4A52-BD4D-0C8256116241}" type="datetimeFigureOut">
               <a:rPr lang="en-GB" smtClean="0"/>
-              <a:t>13/11/2023</a:t>
+              <a:t>19/11/2023</a:t>
             </a:fld>
             <a:endParaRPr lang="en-GB"/>
           </a:p>
@@ -2921,7 +2921,7 @@
           <a:p>
             <a:fld id="{BE66BE40-8B0C-4A52-BD4D-0C8256116241}" type="datetimeFigureOut">
               <a:rPr lang="en-GB" smtClean="0"/>
-              <a:t>13/11/2023</a:t>
+              <a:t>19/11/2023</a:t>
             </a:fld>
             <a:endParaRPr lang="en-GB"/>
           </a:p>
@@ -3101,7 +3101,7 @@
           <a:p>
             <a:fld id="{BE66BE40-8B0C-4A52-BD4D-0C8256116241}" type="datetimeFigureOut">
               <a:rPr lang="en-GB" smtClean="0"/>
-              <a:t>13/11/2023</a:t>
+              <a:t>19/11/2023</a:t>
             </a:fld>
             <a:endParaRPr lang="en-GB"/>
           </a:p>
@@ -3271,7 +3271,7 @@
           <a:p>
             <a:fld id="{BE66BE40-8B0C-4A52-BD4D-0C8256116241}" type="datetimeFigureOut">
               <a:rPr lang="en-GB" smtClean="0"/>
-              <a:t>13/11/2023</a:t>
+              <a:t>19/11/2023</a:t>
             </a:fld>
             <a:endParaRPr lang="en-GB"/>
           </a:p>
@@ -3515,7 +3515,7 @@
           <a:p>
             <a:fld id="{BE66BE40-8B0C-4A52-BD4D-0C8256116241}" type="datetimeFigureOut">
               <a:rPr lang="en-GB" smtClean="0"/>
-              <a:t>13/11/2023</a:t>
+              <a:t>19/11/2023</a:t>
             </a:fld>
             <a:endParaRPr lang="en-GB"/>
           </a:p>
@@ -3747,7 +3747,7 @@
           <a:p>
             <a:fld id="{BE66BE40-8B0C-4A52-BD4D-0C8256116241}" type="datetimeFigureOut">
               <a:rPr lang="en-GB" smtClean="0"/>
-              <a:t>13/11/2023</a:t>
+              <a:t>19/11/2023</a:t>
             </a:fld>
             <a:endParaRPr lang="en-GB"/>
           </a:p>
@@ -4114,7 +4114,7 @@
           <a:p>
             <a:fld id="{BE66BE40-8B0C-4A52-BD4D-0C8256116241}" type="datetimeFigureOut">
               <a:rPr lang="en-GB" smtClean="0"/>
-              <a:t>13/11/2023</a:t>
+              <a:t>19/11/2023</a:t>
             </a:fld>
             <a:endParaRPr lang="en-GB"/>
           </a:p>
@@ -4232,7 +4232,7 @@
           <a:p>
             <a:fld id="{BE66BE40-8B0C-4A52-BD4D-0C8256116241}" type="datetimeFigureOut">
               <a:rPr lang="en-GB" smtClean="0"/>
-              <a:t>13/11/2023</a:t>
+              <a:t>19/11/2023</a:t>
             </a:fld>
             <a:endParaRPr lang="en-GB"/>
           </a:p>
@@ -4327,7 +4327,7 @@
           <a:p>
             <a:fld id="{BE66BE40-8B0C-4A52-BD4D-0C8256116241}" type="datetimeFigureOut">
               <a:rPr lang="en-GB" smtClean="0"/>
-              <a:t>13/11/2023</a:t>
+              <a:t>19/11/2023</a:t>
             </a:fld>
             <a:endParaRPr lang="en-GB"/>
           </a:p>
@@ -4604,7 +4604,7 @@
           <a:p>
             <a:fld id="{BE66BE40-8B0C-4A52-BD4D-0C8256116241}" type="datetimeFigureOut">
               <a:rPr lang="en-GB" smtClean="0"/>
-              <a:t>13/11/2023</a:t>
+              <a:t>19/11/2023</a:t>
             </a:fld>
             <a:endParaRPr lang="en-GB"/>
           </a:p>
@@ -4861,7 +4861,7 @@
           <a:p>
             <a:fld id="{BE66BE40-8B0C-4A52-BD4D-0C8256116241}" type="datetimeFigureOut">
               <a:rPr lang="en-GB" smtClean="0"/>
-              <a:t>13/11/2023</a:t>
+              <a:t>19/11/2023</a:t>
             </a:fld>
             <a:endParaRPr lang="en-GB"/>
           </a:p>
@@ -5074,7 +5074,7 @@
           <a:p>
             <a:fld id="{BE66BE40-8B0C-4A52-BD4D-0C8256116241}" type="datetimeFigureOut">
               <a:rPr lang="en-GB" smtClean="0"/>
-              <a:t>13/11/2023</a:t>
+              <a:t>19/11/2023</a:t>
             </a:fld>
             <a:endParaRPr lang="en-GB"/>
           </a:p>
@@ -10965,7 +10965,7 @@
                   </a:schemeClr>
                 </a:solidFill>
               </a:rPr>
-              <a:t>OBS</a:t>
+              <a:t>SYNOP</a:t>
             </a:r>
           </a:p>
         </p:txBody>
